--- a/01 - Comment est fabriqué un PCB/PPPPP 01 - Comment est fabriqué un PCB.pptx
+++ b/01 - Comment est fabriqué un PCB/PPPPP 01 - Comment est fabriqué un PCB.pptx
@@ -9,6 +9,12 @@
     <p:sldId id="256" r:id="rId4"/>
     <p:sldId id="257" r:id="rId5"/>
     <p:sldId id="258" r:id="rId6"/>
+    <p:sldId id="259" r:id="rId7"/>
+    <p:sldId id="260" r:id="rId8"/>
+    <p:sldId id="261" r:id="rId9"/>
+    <p:sldId id="262" r:id="rId10"/>
+    <p:sldId id="263" r:id="rId11"/>
+    <p:sldId id="264" r:id="rId12"/>
   </p:sldIdLst>
   <p:sldSz cx="12192000" cy="6858000"/>
   <p:notesSz cx="7772400" cy="10058400"/>
@@ -39,7 +45,7 @@
             <a:spLocks noGrp="1"/>
           </p:cNvSpPr>
           <p:nvPr>
-            <p:ph type="ftr" idx="2"/>
+            <p:ph type="ftr" idx="1"/>
           </p:nvPr>
         </p:nvSpPr>
         <p:spPr/>
@@ -59,14 +65,14 @@
             <a:spLocks noGrp="1"/>
           </p:cNvSpPr>
           <p:nvPr>
-            <p:ph type="sldNum" idx="3"/>
+            <p:ph type="sldNum" idx="2"/>
           </p:nvPr>
         </p:nvSpPr>
         <p:spPr/>
         <p:txBody>
           <a:bodyPr/>
           <a:p>
-            <a:fld id="{BF8BDE0E-D9AA-4329-9F50-A8012B591BD0}" type="slidenum">
+            <a:fld id="{2EE53F43-23A3-42D3-B1B2-D3E769AC16F9}" type="slidenum">
               <a:t>&lt;#&gt;</a:t>
             </a:fld>
           </a:p>
@@ -79,7 +85,7 @@
             <a:spLocks noGrp="1"/>
           </p:cNvSpPr>
           <p:nvPr>
-            <p:ph type="dt" idx="1"/>
+            <p:ph type="dt" idx="3"/>
           </p:nvPr>
         </p:nvSpPr>
         <p:spPr/>
@@ -127,8 +133,8 @@
         </p:nvSpPr>
         <p:spPr>
           <a:xfrm>
-            <a:off x="838080" y="365040"/>
-            <a:ext cx="10515240" cy="1325160"/>
+            <a:off x="609480" y="273600"/>
+            <a:ext cx="10972440" cy="1144800"/>
           </a:xfrm>
           <a:prstGeom prst="rect">
             <a:avLst/>
@@ -143,11 +149,11 @@
             <a:noAutofit/>
           </a:bodyPr>
           <a:p>
-            <a:endParaRPr b="0" lang="en-US" sz="1800" spc="-1" strike="noStrike">
-              <a:solidFill>
-                <a:srgbClr val="000000"/>
-              </a:solidFill>
-              <a:latin typeface="Amasis MT Pro Medium"/>
+            <a:pPr algn="ctr">
+              <a:buNone/>
+            </a:pPr>
+            <a:endParaRPr b="0" lang="en-CA" sz="4400" spc="-1" strike="noStrike">
+              <a:latin typeface="Arial"/>
             </a:endParaRPr>
           </a:p>
         </p:txBody>
@@ -164,8 +170,8 @@
         </p:nvSpPr>
         <p:spPr>
           <a:xfrm>
-            <a:off x="838080" y="1825560"/>
-            <a:ext cx="10515240" cy="2075040"/>
+            <a:off x="609480" y="1604520"/>
+            <a:ext cx="10972440" cy="1896840"/>
           </a:xfrm>
           <a:prstGeom prst="rect">
             <a:avLst/>
@@ -180,20 +186,8 @@
             <a:normAutofit/>
           </a:bodyPr>
           <a:p>
-            <a:pPr>
-              <a:lnSpc>
-                <a:spcPct val="90000"/>
-              </a:lnSpc>
-              <a:spcBef>
-                <a:spcPts val="1417"/>
-              </a:spcBef>
-              <a:buNone/>
-            </a:pPr>
-            <a:endParaRPr b="0" lang="en-US" sz="2800" spc="-1" strike="noStrike">
-              <a:solidFill>
-                <a:srgbClr val="000000"/>
-              </a:solidFill>
-              <a:latin typeface="Amasis MT Pro Medium"/>
+            <a:endParaRPr b="0" lang="en-CA" sz="3200" spc="-1" strike="noStrike">
+              <a:latin typeface="Arial"/>
             </a:endParaRPr>
           </a:p>
         </p:txBody>
@@ -210,8 +204,8 @@
         </p:nvSpPr>
         <p:spPr>
           <a:xfrm>
-            <a:off x="838080" y="4098240"/>
-            <a:ext cx="10515240" cy="2075040"/>
+            <a:off x="609480" y="3682080"/>
+            <a:ext cx="10972440" cy="1896840"/>
           </a:xfrm>
           <a:prstGeom prst="rect">
             <a:avLst/>
@@ -226,20 +220,8 @@
             <a:normAutofit/>
           </a:bodyPr>
           <a:p>
-            <a:pPr>
-              <a:lnSpc>
-                <a:spcPct val="90000"/>
-              </a:lnSpc>
-              <a:spcBef>
-                <a:spcPts val="1417"/>
-              </a:spcBef>
-              <a:buNone/>
-            </a:pPr>
-            <a:endParaRPr b="0" lang="en-US" sz="2800" spc="-1" strike="noStrike">
-              <a:solidFill>
-                <a:srgbClr val="000000"/>
-              </a:solidFill>
-              <a:latin typeface="Amasis MT Pro Medium"/>
+            <a:endParaRPr b="0" lang="en-CA" sz="3200" spc="-1" strike="noStrike">
+              <a:latin typeface="Arial"/>
             </a:endParaRPr>
           </a:p>
         </p:txBody>
@@ -251,7 +233,7 @@
             <a:spLocks noGrp="1"/>
           </p:cNvSpPr>
           <p:nvPr>
-            <p:ph type="ftr" idx="2"/>
+            <p:ph type="ftr" idx="1"/>
           </p:nvPr>
         </p:nvSpPr>
         <p:spPr/>
@@ -271,14 +253,14 @@
             <a:spLocks noGrp="1"/>
           </p:cNvSpPr>
           <p:nvPr>
-            <p:ph type="sldNum" idx="3"/>
+            <p:ph type="sldNum" idx="2"/>
           </p:nvPr>
         </p:nvSpPr>
         <p:spPr/>
         <p:txBody>
           <a:bodyPr/>
           <a:p>
-            <a:fld id="{0090E1EF-7BEF-4552-8768-FE7F1F730235}" type="slidenum">
+            <a:fld id="{CA3D2877-2D62-44CA-AAD3-D02FDE04BEB9}" type="slidenum">
               <a:t>&lt;#&gt;</a:t>
             </a:fld>
           </a:p>
@@ -291,7 +273,7 @@
             <a:spLocks noGrp="1"/>
           </p:cNvSpPr>
           <p:nvPr>
-            <p:ph type="dt" idx="1"/>
+            <p:ph type="dt" idx="3"/>
           </p:nvPr>
         </p:nvSpPr>
         <p:spPr/>
@@ -339,8 +321,8 @@
         </p:nvSpPr>
         <p:spPr>
           <a:xfrm>
-            <a:off x="838080" y="365040"/>
-            <a:ext cx="10515240" cy="1325160"/>
+            <a:off x="609480" y="273600"/>
+            <a:ext cx="10972440" cy="1144800"/>
           </a:xfrm>
           <a:prstGeom prst="rect">
             <a:avLst/>
@@ -355,11 +337,11 @@
             <a:noAutofit/>
           </a:bodyPr>
           <a:p>
-            <a:endParaRPr b="0" lang="en-US" sz="1800" spc="-1" strike="noStrike">
-              <a:solidFill>
-                <a:srgbClr val="000000"/>
-              </a:solidFill>
-              <a:latin typeface="Amasis MT Pro Medium"/>
+            <a:pPr algn="ctr">
+              <a:buNone/>
+            </a:pPr>
+            <a:endParaRPr b="0" lang="en-CA" sz="4400" spc="-1" strike="noStrike">
+              <a:latin typeface="Arial"/>
             </a:endParaRPr>
           </a:p>
         </p:txBody>
@@ -376,8 +358,8 @@
         </p:nvSpPr>
         <p:spPr>
           <a:xfrm>
-            <a:off x="838080" y="1825560"/>
-            <a:ext cx="5131080" cy="2075040"/>
+            <a:off x="609480" y="1604520"/>
+            <a:ext cx="5354280" cy="1896840"/>
           </a:xfrm>
           <a:prstGeom prst="rect">
             <a:avLst/>
@@ -392,20 +374,8 @@
             <a:normAutofit/>
           </a:bodyPr>
           <a:p>
-            <a:pPr>
-              <a:lnSpc>
-                <a:spcPct val="90000"/>
-              </a:lnSpc>
-              <a:spcBef>
-                <a:spcPts val="1417"/>
-              </a:spcBef>
-              <a:buNone/>
-            </a:pPr>
-            <a:endParaRPr b="0" lang="en-US" sz="2800" spc="-1" strike="noStrike">
-              <a:solidFill>
-                <a:srgbClr val="000000"/>
-              </a:solidFill>
-              <a:latin typeface="Amasis MT Pro Medium"/>
+            <a:endParaRPr b="0" lang="en-CA" sz="3200" spc="-1" strike="noStrike">
+              <a:latin typeface="Arial"/>
             </a:endParaRPr>
           </a:p>
         </p:txBody>
@@ -422,8 +392,8 @@
         </p:nvSpPr>
         <p:spPr>
           <a:xfrm>
-            <a:off x="6226200" y="1825560"/>
-            <a:ext cx="5131080" cy="2075040"/>
+            <a:off x="6231960" y="1604520"/>
+            <a:ext cx="5354280" cy="1896840"/>
           </a:xfrm>
           <a:prstGeom prst="rect">
             <a:avLst/>
@@ -438,20 +408,8 @@
             <a:normAutofit/>
           </a:bodyPr>
           <a:p>
-            <a:pPr>
-              <a:lnSpc>
-                <a:spcPct val="90000"/>
-              </a:lnSpc>
-              <a:spcBef>
-                <a:spcPts val="1417"/>
-              </a:spcBef>
-              <a:buNone/>
-            </a:pPr>
-            <a:endParaRPr b="0" lang="en-US" sz="2800" spc="-1" strike="noStrike">
-              <a:solidFill>
-                <a:srgbClr val="000000"/>
-              </a:solidFill>
-              <a:latin typeface="Amasis MT Pro Medium"/>
+            <a:endParaRPr b="0" lang="en-CA" sz="3200" spc="-1" strike="noStrike">
+              <a:latin typeface="Arial"/>
             </a:endParaRPr>
           </a:p>
         </p:txBody>
@@ -468,8 +426,8 @@
         </p:nvSpPr>
         <p:spPr>
           <a:xfrm>
-            <a:off x="838080" y="4098240"/>
-            <a:ext cx="5131080" cy="2075040"/>
+            <a:off x="609480" y="3682080"/>
+            <a:ext cx="5354280" cy="1896840"/>
           </a:xfrm>
           <a:prstGeom prst="rect">
             <a:avLst/>
@@ -484,20 +442,8 @@
             <a:normAutofit/>
           </a:bodyPr>
           <a:p>
-            <a:pPr>
-              <a:lnSpc>
-                <a:spcPct val="90000"/>
-              </a:lnSpc>
-              <a:spcBef>
-                <a:spcPts val="1417"/>
-              </a:spcBef>
-              <a:buNone/>
-            </a:pPr>
-            <a:endParaRPr b="0" lang="en-US" sz="2800" spc="-1" strike="noStrike">
-              <a:solidFill>
-                <a:srgbClr val="000000"/>
-              </a:solidFill>
-              <a:latin typeface="Amasis MT Pro Medium"/>
+            <a:endParaRPr b="0" lang="en-CA" sz="3200" spc="-1" strike="noStrike">
+              <a:latin typeface="Arial"/>
             </a:endParaRPr>
           </a:p>
         </p:txBody>
@@ -514,8 +460,8 @@
         </p:nvSpPr>
         <p:spPr>
           <a:xfrm>
-            <a:off x="6226200" y="4098240"/>
-            <a:ext cx="5131080" cy="2075040"/>
+            <a:off x="6231960" y="3682080"/>
+            <a:ext cx="5354280" cy="1896840"/>
           </a:xfrm>
           <a:prstGeom prst="rect">
             <a:avLst/>
@@ -530,20 +476,8 @@
             <a:normAutofit/>
           </a:bodyPr>
           <a:p>
-            <a:pPr>
-              <a:lnSpc>
-                <a:spcPct val="90000"/>
-              </a:lnSpc>
-              <a:spcBef>
-                <a:spcPts val="1417"/>
-              </a:spcBef>
-              <a:buNone/>
-            </a:pPr>
-            <a:endParaRPr b="0" lang="en-US" sz="2800" spc="-1" strike="noStrike">
-              <a:solidFill>
-                <a:srgbClr val="000000"/>
-              </a:solidFill>
-              <a:latin typeface="Amasis MT Pro Medium"/>
+            <a:endParaRPr b="0" lang="en-CA" sz="3200" spc="-1" strike="noStrike">
+              <a:latin typeface="Arial"/>
             </a:endParaRPr>
           </a:p>
         </p:txBody>
@@ -555,7 +489,7 @@
             <a:spLocks noGrp="1"/>
           </p:cNvSpPr>
           <p:nvPr>
-            <p:ph type="ftr" idx="2"/>
+            <p:ph type="ftr" idx="1"/>
           </p:nvPr>
         </p:nvSpPr>
         <p:spPr/>
@@ -575,14 +509,14 @@
             <a:spLocks noGrp="1"/>
           </p:cNvSpPr>
           <p:nvPr>
-            <p:ph type="sldNum" idx="3"/>
+            <p:ph type="sldNum" idx="2"/>
           </p:nvPr>
         </p:nvSpPr>
         <p:spPr/>
         <p:txBody>
           <a:bodyPr/>
           <a:p>
-            <a:fld id="{8165399E-28D5-4782-BEF1-5A8101A3CF2A}" type="slidenum">
+            <a:fld id="{58B63A88-0369-4AF6-B192-1A356ABFDAA1}" type="slidenum">
               <a:t>&lt;#&gt;</a:t>
             </a:fld>
           </a:p>
@@ -595,7 +529,7 @@
             <a:spLocks noGrp="1"/>
           </p:cNvSpPr>
           <p:nvPr>
-            <p:ph type="dt" idx="1"/>
+            <p:ph type="dt" idx="3"/>
           </p:nvPr>
         </p:nvSpPr>
         <p:spPr/>
@@ -643,8 +577,8 @@
         </p:nvSpPr>
         <p:spPr>
           <a:xfrm>
-            <a:off x="838080" y="365040"/>
-            <a:ext cx="10515240" cy="1325160"/>
+            <a:off x="609480" y="273600"/>
+            <a:ext cx="10972440" cy="1144800"/>
           </a:xfrm>
           <a:prstGeom prst="rect">
             <a:avLst/>
@@ -659,11 +593,11 @@
             <a:noAutofit/>
           </a:bodyPr>
           <a:p>
-            <a:endParaRPr b="0" lang="en-US" sz="1800" spc="-1" strike="noStrike">
-              <a:solidFill>
-                <a:srgbClr val="000000"/>
-              </a:solidFill>
-              <a:latin typeface="Amasis MT Pro Medium"/>
+            <a:pPr algn="ctr">
+              <a:buNone/>
+            </a:pPr>
+            <a:endParaRPr b="0" lang="en-CA" sz="4400" spc="-1" strike="noStrike">
+              <a:latin typeface="Arial"/>
             </a:endParaRPr>
           </a:p>
         </p:txBody>
@@ -680,8 +614,8 @@
         </p:nvSpPr>
         <p:spPr>
           <a:xfrm>
-            <a:off x="838080" y="1825560"/>
-            <a:ext cx="3385800" cy="2075040"/>
+            <a:off x="609480" y="1604520"/>
+            <a:ext cx="3533040" cy="1896840"/>
           </a:xfrm>
           <a:prstGeom prst="rect">
             <a:avLst/>
@@ -696,20 +630,8 @@
             <a:normAutofit/>
           </a:bodyPr>
           <a:p>
-            <a:pPr>
-              <a:lnSpc>
-                <a:spcPct val="90000"/>
-              </a:lnSpc>
-              <a:spcBef>
-                <a:spcPts val="1417"/>
-              </a:spcBef>
-              <a:buNone/>
-            </a:pPr>
-            <a:endParaRPr b="0" lang="en-US" sz="2800" spc="-1" strike="noStrike">
-              <a:solidFill>
-                <a:srgbClr val="000000"/>
-              </a:solidFill>
-              <a:latin typeface="Amasis MT Pro Medium"/>
+            <a:endParaRPr b="0" lang="en-CA" sz="3200" spc="-1" strike="noStrike">
+              <a:latin typeface="Arial"/>
             </a:endParaRPr>
           </a:p>
         </p:txBody>
@@ -726,8 +648,8 @@
         </p:nvSpPr>
         <p:spPr>
           <a:xfrm>
-            <a:off x="4393440" y="1825560"/>
-            <a:ext cx="3385800" cy="2075040"/>
+            <a:off x="4319640" y="1604520"/>
+            <a:ext cx="3533040" cy="1896840"/>
           </a:xfrm>
           <a:prstGeom prst="rect">
             <a:avLst/>
@@ -742,20 +664,8 @@
             <a:normAutofit/>
           </a:bodyPr>
           <a:p>
-            <a:pPr>
-              <a:lnSpc>
-                <a:spcPct val="90000"/>
-              </a:lnSpc>
-              <a:spcBef>
-                <a:spcPts val="1417"/>
-              </a:spcBef>
-              <a:buNone/>
-            </a:pPr>
-            <a:endParaRPr b="0" lang="en-US" sz="2800" spc="-1" strike="noStrike">
-              <a:solidFill>
-                <a:srgbClr val="000000"/>
-              </a:solidFill>
-              <a:latin typeface="Amasis MT Pro Medium"/>
+            <a:endParaRPr b="0" lang="en-CA" sz="3200" spc="-1" strike="noStrike">
+              <a:latin typeface="Arial"/>
             </a:endParaRPr>
           </a:p>
         </p:txBody>
@@ -772,8 +682,8 @@
         </p:nvSpPr>
         <p:spPr>
           <a:xfrm>
-            <a:off x="7949160" y="1825560"/>
-            <a:ext cx="3385800" cy="2075040"/>
+            <a:off x="8029800" y="1604520"/>
+            <a:ext cx="3533040" cy="1896840"/>
           </a:xfrm>
           <a:prstGeom prst="rect">
             <a:avLst/>
@@ -788,20 +698,8 @@
             <a:normAutofit/>
           </a:bodyPr>
           <a:p>
-            <a:pPr>
-              <a:lnSpc>
-                <a:spcPct val="90000"/>
-              </a:lnSpc>
-              <a:spcBef>
-                <a:spcPts val="1417"/>
-              </a:spcBef>
-              <a:buNone/>
-            </a:pPr>
-            <a:endParaRPr b="0" lang="en-US" sz="2800" spc="-1" strike="noStrike">
-              <a:solidFill>
-                <a:srgbClr val="000000"/>
-              </a:solidFill>
-              <a:latin typeface="Amasis MT Pro Medium"/>
+            <a:endParaRPr b="0" lang="en-CA" sz="3200" spc="-1" strike="noStrike">
+              <a:latin typeface="Arial"/>
             </a:endParaRPr>
           </a:p>
         </p:txBody>
@@ -818,8 +716,8 @@
         </p:nvSpPr>
         <p:spPr>
           <a:xfrm>
-            <a:off x="838080" y="4098240"/>
-            <a:ext cx="3385800" cy="2075040"/>
+            <a:off x="609480" y="3682080"/>
+            <a:ext cx="3533040" cy="1896840"/>
           </a:xfrm>
           <a:prstGeom prst="rect">
             <a:avLst/>
@@ -834,20 +732,8 @@
             <a:normAutofit/>
           </a:bodyPr>
           <a:p>
-            <a:pPr>
-              <a:lnSpc>
-                <a:spcPct val="90000"/>
-              </a:lnSpc>
-              <a:spcBef>
-                <a:spcPts val="1417"/>
-              </a:spcBef>
-              <a:buNone/>
-            </a:pPr>
-            <a:endParaRPr b="0" lang="en-US" sz="2800" spc="-1" strike="noStrike">
-              <a:solidFill>
-                <a:srgbClr val="000000"/>
-              </a:solidFill>
-              <a:latin typeface="Amasis MT Pro Medium"/>
+            <a:endParaRPr b="0" lang="en-CA" sz="3200" spc="-1" strike="noStrike">
+              <a:latin typeface="Arial"/>
             </a:endParaRPr>
           </a:p>
         </p:txBody>
@@ -864,8 +750,8 @@
         </p:nvSpPr>
         <p:spPr>
           <a:xfrm>
-            <a:off x="4393440" y="4098240"/>
-            <a:ext cx="3385800" cy="2075040"/>
+            <a:off x="4319640" y="3682080"/>
+            <a:ext cx="3533040" cy="1896840"/>
           </a:xfrm>
           <a:prstGeom prst="rect">
             <a:avLst/>
@@ -880,20 +766,8 @@
             <a:normAutofit/>
           </a:bodyPr>
           <a:p>
-            <a:pPr>
-              <a:lnSpc>
-                <a:spcPct val="90000"/>
-              </a:lnSpc>
-              <a:spcBef>
-                <a:spcPts val="1417"/>
-              </a:spcBef>
-              <a:buNone/>
-            </a:pPr>
-            <a:endParaRPr b="0" lang="en-US" sz="2800" spc="-1" strike="noStrike">
-              <a:solidFill>
-                <a:srgbClr val="000000"/>
-              </a:solidFill>
-              <a:latin typeface="Amasis MT Pro Medium"/>
+            <a:endParaRPr b="0" lang="en-CA" sz="3200" spc="-1" strike="noStrike">
+              <a:latin typeface="Arial"/>
             </a:endParaRPr>
           </a:p>
         </p:txBody>
@@ -910,8 +784,8 @@
         </p:nvSpPr>
         <p:spPr>
           <a:xfrm>
-            <a:off x="7949160" y="4098240"/>
-            <a:ext cx="3385800" cy="2075040"/>
+            <a:off x="8029800" y="3682080"/>
+            <a:ext cx="3533040" cy="1896840"/>
           </a:xfrm>
           <a:prstGeom prst="rect">
             <a:avLst/>
@@ -926,20 +800,8 @@
             <a:normAutofit/>
           </a:bodyPr>
           <a:p>
-            <a:pPr>
-              <a:lnSpc>
-                <a:spcPct val="90000"/>
-              </a:lnSpc>
-              <a:spcBef>
-                <a:spcPts val="1417"/>
-              </a:spcBef>
-              <a:buNone/>
-            </a:pPr>
-            <a:endParaRPr b="0" lang="en-US" sz="2800" spc="-1" strike="noStrike">
-              <a:solidFill>
-                <a:srgbClr val="000000"/>
-              </a:solidFill>
-              <a:latin typeface="Amasis MT Pro Medium"/>
+            <a:endParaRPr b="0" lang="en-CA" sz="3200" spc="-1" strike="noStrike">
+              <a:latin typeface="Arial"/>
             </a:endParaRPr>
           </a:p>
         </p:txBody>
@@ -951,7 +813,7 @@
             <a:spLocks noGrp="1"/>
           </p:cNvSpPr>
           <p:nvPr>
-            <p:ph type="ftr" idx="2"/>
+            <p:ph type="ftr" idx="1"/>
           </p:nvPr>
         </p:nvSpPr>
         <p:spPr/>
@@ -971,14 +833,14 @@
             <a:spLocks noGrp="1"/>
           </p:cNvSpPr>
           <p:nvPr>
-            <p:ph type="sldNum" idx="3"/>
+            <p:ph type="sldNum" idx="2"/>
           </p:nvPr>
         </p:nvSpPr>
         <p:spPr/>
         <p:txBody>
           <a:bodyPr/>
           <a:p>
-            <a:fld id="{68849191-DC98-4933-AAC1-5E08B8447007}" type="slidenum">
+            <a:fld id="{D69E9483-65FF-40E9-996C-71619EB349F1}" type="slidenum">
               <a:t>&lt;#&gt;</a:t>
             </a:fld>
           </a:p>
@@ -991,7 +853,7 @@
             <a:spLocks noGrp="1"/>
           </p:cNvSpPr>
           <p:nvPr>
-            <p:ph type="dt" idx="1"/>
+            <p:ph type="dt" idx="3"/>
           </p:nvPr>
         </p:nvSpPr>
         <p:spPr/>
@@ -1034,7 +896,7 @@
             <a:spLocks noGrp="1"/>
           </p:cNvSpPr>
           <p:nvPr>
-            <p:ph type="ftr" idx="5"/>
+            <p:ph type="ftr" idx="4"/>
           </p:nvPr>
         </p:nvSpPr>
         <p:spPr/>
@@ -1054,14 +916,14 @@
             <a:spLocks noGrp="1"/>
           </p:cNvSpPr>
           <p:nvPr>
-            <p:ph type="sldNum" idx="6"/>
+            <p:ph type="sldNum" idx="5"/>
           </p:nvPr>
         </p:nvSpPr>
         <p:spPr/>
         <p:txBody>
           <a:bodyPr/>
           <a:p>
-            <a:fld id="{5AB6D5E0-97EC-4641-8EE1-012DC0C54359}" type="slidenum">
+            <a:fld id="{452B242D-0DA5-4493-8A7D-9E0997A438A2}" type="slidenum">
               <a:t>&lt;#&gt;</a:t>
             </a:fld>
           </a:p>
@@ -1074,7 +936,7 @@
             <a:spLocks noGrp="1"/>
           </p:cNvSpPr>
           <p:nvPr>
-            <p:ph type="dt" idx="4"/>
+            <p:ph type="dt" idx="6"/>
           </p:nvPr>
         </p:nvSpPr>
         <p:spPr/>
@@ -1122,8 +984,8 @@
         </p:nvSpPr>
         <p:spPr>
           <a:xfrm>
-            <a:off x="838080" y="365040"/>
-            <a:ext cx="10515240" cy="1325160"/>
+            <a:off x="609480" y="273600"/>
+            <a:ext cx="10972440" cy="1144800"/>
           </a:xfrm>
           <a:prstGeom prst="rect">
             <a:avLst/>
@@ -1138,11 +1000,11 @@
             <a:noAutofit/>
           </a:bodyPr>
           <a:p>
-            <a:endParaRPr b="0" lang="en-US" sz="1800" spc="-1" strike="noStrike">
-              <a:solidFill>
-                <a:srgbClr val="000000"/>
-              </a:solidFill>
-              <a:latin typeface="Amasis MT Pro Medium"/>
+            <a:pPr algn="ctr">
+              <a:buNone/>
+            </a:pPr>
+            <a:endParaRPr b="0" lang="en-CA" sz="4400" spc="-1" strike="noStrike">
+              <a:latin typeface="Arial"/>
             </a:endParaRPr>
           </a:p>
         </p:txBody>
@@ -1159,8 +1021,8 @@
         </p:nvSpPr>
         <p:spPr>
           <a:xfrm>
-            <a:off x="838080" y="1825560"/>
-            <a:ext cx="10515240" cy="4350960"/>
+            <a:off x="609480" y="1604520"/>
+            <a:ext cx="10972440" cy="3977280"/>
           </a:xfrm>
           <a:prstGeom prst="rect">
             <a:avLst/>
@@ -1191,7 +1053,7 @@
             <a:spLocks noGrp="1"/>
           </p:cNvSpPr>
           <p:nvPr>
-            <p:ph type="ftr" idx="5"/>
+            <p:ph type="ftr" idx="4"/>
           </p:nvPr>
         </p:nvSpPr>
         <p:spPr/>
@@ -1211,14 +1073,14 @@
             <a:spLocks noGrp="1"/>
           </p:cNvSpPr>
           <p:nvPr>
-            <p:ph type="sldNum" idx="6"/>
+            <p:ph type="sldNum" idx="5"/>
           </p:nvPr>
         </p:nvSpPr>
         <p:spPr/>
         <p:txBody>
           <a:bodyPr/>
           <a:p>
-            <a:fld id="{FEA7C4A2-F56E-4718-8795-DA3EAD79C221}" type="slidenum">
+            <a:fld id="{E82A9328-8942-47B3-BDA1-E9268CD7A6BE}" type="slidenum">
               <a:t>&lt;#&gt;</a:t>
             </a:fld>
           </a:p>
@@ -1231,7 +1093,7 @@
             <a:spLocks noGrp="1"/>
           </p:cNvSpPr>
           <p:nvPr>
-            <p:ph type="dt" idx="4"/>
+            <p:ph type="dt" idx="6"/>
           </p:nvPr>
         </p:nvSpPr>
         <p:spPr/>
@@ -1279,8 +1141,8 @@
         </p:nvSpPr>
         <p:spPr>
           <a:xfrm>
-            <a:off x="838080" y="365040"/>
-            <a:ext cx="10515240" cy="1325160"/>
+            <a:off x="609480" y="273600"/>
+            <a:ext cx="10972440" cy="1144800"/>
           </a:xfrm>
           <a:prstGeom prst="rect">
             <a:avLst/>
@@ -1295,11 +1157,11 @@
             <a:noAutofit/>
           </a:bodyPr>
           <a:p>
-            <a:endParaRPr b="0" lang="en-US" sz="1800" spc="-1" strike="noStrike">
-              <a:solidFill>
-                <a:srgbClr val="000000"/>
-              </a:solidFill>
-              <a:latin typeface="Amasis MT Pro Medium"/>
+            <a:pPr algn="ctr">
+              <a:buNone/>
+            </a:pPr>
+            <a:endParaRPr b="0" lang="en-CA" sz="4400" spc="-1" strike="noStrike">
+              <a:latin typeface="Arial"/>
             </a:endParaRPr>
           </a:p>
         </p:txBody>
@@ -1316,8 +1178,8 @@
         </p:nvSpPr>
         <p:spPr>
           <a:xfrm>
-            <a:off x="838080" y="1825560"/>
-            <a:ext cx="10515240" cy="4350960"/>
+            <a:off x="609480" y="1604520"/>
+            <a:ext cx="10972440" cy="3977280"/>
           </a:xfrm>
           <a:prstGeom prst="rect">
             <a:avLst/>
@@ -1332,20 +1194,8 @@
             <a:normAutofit/>
           </a:bodyPr>
           <a:p>
-            <a:pPr>
-              <a:lnSpc>
-                <a:spcPct val="90000"/>
-              </a:lnSpc>
-              <a:spcBef>
-                <a:spcPts val="1417"/>
-              </a:spcBef>
-              <a:buNone/>
-            </a:pPr>
-            <a:endParaRPr b="0" lang="en-US" sz="2800" spc="-1" strike="noStrike">
-              <a:solidFill>
-                <a:srgbClr val="000000"/>
-              </a:solidFill>
-              <a:latin typeface="Amasis MT Pro Medium"/>
+            <a:endParaRPr b="0" lang="en-CA" sz="3200" spc="-1" strike="noStrike">
+              <a:latin typeface="Arial"/>
             </a:endParaRPr>
           </a:p>
         </p:txBody>
@@ -1357,7 +1207,7 @@
             <a:spLocks noGrp="1"/>
           </p:cNvSpPr>
           <p:nvPr>
-            <p:ph type="ftr" idx="5"/>
+            <p:ph type="ftr" idx="4"/>
           </p:nvPr>
         </p:nvSpPr>
         <p:spPr/>
@@ -1377,14 +1227,14 @@
             <a:spLocks noGrp="1"/>
           </p:cNvSpPr>
           <p:nvPr>
-            <p:ph type="sldNum" idx="6"/>
+            <p:ph type="sldNum" idx="5"/>
           </p:nvPr>
         </p:nvSpPr>
         <p:spPr/>
         <p:txBody>
           <a:bodyPr/>
           <a:p>
-            <a:fld id="{DC3940E0-5389-4700-966B-9FAB3AA866B7}" type="slidenum">
+            <a:fld id="{CCD5EA49-A45A-44EE-9F84-9F571CD8442A}" type="slidenum">
               <a:t>&lt;#&gt;</a:t>
             </a:fld>
           </a:p>
@@ -1397,7 +1247,7 @@
             <a:spLocks noGrp="1"/>
           </p:cNvSpPr>
           <p:nvPr>
-            <p:ph type="dt" idx="4"/>
+            <p:ph type="dt" idx="6"/>
           </p:nvPr>
         </p:nvSpPr>
         <p:spPr/>
@@ -1445,8 +1295,8 @@
         </p:nvSpPr>
         <p:spPr>
           <a:xfrm>
-            <a:off x="838080" y="365040"/>
-            <a:ext cx="10515240" cy="1325160"/>
+            <a:off x="609480" y="273600"/>
+            <a:ext cx="10972440" cy="1144800"/>
           </a:xfrm>
           <a:prstGeom prst="rect">
             <a:avLst/>
@@ -1461,11 +1311,11 @@
             <a:noAutofit/>
           </a:bodyPr>
           <a:p>
-            <a:endParaRPr b="0" lang="en-US" sz="1800" spc="-1" strike="noStrike">
-              <a:solidFill>
-                <a:srgbClr val="000000"/>
-              </a:solidFill>
-              <a:latin typeface="Amasis MT Pro Medium"/>
+            <a:pPr algn="ctr">
+              <a:buNone/>
+            </a:pPr>
+            <a:endParaRPr b="0" lang="en-CA" sz="4400" spc="-1" strike="noStrike">
+              <a:latin typeface="Arial"/>
             </a:endParaRPr>
           </a:p>
         </p:txBody>
@@ -1482,8 +1332,8 @@
         </p:nvSpPr>
         <p:spPr>
           <a:xfrm>
-            <a:off x="838080" y="1825560"/>
-            <a:ext cx="5131080" cy="4350960"/>
+            <a:off x="609480" y="1604520"/>
+            <a:ext cx="5354280" cy="3977280"/>
           </a:xfrm>
           <a:prstGeom prst="rect">
             <a:avLst/>
@@ -1498,20 +1348,8 @@
             <a:normAutofit/>
           </a:bodyPr>
           <a:p>
-            <a:pPr>
-              <a:lnSpc>
-                <a:spcPct val="90000"/>
-              </a:lnSpc>
-              <a:spcBef>
-                <a:spcPts val="1417"/>
-              </a:spcBef>
-              <a:buNone/>
-            </a:pPr>
-            <a:endParaRPr b="0" lang="en-US" sz="2800" spc="-1" strike="noStrike">
-              <a:solidFill>
-                <a:srgbClr val="000000"/>
-              </a:solidFill>
-              <a:latin typeface="Amasis MT Pro Medium"/>
+            <a:endParaRPr b="0" lang="en-CA" sz="3200" spc="-1" strike="noStrike">
+              <a:latin typeface="Arial"/>
             </a:endParaRPr>
           </a:p>
         </p:txBody>
@@ -1528,8 +1366,8 @@
         </p:nvSpPr>
         <p:spPr>
           <a:xfrm>
-            <a:off x="6226200" y="1825560"/>
-            <a:ext cx="5131080" cy="4350960"/>
+            <a:off x="6231960" y="1604520"/>
+            <a:ext cx="5354280" cy="3977280"/>
           </a:xfrm>
           <a:prstGeom prst="rect">
             <a:avLst/>
@@ -1544,20 +1382,8 @@
             <a:normAutofit/>
           </a:bodyPr>
           <a:p>
-            <a:pPr>
-              <a:lnSpc>
-                <a:spcPct val="90000"/>
-              </a:lnSpc>
-              <a:spcBef>
-                <a:spcPts val="1417"/>
-              </a:spcBef>
-              <a:buNone/>
-            </a:pPr>
-            <a:endParaRPr b="0" lang="en-US" sz="2800" spc="-1" strike="noStrike">
-              <a:solidFill>
-                <a:srgbClr val="000000"/>
-              </a:solidFill>
-              <a:latin typeface="Amasis MT Pro Medium"/>
+            <a:endParaRPr b="0" lang="en-CA" sz="3200" spc="-1" strike="noStrike">
+              <a:latin typeface="Arial"/>
             </a:endParaRPr>
           </a:p>
         </p:txBody>
@@ -1569,7 +1395,7 @@
             <a:spLocks noGrp="1"/>
           </p:cNvSpPr>
           <p:nvPr>
-            <p:ph type="ftr" idx="5"/>
+            <p:ph type="ftr" idx="4"/>
           </p:nvPr>
         </p:nvSpPr>
         <p:spPr/>
@@ -1589,14 +1415,14 @@
             <a:spLocks noGrp="1"/>
           </p:cNvSpPr>
           <p:nvPr>
-            <p:ph type="sldNum" idx="6"/>
+            <p:ph type="sldNum" idx="5"/>
           </p:nvPr>
         </p:nvSpPr>
         <p:spPr/>
         <p:txBody>
           <a:bodyPr/>
           <a:p>
-            <a:fld id="{4555F73C-3E3B-42CF-9C21-6AADAC870233}" type="slidenum">
+            <a:fld id="{76E159D3-F4FC-44BC-95AB-90FDA492C2B7}" type="slidenum">
               <a:t>&lt;#&gt;</a:t>
             </a:fld>
           </a:p>
@@ -1609,7 +1435,7 @@
             <a:spLocks noGrp="1"/>
           </p:cNvSpPr>
           <p:nvPr>
-            <p:ph type="dt" idx="4"/>
+            <p:ph type="dt" idx="6"/>
           </p:nvPr>
         </p:nvSpPr>
         <p:spPr/>
@@ -1657,8 +1483,8 @@
         </p:nvSpPr>
         <p:spPr>
           <a:xfrm>
-            <a:off x="838080" y="365040"/>
-            <a:ext cx="10515240" cy="1325160"/>
+            <a:off x="609480" y="273600"/>
+            <a:ext cx="10972440" cy="1144800"/>
           </a:xfrm>
           <a:prstGeom prst="rect">
             <a:avLst/>
@@ -1673,11 +1499,11 @@
             <a:noAutofit/>
           </a:bodyPr>
           <a:p>
-            <a:endParaRPr b="0" lang="en-US" sz="1800" spc="-1" strike="noStrike">
-              <a:solidFill>
-                <a:srgbClr val="000000"/>
-              </a:solidFill>
-              <a:latin typeface="Amasis MT Pro Medium"/>
+            <a:pPr algn="ctr">
+              <a:buNone/>
+            </a:pPr>
+            <a:endParaRPr b="0" lang="en-CA" sz="4400" spc="-1" strike="noStrike">
+              <a:latin typeface="Arial"/>
             </a:endParaRPr>
           </a:p>
         </p:txBody>
@@ -1689,7 +1515,7 @@
             <a:spLocks noGrp="1"/>
           </p:cNvSpPr>
           <p:nvPr>
-            <p:ph type="ftr" idx="5"/>
+            <p:ph type="ftr" idx="4"/>
           </p:nvPr>
         </p:nvSpPr>
         <p:spPr/>
@@ -1709,14 +1535,14 @@
             <a:spLocks noGrp="1"/>
           </p:cNvSpPr>
           <p:nvPr>
-            <p:ph type="sldNum" idx="6"/>
+            <p:ph type="sldNum" idx="5"/>
           </p:nvPr>
         </p:nvSpPr>
         <p:spPr/>
         <p:txBody>
           <a:bodyPr/>
           <a:p>
-            <a:fld id="{201A1B86-A776-44C2-B28B-846EAE90BED5}" type="slidenum">
+            <a:fld id="{77A88DE1-6467-42C6-A085-C97905517B16}" type="slidenum">
               <a:t>&lt;#&gt;</a:t>
             </a:fld>
           </a:p>
@@ -1729,7 +1555,7 @@
             <a:spLocks noGrp="1"/>
           </p:cNvSpPr>
           <p:nvPr>
-            <p:ph type="dt" idx="4"/>
+            <p:ph type="dt" idx="6"/>
           </p:nvPr>
         </p:nvSpPr>
         <p:spPr/>
@@ -1777,8 +1603,8 @@
         </p:nvSpPr>
         <p:spPr>
           <a:xfrm>
-            <a:off x="838080" y="365040"/>
-            <a:ext cx="10515240" cy="6144120"/>
+            <a:off x="609480" y="273600"/>
+            <a:ext cx="10972440" cy="5307840"/>
           </a:xfrm>
           <a:prstGeom prst="rect">
             <a:avLst/>
@@ -1809,7 +1635,7 @@
             <a:spLocks noGrp="1"/>
           </p:cNvSpPr>
           <p:nvPr>
-            <p:ph type="ftr" idx="5"/>
+            <p:ph type="ftr" idx="4"/>
           </p:nvPr>
         </p:nvSpPr>
         <p:spPr/>
@@ -1829,14 +1655,14 @@
             <a:spLocks noGrp="1"/>
           </p:cNvSpPr>
           <p:nvPr>
-            <p:ph type="sldNum" idx="6"/>
+            <p:ph type="sldNum" idx="5"/>
           </p:nvPr>
         </p:nvSpPr>
         <p:spPr/>
         <p:txBody>
           <a:bodyPr/>
           <a:p>
-            <a:fld id="{E9BCE17D-3C55-4B8A-A0E5-861D2BC6C35D}" type="slidenum">
+            <a:fld id="{5422BA5B-5F68-4A86-BD03-083F767B0317}" type="slidenum">
               <a:t>&lt;#&gt;</a:t>
             </a:fld>
           </a:p>
@@ -1849,7 +1675,7 @@
             <a:spLocks noGrp="1"/>
           </p:cNvSpPr>
           <p:nvPr>
-            <p:ph type="dt" idx="4"/>
+            <p:ph type="dt" idx="6"/>
           </p:nvPr>
         </p:nvSpPr>
         <p:spPr/>
@@ -1897,8 +1723,8 @@
         </p:nvSpPr>
         <p:spPr>
           <a:xfrm>
-            <a:off x="838080" y="365040"/>
-            <a:ext cx="10515240" cy="1325160"/>
+            <a:off x="609480" y="273600"/>
+            <a:ext cx="10972440" cy="1144800"/>
           </a:xfrm>
           <a:prstGeom prst="rect">
             <a:avLst/>
@@ -1913,11 +1739,11 @@
             <a:noAutofit/>
           </a:bodyPr>
           <a:p>
-            <a:endParaRPr b="0" lang="en-US" sz="1800" spc="-1" strike="noStrike">
-              <a:solidFill>
-                <a:srgbClr val="000000"/>
-              </a:solidFill>
-              <a:latin typeface="Amasis MT Pro Medium"/>
+            <a:pPr algn="ctr">
+              <a:buNone/>
+            </a:pPr>
+            <a:endParaRPr b="0" lang="en-CA" sz="4400" spc="-1" strike="noStrike">
+              <a:latin typeface="Arial"/>
             </a:endParaRPr>
           </a:p>
         </p:txBody>
@@ -1934,8 +1760,8 @@
         </p:nvSpPr>
         <p:spPr>
           <a:xfrm>
-            <a:off x="838080" y="1825560"/>
-            <a:ext cx="5131080" cy="2075040"/>
+            <a:off x="609480" y="1604520"/>
+            <a:ext cx="5354280" cy="1896840"/>
           </a:xfrm>
           <a:prstGeom prst="rect">
             <a:avLst/>
@@ -1950,20 +1776,8 @@
             <a:normAutofit/>
           </a:bodyPr>
           <a:p>
-            <a:pPr>
-              <a:lnSpc>
-                <a:spcPct val="90000"/>
-              </a:lnSpc>
-              <a:spcBef>
-                <a:spcPts val="1417"/>
-              </a:spcBef>
-              <a:buNone/>
-            </a:pPr>
-            <a:endParaRPr b="0" lang="en-US" sz="2800" spc="-1" strike="noStrike">
-              <a:solidFill>
-                <a:srgbClr val="000000"/>
-              </a:solidFill>
-              <a:latin typeface="Amasis MT Pro Medium"/>
+            <a:endParaRPr b="0" lang="en-CA" sz="3200" spc="-1" strike="noStrike">
+              <a:latin typeface="Arial"/>
             </a:endParaRPr>
           </a:p>
         </p:txBody>
@@ -1980,8 +1794,8 @@
         </p:nvSpPr>
         <p:spPr>
           <a:xfrm>
-            <a:off x="6226200" y="1825560"/>
-            <a:ext cx="5131080" cy="4350960"/>
+            <a:off x="6231960" y="1604520"/>
+            <a:ext cx="5354280" cy="3977280"/>
           </a:xfrm>
           <a:prstGeom prst="rect">
             <a:avLst/>
@@ -1996,20 +1810,8 @@
             <a:normAutofit/>
           </a:bodyPr>
           <a:p>
-            <a:pPr>
-              <a:lnSpc>
-                <a:spcPct val="90000"/>
-              </a:lnSpc>
-              <a:spcBef>
-                <a:spcPts val="1417"/>
-              </a:spcBef>
-              <a:buNone/>
-            </a:pPr>
-            <a:endParaRPr b="0" lang="en-US" sz="2800" spc="-1" strike="noStrike">
-              <a:solidFill>
-                <a:srgbClr val="000000"/>
-              </a:solidFill>
-              <a:latin typeface="Amasis MT Pro Medium"/>
+            <a:endParaRPr b="0" lang="en-CA" sz="3200" spc="-1" strike="noStrike">
+              <a:latin typeface="Arial"/>
             </a:endParaRPr>
           </a:p>
         </p:txBody>
@@ -2026,8 +1828,8 @@
         </p:nvSpPr>
         <p:spPr>
           <a:xfrm>
-            <a:off x="838080" y="4098240"/>
-            <a:ext cx="5131080" cy="2075040"/>
+            <a:off x="609480" y="3682080"/>
+            <a:ext cx="5354280" cy="1896840"/>
           </a:xfrm>
           <a:prstGeom prst="rect">
             <a:avLst/>
@@ -2042,20 +1844,8 @@
             <a:normAutofit/>
           </a:bodyPr>
           <a:p>
-            <a:pPr>
-              <a:lnSpc>
-                <a:spcPct val="90000"/>
-              </a:lnSpc>
-              <a:spcBef>
-                <a:spcPts val="1417"/>
-              </a:spcBef>
-              <a:buNone/>
-            </a:pPr>
-            <a:endParaRPr b="0" lang="en-US" sz="2800" spc="-1" strike="noStrike">
-              <a:solidFill>
-                <a:srgbClr val="000000"/>
-              </a:solidFill>
-              <a:latin typeface="Amasis MT Pro Medium"/>
+            <a:endParaRPr b="0" lang="en-CA" sz="3200" spc="-1" strike="noStrike">
+              <a:latin typeface="Arial"/>
             </a:endParaRPr>
           </a:p>
         </p:txBody>
@@ -2067,7 +1857,7 @@
             <a:spLocks noGrp="1"/>
           </p:cNvSpPr>
           <p:nvPr>
-            <p:ph type="ftr" idx="5"/>
+            <p:ph type="ftr" idx="4"/>
           </p:nvPr>
         </p:nvSpPr>
         <p:spPr/>
@@ -2087,14 +1877,14 @@
             <a:spLocks noGrp="1"/>
           </p:cNvSpPr>
           <p:nvPr>
-            <p:ph type="sldNum" idx="6"/>
+            <p:ph type="sldNum" idx="5"/>
           </p:nvPr>
         </p:nvSpPr>
         <p:spPr/>
         <p:txBody>
           <a:bodyPr/>
           <a:p>
-            <a:fld id="{B763F27B-2838-4D40-BACD-500AA5E92850}" type="slidenum">
+            <a:fld id="{21F8CB1D-2EEE-4CA6-A947-19272E945A9B}" type="slidenum">
               <a:t>&lt;#&gt;</a:t>
             </a:fld>
           </a:p>
@@ -2107,7 +1897,7 @@
             <a:spLocks noGrp="1"/>
           </p:cNvSpPr>
           <p:nvPr>
-            <p:ph type="dt" idx="4"/>
+            <p:ph type="dt" idx="6"/>
           </p:nvPr>
         </p:nvSpPr>
         <p:spPr/>
@@ -2155,8 +1945,8 @@
         </p:nvSpPr>
         <p:spPr>
           <a:xfrm>
-            <a:off x="838080" y="365040"/>
-            <a:ext cx="10515240" cy="1325160"/>
+            <a:off x="609480" y="273600"/>
+            <a:ext cx="10972440" cy="1144800"/>
           </a:xfrm>
           <a:prstGeom prst="rect">
             <a:avLst/>
@@ -2171,11 +1961,11 @@
             <a:noAutofit/>
           </a:bodyPr>
           <a:p>
-            <a:endParaRPr b="0" lang="en-US" sz="1800" spc="-1" strike="noStrike">
-              <a:solidFill>
-                <a:srgbClr val="000000"/>
-              </a:solidFill>
-              <a:latin typeface="Amasis MT Pro Medium"/>
+            <a:pPr algn="ctr">
+              <a:buNone/>
+            </a:pPr>
+            <a:endParaRPr b="0" lang="en-CA" sz="4400" spc="-1" strike="noStrike">
+              <a:latin typeface="Arial"/>
             </a:endParaRPr>
           </a:p>
         </p:txBody>
@@ -2192,8 +1982,8 @@
         </p:nvSpPr>
         <p:spPr>
           <a:xfrm>
-            <a:off x="838080" y="1825560"/>
-            <a:ext cx="10515240" cy="4350960"/>
+            <a:off x="609480" y="1604520"/>
+            <a:ext cx="10972440" cy="3977280"/>
           </a:xfrm>
           <a:prstGeom prst="rect">
             <a:avLst/>
@@ -2224,7 +2014,7 @@
             <a:spLocks noGrp="1"/>
           </p:cNvSpPr>
           <p:nvPr>
-            <p:ph type="ftr" idx="2"/>
+            <p:ph type="ftr" idx="1"/>
           </p:nvPr>
         </p:nvSpPr>
         <p:spPr/>
@@ -2244,14 +2034,14 @@
             <a:spLocks noGrp="1"/>
           </p:cNvSpPr>
           <p:nvPr>
-            <p:ph type="sldNum" idx="3"/>
+            <p:ph type="sldNum" idx="2"/>
           </p:nvPr>
         </p:nvSpPr>
         <p:spPr/>
         <p:txBody>
           <a:bodyPr/>
           <a:p>
-            <a:fld id="{D89C15F3-901B-4F40-AA31-C9D1C477439E}" type="slidenum">
+            <a:fld id="{966716FA-A2F3-46E4-BAD5-43FCB8835170}" type="slidenum">
               <a:t>&lt;#&gt;</a:t>
             </a:fld>
           </a:p>
@@ -2264,7 +2054,7 @@
             <a:spLocks noGrp="1"/>
           </p:cNvSpPr>
           <p:nvPr>
-            <p:ph type="dt" idx="1"/>
+            <p:ph type="dt" idx="3"/>
           </p:nvPr>
         </p:nvSpPr>
         <p:spPr/>
@@ -2312,8 +2102,8 @@
         </p:nvSpPr>
         <p:spPr>
           <a:xfrm>
-            <a:off x="838080" y="365040"/>
-            <a:ext cx="10515240" cy="1325160"/>
+            <a:off x="609480" y="273600"/>
+            <a:ext cx="10972440" cy="1144800"/>
           </a:xfrm>
           <a:prstGeom prst="rect">
             <a:avLst/>
@@ -2328,11 +2118,11 @@
             <a:noAutofit/>
           </a:bodyPr>
           <a:p>
-            <a:endParaRPr b="0" lang="en-US" sz="1800" spc="-1" strike="noStrike">
-              <a:solidFill>
-                <a:srgbClr val="000000"/>
-              </a:solidFill>
-              <a:latin typeface="Amasis MT Pro Medium"/>
+            <a:pPr algn="ctr">
+              <a:buNone/>
+            </a:pPr>
+            <a:endParaRPr b="0" lang="en-CA" sz="4400" spc="-1" strike="noStrike">
+              <a:latin typeface="Arial"/>
             </a:endParaRPr>
           </a:p>
         </p:txBody>
@@ -2349,8 +2139,8 @@
         </p:nvSpPr>
         <p:spPr>
           <a:xfrm>
-            <a:off x="838080" y="1825560"/>
-            <a:ext cx="5131080" cy="4350960"/>
+            <a:off x="609480" y="1604520"/>
+            <a:ext cx="5354280" cy="3977280"/>
           </a:xfrm>
           <a:prstGeom prst="rect">
             <a:avLst/>
@@ -2365,20 +2155,8 @@
             <a:normAutofit/>
           </a:bodyPr>
           <a:p>
-            <a:pPr>
-              <a:lnSpc>
-                <a:spcPct val="90000"/>
-              </a:lnSpc>
-              <a:spcBef>
-                <a:spcPts val="1417"/>
-              </a:spcBef>
-              <a:buNone/>
-            </a:pPr>
-            <a:endParaRPr b="0" lang="en-US" sz="2800" spc="-1" strike="noStrike">
-              <a:solidFill>
-                <a:srgbClr val="000000"/>
-              </a:solidFill>
-              <a:latin typeface="Amasis MT Pro Medium"/>
+            <a:endParaRPr b="0" lang="en-CA" sz="3200" spc="-1" strike="noStrike">
+              <a:latin typeface="Arial"/>
             </a:endParaRPr>
           </a:p>
         </p:txBody>
@@ -2395,8 +2173,8 @@
         </p:nvSpPr>
         <p:spPr>
           <a:xfrm>
-            <a:off x="6226200" y="1825560"/>
-            <a:ext cx="5131080" cy="2075040"/>
+            <a:off x="6231960" y="1604520"/>
+            <a:ext cx="5354280" cy="1896840"/>
           </a:xfrm>
           <a:prstGeom prst="rect">
             <a:avLst/>
@@ -2411,20 +2189,8 @@
             <a:normAutofit/>
           </a:bodyPr>
           <a:p>
-            <a:pPr>
-              <a:lnSpc>
-                <a:spcPct val="90000"/>
-              </a:lnSpc>
-              <a:spcBef>
-                <a:spcPts val="1417"/>
-              </a:spcBef>
-              <a:buNone/>
-            </a:pPr>
-            <a:endParaRPr b="0" lang="en-US" sz="2800" spc="-1" strike="noStrike">
-              <a:solidFill>
-                <a:srgbClr val="000000"/>
-              </a:solidFill>
-              <a:latin typeface="Amasis MT Pro Medium"/>
+            <a:endParaRPr b="0" lang="en-CA" sz="3200" spc="-1" strike="noStrike">
+              <a:latin typeface="Arial"/>
             </a:endParaRPr>
           </a:p>
         </p:txBody>
@@ -2441,8 +2207,8 @@
         </p:nvSpPr>
         <p:spPr>
           <a:xfrm>
-            <a:off x="6226200" y="4098240"/>
-            <a:ext cx="5131080" cy="2075040"/>
+            <a:off x="6231960" y="3682080"/>
+            <a:ext cx="5354280" cy="1896840"/>
           </a:xfrm>
           <a:prstGeom prst="rect">
             <a:avLst/>
@@ -2457,20 +2223,8 @@
             <a:normAutofit/>
           </a:bodyPr>
           <a:p>
-            <a:pPr>
-              <a:lnSpc>
-                <a:spcPct val="90000"/>
-              </a:lnSpc>
-              <a:spcBef>
-                <a:spcPts val="1417"/>
-              </a:spcBef>
-              <a:buNone/>
-            </a:pPr>
-            <a:endParaRPr b="0" lang="en-US" sz="2800" spc="-1" strike="noStrike">
-              <a:solidFill>
-                <a:srgbClr val="000000"/>
-              </a:solidFill>
-              <a:latin typeface="Amasis MT Pro Medium"/>
+            <a:endParaRPr b="0" lang="en-CA" sz="3200" spc="-1" strike="noStrike">
+              <a:latin typeface="Arial"/>
             </a:endParaRPr>
           </a:p>
         </p:txBody>
@@ -2482,7 +2236,7 @@
             <a:spLocks noGrp="1"/>
           </p:cNvSpPr>
           <p:nvPr>
-            <p:ph type="ftr" idx="5"/>
+            <p:ph type="ftr" idx="4"/>
           </p:nvPr>
         </p:nvSpPr>
         <p:spPr/>
@@ -2502,14 +2256,14 @@
             <a:spLocks noGrp="1"/>
           </p:cNvSpPr>
           <p:nvPr>
-            <p:ph type="sldNum" idx="6"/>
+            <p:ph type="sldNum" idx="5"/>
           </p:nvPr>
         </p:nvSpPr>
         <p:spPr/>
         <p:txBody>
           <a:bodyPr/>
           <a:p>
-            <a:fld id="{04264DCE-B262-4C8D-9A04-0E107BAB8977}" type="slidenum">
+            <a:fld id="{C8F06119-59C5-42C9-8CFB-7003ABF2B971}" type="slidenum">
               <a:t>&lt;#&gt;</a:t>
             </a:fld>
           </a:p>
@@ -2522,7 +2276,7 @@
             <a:spLocks noGrp="1"/>
           </p:cNvSpPr>
           <p:nvPr>
-            <p:ph type="dt" idx="4"/>
+            <p:ph type="dt" idx="6"/>
           </p:nvPr>
         </p:nvSpPr>
         <p:spPr/>
@@ -2570,8 +2324,8 @@
         </p:nvSpPr>
         <p:spPr>
           <a:xfrm>
-            <a:off x="838080" y="365040"/>
-            <a:ext cx="10515240" cy="1325160"/>
+            <a:off x="609480" y="273600"/>
+            <a:ext cx="10972440" cy="1144800"/>
           </a:xfrm>
           <a:prstGeom prst="rect">
             <a:avLst/>
@@ -2586,11 +2340,11 @@
             <a:noAutofit/>
           </a:bodyPr>
           <a:p>
-            <a:endParaRPr b="0" lang="en-US" sz="1800" spc="-1" strike="noStrike">
-              <a:solidFill>
-                <a:srgbClr val="000000"/>
-              </a:solidFill>
-              <a:latin typeface="Amasis MT Pro Medium"/>
+            <a:pPr algn="ctr">
+              <a:buNone/>
+            </a:pPr>
+            <a:endParaRPr b="0" lang="en-CA" sz="4400" spc="-1" strike="noStrike">
+              <a:latin typeface="Arial"/>
             </a:endParaRPr>
           </a:p>
         </p:txBody>
@@ -2607,8 +2361,8 @@
         </p:nvSpPr>
         <p:spPr>
           <a:xfrm>
-            <a:off x="838080" y="1825560"/>
-            <a:ext cx="5131080" cy="2075040"/>
+            <a:off x="609480" y="1604520"/>
+            <a:ext cx="5354280" cy="1896840"/>
           </a:xfrm>
           <a:prstGeom prst="rect">
             <a:avLst/>
@@ -2623,20 +2377,8 @@
             <a:normAutofit/>
           </a:bodyPr>
           <a:p>
-            <a:pPr>
-              <a:lnSpc>
-                <a:spcPct val="90000"/>
-              </a:lnSpc>
-              <a:spcBef>
-                <a:spcPts val="1417"/>
-              </a:spcBef>
-              <a:buNone/>
-            </a:pPr>
-            <a:endParaRPr b="0" lang="en-US" sz="2800" spc="-1" strike="noStrike">
-              <a:solidFill>
-                <a:srgbClr val="000000"/>
-              </a:solidFill>
-              <a:latin typeface="Amasis MT Pro Medium"/>
+            <a:endParaRPr b="0" lang="en-CA" sz="3200" spc="-1" strike="noStrike">
+              <a:latin typeface="Arial"/>
             </a:endParaRPr>
           </a:p>
         </p:txBody>
@@ -2653,8 +2395,8 @@
         </p:nvSpPr>
         <p:spPr>
           <a:xfrm>
-            <a:off x="6226200" y="1825560"/>
-            <a:ext cx="5131080" cy="2075040"/>
+            <a:off x="6231960" y="1604520"/>
+            <a:ext cx="5354280" cy="1896840"/>
           </a:xfrm>
           <a:prstGeom prst="rect">
             <a:avLst/>
@@ -2669,20 +2411,8 @@
             <a:normAutofit/>
           </a:bodyPr>
           <a:p>
-            <a:pPr>
-              <a:lnSpc>
-                <a:spcPct val="90000"/>
-              </a:lnSpc>
-              <a:spcBef>
-                <a:spcPts val="1417"/>
-              </a:spcBef>
-              <a:buNone/>
-            </a:pPr>
-            <a:endParaRPr b="0" lang="en-US" sz="2800" spc="-1" strike="noStrike">
-              <a:solidFill>
-                <a:srgbClr val="000000"/>
-              </a:solidFill>
-              <a:latin typeface="Amasis MT Pro Medium"/>
+            <a:endParaRPr b="0" lang="en-CA" sz="3200" spc="-1" strike="noStrike">
+              <a:latin typeface="Arial"/>
             </a:endParaRPr>
           </a:p>
         </p:txBody>
@@ -2699,8 +2429,8 @@
         </p:nvSpPr>
         <p:spPr>
           <a:xfrm>
-            <a:off x="838080" y="4098240"/>
-            <a:ext cx="10515240" cy="2075040"/>
+            <a:off x="609480" y="3682080"/>
+            <a:ext cx="10972440" cy="1896840"/>
           </a:xfrm>
           <a:prstGeom prst="rect">
             <a:avLst/>
@@ -2715,20 +2445,8 @@
             <a:normAutofit/>
           </a:bodyPr>
           <a:p>
-            <a:pPr>
-              <a:lnSpc>
-                <a:spcPct val="90000"/>
-              </a:lnSpc>
-              <a:spcBef>
-                <a:spcPts val="1417"/>
-              </a:spcBef>
-              <a:buNone/>
-            </a:pPr>
-            <a:endParaRPr b="0" lang="en-US" sz="2800" spc="-1" strike="noStrike">
-              <a:solidFill>
-                <a:srgbClr val="000000"/>
-              </a:solidFill>
-              <a:latin typeface="Amasis MT Pro Medium"/>
+            <a:endParaRPr b="0" lang="en-CA" sz="3200" spc="-1" strike="noStrike">
+              <a:latin typeface="Arial"/>
             </a:endParaRPr>
           </a:p>
         </p:txBody>
@@ -2740,7 +2458,7 @@
             <a:spLocks noGrp="1"/>
           </p:cNvSpPr>
           <p:nvPr>
-            <p:ph type="ftr" idx="5"/>
+            <p:ph type="ftr" idx="4"/>
           </p:nvPr>
         </p:nvSpPr>
         <p:spPr/>
@@ -2760,14 +2478,14 @@
             <a:spLocks noGrp="1"/>
           </p:cNvSpPr>
           <p:nvPr>
-            <p:ph type="sldNum" idx="6"/>
+            <p:ph type="sldNum" idx="5"/>
           </p:nvPr>
         </p:nvSpPr>
         <p:spPr/>
         <p:txBody>
           <a:bodyPr/>
           <a:p>
-            <a:fld id="{DDFBEAD9-62E9-4C8D-ACA2-865AB6D2C319}" type="slidenum">
+            <a:fld id="{58C1112A-B4C1-4A8D-BE36-AD730B28807E}" type="slidenum">
               <a:t>&lt;#&gt;</a:t>
             </a:fld>
           </a:p>
@@ -2780,7 +2498,7 @@
             <a:spLocks noGrp="1"/>
           </p:cNvSpPr>
           <p:nvPr>
-            <p:ph type="dt" idx="4"/>
+            <p:ph type="dt" idx="6"/>
           </p:nvPr>
         </p:nvSpPr>
         <p:spPr/>
@@ -2828,8 +2546,8 @@
         </p:nvSpPr>
         <p:spPr>
           <a:xfrm>
-            <a:off x="838080" y="365040"/>
-            <a:ext cx="10515240" cy="1325160"/>
+            <a:off x="609480" y="273600"/>
+            <a:ext cx="10972440" cy="1144800"/>
           </a:xfrm>
           <a:prstGeom prst="rect">
             <a:avLst/>
@@ -2844,11 +2562,11 @@
             <a:noAutofit/>
           </a:bodyPr>
           <a:p>
-            <a:endParaRPr b="0" lang="en-US" sz="1800" spc="-1" strike="noStrike">
-              <a:solidFill>
-                <a:srgbClr val="000000"/>
-              </a:solidFill>
-              <a:latin typeface="Amasis MT Pro Medium"/>
+            <a:pPr algn="ctr">
+              <a:buNone/>
+            </a:pPr>
+            <a:endParaRPr b="0" lang="en-CA" sz="4400" spc="-1" strike="noStrike">
+              <a:latin typeface="Arial"/>
             </a:endParaRPr>
           </a:p>
         </p:txBody>
@@ -2865,8 +2583,8 @@
         </p:nvSpPr>
         <p:spPr>
           <a:xfrm>
-            <a:off x="838080" y="1825560"/>
-            <a:ext cx="10515240" cy="2075040"/>
+            <a:off x="609480" y="1604520"/>
+            <a:ext cx="10972440" cy="1896840"/>
           </a:xfrm>
           <a:prstGeom prst="rect">
             <a:avLst/>
@@ -2881,20 +2599,8 @@
             <a:normAutofit/>
           </a:bodyPr>
           <a:p>
-            <a:pPr>
-              <a:lnSpc>
-                <a:spcPct val="90000"/>
-              </a:lnSpc>
-              <a:spcBef>
-                <a:spcPts val="1417"/>
-              </a:spcBef>
-              <a:buNone/>
-            </a:pPr>
-            <a:endParaRPr b="0" lang="en-US" sz="2800" spc="-1" strike="noStrike">
-              <a:solidFill>
-                <a:srgbClr val="000000"/>
-              </a:solidFill>
-              <a:latin typeface="Amasis MT Pro Medium"/>
+            <a:endParaRPr b="0" lang="en-CA" sz="3200" spc="-1" strike="noStrike">
+              <a:latin typeface="Arial"/>
             </a:endParaRPr>
           </a:p>
         </p:txBody>
@@ -2911,8 +2617,8 @@
         </p:nvSpPr>
         <p:spPr>
           <a:xfrm>
-            <a:off x="838080" y="4098240"/>
-            <a:ext cx="10515240" cy="2075040"/>
+            <a:off x="609480" y="3682080"/>
+            <a:ext cx="10972440" cy="1896840"/>
           </a:xfrm>
           <a:prstGeom prst="rect">
             <a:avLst/>
@@ -2927,20 +2633,8 @@
             <a:normAutofit/>
           </a:bodyPr>
           <a:p>
-            <a:pPr>
-              <a:lnSpc>
-                <a:spcPct val="90000"/>
-              </a:lnSpc>
-              <a:spcBef>
-                <a:spcPts val="1417"/>
-              </a:spcBef>
-              <a:buNone/>
-            </a:pPr>
-            <a:endParaRPr b="0" lang="en-US" sz="2800" spc="-1" strike="noStrike">
-              <a:solidFill>
-                <a:srgbClr val="000000"/>
-              </a:solidFill>
-              <a:latin typeface="Amasis MT Pro Medium"/>
+            <a:endParaRPr b="0" lang="en-CA" sz="3200" spc="-1" strike="noStrike">
+              <a:latin typeface="Arial"/>
             </a:endParaRPr>
           </a:p>
         </p:txBody>
@@ -2952,7 +2646,7 @@
             <a:spLocks noGrp="1"/>
           </p:cNvSpPr>
           <p:nvPr>
-            <p:ph type="ftr" idx="5"/>
+            <p:ph type="ftr" idx="4"/>
           </p:nvPr>
         </p:nvSpPr>
         <p:spPr/>
@@ -2972,14 +2666,14 @@
             <a:spLocks noGrp="1"/>
           </p:cNvSpPr>
           <p:nvPr>
-            <p:ph type="sldNum" idx="6"/>
+            <p:ph type="sldNum" idx="5"/>
           </p:nvPr>
         </p:nvSpPr>
         <p:spPr/>
         <p:txBody>
           <a:bodyPr/>
           <a:p>
-            <a:fld id="{2C708470-12FB-4A59-B2E5-F4DDE78EBF62}" type="slidenum">
+            <a:fld id="{8C4CAEB4-3512-4180-AB73-AFF6E4C179FF}" type="slidenum">
               <a:t>&lt;#&gt;</a:t>
             </a:fld>
           </a:p>
@@ -2992,7 +2686,7 @@
             <a:spLocks noGrp="1"/>
           </p:cNvSpPr>
           <p:nvPr>
-            <p:ph type="dt" idx="4"/>
+            <p:ph type="dt" idx="6"/>
           </p:nvPr>
         </p:nvSpPr>
         <p:spPr/>
@@ -3040,8 +2734,8 @@
         </p:nvSpPr>
         <p:spPr>
           <a:xfrm>
-            <a:off x="838080" y="365040"/>
-            <a:ext cx="10515240" cy="1325160"/>
+            <a:off x="609480" y="273600"/>
+            <a:ext cx="10972440" cy="1144800"/>
           </a:xfrm>
           <a:prstGeom prst="rect">
             <a:avLst/>
@@ -3056,11 +2750,11 @@
             <a:noAutofit/>
           </a:bodyPr>
           <a:p>
-            <a:endParaRPr b="0" lang="en-US" sz="1800" spc="-1" strike="noStrike">
-              <a:solidFill>
-                <a:srgbClr val="000000"/>
-              </a:solidFill>
-              <a:latin typeface="Amasis MT Pro Medium"/>
+            <a:pPr algn="ctr">
+              <a:buNone/>
+            </a:pPr>
+            <a:endParaRPr b="0" lang="en-CA" sz="4400" spc="-1" strike="noStrike">
+              <a:latin typeface="Arial"/>
             </a:endParaRPr>
           </a:p>
         </p:txBody>
@@ -3077,8 +2771,8 @@
         </p:nvSpPr>
         <p:spPr>
           <a:xfrm>
-            <a:off x="838080" y="1825560"/>
-            <a:ext cx="5131080" cy="2075040"/>
+            <a:off x="609480" y="1604520"/>
+            <a:ext cx="5354280" cy="1896840"/>
           </a:xfrm>
           <a:prstGeom prst="rect">
             <a:avLst/>
@@ -3093,20 +2787,8 @@
             <a:normAutofit/>
           </a:bodyPr>
           <a:p>
-            <a:pPr>
-              <a:lnSpc>
-                <a:spcPct val="90000"/>
-              </a:lnSpc>
-              <a:spcBef>
-                <a:spcPts val="1417"/>
-              </a:spcBef>
-              <a:buNone/>
-            </a:pPr>
-            <a:endParaRPr b="0" lang="en-US" sz="2800" spc="-1" strike="noStrike">
-              <a:solidFill>
-                <a:srgbClr val="000000"/>
-              </a:solidFill>
-              <a:latin typeface="Amasis MT Pro Medium"/>
+            <a:endParaRPr b="0" lang="en-CA" sz="3200" spc="-1" strike="noStrike">
+              <a:latin typeface="Arial"/>
             </a:endParaRPr>
           </a:p>
         </p:txBody>
@@ -3123,8 +2805,8 @@
         </p:nvSpPr>
         <p:spPr>
           <a:xfrm>
-            <a:off x="6226200" y="1825560"/>
-            <a:ext cx="5131080" cy="2075040"/>
+            <a:off x="6231960" y="1604520"/>
+            <a:ext cx="5354280" cy="1896840"/>
           </a:xfrm>
           <a:prstGeom prst="rect">
             <a:avLst/>
@@ -3139,20 +2821,8 @@
             <a:normAutofit/>
           </a:bodyPr>
           <a:p>
-            <a:pPr>
-              <a:lnSpc>
-                <a:spcPct val="90000"/>
-              </a:lnSpc>
-              <a:spcBef>
-                <a:spcPts val="1417"/>
-              </a:spcBef>
-              <a:buNone/>
-            </a:pPr>
-            <a:endParaRPr b="0" lang="en-US" sz="2800" spc="-1" strike="noStrike">
-              <a:solidFill>
-                <a:srgbClr val="000000"/>
-              </a:solidFill>
-              <a:latin typeface="Amasis MT Pro Medium"/>
+            <a:endParaRPr b="0" lang="en-CA" sz="3200" spc="-1" strike="noStrike">
+              <a:latin typeface="Arial"/>
             </a:endParaRPr>
           </a:p>
         </p:txBody>
@@ -3169,8 +2839,8 @@
         </p:nvSpPr>
         <p:spPr>
           <a:xfrm>
-            <a:off x="838080" y="4098240"/>
-            <a:ext cx="5131080" cy="2075040"/>
+            <a:off x="609480" y="3682080"/>
+            <a:ext cx="5354280" cy="1896840"/>
           </a:xfrm>
           <a:prstGeom prst="rect">
             <a:avLst/>
@@ -3185,20 +2855,8 @@
             <a:normAutofit/>
           </a:bodyPr>
           <a:p>
-            <a:pPr>
-              <a:lnSpc>
-                <a:spcPct val="90000"/>
-              </a:lnSpc>
-              <a:spcBef>
-                <a:spcPts val="1417"/>
-              </a:spcBef>
-              <a:buNone/>
-            </a:pPr>
-            <a:endParaRPr b="0" lang="en-US" sz="2800" spc="-1" strike="noStrike">
-              <a:solidFill>
-                <a:srgbClr val="000000"/>
-              </a:solidFill>
-              <a:latin typeface="Amasis MT Pro Medium"/>
+            <a:endParaRPr b="0" lang="en-CA" sz="3200" spc="-1" strike="noStrike">
+              <a:latin typeface="Arial"/>
             </a:endParaRPr>
           </a:p>
         </p:txBody>
@@ -3215,8 +2873,8 @@
         </p:nvSpPr>
         <p:spPr>
           <a:xfrm>
-            <a:off x="6226200" y="4098240"/>
-            <a:ext cx="5131080" cy="2075040"/>
+            <a:off x="6231960" y="3682080"/>
+            <a:ext cx="5354280" cy="1896840"/>
           </a:xfrm>
           <a:prstGeom prst="rect">
             <a:avLst/>
@@ -3231,20 +2889,8 @@
             <a:normAutofit/>
           </a:bodyPr>
           <a:p>
-            <a:pPr>
-              <a:lnSpc>
-                <a:spcPct val="90000"/>
-              </a:lnSpc>
-              <a:spcBef>
-                <a:spcPts val="1417"/>
-              </a:spcBef>
-              <a:buNone/>
-            </a:pPr>
-            <a:endParaRPr b="0" lang="en-US" sz="2800" spc="-1" strike="noStrike">
-              <a:solidFill>
-                <a:srgbClr val="000000"/>
-              </a:solidFill>
-              <a:latin typeface="Amasis MT Pro Medium"/>
+            <a:endParaRPr b="0" lang="en-CA" sz="3200" spc="-1" strike="noStrike">
+              <a:latin typeface="Arial"/>
             </a:endParaRPr>
           </a:p>
         </p:txBody>
@@ -3256,7 +2902,7 @@
             <a:spLocks noGrp="1"/>
           </p:cNvSpPr>
           <p:nvPr>
-            <p:ph type="ftr" idx="5"/>
+            <p:ph type="ftr" idx="4"/>
           </p:nvPr>
         </p:nvSpPr>
         <p:spPr/>
@@ -3276,14 +2922,14 @@
             <a:spLocks noGrp="1"/>
           </p:cNvSpPr>
           <p:nvPr>
-            <p:ph type="sldNum" idx="6"/>
+            <p:ph type="sldNum" idx="5"/>
           </p:nvPr>
         </p:nvSpPr>
         <p:spPr/>
         <p:txBody>
           <a:bodyPr/>
           <a:p>
-            <a:fld id="{D903205F-253C-4C96-97C9-4B787CE44EA0}" type="slidenum">
+            <a:fld id="{EDD6BBF7-F4BD-428A-8B2E-A1DE64B5987E}" type="slidenum">
               <a:t>&lt;#&gt;</a:t>
             </a:fld>
           </a:p>
@@ -3296,7 +2942,7 @@
             <a:spLocks noGrp="1"/>
           </p:cNvSpPr>
           <p:nvPr>
-            <p:ph type="dt" idx="4"/>
+            <p:ph type="dt" idx="6"/>
           </p:nvPr>
         </p:nvSpPr>
         <p:spPr/>
@@ -3344,8 +2990,8 @@
         </p:nvSpPr>
         <p:spPr>
           <a:xfrm>
-            <a:off x="838080" y="365040"/>
-            <a:ext cx="10515240" cy="1325160"/>
+            <a:off x="609480" y="273600"/>
+            <a:ext cx="10972440" cy="1144800"/>
           </a:xfrm>
           <a:prstGeom prst="rect">
             <a:avLst/>
@@ -3360,11 +3006,11 @@
             <a:noAutofit/>
           </a:bodyPr>
           <a:p>
-            <a:endParaRPr b="0" lang="en-US" sz="1800" spc="-1" strike="noStrike">
-              <a:solidFill>
-                <a:srgbClr val="000000"/>
-              </a:solidFill>
-              <a:latin typeface="Amasis MT Pro Medium"/>
+            <a:pPr algn="ctr">
+              <a:buNone/>
+            </a:pPr>
+            <a:endParaRPr b="0" lang="en-CA" sz="4400" spc="-1" strike="noStrike">
+              <a:latin typeface="Arial"/>
             </a:endParaRPr>
           </a:p>
         </p:txBody>
@@ -3381,8 +3027,8 @@
         </p:nvSpPr>
         <p:spPr>
           <a:xfrm>
-            <a:off x="838080" y="1825560"/>
-            <a:ext cx="3385800" cy="2075040"/>
+            <a:off x="609480" y="1604520"/>
+            <a:ext cx="3533040" cy="1896840"/>
           </a:xfrm>
           <a:prstGeom prst="rect">
             <a:avLst/>
@@ -3397,20 +3043,8 @@
             <a:normAutofit/>
           </a:bodyPr>
           <a:p>
-            <a:pPr>
-              <a:lnSpc>
-                <a:spcPct val="90000"/>
-              </a:lnSpc>
-              <a:spcBef>
-                <a:spcPts val="1417"/>
-              </a:spcBef>
-              <a:buNone/>
-            </a:pPr>
-            <a:endParaRPr b="0" lang="en-US" sz="2800" spc="-1" strike="noStrike">
-              <a:solidFill>
-                <a:srgbClr val="000000"/>
-              </a:solidFill>
-              <a:latin typeface="Amasis MT Pro Medium"/>
+            <a:endParaRPr b="0" lang="en-CA" sz="3200" spc="-1" strike="noStrike">
+              <a:latin typeface="Arial"/>
             </a:endParaRPr>
           </a:p>
         </p:txBody>
@@ -3427,8 +3061,8 @@
         </p:nvSpPr>
         <p:spPr>
           <a:xfrm>
-            <a:off x="4393440" y="1825560"/>
-            <a:ext cx="3385800" cy="2075040"/>
+            <a:off x="4319640" y="1604520"/>
+            <a:ext cx="3533040" cy="1896840"/>
           </a:xfrm>
           <a:prstGeom prst="rect">
             <a:avLst/>
@@ -3443,20 +3077,8 @@
             <a:normAutofit/>
           </a:bodyPr>
           <a:p>
-            <a:pPr>
-              <a:lnSpc>
-                <a:spcPct val="90000"/>
-              </a:lnSpc>
-              <a:spcBef>
-                <a:spcPts val="1417"/>
-              </a:spcBef>
-              <a:buNone/>
-            </a:pPr>
-            <a:endParaRPr b="0" lang="en-US" sz="2800" spc="-1" strike="noStrike">
-              <a:solidFill>
-                <a:srgbClr val="000000"/>
-              </a:solidFill>
-              <a:latin typeface="Amasis MT Pro Medium"/>
+            <a:endParaRPr b="0" lang="en-CA" sz="3200" spc="-1" strike="noStrike">
+              <a:latin typeface="Arial"/>
             </a:endParaRPr>
           </a:p>
         </p:txBody>
@@ -3473,8 +3095,8 @@
         </p:nvSpPr>
         <p:spPr>
           <a:xfrm>
-            <a:off x="7949160" y="1825560"/>
-            <a:ext cx="3385800" cy="2075040"/>
+            <a:off x="8029800" y="1604520"/>
+            <a:ext cx="3533040" cy="1896840"/>
           </a:xfrm>
           <a:prstGeom prst="rect">
             <a:avLst/>
@@ -3489,20 +3111,8 @@
             <a:normAutofit/>
           </a:bodyPr>
           <a:p>
-            <a:pPr>
-              <a:lnSpc>
-                <a:spcPct val="90000"/>
-              </a:lnSpc>
-              <a:spcBef>
-                <a:spcPts val="1417"/>
-              </a:spcBef>
-              <a:buNone/>
-            </a:pPr>
-            <a:endParaRPr b="0" lang="en-US" sz="2800" spc="-1" strike="noStrike">
-              <a:solidFill>
-                <a:srgbClr val="000000"/>
-              </a:solidFill>
-              <a:latin typeface="Amasis MT Pro Medium"/>
+            <a:endParaRPr b="0" lang="en-CA" sz="3200" spc="-1" strike="noStrike">
+              <a:latin typeface="Arial"/>
             </a:endParaRPr>
           </a:p>
         </p:txBody>
@@ -3519,8 +3129,8 @@
         </p:nvSpPr>
         <p:spPr>
           <a:xfrm>
-            <a:off x="838080" y="4098240"/>
-            <a:ext cx="3385800" cy="2075040"/>
+            <a:off x="609480" y="3682080"/>
+            <a:ext cx="3533040" cy="1896840"/>
           </a:xfrm>
           <a:prstGeom prst="rect">
             <a:avLst/>
@@ -3535,20 +3145,8 @@
             <a:normAutofit/>
           </a:bodyPr>
           <a:p>
-            <a:pPr>
-              <a:lnSpc>
-                <a:spcPct val="90000"/>
-              </a:lnSpc>
-              <a:spcBef>
-                <a:spcPts val="1417"/>
-              </a:spcBef>
-              <a:buNone/>
-            </a:pPr>
-            <a:endParaRPr b="0" lang="en-US" sz="2800" spc="-1" strike="noStrike">
-              <a:solidFill>
-                <a:srgbClr val="000000"/>
-              </a:solidFill>
-              <a:latin typeface="Amasis MT Pro Medium"/>
+            <a:endParaRPr b="0" lang="en-CA" sz="3200" spc="-1" strike="noStrike">
+              <a:latin typeface="Arial"/>
             </a:endParaRPr>
           </a:p>
         </p:txBody>
@@ -3565,8 +3163,8 @@
         </p:nvSpPr>
         <p:spPr>
           <a:xfrm>
-            <a:off x="4393440" y="4098240"/>
-            <a:ext cx="3385800" cy="2075040"/>
+            <a:off x="4319640" y="3682080"/>
+            <a:ext cx="3533040" cy="1896840"/>
           </a:xfrm>
           <a:prstGeom prst="rect">
             <a:avLst/>
@@ -3581,20 +3179,8 @@
             <a:normAutofit/>
           </a:bodyPr>
           <a:p>
-            <a:pPr>
-              <a:lnSpc>
-                <a:spcPct val="90000"/>
-              </a:lnSpc>
-              <a:spcBef>
-                <a:spcPts val="1417"/>
-              </a:spcBef>
-              <a:buNone/>
-            </a:pPr>
-            <a:endParaRPr b="0" lang="en-US" sz="2800" spc="-1" strike="noStrike">
-              <a:solidFill>
-                <a:srgbClr val="000000"/>
-              </a:solidFill>
-              <a:latin typeface="Amasis MT Pro Medium"/>
+            <a:endParaRPr b="0" lang="en-CA" sz="3200" spc="-1" strike="noStrike">
+              <a:latin typeface="Arial"/>
             </a:endParaRPr>
           </a:p>
         </p:txBody>
@@ -3611,8 +3197,8 @@
         </p:nvSpPr>
         <p:spPr>
           <a:xfrm>
-            <a:off x="7949160" y="4098240"/>
-            <a:ext cx="3385800" cy="2075040"/>
+            <a:off x="8029800" y="3682080"/>
+            <a:ext cx="3533040" cy="1896840"/>
           </a:xfrm>
           <a:prstGeom prst="rect">
             <a:avLst/>
@@ -3627,20 +3213,8 @@
             <a:normAutofit/>
           </a:bodyPr>
           <a:p>
-            <a:pPr>
-              <a:lnSpc>
-                <a:spcPct val="90000"/>
-              </a:lnSpc>
-              <a:spcBef>
-                <a:spcPts val="1417"/>
-              </a:spcBef>
-              <a:buNone/>
-            </a:pPr>
-            <a:endParaRPr b="0" lang="en-US" sz="2800" spc="-1" strike="noStrike">
-              <a:solidFill>
-                <a:srgbClr val="000000"/>
-              </a:solidFill>
-              <a:latin typeface="Amasis MT Pro Medium"/>
+            <a:endParaRPr b="0" lang="en-CA" sz="3200" spc="-1" strike="noStrike">
+              <a:latin typeface="Arial"/>
             </a:endParaRPr>
           </a:p>
         </p:txBody>
@@ -3652,7 +3226,7 @@
             <a:spLocks noGrp="1"/>
           </p:cNvSpPr>
           <p:nvPr>
-            <p:ph type="ftr" idx="5"/>
+            <p:ph type="ftr" idx="4"/>
           </p:nvPr>
         </p:nvSpPr>
         <p:spPr/>
@@ -3672,14 +3246,14 @@
             <a:spLocks noGrp="1"/>
           </p:cNvSpPr>
           <p:nvPr>
-            <p:ph type="sldNum" idx="6"/>
+            <p:ph type="sldNum" idx="5"/>
           </p:nvPr>
         </p:nvSpPr>
         <p:spPr/>
         <p:txBody>
           <a:bodyPr/>
           <a:p>
-            <a:fld id="{9FBAAFE0-9E5D-4A02-84E4-54D1E2277489}" type="slidenum">
+            <a:fld id="{7EAC21F7-60BA-4562-93E0-849835BA67F3}" type="slidenum">
               <a:t>&lt;#&gt;</a:t>
             </a:fld>
           </a:p>
@@ -3692,7 +3266,7 @@
             <a:spLocks noGrp="1"/>
           </p:cNvSpPr>
           <p:nvPr>
-            <p:ph type="dt" idx="4"/>
+            <p:ph type="dt" idx="6"/>
           </p:nvPr>
         </p:nvSpPr>
         <p:spPr/>
@@ -3740,8 +3314,8 @@
         </p:nvSpPr>
         <p:spPr>
           <a:xfrm>
-            <a:off x="838080" y="365040"/>
-            <a:ext cx="10515240" cy="1325160"/>
+            <a:off x="609480" y="273600"/>
+            <a:ext cx="10972440" cy="1144800"/>
           </a:xfrm>
           <a:prstGeom prst="rect">
             <a:avLst/>
@@ -3756,11 +3330,11 @@
             <a:noAutofit/>
           </a:bodyPr>
           <a:p>
-            <a:endParaRPr b="0" lang="en-US" sz="1800" spc="-1" strike="noStrike">
-              <a:solidFill>
-                <a:srgbClr val="000000"/>
-              </a:solidFill>
-              <a:latin typeface="Amasis MT Pro Medium"/>
+            <a:pPr algn="ctr">
+              <a:buNone/>
+            </a:pPr>
+            <a:endParaRPr b="0" lang="en-CA" sz="4400" spc="-1" strike="noStrike">
+              <a:latin typeface="Arial"/>
             </a:endParaRPr>
           </a:p>
         </p:txBody>
@@ -3777,8 +3351,8 @@
         </p:nvSpPr>
         <p:spPr>
           <a:xfrm>
-            <a:off x="838080" y="1825560"/>
-            <a:ext cx="10515240" cy="4350960"/>
+            <a:off x="609480" y="1604520"/>
+            <a:ext cx="10972440" cy="3977280"/>
           </a:xfrm>
           <a:prstGeom prst="rect">
             <a:avLst/>
@@ -3793,20 +3367,8 @@
             <a:normAutofit/>
           </a:bodyPr>
           <a:p>
-            <a:pPr>
-              <a:lnSpc>
-                <a:spcPct val="90000"/>
-              </a:lnSpc>
-              <a:spcBef>
-                <a:spcPts val="1417"/>
-              </a:spcBef>
-              <a:buNone/>
-            </a:pPr>
-            <a:endParaRPr b="0" lang="en-US" sz="2800" spc="-1" strike="noStrike">
-              <a:solidFill>
-                <a:srgbClr val="000000"/>
-              </a:solidFill>
-              <a:latin typeface="Amasis MT Pro Medium"/>
+            <a:endParaRPr b="0" lang="en-CA" sz="3200" spc="-1" strike="noStrike">
+              <a:latin typeface="Arial"/>
             </a:endParaRPr>
           </a:p>
         </p:txBody>
@@ -3818,7 +3380,7 @@
             <a:spLocks noGrp="1"/>
           </p:cNvSpPr>
           <p:nvPr>
-            <p:ph type="ftr" idx="2"/>
+            <p:ph type="ftr" idx="1"/>
           </p:nvPr>
         </p:nvSpPr>
         <p:spPr/>
@@ -3838,14 +3400,14 @@
             <a:spLocks noGrp="1"/>
           </p:cNvSpPr>
           <p:nvPr>
-            <p:ph type="sldNum" idx="3"/>
+            <p:ph type="sldNum" idx="2"/>
           </p:nvPr>
         </p:nvSpPr>
         <p:spPr/>
         <p:txBody>
           <a:bodyPr/>
           <a:p>
-            <a:fld id="{DA7E4C69-8729-4455-9F70-EBE9D86E9C9E}" type="slidenum">
+            <a:fld id="{5B391A2E-35EA-40A0-98EC-C4116F8DF0B3}" type="slidenum">
               <a:t>&lt;#&gt;</a:t>
             </a:fld>
           </a:p>
@@ -3858,7 +3420,7 @@
             <a:spLocks noGrp="1"/>
           </p:cNvSpPr>
           <p:nvPr>
-            <p:ph type="dt" idx="1"/>
+            <p:ph type="dt" idx="3"/>
           </p:nvPr>
         </p:nvSpPr>
         <p:spPr/>
@@ -3906,8 +3468,8 @@
         </p:nvSpPr>
         <p:spPr>
           <a:xfrm>
-            <a:off x="838080" y="365040"/>
-            <a:ext cx="10515240" cy="1325160"/>
+            <a:off x="609480" y="273600"/>
+            <a:ext cx="10972440" cy="1144800"/>
           </a:xfrm>
           <a:prstGeom prst="rect">
             <a:avLst/>
@@ -3922,11 +3484,11 @@
             <a:noAutofit/>
           </a:bodyPr>
           <a:p>
-            <a:endParaRPr b="0" lang="en-US" sz="1800" spc="-1" strike="noStrike">
-              <a:solidFill>
-                <a:srgbClr val="000000"/>
-              </a:solidFill>
-              <a:latin typeface="Amasis MT Pro Medium"/>
+            <a:pPr algn="ctr">
+              <a:buNone/>
+            </a:pPr>
+            <a:endParaRPr b="0" lang="en-CA" sz="4400" spc="-1" strike="noStrike">
+              <a:latin typeface="Arial"/>
             </a:endParaRPr>
           </a:p>
         </p:txBody>
@@ -3943,8 +3505,8 @@
         </p:nvSpPr>
         <p:spPr>
           <a:xfrm>
-            <a:off x="838080" y="1825560"/>
-            <a:ext cx="5131080" cy="4350960"/>
+            <a:off x="609480" y="1604520"/>
+            <a:ext cx="5354280" cy="3977280"/>
           </a:xfrm>
           <a:prstGeom prst="rect">
             <a:avLst/>
@@ -3959,20 +3521,8 @@
             <a:normAutofit/>
           </a:bodyPr>
           <a:p>
-            <a:pPr>
-              <a:lnSpc>
-                <a:spcPct val="90000"/>
-              </a:lnSpc>
-              <a:spcBef>
-                <a:spcPts val="1417"/>
-              </a:spcBef>
-              <a:buNone/>
-            </a:pPr>
-            <a:endParaRPr b="0" lang="en-US" sz="2800" spc="-1" strike="noStrike">
-              <a:solidFill>
-                <a:srgbClr val="000000"/>
-              </a:solidFill>
-              <a:latin typeface="Amasis MT Pro Medium"/>
+            <a:endParaRPr b="0" lang="en-CA" sz="3200" spc="-1" strike="noStrike">
+              <a:latin typeface="Arial"/>
             </a:endParaRPr>
           </a:p>
         </p:txBody>
@@ -3989,8 +3539,8 @@
         </p:nvSpPr>
         <p:spPr>
           <a:xfrm>
-            <a:off x="6226200" y="1825560"/>
-            <a:ext cx="5131080" cy="4350960"/>
+            <a:off x="6231960" y="1604520"/>
+            <a:ext cx="5354280" cy="3977280"/>
           </a:xfrm>
           <a:prstGeom prst="rect">
             <a:avLst/>
@@ -4005,20 +3555,8 @@
             <a:normAutofit/>
           </a:bodyPr>
           <a:p>
-            <a:pPr>
-              <a:lnSpc>
-                <a:spcPct val="90000"/>
-              </a:lnSpc>
-              <a:spcBef>
-                <a:spcPts val="1417"/>
-              </a:spcBef>
-              <a:buNone/>
-            </a:pPr>
-            <a:endParaRPr b="0" lang="en-US" sz="2800" spc="-1" strike="noStrike">
-              <a:solidFill>
-                <a:srgbClr val="000000"/>
-              </a:solidFill>
-              <a:latin typeface="Amasis MT Pro Medium"/>
+            <a:endParaRPr b="0" lang="en-CA" sz="3200" spc="-1" strike="noStrike">
+              <a:latin typeface="Arial"/>
             </a:endParaRPr>
           </a:p>
         </p:txBody>
@@ -4030,7 +3568,7 @@
             <a:spLocks noGrp="1"/>
           </p:cNvSpPr>
           <p:nvPr>
-            <p:ph type="ftr" idx="2"/>
+            <p:ph type="ftr" idx="1"/>
           </p:nvPr>
         </p:nvSpPr>
         <p:spPr/>
@@ -4050,14 +3588,14 @@
             <a:spLocks noGrp="1"/>
           </p:cNvSpPr>
           <p:nvPr>
-            <p:ph type="sldNum" idx="3"/>
+            <p:ph type="sldNum" idx="2"/>
           </p:nvPr>
         </p:nvSpPr>
         <p:spPr/>
         <p:txBody>
           <a:bodyPr/>
           <a:p>
-            <a:fld id="{CFD7385C-2F19-41FC-AC1A-242B4FF79406}" type="slidenum">
+            <a:fld id="{79D8896C-18BE-4E75-B699-0C2774D7EC3C}" type="slidenum">
               <a:t>&lt;#&gt;</a:t>
             </a:fld>
           </a:p>
@@ -4070,7 +3608,7 @@
             <a:spLocks noGrp="1"/>
           </p:cNvSpPr>
           <p:nvPr>
-            <p:ph type="dt" idx="1"/>
+            <p:ph type="dt" idx="3"/>
           </p:nvPr>
         </p:nvSpPr>
         <p:spPr/>
@@ -4118,8 +3656,8 @@
         </p:nvSpPr>
         <p:spPr>
           <a:xfrm>
-            <a:off x="838080" y="365040"/>
-            <a:ext cx="10515240" cy="1325160"/>
+            <a:off x="609480" y="273600"/>
+            <a:ext cx="10972440" cy="1144800"/>
           </a:xfrm>
           <a:prstGeom prst="rect">
             <a:avLst/>
@@ -4134,11 +3672,11 @@
             <a:noAutofit/>
           </a:bodyPr>
           <a:p>
-            <a:endParaRPr b="0" lang="en-US" sz="1800" spc="-1" strike="noStrike">
-              <a:solidFill>
-                <a:srgbClr val="000000"/>
-              </a:solidFill>
-              <a:latin typeface="Amasis MT Pro Medium"/>
+            <a:pPr algn="ctr">
+              <a:buNone/>
+            </a:pPr>
+            <a:endParaRPr b="0" lang="en-CA" sz="4400" spc="-1" strike="noStrike">
+              <a:latin typeface="Arial"/>
             </a:endParaRPr>
           </a:p>
         </p:txBody>
@@ -4150,7 +3688,7 @@
             <a:spLocks noGrp="1"/>
           </p:cNvSpPr>
           <p:nvPr>
-            <p:ph type="ftr" idx="2"/>
+            <p:ph type="ftr" idx="1"/>
           </p:nvPr>
         </p:nvSpPr>
         <p:spPr/>
@@ -4170,14 +3708,14 @@
             <a:spLocks noGrp="1"/>
           </p:cNvSpPr>
           <p:nvPr>
-            <p:ph type="sldNum" idx="3"/>
+            <p:ph type="sldNum" idx="2"/>
           </p:nvPr>
         </p:nvSpPr>
         <p:spPr/>
         <p:txBody>
           <a:bodyPr/>
           <a:p>
-            <a:fld id="{865FCD0B-999E-4654-9C0B-B0F21E21DF65}" type="slidenum">
+            <a:fld id="{45EE9E00-6AE8-4F1C-BDFB-FB635155AF00}" type="slidenum">
               <a:t>&lt;#&gt;</a:t>
             </a:fld>
           </a:p>
@@ -4190,7 +3728,7 @@
             <a:spLocks noGrp="1"/>
           </p:cNvSpPr>
           <p:nvPr>
-            <p:ph type="dt" idx="1"/>
+            <p:ph type="dt" idx="3"/>
           </p:nvPr>
         </p:nvSpPr>
         <p:spPr/>
@@ -4238,8 +3776,8 @@
         </p:nvSpPr>
         <p:spPr>
           <a:xfrm>
-            <a:off x="838080" y="365040"/>
-            <a:ext cx="10515240" cy="6144120"/>
+            <a:off x="609480" y="273600"/>
+            <a:ext cx="10972440" cy="5307840"/>
           </a:xfrm>
           <a:prstGeom prst="rect">
             <a:avLst/>
@@ -4270,7 +3808,7 @@
             <a:spLocks noGrp="1"/>
           </p:cNvSpPr>
           <p:nvPr>
-            <p:ph type="ftr" idx="2"/>
+            <p:ph type="ftr" idx="1"/>
           </p:nvPr>
         </p:nvSpPr>
         <p:spPr/>
@@ -4290,14 +3828,14 @@
             <a:spLocks noGrp="1"/>
           </p:cNvSpPr>
           <p:nvPr>
-            <p:ph type="sldNum" idx="3"/>
+            <p:ph type="sldNum" idx="2"/>
           </p:nvPr>
         </p:nvSpPr>
         <p:spPr/>
         <p:txBody>
           <a:bodyPr/>
           <a:p>
-            <a:fld id="{5AF935AF-F16D-4A82-AF3E-6ECA0A696541}" type="slidenum">
+            <a:fld id="{C95CF791-438D-4146-ACB7-E2A2CD7C40B6}" type="slidenum">
               <a:t>&lt;#&gt;</a:t>
             </a:fld>
           </a:p>
@@ -4310,7 +3848,7 @@
             <a:spLocks noGrp="1"/>
           </p:cNvSpPr>
           <p:nvPr>
-            <p:ph type="dt" idx="1"/>
+            <p:ph type="dt" idx="3"/>
           </p:nvPr>
         </p:nvSpPr>
         <p:spPr/>
@@ -4358,8 +3896,8 @@
         </p:nvSpPr>
         <p:spPr>
           <a:xfrm>
-            <a:off x="838080" y="365040"/>
-            <a:ext cx="10515240" cy="1325160"/>
+            <a:off x="609480" y="273600"/>
+            <a:ext cx="10972440" cy="1144800"/>
           </a:xfrm>
           <a:prstGeom prst="rect">
             <a:avLst/>
@@ -4374,11 +3912,11 @@
             <a:noAutofit/>
           </a:bodyPr>
           <a:p>
-            <a:endParaRPr b="0" lang="en-US" sz="1800" spc="-1" strike="noStrike">
-              <a:solidFill>
-                <a:srgbClr val="000000"/>
-              </a:solidFill>
-              <a:latin typeface="Amasis MT Pro Medium"/>
+            <a:pPr algn="ctr">
+              <a:buNone/>
+            </a:pPr>
+            <a:endParaRPr b="0" lang="en-CA" sz="4400" spc="-1" strike="noStrike">
+              <a:latin typeface="Arial"/>
             </a:endParaRPr>
           </a:p>
         </p:txBody>
@@ -4395,8 +3933,8 @@
         </p:nvSpPr>
         <p:spPr>
           <a:xfrm>
-            <a:off x="838080" y="1825560"/>
-            <a:ext cx="5131080" cy="2075040"/>
+            <a:off x="609480" y="1604520"/>
+            <a:ext cx="5354280" cy="1896840"/>
           </a:xfrm>
           <a:prstGeom prst="rect">
             <a:avLst/>
@@ -4411,20 +3949,8 @@
             <a:normAutofit/>
           </a:bodyPr>
           <a:p>
-            <a:pPr>
-              <a:lnSpc>
-                <a:spcPct val="90000"/>
-              </a:lnSpc>
-              <a:spcBef>
-                <a:spcPts val="1417"/>
-              </a:spcBef>
-              <a:buNone/>
-            </a:pPr>
-            <a:endParaRPr b="0" lang="en-US" sz="2800" spc="-1" strike="noStrike">
-              <a:solidFill>
-                <a:srgbClr val="000000"/>
-              </a:solidFill>
-              <a:latin typeface="Amasis MT Pro Medium"/>
+            <a:endParaRPr b="0" lang="en-CA" sz="3200" spc="-1" strike="noStrike">
+              <a:latin typeface="Arial"/>
             </a:endParaRPr>
           </a:p>
         </p:txBody>
@@ -4441,8 +3967,8 @@
         </p:nvSpPr>
         <p:spPr>
           <a:xfrm>
-            <a:off x="6226200" y="1825560"/>
-            <a:ext cx="5131080" cy="4350960"/>
+            <a:off x="6231960" y="1604520"/>
+            <a:ext cx="5354280" cy="3977280"/>
           </a:xfrm>
           <a:prstGeom prst="rect">
             <a:avLst/>
@@ -4457,20 +3983,8 @@
             <a:normAutofit/>
           </a:bodyPr>
           <a:p>
-            <a:pPr>
-              <a:lnSpc>
-                <a:spcPct val="90000"/>
-              </a:lnSpc>
-              <a:spcBef>
-                <a:spcPts val="1417"/>
-              </a:spcBef>
-              <a:buNone/>
-            </a:pPr>
-            <a:endParaRPr b="0" lang="en-US" sz="2800" spc="-1" strike="noStrike">
-              <a:solidFill>
-                <a:srgbClr val="000000"/>
-              </a:solidFill>
-              <a:latin typeface="Amasis MT Pro Medium"/>
+            <a:endParaRPr b="0" lang="en-CA" sz="3200" spc="-1" strike="noStrike">
+              <a:latin typeface="Arial"/>
             </a:endParaRPr>
           </a:p>
         </p:txBody>
@@ -4487,8 +4001,8 @@
         </p:nvSpPr>
         <p:spPr>
           <a:xfrm>
-            <a:off x="838080" y="4098240"/>
-            <a:ext cx="5131080" cy="2075040"/>
+            <a:off x="609480" y="3682080"/>
+            <a:ext cx="5354280" cy="1896840"/>
           </a:xfrm>
           <a:prstGeom prst="rect">
             <a:avLst/>
@@ -4503,20 +4017,8 @@
             <a:normAutofit/>
           </a:bodyPr>
           <a:p>
-            <a:pPr>
-              <a:lnSpc>
-                <a:spcPct val="90000"/>
-              </a:lnSpc>
-              <a:spcBef>
-                <a:spcPts val="1417"/>
-              </a:spcBef>
-              <a:buNone/>
-            </a:pPr>
-            <a:endParaRPr b="0" lang="en-US" sz="2800" spc="-1" strike="noStrike">
-              <a:solidFill>
-                <a:srgbClr val="000000"/>
-              </a:solidFill>
-              <a:latin typeface="Amasis MT Pro Medium"/>
+            <a:endParaRPr b="0" lang="en-CA" sz="3200" spc="-1" strike="noStrike">
+              <a:latin typeface="Arial"/>
             </a:endParaRPr>
           </a:p>
         </p:txBody>
@@ -4528,7 +4030,7 @@
             <a:spLocks noGrp="1"/>
           </p:cNvSpPr>
           <p:nvPr>
-            <p:ph type="ftr" idx="2"/>
+            <p:ph type="ftr" idx="1"/>
           </p:nvPr>
         </p:nvSpPr>
         <p:spPr/>
@@ -4548,14 +4050,14 @@
             <a:spLocks noGrp="1"/>
           </p:cNvSpPr>
           <p:nvPr>
-            <p:ph type="sldNum" idx="3"/>
+            <p:ph type="sldNum" idx="2"/>
           </p:nvPr>
         </p:nvSpPr>
         <p:spPr/>
         <p:txBody>
           <a:bodyPr/>
           <a:p>
-            <a:fld id="{F6E7637B-C838-44A0-B1C1-4A06B17E1D05}" type="slidenum">
+            <a:fld id="{5C2E6D4A-A105-4038-96DB-10B34B251457}" type="slidenum">
               <a:t>&lt;#&gt;</a:t>
             </a:fld>
           </a:p>
@@ -4568,7 +4070,7 @@
             <a:spLocks noGrp="1"/>
           </p:cNvSpPr>
           <p:nvPr>
-            <p:ph type="dt" idx="1"/>
+            <p:ph type="dt" idx="3"/>
           </p:nvPr>
         </p:nvSpPr>
         <p:spPr/>
@@ -4616,8 +4118,8 @@
         </p:nvSpPr>
         <p:spPr>
           <a:xfrm>
-            <a:off x="838080" y="365040"/>
-            <a:ext cx="10515240" cy="1325160"/>
+            <a:off x="609480" y="273600"/>
+            <a:ext cx="10972440" cy="1144800"/>
           </a:xfrm>
           <a:prstGeom prst="rect">
             <a:avLst/>
@@ -4632,11 +4134,11 @@
             <a:noAutofit/>
           </a:bodyPr>
           <a:p>
-            <a:endParaRPr b="0" lang="en-US" sz="1800" spc="-1" strike="noStrike">
-              <a:solidFill>
-                <a:srgbClr val="000000"/>
-              </a:solidFill>
-              <a:latin typeface="Amasis MT Pro Medium"/>
+            <a:pPr algn="ctr">
+              <a:buNone/>
+            </a:pPr>
+            <a:endParaRPr b="0" lang="en-CA" sz="4400" spc="-1" strike="noStrike">
+              <a:latin typeface="Arial"/>
             </a:endParaRPr>
           </a:p>
         </p:txBody>
@@ -4653,8 +4155,8 @@
         </p:nvSpPr>
         <p:spPr>
           <a:xfrm>
-            <a:off x="838080" y="1825560"/>
-            <a:ext cx="5131080" cy="4350960"/>
+            <a:off x="609480" y="1604520"/>
+            <a:ext cx="5354280" cy="3977280"/>
           </a:xfrm>
           <a:prstGeom prst="rect">
             <a:avLst/>
@@ -4669,20 +4171,8 @@
             <a:normAutofit/>
           </a:bodyPr>
           <a:p>
-            <a:pPr>
-              <a:lnSpc>
-                <a:spcPct val="90000"/>
-              </a:lnSpc>
-              <a:spcBef>
-                <a:spcPts val="1417"/>
-              </a:spcBef>
-              <a:buNone/>
-            </a:pPr>
-            <a:endParaRPr b="0" lang="en-US" sz="2800" spc="-1" strike="noStrike">
-              <a:solidFill>
-                <a:srgbClr val="000000"/>
-              </a:solidFill>
-              <a:latin typeface="Amasis MT Pro Medium"/>
+            <a:endParaRPr b="0" lang="en-CA" sz="3200" spc="-1" strike="noStrike">
+              <a:latin typeface="Arial"/>
             </a:endParaRPr>
           </a:p>
         </p:txBody>
@@ -4699,8 +4189,8 @@
         </p:nvSpPr>
         <p:spPr>
           <a:xfrm>
-            <a:off x="6226200" y="1825560"/>
-            <a:ext cx="5131080" cy="2075040"/>
+            <a:off x="6231960" y="1604520"/>
+            <a:ext cx="5354280" cy="1896840"/>
           </a:xfrm>
           <a:prstGeom prst="rect">
             <a:avLst/>
@@ -4715,20 +4205,8 @@
             <a:normAutofit/>
           </a:bodyPr>
           <a:p>
-            <a:pPr>
-              <a:lnSpc>
-                <a:spcPct val="90000"/>
-              </a:lnSpc>
-              <a:spcBef>
-                <a:spcPts val="1417"/>
-              </a:spcBef>
-              <a:buNone/>
-            </a:pPr>
-            <a:endParaRPr b="0" lang="en-US" sz="2800" spc="-1" strike="noStrike">
-              <a:solidFill>
-                <a:srgbClr val="000000"/>
-              </a:solidFill>
-              <a:latin typeface="Amasis MT Pro Medium"/>
+            <a:endParaRPr b="0" lang="en-CA" sz="3200" spc="-1" strike="noStrike">
+              <a:latin typeface="Arial"/>
             </a:endParaRPr>
           </a:p>
         </p:txBody>
@@ -4745,8 +4223,8 @@
         </p:nvSpPr>
         <p:spPr>
           <a:xfrm>
-            <a:off x="6226200" y="4098240"/>
-            <a:ext cx="5131080" cy="2075040"/>
+            <a:off x="6231960" y="3682080"/>
+            <a:ext cx="5354280" cy="1896840"/>
           </a:xfrm>
           <a:prstGeom prst="rect">
             <a:avLst/>
@@ -4761,20 +4239,8 @@
             <a:normAutofit/>
           </a:bodyPr>
           <a:p>
-            <a:pPr>
-              <a:lnSpc>
-                <a:spcPct val="90000"/>
-              </a:lnSpc>
-              <a:spcBef>
-                <a:spcPts val="1417"/>
-              </a:spcBef>
-              <a:buNone/>
-            </a:pPr>
-            <a:endParaRPr b="0" lang="en-US" sz="2800" spc="-1" strike="noStrike">
-              <a:solidFill>
-                <a:srgbClr val="000000"/>
-              </a:solidFill>
-              <a:latin typeface="Amasis MT Pro Medium"/>
+            <a:endParaRPr b="0" lang="en-CA" sz="3200" spc="-1" strike="noStrike">
+              <a:latin typeface="Arial"/>
             </a:endParaRPr>
           </a:p>
         </p:txBody>
@@ -4786,7 +4252,7 @@
             <a:spLocks noGrp="1"/>
           </p:cNvSpPr>
           <p:nvPr>
-            <p:ph type="ftr" idx="2"/>
+            <p:ph type="ftr" idx="1"/>
           </p:nvPr>
         </p:nvSpPr>
         <p:spPr/>
@@ -4806,14 +4272,14 @@
             <a:spLocks noGrp="1"/>
           </p:cNvSpPr>
           <p:nvPr>
-            <p:ph type="sldNum" idx="3"/>
+            <p:ph type="sldNum" idx="2"/>
           </p:nvPr>
         </p:nvSpPr>
         <p:spPr/>
         <p:txBody>
           <a:bodyPr/>
           <a:p>
-            <a:fld id="{526EFBC0-9F4E-4068-8A32-2C5B3CFDBCC7}" type="slidenum">
+            <a:fld id="{2DDE0E4E-FE36-45E2-ABCF-B10C0DC0300B}" type="slidenum">
               <a:t>&lt;#&gt;</a:t>
             </a:fld>
           </a:p>
@@ -4826,7 +4292,7 @@
             <a:spLocks noGrp="1"/>
           </p:cNvSpPr>
           <p:nvPr>
-            <p:ph type="dt" idx="1"/>
+            <p:ph type="dt" idx="3"/>
           </p:nvPr>
         </p:nvSpPr>
         <p:spPr/>
@@ -4874,8 +4340,8 @@
         </p:nvSpPr>
         <p:spPr>
           <a:xfrm>
-            <a:off x="838080" y="365040"/>
-            <a:ext cx="10515240" cy="1325160"/>
+            <a:off x="609480" y="273600"/>
+            <a:ext cx="10972440" cy="1144800"/>
           </a:xfrm>
           <a:prstGeom prst="rect">
             <a:avLst/>
@@ -4890,11 +4356,11 @@
             <a:noAutofit/>
           </a:bodyPr>
           <a:p>
-            <a:endParaRPr b="0" lang="en-US" sz="1800" spc="-1" strike="noStrike">
-              <a:solidFill>
-                <a:srgbClr val="000000"/>
-              </a:solidFill>
-              <a:latin typeface="Amasis MT Pro Medium"/>
+            <a:pPr algn="ctr">
+              <a:buNone/>
+            </a:pPr>
+            <a:endParaRPr b="0" lang="en-CA" sz="4400" spc="-1" strike="noStrike">
+              <a:latin typeface="Arial"/>
             </a:endParaRPr>
           </a:p>
         </p:txBody>
@@ -4911,8 +4377,8 @@
         </p:nvSpPr>
         <p:spPr>
           <a:xfrm>
-            <a:off x="838080" y="1825560"/>
-            <a:ext cx="5131080" cy="2075040"/>
+            <a:off x="609480" y="1604520"/>
+            <a:ext cx="5354280" cy="1896840"/>
           </a:xfrm>
           <a:prstGeom prst="rect">
             <a:avLst/>
@@ -4927,20 +4393,8 @@
             <a:normAutofit/>
           </a:bodyPr>
           <a:p>
-            <a:pPr>
-              <a:lnSpc>
-                <a:spcPct val="90000"/>
-              </a:lnSpc>
-              <a:spcBef>
-                <a:spcPts val="1417"/>
-              </a:spcBef>
-              <a:buNone/>
-            </a:pPr>
-            <a:endParaRPr b="0" lang="en-US" sz="2800" spc="-1" strike="noStrike">
-              <a:solidFill>
-                <a:srgbClr val="000000"/>
-              </a:solidFill>
-              <a:latin typeface="Amasis MT Pro Medium"/>
+            <a:endParaRPr b="0" lang="en-CA" sz="3200" spc="-1" strike="noStrike">
+              <a:latin typeface="Arial"/>
             </a:endParaRPr>
           </a:p>
         </p:txBody>
@@ -4957,8 +4411,8 @@
         </p:nvSpPr>
         <p:spPr>
           <a:xfrm>
-            <a:off x="6226200" y="1825560"/>
-            <a:ext cx="5131080" cy="2075040"/>
+            <a:off x="6231960" y="1604520"/>
+            <a:ext cx="5354280" cy="1896840"/>
           </a:xfrm>
           <a:prstGeom prst="rect">
             <a:avLst/>
@@ -4973,20 +4427,8 @@
             <a:normAutofit/>
           </a:bodyPr>
           <a:p>
-            <a:pPr>
-              <a:lnSpc>
-                <a:spcPct val="90000"/>
-              </a:lnSpc>
-              <a:spcBef>
-                <a:spcPts val="1417"/>
-              </a:spcBef>
-              <a:buNone/>
-            </a:pPr>
-            <a:endParaRPr b="0" lang="en-US" sz="2800" spc="-1" strike="noStrike">
-              <a:solidFill>
-                <a:srgbClr val="000000"/>
-              </a:solidFill>
-              <a:latin typeface="Amasis MT Pro Medium"/>
+            <a:endParaRPr b="0" lang="en-CA" sz="3200" spc="-1" strike="noStrike">
+              <a:latin typeface="Arial"/>
             </a:endParaRPr>
           </a:p>
         </p:txBody>
@@ -5003,8 +4445,8 @@
         </p:nvSpPr>
         <p:spPr>
           <a:xfrm>
-            <a:off x="838080" y="4098240"/>
-            <a:ext cx="10515240" cy="2075040"/>
+            <a:off x="609480" y="3682080"/>
+            <a:ext cx="10972440" cy="1896840"/>
           </a:xfrm>
           <a:prstGeom prst="rect">
             <a:avLst/>
@@ -5019,20 +4461,8 @@
             <a:normAutofit/>
           </a:bodyPr>
           <a:p>
-            <a:pPr>
-              <a:lnSpc>
-                <a:spcPct val="90000"/>
-              </a:lnSpc>
-              <a:spcBef>
-                <a:spcPts val="1417"/>
-              </a:spcBef>
-              <a:buNone/>
-            </a:pPr>
-            <a:endParaRPr b="0" lang="en-US" sz="2800" spc="-1" strike="noStrike">
-              <a:solidFill>
-                <a:srgbClr val="000000"/>
-              </a:solidFill>
-              <a:latin typeface="Amasis MT Pro Medium"/>
+            <a:endParaRPr b="0" lang="en-CA" sz="3200" spc="-1" strike="noStrike">
+              <a:latin typeface="Arial"/>
             </a:endParaRPr>
           </a:p>
         </p:txBody>
@@ -5044,7 +4474,7 @@
             <a:spLocks noGrp="1"/>
           </p:cNvSpPr>
           <p:nvPr>
-            <p:ph type="ftr" idx="2"/>
+            <p:ph type="ftr" idx="1"/>
           </p:nvPr>
         </p:nvSpPr>
         <p:spPr/>
@@ -5064,14 +4494,14 @@
             <a:spLocks noGrp="1"/>
           </p:cNvSpPr>
           <p:nvPr>
-            <p:ph type="sldNum" idx="3"/>
+            <p:ph type="sldNum" idx="2"/>
           </p:nvPr>
         </p:nvSpPr>
         <p:spPr/>
         <p:txBody>
           <a:bodyPr/>
           <a:p>
-            <a:fld id="{EFF797A7-3C77-488D-8396-14ACE91B30B0}" type="slidenum">
+            <a:fld id="{A3644C29-118A-4F70-AF6C-9F1A5F138EAB}" type="slidenum">
               <a:t>&lt;#&gt;</a:t>
             </a:fld>
           </a:p>
@@ -5084,7 +4514,7 @@
             <a:spLocks noGrp="1"/>
           </p:cNvSpPr>
           <p:nvPr>
-            <p:ph type="dt" idx="1"/>
+            <p:ph type="dt" idx="3"/>
           </p:nvPr>
         </p:nvSpPr>
         <p:spPr/>
@@ -5139,8 +4569,8 @@
         </p:nvSpPr>
         <p:spPr>
           <a:xfrm>
-            <a:off x="1523880" y="1122480"/>
-            <a:ext cx="9143640" cy="2387160"/>
+            <a:off x="838080" y="365040"/>
+            <a:ext cx="10514880" cy="1324800"/>
           </a:xfrm>
           <a:prstGeom prst="rect">
             <a:avLst/>
@@ -5151,30 +4581,18 @@
           </a:ln>
         </p:spPr>
         <p:txBody>
-          <a:bodyPr anchor="b">
+          <a:bodyPr lIns="0" rIns="0" tIns="0" bIns="0" anchor="ctr">
             <a:noAutofit/>
           </a:bodyPr>
           <a:p>
-            <a:pPr algn="ctr">
-              <a:lnSpc>
-                <a:spcPct val="90000"/>
-              </a:lnSpc>
-              <a:buNone/>
-            </a:pPr>
-            <a:r>
-              <a:rPr b="0" lang="en-US" sz="6000" spc="-1" strike="noStrike">
-                <a:solidFill>
-                  <a:srgbClr val="000000"/>
-                </a:solidFill>
-                <a:latin typeface="Amasis MT Pro Black"/>
+            <a:r>
+              <a:rPr b="0" lang="en-CA" sz="1800" spc="-1" strike="noStrike">
+                <a:latin typeface="Arial"/>
               </a:rPr>
-              <a:t>Click to edit Master title style</a:t>
-            </a:r>
-            <a:endParaRPr b="0" lang="en-US" sz="6000" spc="-1" strike="noStrike">
-              <a:solidFill>
-                <a:srgbClr val="000000"/>
-              </a:solidFill>
-              <a:latin typeface="Amasis MT Pro Medium"/>
+              <a:t>Click to edit the title text format</a:t>
+            </a:r>
+            <a:endParaRPr b="0" lang="en-CA" sz="1800" spc="-1" strike="noStrike">
+              <a:latin typeface="Arial"/>
             </a:endParaRPr>
           </a:p>
         </p:txBody>
@@ -5186,13 +4604,13 @@
             <a:spLocks noGrp="1"/>
           </p:cNvSpPr>
           <p:nvPr>
-            <p:ph type="dt" idx="1"/>
-          </p:nvPr>
-        </p:nvSpPr>
-        <p:spPr>
-          <a:xfrm>
-            <a:off x="838080" y="6356520"/>
-            <a:ext cx="2742840" cy="364680"/>
+            <p:ph type="ftr" idx="1"/>
+          </p:nvPr>
+        </p:nvSpPr>
+        <p:spPr>
+          <a:xfrm>
+            <a:off x="4038480" y="6356520"/>
+            <a:ext cx="4114080" cy="364320"/>
           </a:xfrm>
           <a:prstGeom prst="rect">
             <a:avLst/>
@@ -5203,70 +4621,7 @@
           </a:ln>
         </p:spPr>
         <p:txBody>
-          <a:bodyPr anchor="ctr">
-            <a:noAutofit/>
-          </a:bodyPr>
-          <a:lstStyle>
-            <a:lvl1pPr>
-              <a:lnSpc>
-                <a:spcPct val="100000"/>
-              </a:lnSpc>
-              <a:buNone/>
-              <a:defRPr b="0" lang="en-CA" sz="1200" spc="-1" strike="noStrike">
-                <a:solidFill>
-                  <a:srgbClr val="787878"/>
-                </a:solidFill>
-                <a:latin typeface="Amasis MT Pro Medium"/>
-              </a:defRPr>
-            </a:lvl1pPr>
-          </a:lstStyle>
-          <a:p>
-            <a:pPr>
-              <a:lnSpc>
-                <a:spcPct val="100000"/>
-              </a:lnSpc>
-              <a:buNone/>
-            </a:pPr>
-            <a:r>
-              <a:rPr b="0" lang="en-CA" sz="1200" spc="-1" strike="noStrike">
-                <a:solidFill>
-                  <a:srgbClr val="787878"/>
-                </a:solidFill>
-                <a:latin typeface="Amasis MT Pro Medium"/>
-              </a:rPr>
-              <a:t>2025-02-21</a:t>
-            </a:r>
-            <a:endParaRPr b="0" lang="en-CA" sz="1200" spc="-1" strike="noStrike">
-              <a:latin typeface="Times New Roman"/>
-            </a:endParaRPr>
-          </a:p>
-        </p:txBody>
-      </p:sp>
-      <p:sp>
-        <p:nvSpPr>
-          <p:cNvPr id="2" name="PlaceHolder 3"/>
-          <p:cNvSpPr>
-            <a:spLocks noGrp="1"/>
-          </p:cNvSpPr>
-          <p:nvPr>
-            <p:ph type="ftr" idx="2"/>
-          </p:nvPr>
-        </p:nvSpPr>
-        <p:spPr>
-          <a:xfrm>
-            <a:off x="4038480" y="6356520"/>
-            <a:ext cx="4114440" cy="364680"/>
-          </a:xfrm>
-          <a:prstGeom prst="rect">
-            <a:avLst/>
-          </a:prstGeom>
-          <a:noFill/>
-          <a:ln w="0">
-            <a:noFill/>
-          </a:ln>
-        </p:spPr>
-        <p:txBody>
-          <a:bodyPr anchor="ctr">
+          <a:bodyPr lIns="90000" rIns="90000" tIns="45000" bIns="45000" anchor="ctr">
             <a:noAutofit/>
           </a:bodyPr>
           <a:lstStyle>
@@ -5297,7 +4652,7 @@
                 </a:solidFill>
                 <a:latin typeface="Amasis MT Pro Medium"/>
               </a:rPr>
-              <a:t>C3I - Pascal-Emmanuel Lachance</a:t>
+              <a:t>&lt;footer&gt;</a:t>
             </a:r>
             <a:endParaRPr b="0" lang="en-CA" sz="1200" spc="-1" strike="noStrike">
               <a:latin typeface="Times New Roman"/>
@@ -5307,18 +4662,18 @@
       </p:sp>
       <p:sp>
         <p:nvSpPr>
-          <p:cNvPr id="3" name="PlaceHolder 4"/>
-          <p:cNvSpPr>
-            <a:spLocks noGrp="1"/>
-          </p:cNvSpPr>
-          <p:nvPr>
-            <p:ph type="sldNum" idx="3"/>
+          <p:cNvPr id="2" name="PlaceHolder 3"/>
+          <p:cNvSpPr>
+            <a:spLocks noGrp="1"/>
+          </p:cNvSpPr>
+          <p:nvPr>
+            <p:ph type="sldNum" idx="2"/>
           </p:nvPr>
         </p:nvSpPr>
         <p:spPr>
           <a:xfrm>
             <a:off x="8610480" y="6356520"/>
-            <a:ext cx="2742840" cy="364680"/>
+            <a:ext cx="2742480" cy="364320"/>
           </a:xfrm>
           <a:prstGeom prst="rect">
             <a:avLst/>
@@ -5329,7 +4684,7 @@
           </a:ln>
         </p:spPr>
         <p:txBody>
-          <a:bodyPr anchor="ctr">
+          <a:bodyPr lIns="90000" rIns="90000" tIns="45000" bIns="45000" anchor="ctr">
             <a:noAutofit/>
           </a:bodyPr>
           <a:lstStyle>
@@ -5353,14 +4708,14 @@
               </a:lnSpc>
               <a:buNone/>
             </a:pPr>
-            <a:fld id="{7AB7D4B3-6F5C-4F01-B467-E2CF8217473A}" type="slidenum">
+            <a:fld id="{1808C6A1-387B-48F9-9EC7-39A3E0BB5751}" type="slidenum">
               <a:rPr b="0" lang="en-US" sz="1200" spc="-1" strike="noStrike">
                 <a:solidFill>
                   <a:srgbClr val="787878"/>
                 </a:solidFill>
                 <a:latin typeface="Amasis MT Pro Medium"/>
               </a:rPr>
-              <a:t>2</a:t>
+              <a:t>&lt;number&gt;</a:t>
             </a:fld>
             <a:endParaRPr b="0" lang="en-CA" sz="1200" spc="-1" strike="noStrike">
               <a:latin typeface="Times New Roman"/>
@@ -5370,6 +4725,53 @@
       </p:sp>
       <p:sp>
         <p:nvSpPr>
+          <p:cNvPr id="3" name="PlaceHolder 4"/>
+          <p:cNvSpPr>
+            <a:spLocks noGrp="1"/>
+          </p:cNvSpPr>
+          <p:nvPr>
+            <p:ph type="dt" idx="3"/>
+          </p:nvPr>
+        </p:nvSpPr>
+        <p:spPr>
+          <a:xfrm>
+            <a:off x="838080" y="6356520"/>
+            <a:ext cx="2742480" cy="364320"/>
+          </a:xfrm>
+          <a:prstGeom prst="rect">
+            <a:avLst/>
+          </a:prstGeom>
+          <a:noFill/>
+          <a:ln w="0">
+            <a:noFill/>
+          </a:ln>
+        </p:spPr>
+        <p:txBody>
+          <a:bodyPr lIns="90000" rIns="90000" tIns="45000" bIns="45000" anchor="ctr">
+            <a:noAutofit/>
+          </a:bodyPr>
+          <a:lstStyle>
+            <a:lvl1pPr>
+              <a:defRPr b="0" lang="en-CA" sz="1400" spc="-1" strike="noStrike">
+                <a:latin typeface="Times New Roman"/>
+              </a:defRPr>
+            </a:lvl1pPr>
+          </a:lstStyle>
+          <a:p>
+            <a:r>
+              <a:rPr b="0" lang="en-CA" sz="1400" spc="-1" strike="noStrike">
+                <a:latin typeface="Times New Roman"/>
+              </a:rPr>
+              <a:t>&lt;date/time&gt;</a:t>
+            </a:r>
+            <a:endParaRPr b="0" lang="en-CA" sz="1400" spc="-1" strike="noStrike">
+              <a:latin typeface="Times New Roman"/>
+            </a:endParaRPr>
+          </a:p>
+        </p:txBody>
+      </p:sp>
+      <p:sp>
+        <p:nvSpPr>
           <p:cNvPr id="4" name="PlaceHolder 5"/>
           <p:cNvSpPr>
             <a:spLocks noGrp="1"/>
@@ -5397,9 +4799,6 @@
           </a:bodyPr>
           <a:p>
             <a:pPr marL="432000" indent="-324000">
-              <a:lnSpc>
-                <a:spcPct val="90000"/>
-              </a:lnSpc>
               <a:spcBef>
                 <a:spcPts val="1417"/>
               </a:spcBef>
@@ -5411,26 +4810,17 @@
               <a:buChar char=""/>
             </a:pPr>
             <a:r>
-              <a:rPr b="0" lang="en-US" sz="2800" spc="-1" strike="noStrike">
-                <a:solidFill>
-                  <a:srgbClr val="000000"/>
-                </a:solidFill>
-                <a:latin typeface="Amasis MT Pro Medium"/>
+              <a:rPr b="0" lang="en-CA" sz="3200" spc="-1" strike="noStrike">
+                <a:latin typeface="Arial"/>
               </a:rPr>
               <a:t>Click to edit the outline text format</a:t>
             </a:r>
-            <a:endParaRPr b="0" lang="en-US" sz="2800" spc="-1" strike="noStrike">
-              <a:solidFill>
-                <a:srgbClr val="000000"/>
-              </a:solidFill>
-              <a:latin typeface="Amasis MT Pro Medium"/>
+            <a:endParaRPr b="0" lang="en-CA" sz="3200" spc="-1" strike="noStrike">
+              <a:latin typeface="Arial"/>
             </a:endParaRPr>
           </a:p>
           <a:p>
             <a:pPr lvl="1" marL="864000" indent="-324000">
-              <a:lnSpc>
-                <a:spcPct val="90000"/>
-              </a:lnSpc>
               <a:spcBef>
                 <a:spcPts val="1134"/>
               </a:spcBef>
@@ -5442,26 +4832,17 @@
               <a:buChar char=""/>
             </a:pPr>
             <a:r>
-              <a:rPr b="0" lang="en-US" sz="2000" spc="-1" strike="noStrike">
-                <a:solidFill>
-                  <a:srgbClr val="000000"/>
-                </a:solidFill>
-                <a:latin typeface="Amasis MT Pro Medium"/>
+              <a:rPr b="0" lang="en-CA" sz="2800" spc="-1" strike="noStrike">
+                <a:latin typeface="Arial"/>
               </a:rPr>
               <a:t>Second Outline Level</a:t>
             </a:r>
-            <a:endParaRPr b="0" lang="en-US" sz="2000" spc="-1" strike="noStrike">
-              <a:solidFill>
-                <a:srgbClr val="000000"/>
-              </a:solidFill>
-              <a:latin typeface="Amasis MT Pro Medium"/>
+            <a:endParaRPr b="0" lang="en-CA" sz="2800" spc="-1" strike="noStrike">
+              <a:latin typeface="Arial"/>
             </a:endParaRPr>
           </a:p>
           <a:p>
             <a:pPr lvl="2" marL="1296000" indent="-288000">
-              <a:lnSpc>
-                <a:spcPct val="90000"/>
-              </a:lnSpc>
               <a:spcBef>
                 <a:spcPts val="850"/>
               </a:spcBef>
@@ -5473,26 +4854,17 @@
               <a:buChar char=""/>
             </a:pPr>
             <a:r>
-              <a:rPr b="0" lang="en-US" sz="1800" spc="-1" strike="noStrike">
-                <a:solidFill>
-                  <a:srgbClr val="000000"/>
-                </a:solidFill>
-                <a:latin typeface="Amasis MT Pro Medium"/>
+              <a:rPr b="0" lang="en-CA" sz="2400" spc="-1" strike="noStrike">
+                <a:latin typeface="Arial"/>
               </a:rPr>
               <a:t>Third Outline Level</a:t>
             </a:r>
-            <a:endParaRPr b="0" lang="en-US" sz="1800" spc="-1" strike="noStrike">
-              <a:solidFill>
-                <a:srgbClr val="000000"/>
-              </a:solidFill>
-              <a:latin typeface="Amasis MT Pro Medium"/>
+            <a:endParaRPr b="0" lang="en-CA" sz="2400" spc="-1" strike="noStrike">
+              <a:latin typeface="Arial"/>
             </a:endParaRPr>
           </a:p>
           <a:p>
             <a:pPr lvl="3" marL="1728000" indent="-216000">
-              <a:lnSpc>
-                <a:spcPct val="90000"/>
-              </a:lnSpc>
               <a:spcBef>
                 <a:spcPts val="567"/>
               </a:spcBef>
@@ -5504,26 +4876,17 @@
               <a:buChar char=""/>
             </a:pPr>
             <a:r>
-              <a:rPr b="0" lang="en-US" sz="1800" spc="-1" strike="noStrike">
-                <a:solidFill>
-                  <a:srgbClr val="000000"/>
-                </a:solidFill>
-                <a:latin typeface="Amasis MT Pro Medium"/>
+              <a:rPr b="0" lang="en-CA" sz="2000" spc="-1" strike="noStrike">
+                <a:latin typeface="Arial"/>
               </a:rPr>
               <a:t>Fourth Outline Level</a:t>
             </a:r>
-            <a:endParaRPr b="0" lang="en-US" sz="1800" spc="-1" strike="noStrike">
-              <a:solidFill>
-                <a:srgbClr val="000000"/>
-              </a:solidFill>
-              <a:latin typeface="Amasis MT Pro Medium"/>
+            <a:endParaRPr b="0" lang="en-CA" sz="2000" spc="-1" strike="noStrike">
+              <a:latin typeface="Arial"/>
             </a:endParaRPr>
           </a:p>
           <a:p>
             <a:pPr lvl="4" marL="2160000" indent="-216000">
-              <a:lnSpc>
-                <a:spcPct val="90000"/>
-              </a:lnSpc>
               <a:spcBef>
                 <a:spcPts val="283"/>
               </a:spcBef>
@@ -5535,26 +4898,17 @@
               <a:buChar char=""/>
             </a:pPr>
             <a:r>
-              <a:rPr b="0" lang="en-US" sz="2000" spc="-1" strike="noStrike">
-                <a:solidFill>
-                  <a:srgbClr val="000000"/>
-                </a:solidFill>
-                <a:latin typeface="Amasis MT Pro Medium"/>
+              <a:rPr b="0" lang="en-CA" sz="2000" spc="-1" strike="noStrike">
+                <a:latin typeface="Arial"/>
               </a:rPr>
               <a:t>Fifth Outline Level</a:t>
             </a:r>
-            <a:endParaRPr b="0" lang="en-US" sz="2000" spc="-1" strike="noStrike">
-              <a:solidFill>
-                <a:srgbClr val="000000"/>
-              </a:solidFill>
-              <a:latin typeface="Amasis MT Pro Medium"/>
+            <a:endParaRPr b="0" lang="en-CA" sz="2000" spc="-1" strike="noStrike">
+              <a:latin typeface="Arial"/>
             </a:endParaRPr>
           </a:p>
           <a:p>
             <a:pPr lvl="5" marL="2592000" indent="-216000">
-              <a:lnSpc>
-                <a:spcPct val="90000"/>
-              </a:lnSpc>
               <a:spcBef>
                 <a:spcPts val="283"/>
               </a:spcBef>
@@ -5566,26 +4920,17 @@
               <a:buChar char=""/>
             </a:pPr>
             <a:r>
-              <a:rPr b="0" lang="en-US" sz="2000" spc="-1" strike="noStrike">
-                <a:solidFill>
-                  <a:srgbClr val="000000"/>
-                </a:solidFill>
-                <a:latin typeface="Amasis MT Pro Medium"/>
+              <a:rPr b="0" lang="en-CA" sz="2000" spc="-1" strike="noStrike">
+                <a:latin typeface="Arial"/>
               </a:rPr>
               <a:t>Sixth Outline Level</a:t>
             </a:r>
-            <a:endParaRPr b="0" lang="en-US" sz="2000" spc="-1" strike="noStrike">
-              <a:solidFill>
-                <a:srgbClr val="000000"/>
-              </a:solidFill>
-              <a:latin typeface="Amasis MT Pro Medium"/>
+            <a:endParaRPr b="0" lang="en-CA" sz="2000" spc="-1" strike="noStrike">
+              <a:latin typeface="Arial"/>
             </a:endParaRPr>
           </a:p>
           <a:p>
             <a:pPr lvl="6" marL="3024000" indent="-216000">
-              <a:lnSpc>
-                <a:spcPct val="90000"/>
-              </a:lnSpc>
               <a:spcBef>
                 <a:spcPts val="283"/>
               </a:spcBef>
@@ -5597,19 +4942,13 @@
               <a:buChar char=""/>
             </a:pPr>
             <a:r>
-              <a:rPr b="0" lang="en-US" sz="2000" spc="-1" strike="noStrike">
-                <a:solidFill>
-                  <a:srgbClr val="000000"/>
-                </a:solidFill>
-                <a:latin typeface="Amasis MT Pro Medium"/>
+              <a:rPr b="0" lang="en-CA" sz="2000" spc="-1" strike="noStrike">
+                <a:latin typeface="Arial"/>
               </a:rPr>
               <a:t>Seventh Outline Level</a:t>
             </a:r>
-            <a:endParaRPr b="0" lang="en-US" sz="2000" spc="-1" strike="noStrike">
-              <a:solidFill>
-                <a:srgbClr val="000000"/>
-              </a:solidFill>
-              <a:latin typeface="Amasis MT Pro Medium"/>
+            <a:endParaRPr b="0" lang="en-CA" sz="2000" spc="-1" strike="noStrike">
+              <a:latin typeface="Arial"/>
             </a:endParaRPr>
           </a:p>
         </p:txBody>
@@ -5665,13 +5004,13 @@
             <a:spLocks noGrp="1"/>
           </p:cNvSpPr>
           <p:nvPr>
-            <p:ph type="title"/>
-          </p:nvPr>
-        </p:nvSpPr>
-        <p:spPr>
-          <a:xfrm>
-            <a:off x="838080" y="365040"/>
-            <a:ext cx="10515240" cy="1325160"/>
+            <p:ph type="ftr" idx="4"/>
+          </p:nvPr>
+        </p:nvSpPr>
+        <p:spPr>
+          <a:xfrm>
+            <a:off x="4038480" y="6356520"/>
+            <a:ext cx="4114080" cy="364320"/>
           </a:xfrm>
           <a:prstGeom prst="rect">
             <a:avLst/>
@@ -5682,301 +5021,7 @@
           </a:ln>
         </p:spPr>
         <p:txBody>
-          <a:bodyPr anchor="ctr">
-            <a:noAutofit/>
-          </a:bodyPr>
-          <a:p>
-            <a:pPr>
-              <a:lnSpc>
-                <a:spcPct val="90000"/>
-              </a:lnSpc>
-              <a:buNone/>
-            </a:pPr>
-            <a:r>
-              <a:rPr b="0" lang="en-US" sz="4400" spc="-1" strike="noStrike">
-                <a:solidFill>
-                  <a:srgbClr val="000000"/>
-                </a:solidFill>
-                <a:latin typeface="Amasis MT Pro Black"/>
-              </a:rPr>
-              <a:t>Click to edit Master title style</a:t>
-            </a:r>
-            <a:endParaRPr b="0" lang="en-US" sz="4400" spc="-1" strike="noStrike">
-              <a:solidFill>
-                <a:srgbClr val="000000"/>
-              </a:solidFill>
-              <a:latin typeface="Amasis MT Pro Medium"/>
-            </a:endParaRPr>
-          </a:p>
-        </p:txBody>
-      </p:sp>
-      <p:sp>
-        <p:nvSpPr>
-          <p:cNvPr id="42" name="PlaceHolder 2"/>
-          <p:cNvSpPr>
-            <a:spLocks noGrp="1"/>
-          </p:cNvSpPr>
-          <p:nvPr>
-            <p:ph type="body"/>
-          </p:nvPr>
-        </p:nvSpPr>
-        <p:spPr>
-          <a:xfrm>
-            <a:off x="838080" y="1825560"/>
-            <a:ext cx="10515240" cy="4350960"/>
-          </a:xfrm>
-          <a:prstGeom prst="rect">
-            <a:avLst/>
-          </a:prstGeom>
-          <a:noFill/>
-          <a:ln w="0">
-            <a:noFill/>
-          </a:ln>
-        </p:spPr>
-        <p:txBody>
-          <a:bodyPr anchor="t">
-            <a:noAutofit/>
-          </a:bodyPr>
-          <a:p>
-            <a:pPr marL="228600" indent="-228600">
-              <a:lnSpc>
-                <a:spcPct val="90000"/>
-              </a:lnSpc>
-              <a:spcBef>
-                <a:spcPts val="1001"/>
-              </a:spcBef>
-              <a:buClr>
-                <a:srgbClr val="000000"/>
-              </a:buClr>
-              <a:buFont typeface="Arial"/>
-              <a:buChar char="•"/>
-            </a:pPr>
-            <a:r>
-              <a:rPr b="0" lang="en-US" sz="2800" spc="-1" strike="noStrike">
-                <a:solidFill>
-                  <a:srgbClr val="000000"/>
-                </a:solidFill>
-                <a:latin typeface="Amasis MT Pro Medium"/>
-              </a:rPr>
-              <a:t>Click to edit Master text styles</a:t>
-            </a:r>
-            <a:endParaRPr b="0" lang="en-US" sz="2800" spc="-1" strike="noStrike">
-              <a:solidFill>
-                <a:srgbClr val="000000"/>
-              </a:solidFill>
-              <a:latin typeface="Amasis MT Pro Medium"/>
-            </a:endParaRPr>
-          </a:p>
-          <a:p>
-            <a:pPr lvl="1" marL="685800" indent="-228600">
-              <a:lnSpc>
-                <a:spcPct val="90000"/>
-              </a:lnSpc>
-              <a:spcBef>
-                <a:spcPts val="499"/>
-              </a:spcBef>
-              <a:buClr>
-                <a:srgbClr val="000000"/>
-              </a:buClr>
-              <a:buFont typeface="Arial"/>
-              <a:buChar char="•"/>
-            </a:pPr>
-            <a:r>
-              <a:rPr b="0" lang="en-US" sz="2400" spc="-1" strike="noStrike">
-                <a:solidFill>
-                  <a:srgbClr val="000000"/>
-                </a:solidFill>
-                <a:latin typeface="Amasis MT Pro Medium"/>
-              </a:rPr>
-              <a:t>Second level</a:t>
-            </a:r>
-            <a:endParaRPr b="0" lang="en-US" sz="2400" spc="-1" strike="noStrike">
-              <a:solidFill>
-                <a:srgbClr val="000000"/>
-              </a:solidFill>
-              <a:latin typeface="Amasis MT Pro Medium"/>
-            </a:endParaRPr>
-          </a:p>
-          <a:p>
-            <a:pPr lvl="2" marL="1143000" indent="-228600">
-              <a:lnSpc>
-                <a:spcPct val="90000"/>
-              </a:lnSpc>
-              <a:spcBef>
-                <a:spcPts val="499"/>
-              </a:spcBef>
-              <a:buClr>
-                <a:srgbClr val="000000"/>
-              </a:buClr>
-              <a:buFont typeface="Arial"/>
-              <a:buChar char="•"/>
-            </a:pPr>
-            <a:r>
-              <a:rPr b="0" lang="en-US" sz="2000" spc="-1" strike="noStrike">
-                <a:solidFill>
-                  <a:srgbClr val="000000"/>
-                </a:solidFill>
-                <a:latin typeface="Amasis MT Pro Medium"/>
-              </a:rPr>
-              <a:t>Third level</a:t>
-            </a:r>
-            <a:endParaRPr b="0" lang="en-US" sz="2000" spc="-1" strike="noStrike">
-              <a:solidFill>
-                <a:srgbClr val="000000"/>
-              </a:solidFill>
-              <a:latin typeface="Amasis MT Pro Medium"/>
-            </a:endParaRPr>
-          </a:p>
-          <a:p>
-            <a:pPr lvl="3" marL="1600200" indent="-228600">
-              <a:lnSpc>
-                <a:spcPct val="90000"/>
-              </a:lnSpc>
-              <a:spcBef>
-                <a:spcPts val="499"/>
-              </a:spcBef>
-              <a:buClr>
-                <a:srgbClr val="000000"/>
-              </a:buClr>
-              <a:buFont typeface="Arial"/>
-              <a:buChar char="•"/>
-            </a:pPr>
-            <a:r>
-              <a:rPr b="0" lang="en-US" sz="1800" spc="-1" strike="noStrike">
-                <a:solidFill>
-                  <a:srgbClr val="000000"/>
-                </a:solidFill>
-                <a:latin typeface="Amasis MT Pro Medium"/>
-              </a:rPr>
-              <a:t>Fourth level</a:t>
-            </a:r>
-            <a:endParaRPr b="0" lang="en-US" sz="1800" spc="-1" strike="noStrike">
-              <a:solidFill>
-                <a:srgbClr val="000000"/>
-              </a:solidFill>
-              <a:latin typeface="Amasis MT Pro Medium"/>
-            </a:endParaRPr>
-          </a:p>
-          <a:p>
-            <a:pPr lvl="4" marL="2057400" indent="-228600">
-              <a:lnSpc>
-                <a:spcPct val="90000"/>
-              </a:lnSpc>
-              <a:spcBef>
-                <a:spcPts val="499"/>
-              </a:spcBef>
-              <a:buClr>
-                <a:srgbClr val="000000"/>
-              </a:buClr>
-              <a:buFont typeface="Arial"/>
-              <a:buChar char="•"/>
-            </a:pPr>
-            <a:r>
-              <a:rPr b="0" lang="en-US" sz="1800" spc="-1" strike="noStrike">
-                <a:solidFill>
-                  <a:srgbClr val="000000"/>
-                </a:solidFill>
-                <a:latin typeface="Amasis MT Pro Medium"/>
-              </a:rPr>
-              <a:t>Fifth level</a:t>
-            </a:r>
-            <a:endParaRPr b="0" lang="en-US" sz="1800" spc="-1" strike="noStrike">
-              <a:solidFill>
-                <a:srgbClr val="000000"/>
-              </a:solidFill>
-              <a:latin typeface="Amasis MT Pro Medium"/>
-            </a:endParaRPr>
-          </a:p>
-        </p:txBody>
-      </p:sp>
-      <p:sp>
-        <p:nvSpPr>
-          <p:cNvPr id="43" name="PlaceHolder 3"/>
-          <p:cNvSpPr>
-            <a:spLocks noGrp="1"/>
-          </p:cNvSpPr>
-          <p:nvPr>
-            <p:ph type="dt" idx="4"/>
-          </p:nvPr>
-        </p:nvSpPr>
-        <p:spPr>
-          <a:xfrm>
-            <a:off x="838080" y="6356520"/>
-            <a:ext cx="2742840" cy="364680"/>
-          </a:xfrm>
-          <a:prstGeom prst="rect">
-            <a:avLst/>
-          </a:prstGeom>
-          <a:noFill/>
-          <a:ln w="0">
-            <a:noFill/>
-          </a:ln>
-        </p:spPr>
-        <p:txBody>
-          <a:bodyPr anchor="ctr">
-            <a:noAutofit/>
-          </a:bodyPr>
-          <a:lstStyle>
-            <a:lvl1pPr>
-              <a:lnSpc>
-                <a:spcPct val="100000"/>
-              </a:lnSpc>
-              <a:buNone/>
-              <a:defRPr b="0" lang="en-CA" sz="1200" spc="-1" strike="noStrike">
-                <a:solidFill>
-                  <a:srgbClr val="787878"/>
-                </a:solidFill>
-                <a:latin typeface="Amasis MT Pro Medium"/>
-              </a:defRPr>
-            </a:lvl1pPr>
-          </a:lstStyle>
-          <a:p>
-            <a:pPr>
-              <a:lnSpc>
-                <a:spcPct val="100000"/>
-              </a:lnSpc>
-              <a:buNone/>
-            </a:pPr>
-            <a:r>
-              <a:rPr b="0" lang="en-CA" sz="1200" spc="-1" strike="noStrike">
-                <a:solidFill>
-                  <a:srgbClr val="787878"/>
-                </a:solidFill>
-                <a:latin typeface="Amasis MT Pro Medium"/>
-              </a:rPr>
-              <a:t>&lt;date/time&gt;</a:t>
-            </a:r>
-            <a:endParaRPr b="0" lang="en-CA" sz="1200" spc="-1" strike="noStrike">
-              <a:latin typeface="Times New Roman"/>
-            </a:endParaRPr>
-          </a:p>
-        </p:txBody>
-      </p:sp>
-      <p:sp>
-        <p:nvSpPr>
-          <p:cNvPr id="44" name="PlaceHolder 4"/>
-          <p:cNvSpPr>
-            <a:spLocks noGrp="1"/>
-          </p:cNvSpPr>
-          <p:nvPr>
-            <p:ph type="ftr" idx="5"/>
-          </p:nvPr>
-        </p:nvSpPr>
-        <p:spPr>
-          <a:xfrm>
-            <a:off x="4038480" y="6356520"/>
-            <a:ext cx="4114440" cy="364680"/>
-          </a:xfrm>
-          <a:prstGeom prst="rect">
-            <a:avLst/>
-          </a:prstGeom>
-          <a:noFill/>
-          <a:ln w="0">
-            <a:noFill/>
-          </a:ln>
-        </p:spPr>
-        <p:txBody>
-          <a:bodyPr anchor="ctr">
+          <a:bodyPr lIns="90000" rIns="90000" tIns="45000" bIns="45000" anchor="ctr">
             <a:noAutofit/>
           </a:bodyPr>
           <a:lstStyle>
@@ -6017,18 +5062,18 @@
       </p:sp>
       <p:sp>
         <p:nvSpPr>
-          <p:cNvPr id="45" name="PlaceHolder 5"/>
-          <p:cNvSpPr>
-            <a:spLocks noGrp="1"/>
-          </p:cNvSpPr>
-          <p:nvPr>
-            <p:ph type="sldNum" idx="6"/>
+          <p:cNvPr id="42" name="PlaceHolder 2"/>
+          <p:cNvSpPr>
+            <a:spLocks noGrp="1"/>
+          </p:cNvSpPr>
+          <p:nvPr>
+            <p:ph type="sldNum" idx="5"/>
           </p:nvPr>
         </p:nvSpPr>
         <p:spPr>
           <a:xfrm>
             <a:off x="8610480" y="6356520"/>
-            <a:ext cx="2742840" cy="364680"/>
+            <a:ext cx="2742480" cy="364320"/>
           </a:xfrm>
           <a:prstGeom prst="rect">
             <a:avLst/>
@@ -6039,7 +5084,7 @@
           </a:ln>
         </p:spPr>
         <p:txBody>
-          <a:bodyPr anchor="ctr">
+          <a:bodyPr lIns="90000" rIns="90000" tIns="45000" bIns="45000" anchor="ctr">
             <a:noAutofit/>
           </a:bodyPr>
           <a:lstStyle>
@@ -6063,7 +5108,7 @@
               </a:lnSpc>
               <a:buNone/>
             </a:pPr>
-            <a:fld id="{1C5F380D-0E05-40E8-8854-5BB3FADAF656}" type="slidenum">
+            <a:fld id="{41AAB110-D86D-45C9-BF31-735BBE463FA4}" type="slidenum">
               <a:rPr b="0" lang="en-US" sz="1200" spc="-1" strike="noStrike">
                 <a:solidFill>
                   <a:srgbClr val="787878"/>
@@ -6074,6 +5119,279 @@
             </a:fld>
             <a:endParaRPr b="0" lang="en-CA" sz="1200" spc="-1" strike="noStrike">
               <a:latin typeface="Times New Roman"/>
+            </a:endParaRPr>
+          </a:p>
+        </p:txBody>
+      </p:sp>
+      <p:sp>
+        <p:nvSpPr>
+          <p:cNvPr id="43" name="PlaceHolder 3"/>
+          <p:cNvSpPr>
+            <a:spLocks noGrp="1"/>
+          </p:cNvSpPr>
+          <p:nvPr>
+            <p:ph type="dt" idx="6"/>
+          </p:nvPr>
+        </p:nvSpPr>
+        <p:spPr>
+          <a:xfrm>
+            <a:off x="838080" y="6356520"/>
+            <a:ext cx="2742480" cy="364320"/>
+          </a:xfrm>
+          <a:prstGeom prst="rect">
+            <a:avLst/>
+          </a:prstGeom>
+          <a:noFill/>
+          <a:ln w="0">
+            <a:noFill/>
+          </a:ln>
+        </p:spPr>
+        <p:txBody>
+          <a:bodyPr lIns="90000" rIns="90000" tIns="45000" bIns="45000" anchor="ctr">
+            <a:noAutofit/>
+          </a:bodyPr>
+          <a:lstStyle>
+            <a:lvl1pPr>
+              <a:defRPr b="0" lang="en-CA" sz="1400" spc="-1" strike="noStrike">
+                <a:latin typeface="Times New Roman"/>
+              </a:defRPr>
+            </a:lvl1pPr>
+          </a:lstStyle>
+          <a:p>
+            <a:r>
+              <a:rPr b="0" lang="en-CA" sz="1400" spc="-1" strike="noStrike">
+                <a:latin typeface="Times New Roman"/>
+              </a:rPr>
+              <a:t>&lt;date/time&gt;</a:t>
+            </a:r>
+            <a:endParaRPr b="0" lang="en-CA" sz="1400" spc="-1" strike="noStrike">
+              <a:latin typeface="Times New Roman"/>
+            </a:endParaRPr>
+          </a:p>
+        </p:txBody>
+      </p:sp>
+      <p:sp>
+        <p:nvSpPr>
+          <p:cNvPr id="44" name="PlaceHolder 4"/>
+          <p:cNvSpPr>
+            <a:spLocks noGrp="1"/>
+          </p:cNvSpPr>
+          <p:nvPr>
+            <p:ph type="title"/>
+          </p:nvPr>
+        </p:nvSpPr>
+        <p:spPr>
+          <a:xfrm>
+            <a:off x="609480" y="273600"/>
+            <a:ext cx="10972440" cy="1144800"/>
+          </a:xfrm>
+          <a:prstGeom prst="rect">
+            <a:avLst/>
+          </a:prstGeom>
+          <a:noFill/>
+          <a:ln w="0">
+            <a:noFill/>
+          </a:ln>
+        </p:spPr>
+        <p:txBody>
+          <a:bodyPr lIns="0" rIns="0" tIns="0" bIns="0" anchor="ctr">
+            <a:noAutofit/>
+          </a:bodyPr>
+          <a:p>
+            <a:pPr algn="ctr">
+              <a:buNone/>
+            </a:pPr>
+            <a:r>
+              <a:rPr b="0" lang="en-CA" sz="4400" spc="-1" strike="noStrike">
+                <a:latin typeface="Arial"/>
+              </a:rPr>
+              <a:t>Click to edit the title text format</a:t>
+            </a:r>
+            <a:endParaRPr b="0" lang="en-CA" sz="4400" spc="-1" strike="noStrike">
+              <a:latin typeface="Arial"/>
+            </a:endParaRPr>
+          </a:p>
+        </p:txBody>
+      </p:sp>
+      <p:sp>
+        <p:nvSpPr>
+          <p:cNvPr id="45" name="PlaceHolder 5"/>
+          <p:cNvSpPr>
+            <a:spLocks noGrp="1"/>
+          </p:cNvSpPr>
+          <p:nvPr>
+            <p:ph type="body"/>
+          </p:nvPr>
+        </p:nvSpPr>
+        <p:spPr>
+          <a:xfrm>
+            <a:off x="609480" y="1604520"/>
+            <a:ext cx="10972440" cy="3977280"/>
+          </a:xfrm>
+          <a:prstGeom prst="rect">
+            <a:avLst/>
+          </a:prstGeom>
+          <a:noFill/>
+          <a:ln w="0">
+            <a:noFill/>
+          </a:ln>
+        </p:spPr>
+        <p:txBody>
+          <a:bodyPr lIns="0" rIns="0" tIns="0" bIns="0" anchor="t">
+            <a:normAutofit/>
+          </a:bodyPr>
+          <a:p>
+            <a:pPr marL="432000" indent="-324000">
+              <a:spcBef>
+                <a:spcPts val="1417"/>
+              </a:spcBef>
+              <a:buClr>
+                <a:srgbClr val="000000"/>
+              </a:buClr>
+              <a:buSzPct val="45000"/>
+              <a:buFont typeface="Wingdings" charset="2"/>
+              <a:buChar char=""/>
+            </a:pPr>
+            <a:r>
+              <a:rPr b="0" lang="en-CA" sz="3200" spc="-1" strike="noStrike">
+                <a:latin typeface="Arial"/>
+              </a:rPr>
+              <a:t>Click to edit the outline text format</a:t>
+            </a:r>
+            <a:endParaRPr b="0" lang="en-CA" sz="3200" spc="-1" strike="noStrike">
+              <a:latin typeface="Arial"/>
+            </a:endParaRPr>
+          </a:p>
+          <a:p>
+            <a:pPr lvl="1" marL="864000" indent="-324000">
+              <a:spcBef>
+                <a:spcPts val="1134"/>
+              </a:spcBef>
+              <a:buClr>
+                <a:srgbClr val="000000"/>
+              </a:buClr>
+              <a:buSzPct val="75000"/>
+              <a:buFont typeface="Symbol" charset="2"/>
+              <a:buChar char=""/>
+            </a:pPr>
+            <a:r>
+              <a:rPr b="0" lang="en-CA" sz="2800" spc="-1" strike="noStrike">
+                <a:latin typeface="Arial"/>
+              </a:rPr>
+              <a:t>Second Outline Level</a:t>
+            </a:r>
+            <a:endParaRPr b="0" lang="en-CA" sz="2800" spc="-1" strike="noStrike">
+              <a:latin typeface="Arial"/>
+            </a:endParaRPr>
+          </a:p>
+          <a:p>
+            <a:pPr lvl="2" marL="1296000" indent="-288000">
+              <a:spcBef>
+                <a:spcPts val="850"/>
+              </a:spcBef>
+              <a:buClr>
+                <a:srgbClr val="000000"/>
+              </a:buClr>
+              <a:buSzPct val="45000"/>
+              <a:buFont typeface="Wingdings" charset="2"/>
+              <a:buChar char=""/>
+            </a:pPr>
+            <a:r>
+              <a:rPr b="0" lang="en-CA" sz="2400" spc="-1" strike="noStrike">
+                <a:latin typeface="Arial"/>
+              </a:rPr>
+              <a:t>Third Outline Level</a:t>
+            </a:r>
+            <a:endParaRPr b="0" lang="en-CA" sz="2400" spc="-1" strike="noStrike">
+              <a:latin typeface="Arial"/>
+            </a:endParaRPr>
+          </a:p>
+          <a:p>
+            <a:pPr lvl="3" marL="1728000" indent="-216000">
+              <a:spcBef>
+                <a:spcPts val="567"/>
+              </a:spcBef>
+              <a:buClr>
+                <a:srgbClr val="000000"/>
+              </a:buClr>
+              <a:buSzPct val="75000"/>
+              <a:buFont typeface="Symbol" charset="2"/>
+              <a:buChar char=""/>
+            </a:pPr>
+            <a:r>
+              <a:rPr b="0" lang="en-CA" sz="2000" spc="-1" strike="noStrike">
+                <a:latin typeface="Arial"/>
+              </a:rPr>
+              <a:t>Fourth Outline Level</a:t>
+            </a:r>
+            <a:endParaRPr b="0" lang="en-CA" sz="2000" spc="-1" strike="noStrike">
+              <a:latin typeface="Arial"/>
+            </a:endParaRPr>
+          </a:p>
+          <a:p>
+            <a:pPr lvl="4" marL="2160000" indent="-216000">
+              <a:spcBef>
+                <a:spcPts val="283"/>
+              </a:spcBef>
+              <a:buClr>
+                <a:srgbClr val="000000"/>
+              </a:buClr>
+              <a:buSzPct val="45000"/>
+              <a:buFont typeface="Wingdings" charset="2"/>
+              <a:buChar char=""/>
+            </a:pPr>
+            <a:r>
+              <a:rPr b="0" lang="en-CA" sz="2000" spc="-1" strike="noStrike">
+                <a:latin typeface="Arial"/>
+              </a:rPr>
+              <a:t>Fifth Outline Level</a:t>
+            </a:r>
+            <a:endParaRPr b="0" lang="en-CA" sz="2000" spc="-1" strike="noStrike">
+              <a:latin typeface="Arial"/>
+            </a:endParaRPr>
+          </a:p>
+          <a:p>
+            <a:pPr lvl="5" marL="2592000" indent="-216000">
+              <a:spcBef>
+                <a:spcPts val="283"/>
+              </a:spcBef>
+              <a:buClr>
+                <a:srgbClr val="000000"/>
+              </a:buClr>
+              <a:buSzPct val="45000"/>
+              <a:buFont typeface="Wingdings" charset="2"/>
+              <a:buChar char=""/>
+            </a:pPr>
+            <a:r>
+              <a:rPr b="0" lang="en-CA" sz="2000" spc="-1" strike="noStrike">
+                <a:latin typeface="Arial"/>
+              </a:rPr>
+              <a:t>Sixth Outline Level</a:t>
+            </a:r>
+            <a:endParaRPr b="0" lang="en-CA" sz="2000" spc="-1" strike="noStrike">
+              <a:latin typeface="Arial"/>
+            </a:endParaRPr>
+          </a:p>
+          <a:p>
+            <a:pPr lvl="6" marL="3024000" indent="-216000">
+              <a:spcBef>
+                <a:spcPts val="283"/>
+              </a:spcBef>
+              <a:buClr>
+                <a:srgbClr val="000000"/>
+              </a:buClr>
+              <a:buSzPct val="45000"/>
+              <a:buFont typeface="Wingdings" charset="2"/>
+              <a:buChar char=""/>
+            </a:pPr>
+            <a:r>
+              <a:rPr b="0" lang="en-CA" sz="2000" spc="-1" strike="noStrike">
+                <a:latin typeface="Arial"/>
+              </a:rPr>
+              <a:t>Seventh Outline Level</a:t>
+            </a:r>
+            <a:endParaRPr b="0" lang="en-CA" sz="2000" spc="-1" strike="noStrike">
+              <a:latin typeface="Arial"/>
             </a:endParaRPr>
           </a:p>
         </p:txBody>
@@ -6129,7 +5447,7 @@
         <p:spPr>
           <a:xfrm>
             <a:off x="5410080" y="0"/>
-            <a:ext cx="6781320" cy="6857640"/>
+            <a:ext cx="6780960" cy="6857280"/>
           </a:xfrm>
           <a:prstGeom prst="rect">
             <a:avLst/>
@@ -6148,9 +5466,9 @@
         <p:grpSpPr>
           <a:xfrm>
             <a:off x="0" y="0"/>
-            <a:ext cx="5409720" cy="6857640"/>
+            <a:ext cx="5409360" cy="6857280"/>
             <a:chOff x="0" y="0"/>
-            <a:chExt cx="5409720" cy="6857640"/>
+            <a:chExt cx="5409360" cy="6857280"/>
           </a:xfrm>
         </p:grpSpPr>
         <p:sp>
@@ -6162,7 +5480,7 @@
           <p:spPr>
             <a:xfrm>
               <a:off x="0" y="0"/>
-              <a:ext cx="5409720" cy="6857640"/>
+              <a:ext cx="5409360" cy="6857280"/>
             </a:xfrm>
             <a:prstGeom prst="rect">
               <a:avLst/>
@@ -6200,7 +5518,7 @@
           <p:spPr>
             <a:xfrm>
               <a:off x="786240" y="704160"/>
-              <a:ext cx="3849120" cy="5449320"/>
+              <a:ext cx="3848760" cy="5448960"/>
             </a:xfrm>
             <a:prstGeom prst="rect">
               <a:avLst/>
@@ -6237,7 +5555,7 @@
         <p:spPr>
           <a:xfrm>
             <a:off x="912960" y="954720"/>
-            <a:ext cx="3584160" cy="2028960"/>
+            <a:ext cx="3583800" cy="2028600"/>
           </a:xfrm>
           <a:prstGeom prst="rect">
             <a:avLst/>
@@ -6254,7 +5572,7 @@
           <a:fontRef idx="minor"/>
         </p:style>
         <p:txBody>
-          <a:bodyPr anchor="b">
+          <a:bodyPr lIns="90000" rIns="90000" tIns="45000" bIns="45000" anchor="b">
             <a:normAutofit/>
           </a:bodyPr>
           <a:p>
@@ -6270,8 +5588,9 @@
                   <a:srgbClr val="000000"/>
                 </a:solidFill>
                 <a:latin typeface="Amasis MT Pro Black"/>
+                <a:ea typeface="DejaVu Sans"/>
               </a:rPr>
-              <a:t>Titre de la présentation</a:t>
+              <a:t>Comment est fabriqué un PCB</a:t>
             </a:r>
             <a:endParaRPr b="0" lang="en-CA" sz="3200" spc="-1" strike="noStrike">
               <a:latin typeface="Arial"/>
@@ -6288,7 +5607,7 @@
         <p:spPr>
           <a:xfrm>
             <a:off x="777240" y="4863960"/>
-            <a:ext cx="3849120" cy="815760"/>
+            <a:ext cx="3848760" cy="815400"/>
           </a:xfrm>
           <a:prstGeom prst="rect">
             <a:avLst/>
@@ -6305,7 +5624,7 @@
           <a:fontRef idx="minor"/>
         </p:style>
         <p:txBody>
-          <a:bodyPr anchor="t">
+          <a:bodyPr lIns="90000" rIns="90000" tIns="45000" bIns="45000" anchor="t">
             <a:normAutofit fontScale="67000"/>
           </a:bodyPr>
           <a:p>
@@ -6327,6 +5646,7 @@
                   <a:srgbClr val="000000"/>
                 </a:solidFill>
                 <a:latin typeface="Amasis MT Pro"/>
+                <a:ea typeface="DejaVu Sans"/>
               </a:rPr>
               <a:t>Présentation par :</a:t>
             </a:r>
@@ -6353,6 +5673,7 @@
                   <a:srgbClr val="000000"/>
                 </a:solidFill>
                 <a:latin typeface="Amasis MT Pro"/>
+                <a:ea typeface="DejaVu Sans"/>
               </a:rPr>
               <a:t>Pascal-Emmanuel Lachance</a:t>
             </a:r>
@@ -6379,6 +5700,7 @@
                   <a:srgbClr val="000000"/>
                 </a:solidFill>
                 <a:latin typeface="Amasis MT Pro"/>
+                <a:ea typeface="DejaVu Sans"/>
               </a:rPr>
               <a:t>Groupe technique C3I</a:t>
             </a:r>
@@ -6634,7 +5956,7 @@
         <p:spPr>
           <a:xfrm>
             <a:off x="357120" y="204840"/>
-            <a:ext cx="10515240" cy="877320"/>
+            <a:ext cx="10514880" cy="876960"/>
           </a:xfrm>
           <a:prstGeom prst="rect">
             <a:avLst/>
@@ -6645,7 +5967,7 @@
           </a:ln>
         </p:spPr>
         <p:txBody>
-          <a:bodyPr anchor="ctr">
+          <a:bodyPr lIns="90000" rIns="90000" tIns="45000" bIns="45000" anchor="ctr">
             <a:noAutofit/>
           </a:bodyPr>
           <a:p>
@@ -6664,11 +5986,8 @@
               </a:rPr>
               <a:t>Déroulement de la présentation</a:t>
             </a:r>
-            <a:endParaRPr b="0" lang="en-US" sz="4400" spc="-1" strike="noStrike">
-              <a:solidFill>
-                <a:srgbClr val="000000"/>
-              </a:solidFill>
-              <a:latin typeface="Amasis MT Pro Medium"/>
+            <a:endParaRPr b="0" lang="en-CA" sz="4400" spc="-1" strike="noStrike">
+              <a:latin typeface="Arial"/>
             </a:endParaRPr>
           </a:p>
         </p:txBody>
@@ -6682,9 +6001,9 @@
         <p:grpSpPr>
           <a:xfrm>
             <a:off x="2322360" y="1865880"/>
-            <a:ext cx="2042280" cy="1601280"/>
+            <a:ext cx="2041920" cy="1600920"/>
             <a:chOff x="2322360" y="1865880"/>
-            <a:chExt cx="2042280" cy="1601280"/>
+            <a:chExt cx="2041920" cy="1600920"/>
           </a:xfrm>
         </p:grpSpPr>
         <p:grpSp>
@@ -6696,9 +6015,9 @@
           <p:grpSpPr>
             <a:xfrm>
               <a:off x="2322360" y="1867320"/>
-              <a:ext cx="2042280" cy="1599840"/>
+              <a:ext cx="2041920" cy="1599480"/>
               <a:chOff x="2322360" y="1867320"/>
-              <a:chExt cx="2042280" cy="1599840"/>
+              <a:chExt cx="2041920" cy="1599480"/>
             </a:xfrm>
           </p:grpSpPr>
           <p:sp>
@@ -6710,7 +6029,7 @@
             <p:spPr>
               <a:xfrm>
                 <a:off x="2322360" y="1867320"/>
-                <a:ext cx="2042280" cy="1524600"/>
+                <a:ext cx="2041920" cy="1524240"/>
               </a:xfrm>
               <a:custGeom>
                 <a:avLst/>
@@ -6758,7 +6077,7 @@
             <p:spPr>
               <a:xfrm>
                 <a:off x="2322360" y="1867320"/>
-                <a:ext cx="1382040" cy="1599840"/>
+                <a:ext cx="1381680" cy="1599480"/>
               </a:xfrm>
               <a:prstGeom prst="rect">
                 <a:avLst/>
@@ -6785,7 +6104,7 @@
           <p:spPr>
             <a:xfrm>
               <a:off x="2322360" y="2496960"/>
-              <a:ext cx="2033280" cy="251640"/>
+              <a:ext cx="2032920" cy="502200"/>
             </a:xfrm>
             <a:prstGeom prst="rect">
               <a:avLst/>
@@ -6820,7 +6139,7 @@
                   <a:latin typeface="Amasis MT Pro Medium"/>
                   <a:ea typeface="Open Sans"/>
                 </a:rPr>
-                <a:t>SECTION 1</a:t>
+                <a:t>Composition d’un PCB</a:t>
               </a:r>
               <a:endParaRPr b="0" lang="en-CA" sz="1650" spc="-1" strike="noStrike">
                 <a:latin typeface="Arial"/>
@@ -6837,7 +6156,7 @@
           <p:spPr>
             <a:xfrm>
               <a:off x="2544120" y="1865880"/>
-              <a:ext cx="430920" cy="526320"/>
+              <a:ext cx="430560" cy="525960"/>
             </a:xfrm>
             <a:prstGeom prst="rect">
               <a:avLst/>
@@ -6872,6 +6191,7 @@
                     <a:srgbClr val="ffffff"/>
                   </a:solidFill>
                   <a:latin typeface="Amasis MT Pro Medium"/>
+                  <a:ea typeface="DejaVu Sans"/>
                 </a:rPr>
                 <a:t>1</a:t>
               </a:r>
@@ -6891,9 +6211,9 @@
         <p:grpSpPr>
           <a:xfrm>
             <a:off x="4779720" y="1865160"/>
-            <a:ext cx="2052000" cy="1600560"/>
+            <a:ext cx="2051640" cy="1600200"/>
             <a:chOff x="4779720" y="1865160"/>
-            <a:chExt cx="2052000" cy="1600560"/>
+            <a:chExt cx="2051640" cy="1600200"/>
           </a:xfrm>
         </p:grpSpPr>
         <p:grpSp>
@@ -6905,9 +6225,9 @@
           <p:grpSpPr>
             <a:xfrm>
               <a:off x="4789440" y="1865880"/>
-              <a:ext cx="2042280" cy="1599840"/>
+              <a:ext cx="2041920" cy="1599480"/>
               <a:chOff x="4789440" y="1865880"/>
-              <a:chExt cx="2042280" cy="1599840"/>
+              <a:chExt cx="2041920" cy="1599480"/>
             </a:xfrm>
           </p:grpSpPr>
           <p:sp>
@@ -6919,7 +6239,7 @@
             <p:spPr>
               <a:xfrm>
                 <a:off x="4789440" y="1865880"/>
-                <a:ext cx="2042280" cy="1524600"/>
+                <a:ext cx="2041920" cy="1524240"/>
               </a:xfrm>
               <a:custGeom>
                 <a:avLst/>
@@ -6967,7 +6287,7 @@
             <p:spPr>
               <a:xfrm>
                 <a:off x="4789440" y="1865880"/>
-                <a:ext cx="1382040" cy="1599840"/>
+                <a:ext cx="1381680" cy="1599480"/>
               </a:xfrm>
               <a:prstGeom prst="rect">
                 <a:avLst/>
@@ -6994,7 +6314,7 @@
           <p:spPr>
             <a:xfrm>
               <a:off x="4779720" y="2505240"/>
-              <a:ext cx="2042280" cy="251640"/>
+              <a:ext cx="2041920" cy="502200"/>
             </a:xfrm>
             <a:prstGeom prst="rect">
               <a:avLst/>
@@ -7029,7 +6349,28 @@
                   <a:latin typeface="Amasis MT Pro Light"/>
                   <a:ea typeface="Open Sans"/>
                 </a:rPr>
-                <a:t>Section 2</a:t>
+                <a:t>Étapes de</a:t>
+              </a:r>
+              <a:endParaRPr b="0" lang="en-CA" sz="1650" spc="-1" strike="noStrike">
+                <a:latin typeface="Arial"/>
+              </a:endParaRPr>
+            </a:p>
+            <a:p>
+              <a:pPr algn="ctr">
+                <a:lnSpc>
+                  <a:spcPct val="100000"/>
+                </a:lnSpc>
+                <a:buNone/>
+              </a:pPr>
+              <a:r>
+                <a:rPr b="0" lang="fr-CA" sz="1650" spc="-1" strike="noStrike">
+                  <a:solidFill>
+                    <a:srgbClr val="000000"/>
+                  </a:solidFill>
+                  <a:latin typeface="Amasis MT Pro Light"/>
+                  <a:ea typeface="Open Sans"/>
+                </a:rPr>
+                <a:t>fabrication</a:t>
               </a:r>
               <a:endParaRPr b="0" lang="en-CA" sz="1650" spc="-1" strike="noStrike">
                 <a:latin typeface="Arial"/>
@@ -7046,7 +6387,7 @@
           <p:spPr>
             <a:xfrm>
               <a:off x="5011200" y="1865160"/>
-              <a:ext cx="430920" cy="526320"/>
+              <a:ext cx="430560" cy="525960"/>
             </a:xfrm>
             <a:prstGeom prst="rect">
               <a:avLst/>
@@ -7081,6 +6422,7 @@
                     <a:srgbClr val="ffffff"/>
                   </a:solidFill>
                   <a:latin typeface="Amasis MT Pro Medium"/>
+                  <a:ea typeface="DejaVu Sans"/>
                 </a:rPr>
                 <a:t>2</a:t>
               </a:r>
@@ -7100,9 +6442,9 @@
         <p:grpSpPr>
           <a:xfrm>
             <a:off x="7270200" y="3657240"/>
-            <a:ext cx="2049840" cy="1599840"/>
+            <a:ext cx="2049480" cy="1599480"/>
             <a:chOff x="7270200" y="3657240"/>
-            <a:chExt cx="2049840" cy="1599840"/>
+            <a:chExt cx="2049480" cy="1599480"/>
           </a:xfrm>
         </p:grpSpPr>
         <p:grpSp>
@@ -7114,9 +6456,9 @@
           <p:grpSpPr>
             <a:xfrm>
               <a:off x="7277760" y="3657240"/>
-              <a:ext cx="2042280" cy="1599840"/>
+              <a:ext cx="2041920" cy="1599480"/>
               <a:chOff x="7277760" y="3657240"/>
-              <a:chExt cx="2042280" cy="1599840"/>
+              <a:chExt cx="2041920" cy="1599480"/>
             </a:xfrm>
           </p:grpSpPr>
           <p:sp>
@@ -7128,7 +6470,7 @@
             <p:spPr>
               <a:xfrm>
                 <a:off x="7277760" y="3657240"/>
-                <a:ext cx="2042280" cy="1524600"/>
+                <a:ext cx="2041920" cy="1524240"/>
               </a:xfrm>
               <a:custGeom>
                 <a:avLst/>
@@ -7176,7 +6518,7 @@
             <p:spPr>
               <a:xfrm>
                 <a:off x="7277760" y="3657240"/>
-                <a:ext cx="1382040" cy="1599840"/>
+                <a:ext cx="1381680" cy="1599480"/>
               </a:xfrm>
               <a:prstGeom prst="rect">
                 <a:avLst/>
@@ -7203,7 +6545,7 @@
           <p:spPr>
             <a:xfrm>
               <a:off x="7270200" y="4341960"/>
-              <a:ext cx="2042280" cy="251640"/>
+              <a:ext cx="2041920" cy="251280"/>
             </a:xfrm>
             <a:prstGeom prst="rect">
               <a:avLst/>
@@ -7238,7 +6580,7 @@
                   <a:latin typeface="Amasis MT Pro Light"/>
                   <a:ea typeface="Open Sans"/>
                 </a:rPr>
-                <a:t>À votre tour!</a:t>
+                <a:t>Vidéo!</a:t>
               </a:r>
               <a:endParaRPr b="0" lang="en-CA" sz="1650" spc="-1" strike="noStrike">
                 <a:latin typeface="Arial"/>
@@ -7255,7 +6597,7 @@
           <p:spPr>
             <a:xfrm>
               <a:off x="7499880" y="3658320"/>
-              <a:ext cx="430920" cy="526320"/>
+              <a:ext cx="430560" cy="525960"/>
             </a:xfrm>
             <a:prstGeom prst="rect">
               <a:avLst/>
@@ -7290,6 +6632,7 @@
                     <a:srgbClr val="ffffff"/>
                   </a:solidFill>
                   <a:latin typeface="Amasis MT Pro Medium"/>
+                  <a:ea typeface="DejaVu Sans"/>
                 </a:rPr>
                 <a:t>6</a:t>
               </a:r>
@@ -7309,9 +6652,9 @@
         <p:grpSpPr>
           <a:xfrm>
             <a:off x="4806720" y="3664800"/>
-            <a:ext cx="2046240" cy="1599840"/>
+            <a:ext cx="2045880" cy="1599480"/>
             <a:chOff x="4806720" y="3664800"/>
-            <a:chExt cx="2046240" cy="1599840"/>
+            <a:chExt cx="2045880" cy="1599480"/>
           </a:xfrm>
         </p:grpSpPr>
         <p:grpSp>
@@ -7323,9 +6666,9 @@
           <p:grpSpPr>
             <a:xfrm>
               <a:off x="4810680" y="3664800"/>
-              <a:ext cx="2042280" cy="1599840"/>
+              <a:ext cx="2041920" cy="1599480"/>
               <a:chOff x="4810680" y="3664800"/>
-              <a:chExt cx="2042280" cy="1599840"/>
+              <a:chExt cx="2041920" cy="1599480"/>
             </a:xfrm>
           </p:grpSpPr>
           <p:sp>
@@ -7337,7 +6680,7 @@
             <p:spPr>
               <a:xfrm>
                 <a:off x="4810680" y="3664800"/>
-                <a:ext cx="2042280" cy="1524600"/>
+                <a:ext cx="2041920" cy="1524240"/>
               </a:xfrm>
               <a:custGeom>
                 <a:avLst/>
@@ -7385,7 +6728,7 @@
             <p:spPr>
               <a:xfrm>
                 <a:off x="4810680" y="3664800"/>
-                <a:ext cx="1382040" cy="1599840"/>
+                <a:ext cx="1381680" cy="1599480"/>
               </a:xfrm>
               <a:prstGeom prst="rect">
                 <a:avLst/>
@@ -7412,7 +6755,7 @@
           <p:spPr>
             <a:xfrm>
               <a:off x="4806720" y="4308480"/>
-              <a:ext cx="2042280" cy="259560"/>
+              <a:ext cx="2041920" cy="259200"/>
             </a:xfrm>
             <a:prstGeom prst="rect">
               <a:avLst/>
@@ -7464,7 +6807,7 @@
           <p:spPr>
             <a:xfrm>
               <a:off x="5032800" y="3666600"/>
-              <a:ext cx="430920" cy="526320"/>
+              <a:ext cx="430560" cy="525960"/>
             </a:xfrm>
             <a:prstGeom prst="rect">
               <a:avLst/>
@@ -7499,6 +6842,7 @@
                     <a:srgbClr val="ffffff"/>
                   </a:solidFill>
                   <a:latin typeface="Amasis MT Pro Medium"/>
+                  <a:ea typeface="DejaVu Sans"/>
                 </a:rPr>
                 <a:t>5</a:t>
               </a:r>
@@ -7518,9 +6862,9 @@
         <p:grpSpPr>
           <a:xfrm>
             <a:off x="2325600" y="3657240"/>
-            <a:ext cx="2046600" cy="1599840"/>
+            <a:ext cx="2046240" cy="1599480"/>
             <a:chOff x="2325600" y="3657240"/>
-            <a:chExt cx="2046600" cy="1599840"/>
+            <a:chExt cx="2046240" cy="1599480"/>
           </a:xfrm>
         </p:grpSpPr>
         <p:grpSp>
@@ -7532,9 +6876,9 @@
           <p:grpSpPr>
             <a:xfrm>
               <a:off x="2329920" y="3657240"/>
-              <a:ext cx="2042280" cy="1599840"/>
+              <a:ext cx="2041920" cy="1599480"/>
               <a:chOff x="2329920" y="3657240"/>
-              <a:chExt cx="2042280" cy="1599840"/>
+              <a:chExt cx="2041920" cy="1599480"/>
             </a:xfrm>
           </p:grpSpPr>
           <p:sp>
@@ -7546,7 +6890,7 @@
             <p:spPr>
               <a:xfrm>
                 <a:off x="2329920" y="3657240"/>
-                <a:ext cx="2042280" cy="1524600"/>
+                <a:ext cx="2041920" cy="1524240"/>
               </a:xfrm>
               <a:custGeom>
                 <a:avLst/>
@@ -7594,7 +6938,7 @@
             <p:spPr>
               <a:xfrm>
                 <a:off x="2329920" y="3657240"/>
-                <a:ext cx="1382040" cy="1599840"/>
+                <a:ext cx="1381680" cy="1599480"/>
               </a:xfrm>
               <a:prstGeom prst="rect">
                 <a:avLst/>
@@ -7621,7 +6965,7 @@
           <p:spPr>
             <a:xfrm>
               <a:off x="2325600" y="4299840"/>
-              <a:ext cx="2038680" cy="251640"/>
+              <a:ext cx="2038320" cy="502200"/>
             </a:xfrm>
             <a:prstGeom prst="rect">
               <a:avLst/>
@@ -7656,7 +7000,7 @@
                   <a:latin typeface="Amasis MT Pro Light"/>
                   <a:ea typeface="Open Sans"/>
                 </a:rPr>
-                <a:t>Section 4</a:t>
+                <a:t>Notes au manufacturier</a:t>
               </a:r>
               <a:endParaRPr b="0" lang="en-CA" sz="1650" spc="-1" strike="noStrike">
                 <a:latin typeface="Arial"/>
@@ -7673,7 +7017,7 @@
           <p:spPr>
             <a:xfrm>
               <a:off x="2551680" y="3659760"/>
-              <a:ext cx="430920" cy="526320"/>
+              <a:ext cx="430560" cy="525960"/>
             </a:xfrm>
             <a:prstGeom prst="rect">
               <a:avLst/>
@@ -7708,6 +7052,7 @@
                     <a:srgbClr val="ffffff"/>
                   </a:solidFill>
                   <a:latin typeface="Amasis MT Pro Medium"/>
+                  <a:ea typeface="DejaVu Sans"/>
                 </a:rPr>
                 <a:t>4</a:t>
               </a:r>
@@ -7727,9 +7072,9 @@
         <p:grpSpPr>
           <a:xfrm>
             <a:off x="7277760" y="1865160"/>
-            <a:ext cx="2046600" cy="1599840"/>
+            <a:ext cx="2046240" cy="1599480"/>
             <a:chOff x="7277760" y="1865160"/>
-            <a:chExt cx="2046600" cy="1599840"/>
+            <a:chExt cx="2046240" cy="1599480"/>
           </a:xfrm>
         </p:grpSpPr>
         <p:grpSp>
@@ -7741,9 +7086,9 @@
           <p:grpSpPr>
             <a:xfrm>
               <a:off x="7282080" y="1865160"/>
-              <a:ext cx="2042280" cy="1599840"/>
+              <a:ext cx="2041920" cy="1599480"/>
               <a:chOff x="7282080" y="1865160"/>
-              <a:chExt cx="2042280" cy="1599840"/>
+              <a:chExt cx="2041920" cy="1599480"/>
             </a:xfrm>
           </p:grpSpPr>
           <p:sp>
@@ -7755,7 +7100,7 @@
             <p:spPr>
               <a:xfrm>
                 <a:off x="7282080" y="1865160"/>
-                <a:ext cx="2042280" cy="1524600"/>
+                <a:ext cx="2041920" cy="1524240"/>
               </a:xfrm>
               <a:custGeom>
                 <a:avLst/>
@@ -7803,7 +7148,7 @@
             <p:spPr>
               <a:xfrm>
                 <a:off x="7282080" y="1865160"/>
-                <a:ext cx="1382040" cy="1599840"/>
+                <a:ext cx="1381680" cy="1599480"/>
               </a:xfrm>
               <a:prstGeom prst="rect">
                 <a:avLst/>
@@ -7830,7 +7175,7 @@
           <p:spPr>
             <a:xfrm>
               <a:off x="7277760" y="2507760"/>
-              <a:ext cx="2038680" cy="251640"/>
+              <a:ext cx="2038320" cy="502200"/>
             </a:xfrm>
             <a:prstGeom prst="rect">
               <a:avLst/>
@@ -7865,7 +7210,28 @@
                   <a:latin typeface="Amasis MT Pro Light"/>
                   <a:ea typeface="Open Sans"/>
                 </a:rPr>
-                <a:t>Section 3</a:t>
+                <a:t>Assemblage &amp;</a:t>
+              </a:r>
+              <a:endParaRPr b="0" lang="en-CA" sz="1650" spc="-1" strike="noStrike">
+                <a:latin typeface="Arial"/>
+              </a:endParaRPr>
+            </a:p>
+            <a:p>
+              <a:pPr algn="ctr">
+                <a:lnSpc>
+                  <a:spcPct val="100000"/>
+                </a:lnSpc>
+                <a:buNone/>
+              </a:pPr>
+              <a:r>
+                <a:rPr b="0" lang="fr-CA" sz="1650" spc="-1" strike="noStrike">
+                  <a:solidFill>
+                    <a:srgbClr val="000000"/>
+                  </a:solidFill>
+                  <a:latin typeface="Amasis MT Pro Light"/>
+                  <a:ea typeface="Open Sans"/>
+                </a:rPr>
+                <a:t>Tests</a:t>
               </a:r>
               <a:endParaRPr b="0" lang="en-CA" sz="1650" spc="-1" strike="noStrike">
                 <a:latin typeface="Arial"/>
@@ -7882,7 +7248,7 @@
           <p:spPr>
             <a:xfrm>
               <a:off x="7503840" y="1867680"/>
-              <a:ext cx="430920" cy="526320"/>
+              <a:ext cx="430560" cy="525960"/>
             </a:xfrm>
             <a:prstGeom prst="rect">
               <a:avLst/>
@@ -7917,6 +7283,7 @@
                     <a:srgbClr val="ffffff"/>
                   </a:solidFill>
                   <a:latin typeface="Amasis MT Pro Medium"/>
+                  <a:ea typeface="DejaVu Sans"/>
                 </a:rPr>
                 <a:t>3</a:t>
               </a:r>
@@ -7934,7 +7301,7 @@
             <a:spLocks noGrp="1"/>
           </p:cNvSpPr>
           <p:nvPr>
-            <p:ph type="ftr" idx="5"/>
+            <p:ph type="ftr" idx="4"/>
           </p:nvPr>
         </p:nvSpPr>
         <p:spPr/>
@@ -7954,14 +7321,14 @@
             <a:spLocks noGrp="1"/>
           </p:cNvSpPr>
           <p:nvPr>
-            <p:ph type="sldNum" idx="6"/>
+            <p:ph type="sldNum" idx="5"/>
           </p:nvPr>
         </p:nvSpPr>
         <p:spPr/>
         <p:txBody>
           <a:bodyPr/>
           <a:p>
-            <a:fld id="{8CCDA486-2DDE-4CB0-92F2-3545DC77F635}" type="slidenum">
+            <a:fld id="{2610E1BC-B1C1-40A4-8B72-4BAB12DE49BA}" type="slidenum">
               <a:t>2</a:t>
             </a:fld>
           </a:p>
@@ -7974,14 +7341,14 @@
             <a:spLocks noGrp="1"/>
           </p:cNvSpPr>
           <p:nvPr>
-            <p:ph type="dt" idx="4"/>
+            <p:ph type="dt" idx="6"/>
           </p:nvPr>
         </p:nvSpPr>
         <p:spPr/>
         <p:txBody>
           <a:bodyPr/>
           <a:p>
-            <a:fld id="{DA22A09A-FBA9-4432-8FC3-E6704926D27E}" type="datetime1">
+            <a:fld id="{BA6DE7D0-6080-403B-A9D1-18E116A270D6}" type="datetime1">
               <a:rPr lang="en-CA"/>
               <a:t>2025-02-21</a:t>
             </a:fld>
@@ -8004,6 +7371,13 @@
 <file path=ppt/slides/slide3.xml><?xml version="1.0" encoding="utf-8"?>
 <p:sld xmlns:a="http://schemas.openxmlformats.org/drawingml/2006/main" xmlns:p="http://schemas.openxmlformats.org/presentationml/2006/main" xmlns:r="http://schemas.openxmlformats.org/officeDocument/2006/relationships" xmlns:p14="http://schemas.microsoft.com/office/powerpoint/2010/main" xmlns:p15="http://schemas.microsoft.com/office/powerpoint/2012/main" xmlns:mc="http://schemas.openxmlformats.org/markup-compatibility/2006">
   <p:cSld>
+    <p:bg>
+      <p:bgPr>
+        <a:solidFill>
+          <a:srgbClr val="295818"/>
+        </a:solidFill>
+      </p:bgPr>
+    </p:bg>
     <p:spTree>
       <p:nvGrpSpPr>
         <p:cNvPr id="1" name=""/>
@@ -8030,8 +7404,8 @@
         </p:nvSpPr>
         <p:spPr>
           <a:xfrm>
-            <a:off x="838080" y="365040"/>
-            <a:ext cx="10515240" cy="1325160"/>
+            <a:off x="357120" y="204840"/>
+            <a:ext cx="10514880" cy="876960"/>
           </a:xfrm>
           <a:prstGeom prst="rect">
             <a:avLst/>
@@ -8042,7 +7416,7 @@
           </a:ln>
         </p:spPr>
         <p:txBody>
-          <a:bodyPr anchor="ctr">
+          <a:bodyPr lIns="90000" rIns="90000" tIns="45000" bIns="45000" anchor="ctr">
             <a:noAutofit/>
           </a:bodyPr>
           <a:p>
@@ -8053,26 +7427,1483 @@
               <a:buNone/>
             </a:pPr>
             <a:r>
+              <a:rPr b="0" lang="fr-CA" sz="4400" spc="-1" strike="noStrike">
+                <a:solidFill>
+                  <a:srgbClr val="f2f2f2"/>
+                </a:solidFill>
+                <a:latin typeface="Amasis MT Pro Black"/>
+              </a:rPr>
+              <a:t>Composition d’un PCB - Stackup</a:t>
+            </a:r>
+            <a:endParaRPr b="0" lang="en-CA" sz="4400" spc="-1" strike="noStrike">
+              <a:latin typeface="Arial"/>
+            </a:endParaRPr>
+          </a:p>
+        </p:txBody>
+      </p:sp>
+      <p:grpSp>
+        <p:nvGrpSpPr>
+          <p:cNvPr id="126" name="Group 1"/>
+          <p:cNvGrpSpPr/>
+          <p:nvPr/>
+        </p:nvGrpSpPr>
+        <p:grpSpPr>
+          <a:xfrm>
+            <a:off x="540000" y="1099080"/>
+            <a:ext cx="2041920" cy="1600920"/>
+            <a:chOff x="540000" y="1099080"/>
+            <a:chExt cx="2041920" cy="1600920"/>
+          </a:xfrm>
+        </p:grpSpPr>
+        <p:grpSp>
+          <p:nvGrpSpPr>
+            <p:cNvPr id="127" name="Google Shape;290;p 1"/>
+            <p:cNvGrpSpPr/>
+            <p:nvPr/>
+          </p:nvGrpSpPr>
+          <p:grpSpPr>
+            <a:xfrm>
+              <a:off x="540000" y="1100520"/>
+              <a:ext cx="2041920" cy="1599480"/>
+              <a:chOff x="540000" y="1100520"/>
+              <a:chExt cx="2041920" cy="1599480"/>
+            </a:xfrm>
+          </p:grpSpPr>
+          <p:sp>
+            <p:nvSpPr>
+              <p:cNvPr id="128" name="Google Shape;291;p 1"/>
+              <p:cNvSpPr/>
+              <p:nvPr/>
+            </p:nvSpPr>
+            <p:spPr>
+              <a:xfrm>
+                <a:off x="540000" y="1100520"/>
+                <a:ext cx="2041920" cy="1524240"/>
+              </a:xfrm>
+              <a:custGeom>
+                <a:avLst/>
+                <a:gdLst/>
+                <a:ahLst/>
+                <a:rect l="l" t="t" r="r" b="b"/>
+                <a:pathLst>
+                  <a:path w="1200970" h="774530">
+                    <a:moveTo>
+                      <a:pt x="0" y="0"/>
+                    </a:moveTo>
+                    <a:lnTo>
+                      <a:pt x="1200970" y="0"/>
+                    </a:lnTo>
+                    <a:lnTo>
+                      <a:pt x="1200970" y="774530"/>
+                    </a:lnTo>
+                    <a:lnTo>
+                      <a:pt x="0" y="774530"/>
+                    </a:lnTo>
+                    <a:close/>
+                  </a:path>
+                </a:pathLst>
+              </a:custGeom>
+              <a:solidFill>
+                <a:srgbClr val="ffffff"/>
+              </a:solidFill>
+              <a:ln w="0">
+                <a:noFill/>
+              </a:ln>
+            </p:spPr>
+            <p:style>
+              <a:lnRef idx="0"/>
+              <a:fillRef idx="0"/>
+              <a:effectRef idx="0"/>
+              <a:fontRef idx="minor"/>
+            </p:style>
+          </p:sp>
+          <p:sp>
+            <p:nvSpPr>
+              <p:cNvPr id="129" name="Google Shape;292;p 1"/>
+              <p:cNvSpPr/>
+              <p:nvPr/>
+            </p:nvSpPr>
+            <p:spPr>
+              <a:xfrm>
+                <a:off x="540000" y="1100520"/>
+                <a:ext cx="1381680" cy="1599480"/>
+              </a:xfrm>
+              <a:prstGeom prst="rect">
+                <a:avLst/>
+              </a:prstGeom>
+              <a:noFill/>
+              <a:ln w="0">
+                <a:noFill/>
+              </a:ln>
+            </p:spPr>
+            <p:style>
+              <a:lnRef idx="0"/>
+              <a:fillRef idx="0"/>
+              <a:effectRef idx="0"/>
+              <a:fontRef idx="minor"/>
+            </p:style>
+          </p:sp>
+        </p:grpSp>
+        <p:sp>
+          <p:nvSpPr>
+            <p:cNvPr id="130" name="Google Shape;296;p 1"/>
+            <p:cNvSpPr/>
+            <p:nvPr/>
+          </p:nvSpPr>
+          <p:spPr>
+            <a:xfrm>
+              <a:off x="540000" y="1730160"/>
+              <a:ext cx="2032920" cy="251640"/>
+            </a:xfrm>
+            <a:prstGeom prst="rect">
+              <a:avLst/>
+            </a:prstGeom>
+            <a:noFill/>
+            <a:ln w="0">
+              <a:noFill/>
+            </a:ln>
+          </p:spPr>
+          <p:style>
+            <a:lnRef idx="0"/>
+            <a:fillRef idx="0"/>
+            <a:effectRef idx="0"/>
+            <a:fontRef idx="minor"/>
+          </p:style>
+          <p:txBody>
+            <a:bodyPr lIns="0" rIns="0" tIns="0" bIns="0" anchor="t">
+              <a:spAutoFit/>
+            </a:bodyPr>
+            <a:p>
+              <a:pPr algn="ctr">
+                <a:lnSpc>
+                  <a:spcPct val="100000"/>
+                </a:lnSpc>
+                <a:buNone/>
+              </a:pPr>
+              <a:r>
+                <a:rPr b="1" lang="fr-CA" sz="1650" spc="-1" strike="noStrike">
+                  <a:solidFill>
+                    <a:srgbClr val="000000"/>
+                  </a:solidFill>
+                  <a:latin typeface="Amasis MT Pro Medium"/>
+                  <a:ea typeface="Open Sans"/>
+                </a:rPr>
+                <a:t>Diélectrique</a:t>
+              </a:r>
+              <a:endParaRPr b="0" lang="en-CA" sz="1650" spc="-1" strike="noStrike">
+                <a:latin typeface="Arial"/>
+              </a:endParaRPr>
+            </a:p>
+          </p:txBody>
+        </p:sp>
+        <p:sp>
+          <p:nvSpPr>
+            <p:cNvPr id="131" name="Rectangle 1"/>
+            <p:cNvSpPr/>
+            <p:nvPr/>
+          </p:nvSpPr>
+          <p:spPr>
+            <a:xfrm>
+              <a:off x="761760" y="1099080"/>
+              <a:ext cx="430560" cy="525960"/>
+            </a:xfrm>
+            <a:prstGeom prst="rect">
+              <a:avLst/>
+            </a:prstGeom>
+            <a:solidFill>
+              <a:schemeClr val="accent2"/>
+            </a:solidFill>
+            <a:ln w="0">
+              <a:noFill/>
+            </a:ln>
+          </p:spPr>
+          <p:style>
+            <a:lnRef idx="0"/>
+            <a:fillRef idx="0"/>
+            <a:effectRef idx="0"/>
+            <a:fontRef idx="minor"/>
+          </p:style>
+          <p:txBody>
+            <a:bodyPr lIns="90000" rIns="90000" tIns="45000" bIns="45000" anchor="ctr">
+              <a:noAutofit/>
+            </a:bodyPr>
+            <a:p>
+              <a:pPr algn="ctr">
+                <a:lnSpc>
+                  <a:spcPct val="100000"/>
+                </a:lnSpc>
+                <a:buNone/>
+              </a:pPr>
+              <a:r>
+                <a:rPr b="0" lang="fr-CA" sz="1800" spc="-1" strike="noStrike">
+                  <a:solidFill>
+                    <a:srgbClr val="ffffff"/>
+                  </a:solidFill>
+                  <a:latin typeface="Amasis MT Pro Medium"/>
+                  <a:ea typeface="DejaVu Sans"/>
+                </a:rPr>
+                <a:t>1</a:t>
+              </a:r>
+              <a:endParaRPr b="0" lang="en-CA" sz="1800" spc="-1" strike="noStrike">
+                <a:latin typeface="Arial"/>
+              </a:endParaRPr>
+            </a:p>
+          </p:txBody>
+        </p:sp>
+      </p:grpSp>
+      <p:grpSp>
+        <p:nvGrpSpPr>
+          <p:cNvPr id="132" name="Group 3"/>
+          <p:cNvGrpSpPr/>
+          <p:nvPr/>
+        </p:nvGrpSpPr>
+        <p:grpSpPr>
+          <a:xfrm>
+            <a:off x="2700000" y="1099800"/>
+            <a:ext cx="2051640" cy="1600200"/>
+            <a:chOff x="2700000" y="1099800"/>
+            <a:chExt cx="2051640" cy="1600200"/>
+          </a:xfrm>
+        </p:grpSpPr>
+        <p:grpSp>
+          <p:nvGrpSpPr>
+            <p:cNvPr id="133" name="Google Shape;290;p 2"/>
+            <p:cNvGrpSpPr/>
+            <p:nvPr/>
+          </p:nvGrpSpPr>
+          <p:grpSpPr>
+            <a:xfrm>
+              <a:off x="2709720" y="1100520"/>
+              <a:ext cx="2041920" cy="1599480"/>
+              <a:chOff x="2709720" y="1100520"/>
+              <a:chExt cx="2041920" cy="1599480"/>
+            </a:xfrm>
+          </p:grpSpPr>
+          <p:sp>
+            <p:nvSpPr>
+              <p:cNvPr id="134" name="Google Shape;291;p 2"/>
+              <p:cNvSpPr/>
+              <p:nvPr/>
+            </p:nvSpPr>
+            <p:spPr>
+              <a:xfrm>
+                <a:off x="2709720" y="1100520"/>
+                <a:ext cx="2041920" cy="1524240"/>
+              </a:xfrm>
+              <a:custGeom>
+                <a:avLst/>
+                <a:gdLst/>
+                <a:ahLst/>
+                <a:rect l="l" t="t" r="r" b="b"/>
+                <a:pathLst>
+                  <a:path w="1200970" h="774530">
+                    <a:moveTo>
+                      <a:pt x="0" y="0"/>
+                    </a:moveTo>
+                    <a:lnTo>
+                      <a:pt x="1200970" y="0"/>
+                    </a:lnTo>
+                    <a:lnTo>
+                      <a:pt x="1200970" y="774530"/>
+                    </a:lnTo>
+                    <a:lnTo>
+                      <a:pt x="0" y="774530"/>
+                    </a:lnTo>
+                    <a:close/>
+                  </a:path>
+                </a:pathLst>
+              </a:custGeom>
+              <a:solidFill>
+                <a:srgbClr val="ffffff"/>
+              </a:solidFill>
+              <a:ln w="0">
+                <a:noFill/>
+              </a:ln>
+            </p:spPr>
+            <p:style>
+              <a:lnRef idx="0"/>
+              <a:fillRef idx="0"/>
+              <a:effectRef idx="0"/>
+              <a:fontRef idx="minor"/>
+            </p:style>
+          </p:sp>
+          <p:sp>
+            <p:nvSpPr>
+              <p:cNvPr id="135" name="Google Shape;292;p 2"/>
+              <p:cNvSpPr/>
+              <p:nvPr/>
+            </p:nvSpPr>
+            <p:spPr>
+              <a:xfrm>
+                <a:off x="2709720" y="1100520"/>
+                <a:ext cx="1381680" cy="1599480"/>
+              </a:xfrm>
+              <a:prstGeom prst="rect">
+                <a:avLst/>
+              </a:prstGeom>
+              <a:noFill/>
+              <a:ln w="0">
+                <a:noFill/>
+              </a:ln>
+            </p:spPr>
+            <p:style>
+              <a:lnRef idx="0"/>
+              <a:fillRef idx="0"/>
+              <a:effectRef idx="0"/>
+              <a:fontRef idx="minor"/>
+            </p:style>
+          </p:sp>
+        </p:grpSp>
+        <p:sp>
+          <p:nvSpPr>
+            <p:cNvPr id="136" name="Google Shape;296;p 2"/>
+            <p:cNvSpPr/>
+            <p:nvPr/>
+          </p:nvSpPr>
+          <p:spPr>
+            <a:xfrm>
+              <a:off x="2700000" y="1739880"/>
+              <a:ext cx="2041920" cy="251640"/>
+            </a:xfrm>
+            <a:prstGeom prst="rect">
+              <a:avLst/>
+            </a:prstGeom>
+            <a:noFill/>
+            <a:ln w="0">
+              <a:noFill/>
+            </a:ln>
+          </p:spPr>
+          <p:style>
+            <a:lnRef idx="0"/>
+            <a:fillRef idx="0"/>
+            <a:effectRef idx="0"/>
+            <a:fontRef idx="minor"/>
+          </p:style>
+          <p:txBody>
+            <a:bodyPr lIns="0" rIns="0" tIns="0" bIns="0" anchor="t">
+              <a:spAutoFit/>
+            </a:bodyPr>
+            <a:p>
+              <a:pPr algn="ctr">
+                <a:lnSpc>
+                  <a:spcPct val="100000"/>
+                </a:lnSpc>
+                <a:buNone/>
+              </a:pPr>
+              <a:r>
+                <a:rPr b="0" lang="fr-CA" sz="1650" spc="-1" strike="noStrike">
+                  <a:solidFill>
+                    <a:srgbClr val="000000"/>
+                  </a:solidFill>
+                  <a:latin typeface="Amasis MT Pro Light"/>
+                  <a:ea typeface="Open Sans"/>
+                </a:rPr>
+                <a:t>Cuivre</a:t>
+              </a:r>
+              <a:endParaRPr b="0" lang="en-CA" sz="1650" spc="-1" strike="noStrike">
+                <a:latin typeface="Arial"/>
+              </a:endParaRPr>
+            </a:p>
+          </p:txBody>
+        </p:sp>
+        <p:sp>
+          <p:nvSpPr>
+            <p:cNvPr id="137" name="Rectangle 2"/>
+            <p:cNvSpPr/>
+            <p:nvPr/>
+          </p:nvSpPr>
+          <p:spPr>
+            <a:xfrm>
+              <a:off x="2931480" y="1099800"/>
+              <a:ext cx="430560" cy="525960"/>
+            </a:xfrm>
+            <a:prstGeom prst="rect">
+              <a:avLst/>
+            </a:prstGeom>
+            <a:solidFill>
+              <a:schemeClr val="accent2"/>
+            </a:solidFill>
+            <a:ln w="0">
+              <a:noFill/>
+            </a:ln>
+          </p:spPr>
+          <p:style>
+            <a:lnRef idx="0"/>
+            <a:fillRef idx="0"/>
+            <a:effectRef idx="0"/>
+            <a:fontRef idx="minor"/>
+          </p:style>
+          <p:txBody>
+            <a:bodyPr lIns="90000" rIns="90000" tIns="45000" bIns="45000" anchor="ctr">
+              <a:noAutofit/>
+            </a:bodyPr>
+            <a:p>
+              <a:pPr algn="ctr">
+                <a:lnSpc>
+                  <a:spcPct val="100000"/>
+                </a:lnSpc>
+                <a:buNone/>
+              </a:pPr>
+              <a:r>
+                <a:rPr b="0" lang="fr-CA" sz="1800" spc="-1" strike="noStrike">
+                  <a:solidFill>
+                    <a:srgbClr val="ffffff"/>
+                  </a:solidFill>
+                  <a:latin typeface="Amasis MT Pro Medium"/>
+                  <a:ea typeface="DejaVu Sans"/>
+                </a:rPr>
+                <a:t>2</a:t>
+              </a:r>
+              <a:endParaRPr b="0" lang="en-CA" sz="1800" spc="-1" strike="noStrike">
+                <a:latin typeface="Arial"/>
+              </a:endParaRPr>
+            </a:p>
+          </p:txBody>
+        </p:sp>
+      </p:grpSp>
+      <p:grpSp>
+        <p:nvGrpSpPr>
+          <p:cNvPr id="138" name="Group 4"/>
+          <p:cNvGrpSpPr/>
+          <p:nvPr/>
+        </p:nvGrpSpPr>
+        <p:grpSpPr>
+          <a:xfrm>
+            <a:off x="2700000" y="4320000"/>
+            <a:ext cx="2049480" cy="1599480"/>
+            <a:chOff x="2700000" y="4320000"/>
+            <a:chExt cx="2049480" cy="1599480"/>
+          </a:xfrm>
+        </p:grpSpPr>
+        <p:grpSp>
+          <p:nvGrpSpPr>
+            <p:cNvPr id="139" name="Google Shape;290;p 3"/>
+            <p:cNvGrpSpPr/>
+            <p:nvPr/>
+          </p:nvGrpSpPr>
+          <p:grpSpPr>
+            <a:xfrm>
+              <a:off x="2707560" y="4320000"/>
+              <a:ext cx="2041920" cy="1599480"/>
+              <a:chOff x="2707560" y="4320000"/>
+              <a:chExt cx="2041920" cy="1599480"/>
+            </a:xfrm>
+          </p:grpSpPr>
+          <p:sp>
+            <p:nvSpPr>
+              <p:cNvPr id="140" name="Google Shape;291;p 3"/>
+              <p:cNvSpPr/>
+              <p:nvPr/>
+            </p:nvSpPr>
+            <p:spPr>
+              <a:xfrm>
+                <a:off x="2707560" y="4320000"/>
+                <a:ext cx="2041920" cy="1524240"/>
+              </a:xfrm>
+              <a:custGeom>
+                <a:avLst/>
+                <a:gdLst/>
+                <a:ahLst/>
+                <a:rect l="l" t="t" r="r" b="b"/>
+                <a:pathLst>
+                  <a:path w="1200970" h="774530">
+                    <a:moveTo>
+                      <a:pt x="0" y="0"/>
+                    </a:moveTo>
+                    <a:lnTo>
+                      <a:pt x="1200970" y="0"/>
+                    </a:lnTo>
+                    <a:lnTo>
+                      <a:pt x="1200970" y="774530"/>
+                    </a:lnTo>
+                    <a:lnTo>
+                      <a:pt x="0" y="774530"/>
+                    </a:lnTo>
+                    <a:close/>
+                  </a:path>
+                </a:pathLst>
+              </a:custGeom>
+              <a:solidFill>
+                <a:srgbClr val="ffffff"/>
+              </a:solidFill>
+              <a:ln w="0">
+                <a:noFill/>
+              </a:ln>
+            </p:spPr>
+            <p:style>
+              <a:lnRef idx="0"/>
+              <a:fillRef idx="0"/>
+              <a:effectRef idx="0"/>
+              <a:fontRef idx="minor"/>
+            </p:style>
+          </p:sp>
+          <p:sp>
+            <p:nvSpPr>
+              <p:cNvPr id="141" name="Google Shape;292;p 3"/>
+              <p:cNvSpPr/>
+              <p:nvPr/>
+            </p:nvSpPr>
+            <p:spPr>
+              <a:xfrm>
+                <a:off x="2707560" y="4320000"/>
+                <a:ext cx="1381680" cy="1599480"/>
+              </a:xfrm>
+              <a:prstGeom prst="rect">
+                <a:avLst/>
+              </a:prstGeom>
+              <a:noFill/>
+              <a:ln w="0">
+                <a:noFill/>
+              </a:ln>
+            </p:spPr>
+            <p:style>
+              <a:lnRef idx="0"/>
+              <a:fillRef idx="0"/>
+              <a:effectRef idx="0"/>
+              <a:fontRef idx="minor"/>
+            </p:style>
+          </p:sp>
+        </p:grpSp>
+        <p:sp>
+          <p:nvSpPr>
+            <p:cNvPr id="142" name="Google Shape;296;p 3"/>
+            <p:cNvSpPr/>
+            <p:nvPr/>
+          </p:nvSpPr>
+          <p:spPr>
+            <a:xfrm>
+              <a:off x="2700000" y="5004720"/>
+              <a:ext cx="2041920" cy="251280"/>
+            </a:xfrm>
+            <a:prstGeom prst="rect">
+              <a:avLst/>
+            </a:prstGeom>
+            <a:noFill/>
+            <a:ln w="0">
+              <a:noFill/>
+            </a:ln>
+          </p:spPr>
+          <p:style>
+            <a:lnRef idx="0"/>
+            <a:fillRef idx="0"/>
+            <a:effectRef idx="0"/>
+            <a:fontRef idx="minor"/>
+          </p:style>
+          <p:txBody>
+            <a:bodyPr lIns="0" rIns="0" tIns="0" bIns="0" anchor="t">
+              <a:spAutoFit/>
+            </a:bodyPr>
+            <a:p>
+              <a:pPr algn="ctr">
+                <a:lnSpc>
+                  <a:spcPct val="100000"/>
+                </a:lnSpc>
+                <a:buNone/>
+              </a:pPr>
+              <a:r>
+                <a:rPr b="0" lang="fr-CA" sz="1650" spc="-1" strike="noStrike">
+                  <a:solidFill>
+                    <a:srgbClr val="000000"/>
+                  </a:solidFill>
+                  <a:latin typeface="Amasis MT Pro Light"/>
+                  <a:ea typeface="Open Sans"/>
+                </a:rPr>
+                <a:t>Panneaux</a:t>
+              </a:r>
+              <a:endParaRPr b="0" lang="en-CA" sz="1650" spc="-1" strike="noStrike">
+                <a:latin typeface="Arial"/>
+              </a:endParaRPr>
+            </a:p>
+          </p:txBody>
+        </p:sp>
+        <p:sp>
+          <p:nvSpPr>
+            <p:cNvPr id="143" name="Rectangle 3"/>
+            <p:cNvSpPr/>
+            <p:nvPr/>
+          </p:nvSpPr>
+          <p:spPr>
+            <a:xfrm>
+              <a:off x="2929680" y="4321080"/>
+              <a:ext cx="430560" cy="525960"/>
+            </a:xfrm>
+            <a:prstGeom prst="rect">
+              <a:avLst/>
+            </a:prstGeom>
+            <a:solidFill>
+              <a:schemeClr val="accent2"/>
+            </a:solidFill>
+            <a:ln w="0">
+              <a:noFill/>
+            </a:ln>
+          </p:spPr>
+          <p:style>
+            <a:lnRef idx="0"/>
+            <a:fillRef idx="0"/>
+            <a:effectRef idx="0"/>
+            <a:fontRef idx="minor"/>
+          </p:style>
+          <p:txBody>
+            <a:bodyPr lIns="90000" rIns="90000" tIns="45000" bIns="45000" anchor="ctr">
+              <a:noAutofit/>
+            </a:bodyPr>
+            <a:p>
+              <a:pPr algn="ctr">
+                <a:lnSpc>
+                  <a:spcPct val="100000"/>
+                </a:lnSpc>
+                <a:buNone/>
+              </a:pPr>
+              <a:r>
+                <a:rPr b="0" lang="fr-CA" sz="1800" spc="-1" strike="noStrike">
+                  <a:solidFill>
+                    <a:srgbClr val="ffffff"/>
+                  </a:solidFill>
+                  <a:latin typeface="Amasis MT Pro Medium"/>
+                  <a:ea typeface="DejaVu Sans"/>
+                </a:rPr>
+                <a:t>6</a:t>
+              </a:r>
+              <a:endParaRPr b="0" lang="en-CA" sz="1800" spc="-1" strike="noStrike">
+                <a:latin typeface="Arial"/>
+              </a:endParaRPr>
+            </a:p>
+          </p:txBody>
+        </p:sp>
+      </p:grpSp>
+      <p:grpSp>
+        <p:nvGrpSpPr>
+          <p:cNvPr id="144" name="Group 5"/>
+          <p:cNvGrpSpPr/>
+          <p:nvPr/>
+        </p:nvGrpSpPr>
+        <p:grpSpPr>
+          <a:xfrm>
+            <a:off x="540000" y="4340520"/>
+            <a:ext cx="2045880" cy="1599480"/>
+            <a:chOff x="540000" y="4340520"/>
+            <a:chExt cx="2045880" cy="1599480"/>
+          </a:xfrm>
+        </p:grpSpPr>
+        <p:grpSp>
+          <p:nvGrpSpPr>
+            <p:cNvPr id="145" name="Google Shape;290;p 4"/>
+            <p:cNvGrpSpPr/>
+            <p:nvPr/>
+          </p:nvGrpSpPr>
+          <p:grpSpPr>
+            <a:xfrm>
+              <a:off x="543960" y="4340520"/>
+              <a:ext cx="2041920" cy="1599480"/>
+              <a:chOff x="543960" y="4340520"/>
+              <a:chExt cx="2041920" cy="1599480"/>
+            </a:xfrm>
+          </p:grpSpPr>
+          <p:sp>
+            <p:nvSpPr>
+              <p:cNvPr id="146" name="Google Shape;291;p 4"/>
+              <p:cNvSpPr/>
+              <p:nvPr/>
+            </p:nvSpPr>
+            <p:spPr>
+              <a:xfrm>
+                <a:off x="543960" y="4340520"/>
+                <a:ext cx="2041920" cy="1524240"/>
+              </a:xfrm>
+              <a:custGeom>
+                <a:avLst/>
+                <a:gdLst/>
+                <a:ahLst/>
+                <a:rect l="l" t="t" r="r" b="b"/>
+                <a:pathLst>
+                  <a:path w="1200970" h="774530">
+                    <a:moveTo>
+                      <a:pt x="0" y="0"/>
+                    </a:moveTo>
+                    <a:lnTo>
+                      <a:pt x="1200970" y="0"/>
+                    </a:lnTo>
+                    <a:lnTo>
+                      <a:pt x="1200970" y="774530"/>
+                    </a:lnTo>
+                    <a:lnTo>
+                      <a:pt x="0" y="774530"/>
+                    </a:lnTo>
+                    <a:close/>
+                  </a:path>
+                </a:pathLst>
+              </a:custGeom>
+              <a:solidFill>
+                <a:srgbClr val="ffffff"/>
+              </a:solidFill>
+              <a:ln w="0">
+                <a:noFill/>
+              </a:ln>
+            </p:spPr>
+            <p:style>
+              <a:lnRef idx="0"/>
+              <a:fillRef idx="0"/>
+              <a:effectRef idx="0"/>
+              <a:fontRef idx="minor"/>
+            </p:style>
+          </p:sp>
+          <p:sp>
+            <p:nvSpPr>
+              <p:cNvPr id="147" name="Google Shape;292;p 4"/>
+              <p:cNvSpPr/>
+              <p:nvPr/>
+            </p:nvSpPr>
+            <p:spPr>
+              <a:xfrm>
+                <a:off x="543960" y="4340520"/>
+                <a:ext cx="1381680" cy="1599480"/>
+              </a:xfrm>
+              <a:prstGeom prst="rect">
+                <a:avLst/>
+              </a:prstGeom>
+              <a:noFill/>
+              <a:ln w="0">
+                <a:noFill/>
+              </a:ln>
+            </p:spPr>
+            <p:style>
+              <a:lnRef idx="0"/>
+              <a:fillRef idx="0"/>
+              <a:effectRef idx="0"/>
+              <a:fontRef idx="minor"/>
+            </p:style>
+          </p:sp>
+        </p:grpSp>
+        <p:sp>
+          <p:nvSpPr>
+            <p:cNvPr id="148" name="Google Shape;296;p 4"/>
+            <p:cNvSpPr/>
+            <p:nvPr/>
+          </p:nvSpPr>
+          <p:spPr>
+            <a:xfrm>
+              <a:off x="540000" y="4984200"/>
+              <a:ext cx="2041920" cy="259200"/>
+            </a:xfrm>
+            <a:prstGeom prst="rect">
+              <a:avLst/>
+            </a:prstGeom>
+            <a:noFill/>
+            <a:ln w="0">
+              <a:noFill/>
+            </a:ln>
+          </p:spPr>
+          <p:style>
+            <a:lnRef idx="0"/>
+            <a:fillRef idx="0"/>
+            <a:effectRef idx="0"/>
+            <a:fontRef idx="minor"/>
+          </p:style>
+          <p:txBody>
+            <a:bodyPr lIns="0" rIns="0" tIns="0" bIns="0" anchor="t">
+              <a:spAutoFit/>
+            </a:bodyPr>
+            <a:p>
+              <a:pPr algn="ctr">
+                <a:lnSpc>
+                  <a:spcPct val="100000"/>
+                </a:lnSpc>
+                <a:buNone/>
+              </a:pPr>
+              <a:r>
+                <a:rPr b="0" lang="fr-CA" sz="1700" spc="-1" strike="noStrike">
+                  <a:solidFill>
+                    <a:srgbClr val="000000"/>
+                  </a:solidFill>
+                  <a:latin typeface="Amasis MT Pro Light"/>
+                  <a:ea typeface="Open Sans"/>
+                </a:rPr>
+                <a:t>Vias</a:t>
+              </a:r>
+              <a:endParaRPr b="0" lang="en-CA" sz="1700" spc="-1" strike="noStrike">
+                <a:latin typeface="Arial"/>
+              </a:endParaRPr>
+            </a:p>
+          </p:txBody>
+        </p:sp>
+        <p:sp>
+          <p:nvSpPr>
+            <p:cNvPr id="149" name="Rectangle 4"/>
+            <p:cNvSpPr/>
+            <p:nvPr/>
+          </p:nvSpPr>
+          <p:spPr>
+            <a:xfrm>
+              <a:off x="766080" y="4342320"/>
+              <a:ext cx="430560" cy="525960"/>
+            </a:xfrm>
+            <a:prstGeom prst="rect">
+              <a:avLst/>
+            </a:prstGeom>
+            <a:solidFill>
+              <a:schemeClr val="accent2"/>
+            </a:solidFill>
+            <a:ln w="0">
+              <a:noFill/>
+            </a:ln>
+          </p:spPr>
+          <p:style>
+            <a:lnRef idx="0"/>
+            <a:fillRef idx="0"/>
+            <a:effectRef idx="0"/>
+            <a:fontRef idx="minor"/>
+          </p:style>
+          <p:txBody>
+            <a:bodyPr lIns="90000" rIns="90000" tIns="45000" bIns="45000" anchor="ctr">
+              <a:noAutofit/>
+            </a:bodyPr>
+            <a:p>
+              <a:pPr algn="ctr">
+                <a:lnSpc>
+                  <a:spcPct val="100000"/>
+                </a:lnSpc>
+                <a:buNone/>
+              </a:pPr>
+              <a:r>
+                <a:rPr b="0" lang="fr-CA" sz="1800" spc="-1" strike="noStrike">
+                  <a:solidFill>
+                    <a:srgbClr val="ffffff"/>
+                  </a:solidFill>
+                  <a:latin typeface="Amasis MT Pro Medium"/>
+                  <a:ea typeface="DejaVu Sans"/>
+                </a:rPr>
+                <a:t>5</a:t>
+              </a:r>
+              <a:endParaRPr b="0" lang="en-CA" sz="1800" spc="-1" strike="noStrike">
+                <a:latin typeface="Arial"/>
+              </a:endParaRPr>
+            </a:p>
+          </p:txBody>
+        </p:sp>
+      </p:grpSp>
+      <p:grpSp>
+        <p:nvGrpSpPr>
+          <p:cNvPr id="150" name="Group 7"/>
+          <p:cNvGrpSpPr/>
+          <p:nvPr/>
+        </p:nvGrpSpPr>
+        <p:grpSpPr>
+          <a:xfrm>
+            <a:off x="2709720" y="2720520"/>
+            <a:ext cx="2046240" cy="1599480"/>
+            <a:chOff x="2709720" y="2720520"/>
+            <a:chExt cx="2046240" cy="1599480"/>
+          </a:xfrm>
+        </p:grpSpPr>
+        <p:grpSp>
+          <p:nvGrpSpPr>
+            <p:cNvPr id="151" name="Google Shape;290;p 5"/>
+            <p:cNvGrpSpPr/>
+            <p:nvPr/>
+          </p:nvGrpSpPr>
+          <p:grpSpPr>
+            <a:xfrm>
+              <a:off x="2714040" y="2720520"/>
+              <a:ext cx="2041920" cy="1599480"/>
+              <a:chOff x="2714040" y="2720520"/>
+              <a:chExt cx="2041920" cy="1599480"/>
+            </a:xfrm>
+          </p:grpSpPr>
+          <p:sp>
+            <p:nvSpPr>
+              <p:cNvPr id="152" name="Google Shape;291;p 5"/>
+              <p:cNvSpPr/>
+              <p:nvPr/>
+            </p:nvSpPr>
+            <p:spPr>
+              <a:xfrm>
+                <a:off x="2714040" y="2720520"/>
+                <a:ext cx="2041920" cy="1524240"/>
+              </a:xfrm>
+              <a:custGeom>
+                <a:avLst/>
+                <a:gdLst/>
+                <a:ahLst/>
+                <a:rect l="l" t="t" r="r" b="b"/>
+                <a:pathLst>
+                  <a:path w="1200970" h="774530">
+                    <a:moveTo>
+                      <a:pt x="0" y="0"/>
+                    </a:moveTo>
+                    <a:lnTo>
+                      <a:pt x="1200970" y="0"/>
+                    </a:lnTo>
+                    <a:lnTo>
+                      <a:pt x="1200970" y="774530"/>
+                    </a:lnTo>
+                    <a:lnTo>
+                      <a:pt x="0" y="774530"/>
+                    </a:lnTo>
+                    <a:close/>
+                  </a:path>
+                </a:pathLst>
+              </a:custGeom>
+              <a:solidFill>
+                <a:srgbClr val="ffffff"/>
+              </a:solidFill>
+              <a:ln w="0">
+                <a:noFill/>
+              </a:ln>
+            </p:spPr>
+            <p:style>
+              <a:lnRef idx="0"/>
+              <a:fillRef idx="0"/>
+              <a:effectRef idx="0"/>
+              <a:fontRef idx="minor"/>
+            </p:style>
+          </p:sp>
+          <p:sp>
+            <p:nvSpPr>
+              <p:cNvPr id="153" name="Google Shape;292;p 5"/>
+              <p:cNvSpPr/>
+              <p:nvPr/>
+            </p:nvSpPr>
+            <p:spPr>
+              <a:xfrm>
+                <a:off x="2714040" y="2720520"/>
+                <a:ext cx="1381680" cy="1599480"/>
+              </a:xfrm>
+              <a:prstGeom prst="rect">
+                <a:avLst/>
+              </a:prstGeom>
+              <a:noFill/>
+              <a:ln w="0">
+                <a:noFill/>
+              </a:ln>
+            </p:spPr>
+            <p:style>
+              <a:lnRef idx="0"/>
+              <a:fillRef idx="0"/>
+              <a:effectRef idx="0"/>
+              <a:fontRef idx="minor"/>
+            </p:style>
+          </p:sp>
+        </p:grpSp>
+        <p:sp>
+          <p:nvSpPr>
+            <p:cNvPr id="154" name="Google Shape;296;p 5"/>
+            <p:cNvSpPr/>
+            <p:nvPr/>
+          </p:nvSpPr>
+          <p:spPr>
+            <a:xfrm>
+              <a:off x="2709720" y="3363120"/>
+              <a:ext cx="2038320" cy="251640"/>
+            </a:xfrm>
+            <a:prstGeom prst="rect">
+              <a:avLst/>
+            </a:prstGeom>
+            <a:noFill/>
+            <a:ln w="0">
+              <a:noFill/>
+            </a:ln>
+          </p:spPr>
+          <p:style>
+            <a:lnRef idx="0"/>
+            <a:fillRef idx="0"/>
+            <a:effectRef idx="0"/>
+            <a:fontRef idx="minor"/>
+          </p:style>
+          <p:txBody>
+            <a:bodyPr lIns="0" rIns="0" tIns="0" bIns="0" anchor="t">
+              <a:spAutoFit/>
+            </a:bodyPr>
+            <a:p>
+              <a:pPr algn="ctr">
+                <a:lnSpc>
+                  <a:spcPct val="100000"/>
+                </a:lnSpc>
+                <a:buNone/>
+              </a:pPr>
+              <a:r>
+                <a:rPr b="0" lang="fr-CA" sz="1650" spc="-1" strike="noStrike">
+                  <a:solidFill>
+                    <a:srgbClr val="000000"/>
+                  </a:solidFill>
+                  <a:latin typeface="Amasis MT Pro Light"/>
+                  <a:ea typeface="Open Sans"/>
+                </a:rPr>
+                <a:t>Silkscreen</a:t>
+              </a:r>
+              <a:endParaRPr b="0" lang="en-CA" sz="1650" spc="-1" strike="noStrike">
+                <a:latin typeface="Arial"/>
+              </a:endParaRPr>
+            </a:p>
+          </p:txBody>
+        </p:sp>
+        <p:sp>
+          <p:nvSpPr>
+            <p:cNvPr id="155" name="Rectangle 6"/>
+            <p:cNvSpPr/>
+            <p:nvPr/>
+          </p:nvSpPr>
+          <p:spPr>
+            <a:xfrm>
+              <a:off x="2935800" y="2723040"/>
+              <a:ext cx="430560" cy="525960"/>
+            </a:xfrm>
+            <a:prstGeom prst="rect">
+              <a:avLst/>
+            </a:prstGeom>
+            <a:solidFill>
+              <a:schemeClr val="accent2"/>
+            </a:solidFill>
+            <a:ln w="0">
+              <a:noFill/>
+            </a:ln>
+          </p:spPr>
+          <p:style>
+            <a:lnRef idx="0"/>
+            <a:fillRef idx="0"/>
+            <a:effectRef idx="0"/>
+            <a:fontRef idx="minor"/>
+          </p:style>
+          <p:txBody>
+            <a:bodyPr lIns="90000" rIns="90000" tIns="45000" bIns="45000" anchor="ctr">
+              <a:noAutofit/>
+            </a:bodyPr>
+            <a:p>
+              <a:pPr algn="ctr">
+                <a:lnSpc>
+                  <a:spcPct val="100000"/>
+                </a:lnSpc>
+                <a:buNone/>
+              </a:pPr>
+              <a:r>
+                <a:rPr b="0" lang="fr-CA" sz="1800" spc="-1" strike="noStrike">
+                  <a:solidFill>
+                    <a:srgbClr val="ffffff"/>
+                  </a:solidFill>
+                  <a:latin typeface="Amasis MT Pro Medium"/>
+                  <a:ea typeface="DejaVu Sans"/>
+                </a:rPr>
+                <a:t>4</a:t>
+              </a:r>
+              <a:endParaRPr b="0" lang="en-CA" sz="1800" spc="-1" strike="noStrike">
+                <a:latin typeface="Arial"/>
+              </a:endParaRPr>
+            </a:p>
+          </p:txBody>
+        </p:sp>
+      </p:grpSp>
+      <p:grpSp>
+        <p:nvGrpSpPr>
+          <p:cNvPr id="156" name="Group 8"/>
+          <p:cNvGrpSpPr/>
+          <p:nvPr/>
+        </p:nvGrpSpPr>
+        <p:grpSpPr>
+          <a:xfrm>
+            <a:off x="540000" y="2720520"/>
+            <a:ext cx="2046240" cy="1599480"/>
+            <a:chOff x="540000" y="2720520"/>
+            <a:chExt cx="2046240" cy="1599480"/>
+          </a:xfrm>
+        </p:grpSpPr>
+        <p:grpSp>
+          <p:nvGrpSpPr>
+            <p:cNvPr id="157" name="Google Shape;290;p 6"/>
+            <p:cNvGrpSpPr/>
+            <p:nvPr/>
+          </p:nvGrpSpPr>
+          <p:grpSpPr>
+            <a:xfrm>
+              <a:off x="544320" y="2720520"/>
+              <a:ext cx="2041920" cy="1599480"/>
+              <a:chOff x="544320" y="2720520"/>
+              <a:chExt cx="2041920" cy="1599480"/>
+            </a:xfrm>
+          </p:grpSpPr>
+          <p:sp>
+            <p:nvSpPr>
+              <p:cNvPr id="158" name="Google Shape;291;p 6"/>
+              <p:cNvSpPr/>
+              <p:nvPr/>
+            </p:nvSpPr>
+            <p:spPr>
+              <a:xfrm>
+                <a:off x="544320" y="2720520"/>
+                <a:ext cx="2041920" cy="1524240"/>
+              </a:xfrm>
+              <a:custGeom>
+                <a:avLst/>
+                <a:gdLst/>
+                <a:ahLst/>
+                <a:rect l="l" t="t" r="r" b="b"/>
+                <a:pathLst>
+                  <a:path w="1200970" h="774530">
+                    <a:moveTo>
+                      <a:pt x="0" y="0"/>
+                    </a:moveTo>
+                    <a:lnTo>
+                      <a:pt x="1200970" y="0"/>
+                    </a:lnTo>
+                    <a:lnTo>
+                      <a:pt x="1200970" y="774530"/>
+                    </a:lnTo>
+                    <a:lnTo>
+                      <a:pt x="0" y="774530"/>
+                    </a:lnTo>
+                    <a:close/>
+                  </a:path>
+                </a:pathLst>
+              </a:custGeom>
+              <a:solidFill>
+                <a:srgbClr val="ffffff"/>
+              </a:solidFill>
+              <a:ln w="0">
+                <a:noFill/>
+              </a:ln>
+            </p:spPr>
+            <p:style>
+              <a:lnRef idx="0"/>
+              <a:fillRef idx="0"/>
+              <a:effectRef idx="0"/>
+              <a:fontRef idx="minor"/>
+            </p:style>
+          </p:sp>
+          <p:sp>
+            <p:nvSpPr>
+              <p:cNvPr id="159" name="Google Shape;292;p 6"/>
+              <p:cNvSpPr/>
+              <p:nvPr/>
+            </p:nvSpPr>
+            <p:spPr>
+              <a:xfrm>
+                <a:off x="544320" y="2720520"/>
+                <a:ext cx="1381680" cy="1599480"/>
+              </a:xfrm>
+              <a:prstGeom prst="rect">
+                <a:avLst/>
+              </a:prstGeom>
+              <a:noFill/>
+              <a:ln w="0">
+                <a:noFill/>
+              </a:ln>
+            </p:spPr>
+            <p:style>
+              <a:lnRef idx="0"/>
+              <a:fillRef idx="0"/>
+              <a:effectRef idx="0"/>
+              <a:fontRef idx="minor"/>
+            </p:style>
+          </p:sp>
+        </p:grpSp>
+        <p:sp>
+          <p:nvSpPr>
+            <p:cNvPr id="160" name="Google Shape;296;p 6"/>
+            <p:cNvSpPr/>
+            <p:nvPr/>
+          </p:nvSpPr>
+          <p:spPr>
+            <a:xfrm>
+              <a:off x="540000" y="3363120"/>
+              <a:ext cx="2038320" cy="251640"/>
+            </a:xfrm>
+            <a:prstGeom prst="rect">
+              <a:avLst/>
+            </a:prstGeom>
+            <a:noFill/>
+            <a:ln w="0">
+              <a:noFill/>
+            </a:ln>
+          </p:spPr>
+          <p:style>
+            <a:lnRef idx="0"/>
+            <a:fillRef idx="0"/>
+            <a:effectRef idx="0"/>
+            <a:fontRef idx="minor"/>
+          </p:style>
+          <p:txBody>
+            <a:bodyPr lIns="0" rIns="0" tIns="0" bIns="0" anchor="t">
+              <a:spAutoFit/>
+            </a:bodyPr>
+            <a:p>
+              <a:pPr algn="ctr">
+                <a:lnSpc>
+                  <a:spcPct val="100000"/>
+                </a:lnSpc>
+                <a:buNone/>
+              </a:pPr>
+              <a:r>
+                <a:rPr b="0" lang="fr-CA" sz="1650" spc="-1" strike="noStrike">
+                  <a:solidFill>
+                    <a:srgbClr val="000000"/>
+                  </a:solidFill>
+                  <a:latin typeface="Amasis MT Pro Light"/>
+                  <a:ea typeface="Open Sans"/>
+                </a:rPr>
+                <a:t>Soldermask</a:t>
+              </a:r>
+              <a:endParaRPr b="0" lang="en-CA" sz="1650" spc="-1" strike="noStrike">
+                <a:latin typeface="Arial"/>
+              </a:endParaRPr>
+            </a:p>
+          </p:txBody>
+        </p:sp>
+        <p:sp>
+          <p:nvSpPr>
+            <p:cNvPr id="161" name="Rectangle 7"/>
+            <p:cNvSpPr/>
+            <p:nvPr/>
+          </p:nvSpPr>
+          <p:spPr>
+            <a:xfrm>
+              <a:off x="766080" y="2723040"/>
+              <a:ext cx="430560" cy="525960"/>
+            </a:xfrm>
+            <a:prstGeom prst="rect">
+              <a:avLst/>
+            </a:prstGeom>
+            <a:solidFill>
+              <a:schemeClr val="accent2"/>
+            </a:solidFill>
+            <a:ln w="0">
+              <a:noFill/>
+            </a:ln>
+          </p:spPr>
+          <p:style>
+            <a:lnRef idx="0"/>
+            <a:fillRef idx="0"/>
+            <a:effectRef idx="0"/>
+            <a:fontRef idx="minor"/>
+          </p:style>
+          <p:txBody>
+            <a:bodyPr lIns="90000" rIns="90000" tIns="45000" bIns="45000" anchor="ctr">
+              <a:noAutofit/>
+            </a:bodyPr>
+            <a:p>
+              <a:pPr algn="ctr">
+                <a:lnSpc>
+                  <a:spcPct val="100000"/>
+                </a:lnSpc>
+                <a:buNone/>
+              </a:pPr>
+              <a:r>
+                <a:rPr b="0" lang="fr-CA" sz="1800" spc="-1" strike="noStrike">
+                  <a:solidFill>
+                    <a:srgbClr val="ffffff"/>
+                  </a:solidFill>
+                  <a:latin typeface="Amasis MT Pro Medium"/>
+                  <a:ea typeface="DejaVu Sans"/>
+                </a:rPr>
+                <a:t>3</a:t>
+              </a:r>
+              <a:endParaRPr b="0" lang="en-CA" sz="1800" spc="-1" strike="noStrike">
+                <a:latin typeface="Arial"/>
+              </a:endParaRPr>
+            </a:p>
+          </p:txBody>
+        </p:sp>
+      </p:grpSp>
+      <p:pic>
+        <p:nvPicPr>
+          <p:cNvPr id="162" name="" descr=""/>
+          <p:cNvPicPr/>
+          <p:nvPr/>
+        </p:nvPicPr>
+        <p:blipFill>
+          <a:blip r:embed="rId1"/>
+          <a:srcRect l="14270" t="0" r="22242" b="0"/>
+          <a:stretch/>
+        </p:blipFill>
+        <p:spPr>
+          <a:xfrm>
+            <a:off x="5220000" y="1959840"/>
+            <a:ext cx="6273360" cy="3080160"/>
+          </a:xfrm>
+          <a:prstGeom prst="rect">
+            <a:avLst/>
+          </a:prstGeom>
+          <a:ln w="0">
+            <a:noFill/>
+          </a:ln>
+        </p:spPr>
+      </p:pic>
+      <p:sp>
+        <p:nvSpPr>
+          <p:cNvPr id="163" name=""/>
+          <p:cNvSpPr txBox="1"/>
+          <p:nvPr/>
+        </p:nvSpPr>
+        <p:spPr>
+          <a:xfrm>
+            <a:off x="5220000" y="4860000"/>
+            <a:ext cx="5940000" cy="346320"/>
+          </a:xfrm>
+          <a:prstGeom prst="rect">
+            <a:avLst/>
+          </a:prstGeom>
+          <a:noFill/>
+          <a:ln w="0">
+            <a:noFill/>
+          </a:ln>
+        </p:spPr>
+        <p:txBody>
+          <a:bodyPr lIns="90000" rIns="90000" tIns="45000" bIns="45000" anchor="t">
+            <a:noAutofit/>
+          </a:bodyPr>
+          <a:p>
+            <a:r>
+              <a:rPr b="0" lang="en-CA" sz="900" spc="-1" strike="noStrike">
+                <a:latin typeface="Arial"/>
+              </a:rPr>
+              <a:t>https://knowledgebase.nexpcb.com/articles/PCB-Layers/</a:t>
+            </a:r>
+            <a:endParaRPr b="0" lang="en-CA" sz="900" spc="-1" strike="noStrike">
+              <a:latin typeface="Arial"/>
+            </a:endParaRPr>
+          </a:p>
+        </p:txBody>
+      </p:sp>
+      <p:sp>
+        <p:nvSpPr>
+          <p:cNvPr id="3" name="PlaceHolder 2"/>
+          <p:cNvSpPr>
+            <a:spLocks noGrp="1"/>
+          </p:cNvSpPr>
+          <p:nvPr>
+            <p:ph type="ftr" idx="4"/>
+          </p:nvPr>
+        </p:nvSpPr>
+        <p:spPr/>
+        <p:txBody>
+          <a:bodyPr/>
+          <a:p>
+            <a:r>
+              <a:t>C3I - Pascal-Emmanuel Lachance</a:t>
+            </a:r>
+          </a:p>
+        </p:txBody>
+      </p:sp>
+      <p:sp>
+        <p:nvSpPr>
+          <p:cNvPr id="4" name="PlaceHolder 3"/>
+          <p:cNvSpPr>
+            <a:spLocks noGrp="1"/>
+          </p:cNvSpPr>
+          <p:nvPr>
+            <p:ph type="sldNum" idx="5"/>
+          </p:nvPr>
+        </p:nvSpPr>
+        <p:spPr/>
+        <p:txBody>
+          <a:bodyPr/>
+          <a:p>
+            <a:fld id="{D16DB4A6-5B00-4495-8F8E-35021A0C214D}" type="slidenum">
+              <a:t>3</a:t>
+            </a:fld>
+          </a:p>
+        </p:txBody>
+      </p:sp>
+      <p:sp>
+        <p:nvSpPr>
+          <p:cNvPr id="5" name="PlaceHolder 4"/>
+          <p:cNvSpPr>
+            <a:spLocks noGrp="1"/>
+          </p:cNvSpPr>
+          <p:nvPr>
+            <p:ph type="dt" idx="6"/>
+          </p:nvPr>
+        </p:nvSpPr>
+        <p:spPr/>
+        <p:txBody>
+          <a:bodyPr/>
+          <a:p>
+            <a:fld id="{00004167-6819-4A29-9950-9A0A2B38E7BC}" type="datetime1">
+              <a:rPr lang="en-CA"/>
+              <a:t>2025-02-21</a:t>
+            </a:fld>
+          </a:p>
+        </p:txBody>
+      </p:sp>
+    </p:spTree>
+  </p:cSld>
+  <mc:AlternateContent>
+    <mc:Choice Requires="p14">
+      <p:transition spd="slow" p14:dur="2000"/>
+    </mc:Choice>
+    <mc:Fallback>
+      <p:transition spd="slow"/>
+    </mc:Fallback>
+  </mc:AlternateContent>
+</p:sld>
+</file>
+
+<file path=ppt/slides/slide4.xml><?xml version="1.0" encoding="utf-8"?>
+<p:sld xmlns:a="http://schemas.openxmlformats.org/drawingml/2006/main" xmlns:p="http://schemas.openxmlformats.org/presentationml/2006/main" xmlns:r="http://schemas.openxmlformats.org/officeDocument/2006/relationships" xmlns:p14="http://schemas.microsoft.com/office/powerpoint/2010/main" xmlns:p15="http://schemas.microsoft.com/office/powerpoint/2012/main" xmlns:mc="http://schemas.openxmlformats.org/markup-compatibility/2006">
+  <p:cSld>
+    <p:spTree>
+      <p:nvGrpSpPr>
+        <p:cNvPr id="1" name=""/>
+        <p:cNvGrpSpPr/>
+        <p:nvPr/>
+      </p:nvGrpSpPr>
+      <p:grpSpPr>
+        <a:xfrm>
+          <a:off x="0" y="0"/>
+          <a:ext cx="0" cy="0"/>
+          <a:chOff x="0" y="0"/>
+          <a:chExt cx="0" cy="0"/>
+        </a:xfrm>
+      </p:grpSpPr>
+      <p:sp>
+        <p:nvSpPr>
+          <p:cNvPr id="164" name="PlaceHolder 1"/>
+          <p:cNvSpPr>
+            <a:spLocks noGrp="1"/>
+          </p:cNvSpPr>
+          <p:nvPr>
+            <p:ph type="title"/>
+          </p:nvPr>
+        </p:nvSpPr>
+        <p:spPr>
+          <a:xfrm>
+            <a:off x="825120" y="180000"/>
+            <a:ext cx="10514880" cy="1324800"/>
+          </a:xfrm>
+          <a:prstGeom prst="rect">
+            <a:avLst/>
+          </a:prstGeom>
+          <a:noFill/>
+          <a:ln w="0">
+            <a:noFill/>
+          </a:ln>
+        </p:spPr>
+        <p:txBody>
+          <a:bodyPr lIns="90000" rIns="90000" tIns="45000" bIns="45000" anchor="ctr">
+            <a:noAutofit/>
+          </a:bodyPr>
+          <a:p>
+            <a:pPr>
+              <a:lnSpc>
+                <a:spcPct val="90000"/>
+              </a:lnSpc>
+              <a:buNone/>
+            </a:pPr>
+            <a:r>
               <a:rPr b="0" lang="en-US" sz="4400" spc="-1" strike="noStrike">
                 <a:solidFill>
                   <a:srgbClr val="000000"/>
                 </a:solidFill>
                 <a:latin typeface="Amasis MT Pro Black"/>
               </a:rPr>
-              <a:t>Section 1</a:t>
-            </a:r>
-            <a:endParaRPr b="0" lang="en-US" sz="4400" spc="-1" strike="noStrike">
-              <a:solidFill>
-                <a:srgbClr val="000000"/>
-              </a:solidFill>
-              <a:latin typeface="Amasis MT Pro Medium"/>
-            </a:endParaRPr>
-          </a:p>
-        </p:txBody>
-      </p:sp>
-      <p:sp>
-        <p:nvSpPr>
-          <p:cNvPr id="126" name="PlaceHolder 2"/>
+              <a:t>Diélectrique</a:t>
+            </a:r>
+            <a:endParaRPr b="0" lang="en-CA" sz="4400" spc="-1" strike="noStrike">
+              <a:latin typeface="Arial"/>
+            </a:endParaRPr>
+          </a:p>
+        </p:txBody>
+      </p:sp>
+      <p:sp>
+        <p:nvSpPr>
+          <p:cNvPr id="165" name="PlaceHolder 2"/>
           <p:cNvSpPr>
             <a:spLocks noGrp="1"/>
           </p:cNvSpPr>
@@ -8082,8 +8913,8 @@
         </p:nvSpPr>
         <p:spPr>
           <a:xfrm>
-            <a:off x="838080" y="1439640"/>
-            <a:ext cx="10515240" cy="4916520"/>
+            <a:off x="720000" y="1440000"/>
+            <a:ext cx="10514880" cy="4916160"/>
           </a:xfrm>
           <a:prstGeom prst="rect">
             <a:avLst/>
@@ -8094,7 +8925,7 @@
           </a:ln>
         </p:spPr>
         <p:txBody>
-          <a:bodyPr anchor="t">
+          <a:bodyPr lIns="90000" rIns="90000" tIns="45000" bIns="45000" anchor="t">
             <a:normAutofit/>
           </a:bodyPr>
           <a:p>
@@ -8118,15 +8949,453 @@
                 </a:solidFill>
                 <a:latin typeface="Amasis MT Pro Medium"/>
               </a:rPr>
-              <a:t>Texte</a:t>
-            </a:r>
-            <a:endParaRPr b="0" lang="en-US" sz="2800" spc="-1" strike="noStrike">
-              <a:solidFill>
+              <a:t>Diélectrique</a:t>
+            </a:r>
+            <a:endParaRPr b="0" lang="en-CA" sz="2800" spc="-1" strike="noStrike">
+              <a:latin typeface="Arial"/>
+            </a:endParaRPr>
+          </a:p>
+          <a:p>
+            <a:pPr lvl="1" marL="864000" indent="-324000">
+              <a:lnSpc>
+                <a:spcPct val="90000"/>
+              </a:lnSpc>
+              <a:spcBef>
+                <a:spcPts val="1134"/>
+              </a:spcBef>
+              <a:buClr>
                 <a:srgbClr val="000000"/>
-              </a:solidFill>
-              <a:latin typeface="Amasis MT Pro Medium"/>
-            </a:endParaRPr>
-          </a:p>
+              </a:buClr>
+              <a:buSzPct val="75000"/>
+              <a:buFont typeface="Symbol" charset="2"/>
+              <a:buChar char=""/>
+            </a:pPr>
+            <a:r>
+              <a:rPr b="0" lang="en-US" sz="2800" spc="-1" strike="noStrike">
+                <a:solidFill>
+                  <a:srgbClr val="000000"/>
+                </a:solidFill>
+                <a:latin typeface="Amasis MT Pro Medium"/>
+              </a:rPr>
+              <a:t>Isolant</a:t>
+            </a:r>
+            <a:endParaRPr b="0" lang="en-CA" sz="2800" spc="-1" strike="noStrike">
+              <a:latin typeface="Arial"/>
+            </a:endParaRPr>
+          </a:p>
+          <a:p>
+            <a:pPr lvl="1" marL="864000" indent="-324000">
+              <a:lnSpc>
+                <a:spcPct val="90000"/>
+              </a:lnSpc>
+              <a:spcBef>
+                <a:spcPts val="1134"/>
+              </a:spcBef>
+              <a:buClr>
+                <a:srgbClr val="000000"/>
+              </a:buClr>
+              <a:buSzPct val="75000"/>
+              <a:buFont typeface="Symbol" charset="2"/>
+              <a:buChar char=""/>
+            </a:pPr>
+            <a:r>
+              <a:rPr b="0" lang="en-US" sz="2800" spc="-1" strike="noStrike">
+                <a:solidFill>
+                  <a:srgbClr val="000000"/>
+                </a:solidFill>
+                <a:latin typeface="Amasis MT Pro Medium"/>
+              </a:rPr>
+              <a:t>Généralement fibre de verre</a:t>
+            </a:r>
+            <a:endParaRPr b="0" lang="en-CA" sz="2800" spc="-1" strike="noStrike">
+              <a:latin typeface="Arial"/>
+            </a:endParaRPr>
+          </a:p>
+          <a:p>
+            <a:pPr marL="228600" indent="-228600">
+              <a:lnSpc>
+                <a:spcPct val="90000"/>
+              </a:lnSpc>
+              <a:spcBef>
+                <a:spcPts val="1417"/>
+              </a:spcBef>
+              <a:buClr>
+                <a:srgbClr val="000000"/>
+              </a:buClr>
+              <a:buFont typeface="Arial"/>
+              <a:buChar char="•"/>
+            </a:pPr>
+            <a:endParaRPr b="0" lang="en-CA" sz="2800" spc="-1" strike="noStrike">
+              <a:latin typeface="Arial"/>
+            </a:endParaRPr>
+          </a:p>
+          <a:p>
+            <a:pPr marL="228600" indent="-228600">
+              <a:lnSpc>
+                <a:spcPct val="90000"/>
+              </a:lnSpc>
+              <a:spcBef>
+                <a:spcPts val="1417"/>
+              </a:spcBef>
+              <a:buClr>
+                <a:srgbClr val="000000"/>
+              </a:buClr>
+              <a:buFont typeface="Arial"/>
+              <a:buChar char="•"/>
+            </a:pPr>
+            <a:r>
+              <a:rPr b="0" lang="en-US" sz="2800" spc="-1" strike="noStrike">
+                <a:solidFill>
+                  <a:srgbClr val="000000"/>
+                </a:solidFill>
+                <a:latin typeface="Amasis MT Pro Medium"/>
+              </a:rPr>
+              <a:t>Core vs Prepreg</a:t>
+            </a:r>
+            <a:endParaRPr b="0" lang="en-CA" sz="2800" spc="-1" strike="noStrike">
+              <a:latin typeface="Arial"/>
+            </a:endParaRPr>
+          </a:p>
+          <a:p>
+            <a:pPr marL="228600" indent="-228600">
+              <a:lnSpc>
+                <a:spcPct val="90000"/>
+              </a:lnSpc>
+              <a:spcBef>
+                <a:spcPts val="1417"/>
+              </a:spcBef>
+              <a:buClr>
+                <a:srgbClr val="000000"/>
+              </a:buClr>
+              <a:buFont typeface="Arial"/>
+              <a:buChar char="•"/>
+            </a:pPr>
+            <a:endParaRPr b="0" lang="en-CA" sz="2800" spc="-1" strike="noStrike">
+              <a:latin typeface="Arial"/>
+            </a:endParaRPr>
+          </a:p>
+          <a:p>
+            <a:pPr marL="228600" indent="-228600">
+              <a:lnSpc>
+                <a:spcPct val="90000"/>
+              </a:lnSpc>
+              <a:spcBef>
+                <a:spcPts val="1417"/>
+              </a:spcBef>
+              <a:buClr>
+                <a:srgbClr val="000000"/>
+              </a:buClr>
+              <a:buFont typeface="Arial"/>
+              <a:buChar char="•"/>
+            </a:pPr>
+            <a:r>
+              <a:rPr b="0" lang="en-US" sz="2800" spc="-1" strike="noStrike">
+                <a:solidFill>
+                  <a:srgbClr val="000000"/>
+                </a:solidFill>
+                <a:latin typeface="Amasis MT Pro Medium"/>
+              </a:rPr>
+              <a:t>Design Symmétrique</a:t>
+            </a:r>
+            <a:endParaRPr b="0" lang="en-CA" sz="2800" spc="-1" strike="noStrike">
+              <a:latin typeface="Arial"/>
+            </a:endParaRPr>
+          </a:p>
+          <a:p>
+            <a:pPr>
+              <a:lnSpc>
+                <a:spcPct val="90000"/>
+              </a:lnSpc>
+              <a:spcBef>
+                <a:spcPts val="1001"/>
+              </a:spcBef>
+              <a:buNone/>
+            </a:pPr>
+            <a:endParaRPr b="0" lang="en-CA" sz="2800" spc="-1" strike="noStrike">
+              <a:latin typeface="Arial"/>
+            </a:endParaRPr>
+          </a:p>
+        </p:txBody>
+      </p:sp>
+      <p:pic>
+        <p:nvPicPr>
+          <p:cNvPr id="166" name="" descr="">
+            <a:hlinkClick r:id="rId1"/>
+          </p:cNvPr>
+          <p:cNvPicPr/>
+          <p:nvPr/>
+        </p:nvPicPr>
+        <p:blipFill>
+          <a:blip r:embed="rId2"/>
+          <a:stretch/>
+        </p:blipFill>
+        <p:spPr>
+          <a:xfrm>
+            <a:off x="11880360" y="6546240"/>
+            <a:ext cx="312120" cy="312120"/>
+          </a:xfrm>
+          <a:prstGeom prst="rect">
+            <a:avLst/>
+          </a:prstGeom>
+          <a:ln w="0">
+            <a:noFill/>
+          </a:ln>
+        </p:spPr>
+      </p:pic>
+      <p:pic>
+        <p:nvPicPr>
+          <p:cNvPr id="167" name="" descr=""/>
+          <p:cNvPicPr/>
+          <p:nvPr/>
+        </p:nvPicPr>
+        <p:blipFill>
+          <a:blip r:embed="rId3"/>
+          <a:stretch/>
+        </p:blipFill>
+        <p:spPr>
+          <a:xfrm>
+            <a:off x="6660000" y="1950480"/>
+            <a:ext cx="5099400" cy="2549520"/>
+          </a:xfrm>
+          <a:prstGeom prst="rect">
+            <a:avLst/>
+          </a:prstGeom>
+          <a:ln w="0">
+            <a:noFill/>
+          </a:ln>
+        </p:spPr>
+      </p:pic>
+      <p:sp>
+        <p:nvSpPr>
+          <p:cNvPr id="168" name=""/>
+          <p:cNvSpPr txBox="1"/>
+          <p:nvPr/>
+        </p:nvSpPr>
+        <p:spPr>
+          <a:xfrm>
+            <a:off x="6660000" y="4513680"/>
+            <a:ext cx="5940000" cy="346320"/>
+          </a:xfrm>
+          <a:prstGeom prst="rect">
+            <a:avLst/>
+          </a:prstGeom>
+          <a:noFill/>
+          <a:ln w="0">
+            <a:noFill/>
+          </a:ln>
+        </p:spPr>
+        <p:txBody>
+          <a:bodyPr lIns="90000" rIns="90000" tIns="45000" bIns="45000" anchor="t">
+            <a:noAutofit/>
+          </a:bodyPr>
+          <a:p>
+            <a:r>
+              <a:rPr b="0" lang="en-CA" sz="900" spc="-1" strike="noStrike">
+                <a:latin typeface="Arial"/>
+              </a:rPr>
+              <a:t>https://www.atlasfibre.com/g10-sheet-epoxy-fiberglass-materials/</a:t>
+            </a:r>
+            <a:endParaRPr b="0" lang="en-CA" sz="900" spc="-1" strike="noStrike">
+              <a:latin typeface="Arial"/>
+            </a:endParaRPr>
+          </a:p>
+        </p:txBody>
+      </p:sp>
+      <p:sp>
+        <p:nvSpPr>
+          <p:cNvPr id="169" name=""/>
+          <p:cNvSpPr/>
+          <p:nvPr/>
+        </p:nvSpPr>
+        <p:spPr>
+          <a:xfrm>
+            <a:off x="828000" y="1188000"/>
+            <a:ext cx="10080000" cy="0"/>
+          </a:xfrm>
+          <a:prstGeom prst="line">
+            <a:avLst/>
+          </a:prstGeom>
+          <a:ln w="36000">
+            <a:solidFill>
+              <a:srgbClr val="158466"/>
+            </a:solidFill>
+            <a:round/>
+          </a:ln>
+        </p:spPr>
+        <p:style>
+          <a:lnRef idx="0"/>
+          <a:fillRef idx="0"/>
+          <a:effectRef idx="0"/>
+          <a:fontRef idx="minor"/>
+        </p:style>
+      </p:sp>
+      <p:sp>
+        <p:nvSpPr>
+          <p:cNvPr id="4" name="PlaceHolder 3"/>
+          <p:cNvSpPr>
+            <a:spLocks noGrp="1"/>
+          </p:cNvSpPr>
+          <p:nvPr>
+            <p:ph type="ftr" idx="4"/>
+          </p:nvPr>
+        </p:nvSpPr>
+        <p:spPr/>
+        <p:txBody>
+          <a:bodyPr/>
+          <a:p>
+            <a:r>
+              <a:t>C3I - Pascal-Emmanuel Lachance</a:t>
+            </a:r>
+          </a:p>
+        </p:txBody>
+      </p:sp>
+      <p:sp>
+        <p:nvSpPr>
+          <p:cNvPr id="5" name="PlaceHolder 4"/>
+          <p:cNvSpPr>
+            <a:spLocks noGrp="1"/>
+          </p:cNvSpPr>
+          <p:nvPr>
+            <p:ph type="sldNum" idx="5"/>
+          </p:nvPr>
+        </p:nvSpPr>
+        <p:spPr/>
+        <p:txBody>
+          <a:bodyPr/>
+          <a:p>
+            <a:fld id="{24D31B4E-9553-437F-B5B5-2338F001E2C5}" type="slidenum">
+              <a:t>4</a:t>
+            </a:fld>
+          </a:p>
+        </p:txBody>
+      </p:sp>
+      <p:sp>
+        <p:nvSpPr>
+          <p:cNvPr id="6" name="PlaceHolder 5"/>
+          <p:cNvSpPr>
+            <a:spLocks noGrp="1"/>
+          </p:cNvSpPr>
+          <p:nvPr>
+            <p:ph type="dt" idx="6"/>
+          </p:nvPr>
+        </p:nvSpPr>
+        <p:spPr/>
+        <p:txBody>
+          <a:bodyPr/>
+          <a:p>
+            <a:fld id="{F5CED1D4-37CD-4AF6-A593-C0846BBEF424}" type="datetime1">
+              <a:rPr lang="en-CA"/>
+              <a:t>2025-02-21</a:t>
+            </a:fld>
+          </a:p>
+        </p:txBody>
+      </p:sp>
+    </p:spTree>
+  </p:cSld>
+  <mc:AlternateContent>
+    <mc:Choice Requires="p14">
+      <p:transition spd="slow" p14:dur="2000"/>
+    </mc:Choice>
+    <mc:Fallback>
+      <p:transition spd="slow"/>
+    </mc:Fallback>
+  </mc:AlternateContent>
+</p:sld>
+</file>
+
+<file path=ppt/slides/slide5.xml><?xml version="1.0" encoding="utf-8"?>
+<p:sld xmlns:a="http://schemas.openxmlformats.org/drawingml/2006/main" xmlns:p="http://schemas.openxmlformats.org/presentationml/2006/main" xmlns:r="http://schemas.openxmlformats.org/officeDocument/2006/relationships" xmlns:p14="http://schemas.microsoft.com/office/powerpoint/2010/main" xmlns:p15="http://schemas.microsoft.com/office/powerpoint/2012/main" xmlns:mc="http://schemas.openxmlformats.org/markup-compatibility/2006">
+  <p:cSld>
+    <p:spTree>
+      <p:nvGrpSpPr>
+        <p:cNvPr id="1" name=""/>
+        <p:cNvGrpSpPr/>
+        <p:nvPr/>
+      </p:nvGrpSpPr>
+      <p:grpSpPr>
+        <a:xfrm>
+          <a:off x="0" y="0"/>
+          <a:ext cx="0" cy="0"/>
+          <a:chOff x="0" y="0"/>
+          <a:chExt cx="0" cy="0"/>
+        </a:xfrm>
+      </p:grpSpPr>
+      <p:sp>
+        <p:nvSpPr>
+          <p:cNvPr id="170" name="PlaceHolder 1"/>
+          <p:cNvSpPr>
+            <a:spLocks noGrp="1"/>
+          </p:cNvSpPr>
+          <p:nvPr>
+            <p:ph type="title"/>
+          </p:nvPr>
+        </p:nvSpPr>
+        <p:spPr>
+          <a:xfrm>
+            <a:off x="838080" y="180000"/>
+            <a:ext cx="10514880" cy="1324800"/>
+          </a:xfrm>
+          <a:prstGeom prst="rect">
+            <a:avLst/>
+          </a:prstGeom>
+          <a:noFill/>
+          <a:ln w="0">
+            <a:noFill/>
+          </a:ln>
+        </p:spPr>
+        <p:txBody>
+          <a:bodyPr lIns="90000" rIns="90000" tIns="45000" bIns="45000" anchor="ctr">
+            <a:noAutofit/>
+          </a:bodyPr>
+          <a:p>
+            <a:pPr>
+              <a:lnSpc>
+                <a:spcPct val="90000"/>
+              </a:lnSpc>
+              <a:buNone/>
+            </a:pPr>
+            <a:r>
+              <a:rPr b="0" lang="en-US" sz="4400" spc="-1" strike="noStrike">
+                <a:solidFill>
+                  <a:srgbClr val="000000"/>
+                </a:solidFill>
+                <a:latin typeface="Amasis MT Pro Black"/>
+              </a:rPr>
+              <a:t>Cuivre</a:t>
+            </a:r>
+            <a:endParaRPr b="0" lang="en-CA" sz="4400" spc="-1" strike="noStrike">
+              <a:latin typeface="Arial"/>
+            </a:endParaRPr>
+          </a:p>
+        </p:txBody>
+      </p:sp>
+      <p:sp>
+        <p:nvSpPr>
+          <p:cNvPr id="171" name="PlaceHolder 2"/>
+          <p:cNvSpPr>
+            <a:spLocks noGrp="1"/>
+          </p:cNvSpPr>
+          <p:nvPr>
+            <p:ph/>
+          </p:nvPr>
+        </p:nvSpPr>
+        <p:spPr>
+          <a:xfrm>
+            <a:off x="838080" y="1439640"/>
+            <a:ext cx="10514880" cy="4916160"/>
+          </a:xfrm>
+          <a:prstGeom prst="rect">
+            <a:avLst/>
+          </a:prstGeom>
+          <a:noFill/>
+          <a:ln w="0">
+            <a:noFill/>
+          </a:ln>
+        </p:spPr>
+        <p:txBody>
+          <a:bodyPr lIns="90000" rIns="90000" tIns="45000" bIns="45000" anchor="t">
+            <a:normAutofit/>
+          </a:bodyPr>
           <a:p>
             <a:pPr marL="228600" indent="-228600">
               <a:lnSpc>
@@ -8148,13 +9417,193 @@
                 </a:solidFill>
                 <a:latin typeface="Amasis MT Pro Medium"/>
               </a:rPr>
-              <a:t>Texte</a:t>
-            </a:r>
-            <a:endParaRPr b="0" lang="en-US" sz="2800" spc="-1" strike="noStrike">
-              <a:solidFill>
+              <a:t>Appliqué en film</a:t>
+            </a:r>
+            <a:endParaRPr b="0" lang="en-CA" sz="2800" spc="-1" strike="noStrike">
+              <a:latin typeface="Arial"/>
+            </a:endParaRPr>
+          </a:p>
+          <a:p>
+            <a:pPr marL="228600" indent="-228600">
+              <a:lnSpc>
+                <a:spcPct val="90000"/>
+              </a:lnSpc>
+              <a:spcBef>
+                <a:spcPts val="1001"/>
+              </a:spcBef>
+              <a:buClr>
                 <a:srgbClr val="000000"/>
-              </a:solidFill>
-              <a:latin typeface="Amasis MT Pro Medium"/>
+              </a:buClr>
+              <a:buFont typeface="Arial"/>
+              <a:buChar char="•"/>
+            </a:pPr>
+            <a:r>
+              <a:rPr b="0" lang="en-US" sz="2800" spc="-1" strike="noStrike">
+                <a:solidFill>
+                  <a:srgbClr val="000000"/>
+                </a:solidFill>
+                <a:latin typeface="Amasis MT Pro Medium"/>
+              </a:rPr>
+              <a:t>Laminé sur le diélectrique</a:t>
+            </a:r>
+            <a:endParaRPr b="0" lang="en-CA" sz="2800" spc="-1" strike="noStrike">
+              <a:latin typeface="Arial"/>
+            </a:endParaRPr>
+          </a:p>
+          <a:p>
+            <a:pPr marL="228600" indent="-228600">
+              <a:lnSpc>
+                <a:spcPct val="90000"/>
+              </a:lnSpc>
+              <a:spcBef>
+                <a:spcPts val="1001"/>
+              </a:spcBef>
+              <a:buClr>
+                <a:srgbClr val="000000"/>
+              </a:buClr>
+              <a:buFont typeface="Arial"/>
+              <a:buChar char="•"/>
+            </a:pPr>
+            <a:r>
+              <a:rPr b="0" lang="en-US" sz="2800" spc="-1" strike="noStrike">
+                <a:solidFill>
+                  <a:srgbClr val="000000"/>
+                </a:solidFill>
+                <a:latin typeface="Amasis MT Pro Medium"/>
+              </a:rPr>
+              <a:t>Etché avec de l’acide</a:t>
+            </a:r>
+            <a:endParaRPr b="0" lang="en-CA" sz="2800" spc="-1" strike="noStrike">
+              <a:latin typeface="Arial"/>
+            </a:endParaRPr>
+          </a:p>
+          <a:p>
+            <a:pPr marL="228600" indent="-228600">
+              <a:lnSpc>
+                <a:spcPct val="90000"/>
+              </a:lnSpc>
+              <a:spcBef>
+                <a:spcPts val="1001"/>
+              </a:spcBef>
+              <a:buClr>
+                <a:srgbClr val="000000"/>
+              </a:buClr>
+              <a:buFont typeface="Arial"/>
+              <a:buChar char="•"/>
+            </a:pPr>
+            <a:endParaRPr b="0" lang="en-CA" sz="2800" spc="-1" strike="noStrike">
+              <a:latin typeface="Arial"/>
+            </a:endParaRPr>
+          </a:p>
+          <a:p>
+            <a:pPr marL="228600" indent="-228600">
+              <a:lnSpc>
+                <a:spcPct val="90000"/>
+              </a:lnSpc>
+              <a:spcBef>
+                <a:spcPts val="1001"/>
+              </a:spcBef>
+              <a:buClr>
+                <a:srgbClr val="000000"/>
+              </a:buClr>
+              <a:buFont typeface="Arial"/>
+              <a:buChar char="•"/>
+            </a:pPr>
+            <a:r>
+              <a:rPr b="0" lang="en-US" sz="2800" spc="-1" strike="noStrike">
+                <a:solidFill>
+                  <a:srgbClr val="000000"/>
+                </a:solidFill>
+                <a:latin typeface="Amasis MT Pro Medium"/>
+              </a:rPr>
+              <a:t>Épaisseur en onces</a:t>
+            </a:r>
+            <a:endParaRPr b="0" lang="en-CA" sz="2800" spc="-1" strike="noStrike">
+              <a:latin typeface="Arial"/>
+            </a:endParaRPr>
+          </a:p>
+          <a:p>
+            <a:pPr lvl="1" marL="864000" indent="-324000">
+              <a:lnSpc>
+                <a:spcPct val="90000"/>
+              </a:lnSpc>
+              <a:spcBef>
+                <a:spcPts val="1134"/>
+              </a:spcBef>
+              <a:buClr>
+                <a:srgbClr val="000000"/>
+              </a:buClr>
+              <a:buSzPct val="75000"/>
+              <a:buFont typeface="Symbol" charset="2"/>
+              <a:buChar char=""/>
+            </a:pPr>
+            <a:r>
+              <a:rPr b="0" lang="en-US" sz="2800" spc="-1" strike="noStrike">
+                <a:solidFill>
+                  <a:srgbClr val="000000"/>
+                </a:solidFill>
+                <a:latin typeface="Amasis MT Pro Medium"/>
+              </a:rPr>
+              <a:t>1oz standard ~ 35µm</a:t>
+            </a:r>
+            <a:endParaRPr b="0" lang="en-CA" sz="2800" spc="-1" strike="noStrike">
+              <a:latin typeface="Arial"/>
+            </a:endParaRPr>
+          </a:p>
+          <a:p>
+            <a:pPr lvl="1" marL="864000" indent="-324000">
+              <a:lnSpc>
+                <a:spcPct val="90000"/>
+              </a:lnSpc>
+              <a:spcBef>
+                <a:spcPts val="1134"/>
+              </a:spcBef>
+              <a:buClr>
+                <a:srgbClr val="000000"/>
+              </a:buClr>
+              <a:buSzPct val="75000"/>
+              <a:buFont typeface="Symbol" charset="2"/>
+              <a:buChar char=""/>
+            </a:pPr>
+            <a:r>
+              <a:rPr b="0" lang="en-US" sz="2800" spc="-1" strike="noStrike">
+                <a:solidFill>
+                  <a:srgbClr val="000000"/>
+                </a:solidFill>
+                <a:latin typeface="Amasis MT Pro Medium"/>
+              </a:rPr>
+              <a:t>0.5oz et 2oz</a:t>
+            </a:r>
+            <a:endParaRPr b="0" lang="en-CA" sz="2800" spc="-1" strike="noStrike">
+              <a:latin typeface="Arial"/>
+            </a:endParaRPr>
+          </a:p>
+          <a:p>
+            <a:pPr lvl="1" marL="864000" indent="-324000">
+              <a:lnSpc>
+                <a:spcPct val="90000"/>
+              </a:lnSpc>
+              <a:spcBef>
+                <a:spcPts val="1134"/>
+              </a:spcBef>
+              <a:buClr>
+                <a:srgbClr val="000000"/>
+              </a:buClr>
+              <a:buSzPct val="75000"/>
+              <a:buFont typeface="Symbol" charset="2"/>
+              <a:buChar char=""/>
+            </a:pPr>
+            <a:r>
+              <a:rPr b="0" lang="en-US" sz="2800" spc="-1" strike="noStrike">
+                <a:solidFill>
+                  <a:srgbClr val="000000"/>
+                </a:solidFill>
+                <a:latin typeface="Amasis MT Pro Medium"/>
+              </a:rPr>
+              <a:t>Différence entre couches</a:t>
+            </a:r>
+            <a:endParaRPr b="0" lang="en-CA" sz="2800" spc="-1" strike="noStrike">
+              <a:latin typeface="Arial"/>
             </a:endParaRPr>
           </a:p>
           <a:p>
@@ -8167,15 +9616,824 @@
               </a:spcBef>
               <a:buNone/>
             </a:pPr>
-            <a:endParaRPr b="0" lang="en-US" sz="2800" spc="-1" strike="noStrike">
-              <a:solidFill>
+            <a:endParaRPr b="0" lang="en-CA" sz="2800" spc="-1" strike="noStrike">
+              <a:latin typeface="Arial"/>
+            </a:endParaRPr>
+          </a:p>
+        </p:txBody>
+      </p:sp>
+      <p:pic>
+        <p:nvPicPr>
+          <p:cNvPr id="172" name="" descr="">
+            <a:hlinkClick r:id="rId1"/>
+          </p:cNvPr>
+          <p:cNvPicPr/>
+          <p:nvPr/>
+        </p:nvPicPr>
+        <p:blipFill>
+          <a:blip r:embed="rId2"/>
+          <a:stretch/>
+        </p:blipFill>
+        <p:spPr>
+          <a:xfrm>
+            <a:off x="11880360" y="6546240"/>
+            <a:ext cx="312120" cy="312120"/>
+          </a:xfrm>
+          <a:prstGeom prst="rect">
+            <a:avLst/>
+          </a:prstGeom>
+          <a:ln w="0">
+            <a:noFill/>
+          </a:ln>
+        </p:spPr>
+      </p:pic>
+      <p:sp>
+        <p:nvSpPr>
+          <p:cNvPr id="173" name=""/>
+          <p:cNvSpPr/>
+          <p:nvPr/>
+        </p:nvSpPr>
+        <p:spPr>
+          <a:xfrm>
+            <a:off x="828000" y="1188000"/>
+            <a:ext cx="10080000" cy="0"/>
+          </a:xfrm>
+          <a:prstGeom prst="line">
+            <a:avLst/>
+          </a:prstGeom>
+          <a:ln w="36000">
+            <a:solidFill>
+              <a:srgbClr val="158466"/>
+            </a:solidFill>
+            <a:round/>
+          </a:ln>
+        </p:spPr>
+        <p:style>
+          <a:lnRef idx="0"/>
+          <a:fillRef idx="0"/>
+          <a:effectRef idx="0"/>
+          <a:fontRef idx="minor"/>
+        </p:style>
+      </p:sp>
+      <p:pic>
+        <p:nvPicPr>
+          <p:cNvPr id="174" name="" descr=""/>
+          <p:cNvPicPr/>
+          <p:nvPr/>
+        </p:nvPicPr>
+        <p:blipFill>
+          <a:blip r:embed="rId3"/>
+          <a:stretch/>
+        </p:blipFill>
+        <p:spPr>
+          <a:xfrm>
+            <a:off x="6660000" y="1620000"/>
+            <a:ext cx="5079600" cy="2857320"/>
+          </a:xfrm>
+          <a:prstGeom prst="rect">
+            <a:avLst/>
+          </a:prstGeom>
+          <a:ln w="0">
+            <a:noFill/>
+          </a:ln>
+        </p:spPr>
+      </p:pic>
+      <p:sp>
+        <p:nvSpPr>
+          <p:cNvPr id="175" name=""/>
+          <p:cNvSpPr txBox="1"/>
+          <p:nvPr/>
+        </p:nvSpPr>
+        <p:spPr>
+          <a:xfrm>
+            <a:off x="6660000" y="4477320"/>
+            <a:ext cx="5940000" cy="346320"/>
+          </a:xfrm>
+          <a:prstGeom prst="rect">
+            <a:avLst/>
+          </a:prstGeom>
+          <a:noFill/>
+          <a:ln w="0">
+            <a:noFill/>
+          </a:ln>
+        </p:spPr>
+        <p:txBody>
+          <a:bodyPr lIns="90000" rIns="90000" tIns="45000" bIns="45000" anchor="t">
+            <a:noAutofit/>
+          </a:bodyPr>
+          <a:p>
+            <a:r>
+              <a:rPr b="0" lang="en-CA" sz="900" spc="-1" strike="noStrike">
+                <a:latin typeface="Arial"/>
+              </a:rPr>
+              <a:t>https://blog.epectec.com/plated-vs-non-plated-pcb-through-holes-in-pcb-designs</a:t>
+            </a:r>
+            <a:endParaRPr b="0" lang="en-CA" sz="900" spc="-1" strike="noStrike">
+              <a:latin typeface="Arial"/>
+            </a:endParaRPr>
+          </a:p>
+        </p:txBody>
+      </p:sp>
+      <p:sp>
+        <p:nvSpPr>
+          <p:cNvPr id="4" name="PlaceHolder 3"/>
+          <p:cNvSpPr>
+            <a:spLocks noGrp="1"/>
+          </p:cNvSpPr>
+          <p:nvPr>
+            <p:ph type="ftr" idx="4"/>
+          </p:nvPr>
+        </p:nvSpPr>
+        <p:spPr/>
+        <p:txBody>
+          <a:bodyPr/>
+          <a:p>
+            <a:r>
+              <a:t>C3I - Pascal-Emmanuel Lachance</a:t>
+            </a:r>
+          </a:p>
+        </p:txBody>
+      </p:sp>
+      <p:sp>
+        <p:nvSpPr>
+          <p:cNvPr id="5" name="PlaceHolder 4"/>
+          <p:cNvSpPr>
+            <a:spLocks noGrp="1"/>
+          </p:cNvSpPr>
+          <p:nvPr>
+            <p:ph type="sldNum" idx="5"/>
+          </p:nvPr>
+        </p:nvSpPr>
+        <p:spPr/>
+        <p:txBody>
+          <a:bodyPr/>
+          <a:p>
+            <a:fld id="{2A424179-5A72-4906-B83A-7A70EB181665}" type="slidenum">
+              <a:t>5</a:t>
+            </a:fld>
+          </a:p>
+        </p:txBody>
+      </p:sp>
+      <p:sp>
+        <p:nvSpPr>
+          <p:cNvPr id="6" name="PlaceHolder 5"/>
+          <p:cNvSpPr>
+            <a:spLocks noGrp="1"/>
+          </p:cNvSpPr>
+          <p:nvPr>
+            <p:ph type="dt" idx="6"/>
+          </p:nvPr>
+        </p:nvSpPr>
+        <p:spPr/>
+        <p:txBody>
+          <a:bodyPr/>
+          <a:p>
+            <a:fld id="{A22F69D8-655C-4644-962F-124E6AEF8D10}" type="datetime1">
+              <a:rPr lang="en-CA"/>
+              <a:t>2025-02-21</a:t>
+            </a:fld>
+          </a:p>
+        </p:txBody>
+      </p:sp>
+    </p:spTree>
+  </p:cSld>
+  <mc:AlternateContent>
+    <mc:Choice Requires="p14">
+      <p:transition spd="slow" p14:dur="2000"/>
+    </mc:Choice>
+    <mc:Fallback>
+      <p:transition spd="slow"/>
+    </mc:Fallback>
+  </mc:AlternateContent>
+</p:sld>
+</file>
+
+<file path=ppt/slides/slide6.xml><?xml version="1.0" encoding="utf-8"?>
+<p:sld xmlns:a="http://schemas.openxmlformats.org/drawingml/2006/main" xmlns:p="http://schemas.openxmlformats.org/presentationml/2006/main" xmlns:r="http://schemas.openxmlformats.org/officeDocument/2006/relationships" xmlns:p14="http://schemas.microsoft.com/office/powerpoint/2010/main" xmlns:p15="http://schemas.microsoft.com/office/powerpoint/2012/main" xmlns:mc="http://schemas.openxmlformats.org/markup-compatibility/2006">
+  <p:cSld>
+    <p:spTree>
+      <p:nvGrpSpPr>
+        <p:cNvPr id="1" name=""/>
+        <p:cNvGrpSpPr/>
+        <p:nvPr/>
+      </p:nvGrpSpPr>
+      <p:grpSpPr>
+        <a:xfrm>
+          <a:off x="0" y="0"/>
+          <a:ext cx="0" cy="0"/>
+          <a:chOff x="0" y="0"/>
+          <a:chExt cx="0" cy="0"/>
+        </a:xfrm>
+      </p:grpSpPr>
+      <p:sp>
+        <p:nvSpPr>
+          <p:cNvPr id="176" name="PlaceHolder 1"/>
+          <p:cNvSpPr>
+            <a:spLocks noGrp="1"/>
+          </p:cNvSpPr>
+          <p:nvPr>
+            <p:ph type="title"/>
+          </p:nvPr>
+        </p:nvSpPr>
+        <p:spPr>
+          <a:xfrm>
+            <a:off x="838080" y="180000"/>
+            <a:ext cx="10514880" cy="1324800"/>
+          </a:xfrm>
+          <a:prstGeom prst="rect">
+            <a:avLst/>
+          </a:prstGeom>
+          <a:noFill/>
+          <a:ln w="0">
+            <a:noFill/>
+          </a:ln>
+        </p:spPr>
+        <p:txBody>
+          <a:bodyPr lIns="90000" rIns="90000" tIns="45000" bIns="45000" anchor="ctr">
+            <a:noAutofit/>
+          </a:bodyPr>
+          <a:p>
+            <a:pPr>
+              <a:lnSpc>
+                <a:spcPct val="90000"/>
+              </a:lnSpc>
+              <a:buNone/>
+            </a:pPr>
+            <a:r>
+              <a:rPr b="0" lang="en-US" sz="4400" spc="-1" strike="noStrike">
+                <a:solidFill>
+                  <a:srgbClr val="000000"/>
+                </a:solidFill>
+                <a:latin typeface="Amasis MT Pro Black"/>
+              </a:rPr>
+              <a:t>Cuivre – Surface Finish</a:t>
+            </a:r>
+            <a:endParaRPr b="0" lang="en-CA" sz="4400" spc="-1" strike="noStrike">
+              <a:latin typeface="Arial"/>
+            </a:endParaRPr>
+          </a:p>
+        </p:txBody>
+      </p:sp>
+      <p:sp>
+        <p:nvSpPr>
+          <p:cNvPr id="177" name="PlaceHolder 2"/>
+          <p:cNvSpPr>
+            <a:spLocks noGrp="1"/>
+          </p:cNvSpPr>
+          <p:nvPr>
+            <p:ph/>
+          </p:nvPr>
+        </p:nvSpPr>
+        <p:spPr>
+          <a:xfrm>
+            <a:off x="838080" y="1439640"/>
+            <a:ext cx="10514880" cy="4916160"/>
+          </a:xfrm>
+          <a:prstGeom prst="rect">
+            <a:avLst/>
+          </a:prstGeom>
+          <a:noFill/>
+          <a:ln w="0">
+            <a:noFill/>
+          </a:ln>
+        </p:spPr>
+        <p:txBody>
+          <a:bodyPr lIns="90000" rIns="90000" tIns="45000" bIns="45000" anchor="t">
+            <a:normAutofit fontScale="61000"/>
+          </a:bodyPr>
+          <a:p>
+            <a:pPr marL="228600" indent="-228600">
+              <a:lnSpc>
+                <a:spcPct val="90000"/>
+              </a:lnSpc>
+              <a:spcBef>
+                <a:spcPts val="1001"/>
+              </a:spcBef>
+              <a:buClr>
                 <a:srgbClr val="000000"/>
-              </a:solidFill>
-              <a:latin typeface="Amasis MT Pro Medium"/>
-            </a:endParaRPr>
-          </a:p>
-        </p:txBody>
-      </p:sp>
+              </a:buClr>
+              <a:buFont typeface="Arial"/>
+              <a:buChar char="•"/>
+            </a:pPr>
+            <a:r>
+              <a:rPr b="0" lang="en-US" sz="2800" spc="-1" strike="noStrike">
+                <a:solidFill>
+                  <a:srgbClr val="000000"/>
+                </a:solidFill>
+                <a:latin typeface="Amasis MT Pro Medium"/>
+              </a:rPr>
+              <a:t>Protège le cuivre</a:t>
+            </a:r>
+            <a:endParaRPr b="0" lang="en-CA" sz="2800" spc="-1" strike="noStrike">
+              <a:latin typeface="Arial"/>
+            </a:endParaRPr>
+          </a:p>
+          <a:p>
+            <a:pPr marL="228600" indent="-228600">
+              <a:lnSpc>
+                <a:spcPct val="90000"/>
+              </a:lnSpc>
+              <a:spcBef>
+                <a:spcPts val="1001"/>
+              </a:spcBef>
+              <a:buClr>
+                <a:srgbClr val="000000"/>
+              </a:buClr>
+              <a:buFont typeface="Arial"/>
+              <a:buChar char="•"/>
+            </a:pPr>
+            <a:r>
+              <a:rPr b="0" lang="en-US" sz="2800" spc="-1" strike="noStrike">
+                <a:solidFill>
+                  <a:srgbClr val="000000"/>
+                </a:solidFill>
+                <a:latin typeface="Amasis MT Pro Medium"/>
+              </a:rPr>
+              <a:t>Permet une meilleure soudure</a:t>
+            </a:r>
+            <a:endParaRPr b="0" lang="en-CA" sz="2800" spc="-1" strike="noStrike">
+              <a:latin typeface="Arial"/>
+            </a:endParaRPr>
+          </a:p>
+          <a:p>
+            <a:pPr marL="228600" indent="-228600">
+              <a:lnSpc>
+                <a:spcPct val="90000"/>
+              </a:lnSpc>
+              <a:spcBef>
+                <a:spcPts val="1001"/>
+              </a:spcBef>
+              <a:buClr>
+                <a:srgbClr val="000000"/>
+              </a:buClr>
+              <a:buFont typeface="Arial"/>
+              <a:buChar char="•"/>
+            </a:pPr>
+            <a:endParaRPr b="0" lang="en-CA" sz="2800" spc="-1" strike="noStrike">
+              <a:latin typeface="Arial"/>
+            </a:endParaRPr>
+          </a:p>
+          <a:p>
+            <a:pPr marL="228600" indent="-228600">
+              <a:lnSpc>
+                <a:spcPct val="90000"/>
+              </a:lnSpc>
+              <a:spcBef>
+                <a:spcPts val="1001"/>
+              </a:spcBef>
+              <a:buClr>
+                <a:srgbClr val="000000"/>
+              </a:buClr>
+              <a:buFont typeface="Arial"/>
+              <a:buChar char="•"/>
+            </a:pPr>
+            <a:r>
+              <a:rPr b="0" lang="en-US" sz="2800" spc="-1" strike="noStrike">
+                <a:solidFill>
+                  <a:srgbClr val="000000"/>
+                </a:solidFill>
+                <a:latin typeface="Amasis MT Pro Medium"/>
+              </a:rPr>
+              <a:t>HASL</a:t>
+            </a:r>
+            <a:endParaRPr b="0" lang="en-CA" sz="2800" spc="-1" strike="noStrike">
+              <a:latin typeface="Arial"/>
+            </a:endParaRPr>
+          </a:p>
+          <a:p>
+            <a:pPr lvl="1" marL="864000" indent="-324000">
+              <a:lnSpc>
+                <a:spcPct val="90000"/>
+              </a:lnSpc>
+              <a:spcBef>
+                <a:spcPts val="1134"/>
+              </a:spcBef>
+              <a:buClr>
+                <a:srgbClr val="000000"/>
+              </a:buClr>
+              <a:buSzPct val="75000"/>
+              <a:buFont typeface="Symbol" charset="2"/>
+              <a:buChar char=""/>
+            </a:pPr>
+            <a:r>
+              <a:rPr b="0" lang="en-US" sz="2800" spc="-1" strike="noStrike">
+                <a:solidFill>
+                  <a:srgbClr val="000000"/>
+                </a:solidFill>
+                <a:latin typeface="Amasis MT Pro Medium"/>
+              </a:rPr>
+              <a:t>Bain d’étain en fusion</a:t>
+            </a:r>
+            <a:endParaRPr b="0" lang="en-CA" sz="2800" spc="-1" strike="noStrike">
+              <a:latin typeface="Arial"/>
+            </a:endParaRPr>
+          </a:p>
+          <a:p>
+            <a:pPr lvl="1" marL="864000" indent="-324000">
+              <a:lnSpc>
+                <a:spcPct val="90000"/>
+              </a:lnSpc>
+              <a:spcBef>
+                <a:spcPts val="1134"/>
+              </a:spcBef>
+              <a:buClr>
+                <a:srgbClr val="000000"/>
+              </a:buClr>
+              <a:buSzPct val="75000"/>
+              <a:buFont typeface="Symbol" charset="2"/>
+              <a:buChar char=""/>
+            </a:pPr>
+            <a:r>
+              <a:rPr b="0" lang="en-US" sz="2800" spc="-1" strike="noStrike">
+                <a:solidFill>
+                  <a:srgbClr val="000000"/>
+                </a:solidFill>
+                <a:latin typeface="Amasis MT Pro Medium"/>
+              </a:rPr>
+              <a:t>Disponible sans plomb</a:t>
+            </a:r>
+            <a:endParaRPr b="0" lang="en-CA" sz="2800" spc="-1" strike="noStrike">
+              <a:latin typeface="Arial"/>
+            </a:endParaRPr>
+          </a:p>
+          <a:p>
+            <a:pPr lvl="1" marL="864000" indent="-324000">
+              <a:lnSpc>
+                <a:spcPct val="90000"/>
+              </a:lnSpc>
+              <a:spcBef>
+                <a:spcPts val="1134"/>
+              </a:spcBef>
+              <a:buClr>
+                <a:srgbClr val="000000"/>
+              </a:buClr>
+              <a:buSzPct val="75000"/>
+              <a:buFont typeface="Symbol" charset="2"/>
+              <a:buChar char=""/>
+            </a:pPr>
+            <a:r>
+              <a:rPr b="0" lang="en-US" sz="2800" spc="-1" strike="noStrike">
+                <a:solidFill>
+                  <a:srgbClr val="000000"/>
+                </a:solidFill>
+                <a:latin typeface="Amasis MT Pro Medium"/>
+              </a:rPr>
+              <a:t>Cheap</a:t>
+            </a:r>
+            <a:endParaRPr b="0" lang="en-CA" sz="2800" spc="-1" strike="noStrike">
+              <a:latin typeface="Arial"/>
+            </a:endParaRPr>
+          </a:p>
+          <a:p>
+            <a:pPr marL="228600" indent="-228600">
+              <a:lnSpc>
+                <a:spcPct val="90000"/>
+              </a:lnSpc>
+              <a:spcBef>
+                <a:spcPts val="1417"/>
+              </a:spcBef>
+              <a:buClr>
+                <a:srgbClr val="000000"/>
+              </a:buClr>
+              <a:buFont typeface="Arial"/>
+              <a:buChar char="•"/>
+            </a:pPr>
+            <a:r>
+              <a:rPr b="0" lang="en-US" sz="2800" spc="-1" strike="noStrike">
+                <a:solidFill>
+                  <a:srgbClr val="000000"/>
+                </a:solidFill>
+                <a:latin typeface="Amasis MT Pro Medium"/>
+              </a:rPr>
+              <a:t>ENIG</a:t>
+            </a:r>
+            <a:endParaRPr b="0" lang="en-CA" sz="2800" spc="-1" strike="noStrike">
+              <a:latin typeface="Arial"/>
+            </a:endParaRPr>
+          </a:p>
+          <a:p>
+            <a:pPr lvl="1" marL="864000" indent="-324000">
+              <a:lnSpc>
+                <a:spcPct val="90000"/>
+              </a:lnSpc>
+              <a:spcBef>
+                <a:spcPts val="1134"/>
+              </a:spcBef>
+              <a:buClr>
+                <a:srgbClr val="000000"/>
+              </a:buClr>
+              <a:buSzPct val="75000"/>
+              <a:buFont typeface="Symbol" charset="2"/>
+              <a:buChar char=""/>
+            </a:pPr>
+            <a:r>
+              <a:rPr b="0" lang="en-US" sz="2800" spc="-1" strike="noStrike">
+                <a:solidFill>
+                  <a:srgbClr val="000000"/>
+                </a:solidFill>
+                <a:latin typeface="Amasis MT Pro Medium"/>
+              </a:rPr>
+              <a:t>Meilleur fini</a:t>
+            </a:r>
+            <a:endParaRPr b="0" lang="en-CA" sz="2800" spc="-1" strike="noStrike">
+              <a:latin typeface="Arial"/>
+            </a:endParaRPr>
+          </a:p>
+          <a:p>
+            <a:pPr lvl="1" marL="864000" indent="-324000">
+              <a:lnSpc>
+                <a:spcPct val="90000"/>
+              </a:lnSpc>
+              <a:spcBef>
+                <a:spcPts val="1134"/>
+              </a:spcBef>
+              <a:buClr>
+                <a:srgbClr val="000000"/>
+              </a:buClr>
+              <a:buSzPct val="75000"/>
+              <a:buFont typeface="Symbol" charset="2"/>
+              <a:buChar char=""/>
+            </a:pPr>
+            <a:r>
+              <a:rPr b="0" lang="en-US" sz="2800" spc="-1" strike="noStrike">
+                <a:solidFill>
+                  <a:srgbClr val="000000"/>
+                </a:solidFill>
+                <a:latin typeface="Amasis MT Pro Medium"/>
+              </a:rPr>
+              <a:t>$$</a:t>
+            </a:r>
+            <a:endParaRPr b="0" lang="en-CA" sz="2800" spc="-1" strike="noStrike">
+              <a:latin typeface="Arial"/>
+            </a:endParaRPr>
+          </a:p>
+          <a:p>
+            <a:pPr lvl="1" marL="864000" indent="-324000">
+              <a:lnSpc>
+                <a:spcPct val="90000"/>
+              </a:lnSpc>
+              <a:spcBef>
+                <a:spcPts val="1134"/>
+              </a:spcBef>
+              <a:buClr>
+                <a:srgbClr val="000000"/>
+              </a:buClr>
+              <a:buSzPct val="75000"/>
+              <a:buFont typeface="Symbol" charset="2"/>
+              <a:buChar char=""/>
+            </a:pPr>
+            <a:r>
+              <a:rPr b="0" lang="en-US" sz="2800" spc="-1" strike="noStrike">
+                <a:solidFill>
+                  <a:srgbClr val="000000"/>
+                </a:solidFill>
+                <a:latin typeface="Amasis MT Pro Medium"/>
+              </a:rPr>
+              <a:t>ENEPIG</a:t>
+            </a:r>
+            <a:endParaRPr b="0" lang="en-CA" sz="2800" spc="-1" strike="noStrike">
+              <a:latin typeface="Arial"/>
+            </a:endParaRPr>
+          </a:p>
+          <a:p>
+            <a:pPr marL="228600" indent="-228600">
+              <a:lnSpc>
+                <a:spcPct val="90000"/>
+              </a:lnSpc>
+              <a:spcBef>
+                <a:spcPts val="1417"/>
+              </a:spcBef>
+              <a:buClr>
+                <a:srgbClr val="000000"/>
+              </a:buClr>
+              <a:buFont typeface="Arial"/>
+              <a:buChar char="•"/>
+            </a:pPr>
+            <a:r>
+              <a:rPr b="0" lang="en-US" sz="2800" spc="-1" strike="noStrike">
+                <a:solidFill>
+                  <a:srgbClr val="000000"/>
+                </a:solidFill>
+                <a:latin typeface="Amasis MT Pro Medium"/>
+              </a:rPr>
+              <a:t>OSP</a:t>
+            </a:r>
+            <a:endParaRPr b="0" lang="en-CA" sz="2800" spc="-1" strike="noStrike">
+              <a:latin typeface="Arial"/>
+            </a:endParaRPr>
+          </a:p>
+          <a:p>
+            <a:pPr lvl="1" marL="864000" indent="-324000">
+              <a:lnSpc>
+                <a:spcPct val="90000"/>
+              </a:lnSpc>
+              <a:spcBef>
+                <a:spcPts val="1134"/>
+              </a:spcBef>
+              <a:buClr>
+                <a:srgbClr val="000000"/>
+              </a:buClr>
+              <a:buSzPct val="75000"/>
+              <a:buFont typeface="Symbol" charset="2"/>
+              <a:buChar char=""/>
+            </a:pPr>
+            <a:r>
+              <a:rPr b="0" lang="en-US" sz="2800" spc="-1" strike="noStrike">
+                <a:solidFill>
+                  <a:srgbClr val="000000"/>
+                </a:solidFill>
+                <a:latin typeface="Amasis MT Pro Medium"/>
+              </a:rPr>
+              <a:t>Plus écologique</a:t>
+            </a:r>
+            <a:endParaRPr b="0" lang="en-CA" sz="2800" spc="-1" strike="noStrike">
+              <a:latin typeface="Arial"/>
+            </a:endParaRPr>
+          </a:p>
+          <a:p>
+            <a:pPr lvl="1" marL="864000" indent="-324000">
+              <a:lnSpc>
+                <a:spcPct val="90000"/>
+              </a:lnSpc>
+              <a:spcBef>
+                <a:spcPts val="1134"/>
+              </a:spcBef>
+              <a:buClr>
+                <a:srgbClr val="000000"/>
+              </a:buClr>
+              <a:buSzPct val="75000"/>
+              <a:buFont typeface="Symbol" charset="2"/>
+              <a:buChar char=""/>
+            </a:pPr>
+            <a:r>
+              <a:rPr b="0" lang="en-US" sz="2800" spc="-1" strike="noStrike">
+                <a:solidFill>
+                  <a:srgbClr val="000000"/>
+                </a:solidFill>
+                <a:latin typeface="Amasis MT Pro Medium"/>
+              </a:rPr>
+              <a:t>Fini moyen</a:t>
+            </a:r>
+            <a:endParaRPr b="0" lang="en-CA" sz="2800" spc="-1" strike="noStrike">
+              <a:latin typeface="Arial"/>
+            </a:endParaRPr>
+          </a:p>
+          <a:p>
+            <a:pPr lvl="1" marL="864000" indent="-324000">
+              <a:lnSpc>
+                <a:spcPct val="90000"/>
+              </a:lnSpc>
+              <a:spcBef>
+                <a:spcPts val="1134"/>
+              </a:spcBef>
+              <a:buClr>
+                <a:srgbClr val="000000"/>
+              </a:buClr>
+              <a:buSzPct val="75000"/>
+              <a:buFont typeface="Symbol" charset="2"/>
+              <a:buChar char=""/>
+            </a:pPr>
+            <a:r>
+              <a:rPr b="0" lang="en-US" sz="2800" spc="-1" strike="noStrike">
+                <a:solidFill>
+                  <a:srgbClr val="000000"/>
+                </a:solidFill>
+                <a:latin typeface="Amasis MT Pro Medium"/>
+              </a:rPr>
+              <a:t>$$</a:t>
+            </a:r>
+            <a:endParaRPr b="0" lang="en-CA" sz="2800" spc="-1" strike="noStrike">
+              <a:latin typeface="Arial"/>
+            </a:endParaRPr>
+          </a:p>
+          <a:p>
+            <a:pPr>
+              <a:lnSpc>
+                <a:spcPct val="90000"/>
+              </a:lnSpc>
+              <a:spcBef>
+                <a:spcPts val="1001"/>
+              </a:spcBef>
+              <a:buNone/>
+            </a:pPr>
+            <a:endParaRPr b="0" lang="en-CA" sz="2800" spc="-1" strike="noStrike">
+              <a:latin typeface="Arial"/>
+            </a:endParaRPr>
+          </a:p>
+        </p:txBody>
+      </p:sp>
+      <p:pic>
+        <p:nvPicPr>
+          <p:cNvPr id="178" name="" descr="">
+            <a:hlinkClick r:id="rId1"/>
+          </p:cNvPr>
+          <p:cNvPicPr/>
+          <p:nvPr/>
+        </p:nvPicPr>
+        <p:blipFill>
+          <a:blip r:embed="rId2"/>
+          <a:stretch/>
+        </p:blipFill>
+        <p:spPr>
+          <a:xfrm>
+            <a:off x="11880360" y="6546240"/>
+            <a:ext cx="312120" cy="312120"/>
+          </a:xfrm>
+          <a:prstGeom prst="rect">
+            <a:avLst/>
+          </a:prstGeom>
+          <a:ln w="0">
+            <a:noFill/>
+          </a:ln>
+        </p:spPr>
+      </p:pic>
+      <p:sp>
+        <p:nvSpPr>
+          <p:cNvPr id="179" name=""/>
+          <p:cNvSpPr/>
+          <p:nvPr/>
+        </p:nvSpPr>
+        <p:spPr>
+          <a:xfrm>
+            <a:off x="828000" y="1188000"/>
+            <a:ext cx="10080000" cy="0"/>
+          </a:xfrm>
+          <a:prstGeom prst="line">
+            <a:avLst/>
+          </a:prstGeom>
+          <a:ln w="36000">
+            <a:solidFill>
+              <a:srgbClr val="158466"/>
+            </a:solidFill>
+            <a:round/>
+          </a:ln>
+        </p:spPr>
+        <p:style>
+          <a:lnRef idx="0"/>
+          <a:fillRef idx="0"/>
+          <a:effectRef idx="0"/>
+          <a:fontRef idx="minor"/>
+        </p:style>
+      </p:sp>
+      <p:sp>
+        <p:nvSpPr>
+          <p:cNvPr id="180" name=""/>
+          <p:cNvSpPr txBox="1"/>
+          <p:nvPr/>
+        </p:nvSpPr>
+        <p:spPr>
+          <a:xfrm>
+            <a:off x="6300000" y="5040000"/>
+            <a:ext cx="5940000" cy="346320"/>
+          </a:xfrm>
+          <a:prstGeom prst="rect">
+            <a:avLst/>
+          </a:prstGeom>
+          <a:noFill/>
+          <a:ln w="0">
+            <a:noFill/>
+          </a:ln>
+        </p:spPr>
+        <p:txBody>
+          <a:bodyPr lIns="90000" rIns="90000" tIns="45000" bIns="45000" anchor="t">
+            <a:noAutofit/>
+          </a:bodyPr>
+          <a:p>
+            <a:r>
+              <a:rPr b="0" lang="en-CA" sz="900" spc="-1" strike="noStrike">
+                <a:latin typeface="Arial"/>
+              </a:rPr>
+              <a:t>https://blog.techdesign.com/5-types-pcb-surface-finishing/</a:t>
+            </a:r>
+            <a:endParaRPr b="0" lang="en-CA" sz="900" spc="-1" strike="noStrike">
+              <a:latin typeface="Arial"/>
+            </a:endParaRPr>
+          </a:p>
+        </p:txBody>
+      </p:sp>
+      <p:pic>
+        <p:nvPicPr>
+          <p:cNvPr id="181" name="" descr=""/>
+          <p:cNvPicPr/>
+          <p:nvPr/>
+        </p:nvPicPr>
+        <p:blipFill>
+          <a:blip r:embed="rId3"/>
+          <a:stretch/>
+        </p:blipFill>
+        <p:spPr>
+          <a:xfrm>
+            <a:off x="6300000" y="1439640"/>
+            <a:ext cx="5220000" cy="3479760"/>
+          </a:xfrm>
+          <a:prstGeom prst="rect">
+            <a:avLst/>
+          </a:prstGeom>
+          <a:ln w="0">
+            <a:noFill/>
+          </a:ln>
+        </p:spPr>
+      </p:pic>
       <p:sp>
         <p:nvSpPr>
           <p:cNvPr id="4" name="PlaceHolder 3"/>
@@ -8183,7 +10441,7 @@
             <a:spLocks noGrp="1"/>
           </p:cNvSpPr>
           <p:nvPr>
-            <p:ph type="ftr" idx="5"/>
+            <p:ph type="ftr" idx="4"/>
           </p:nvPr>
         </p:nvSpPr>
         <p:spPr/>
@@ -8203,15 +10461,15 @@
             <a:spLocks noGrp="1"/>
           </p:cNvSpPr>
           <p:nvPr>
-            <p:ph type="sldNum" idx="6"/>
+            <p:ph type="sldNum" idx="5"/>
           </p:nvPr>
         </p:nvSpPr>
         <p:spPr/>
         <p:txBody>
           <a:bodyPr/>
           <a:p>
-            <a:fld id="{F3F7F430-15BA-49D2-AA4D-9B14220B4344}" type="slidenum">
-              <a:t>3</a:t>
+            <a:fld id="{31FC65BE-550C-4F8B-9496-2C0D0D3E4254}" type="slidenum">
+              <a:t>6</a:t>
             </a:fld>
           </a:p>
         </p:txBody>
@@ -8223,14 +10481,1227 @@
             <a:spLocks noGrp="1"/>
           </p:cNvSpPr>
           <p:nvPr>
-            <p:ph type="dt" idx="4"/>
+            <p:ph type="dt" idx="6"/>
           </p:nvPr>
         </p:nvSpPr>
         <p:spPr/>
         <p:txBody>
           <a:bodyPr/>
           <a:p>
-            <a:fld id="{870D6B47-DECC-4B23-8E30-D35102DB03D5}" type="datetime1">
+            <a:fld id="{7AE0733B-BB93-47D7-96E6-C2CD8B7EEBED}" type="datetime1">
+              <a:rPr lang="en-CA"/>
+              <a:t>2025-02-21</a:t>
+            </a:fld>
+          </a:p>
+        </p:txBody>
+      </p:sp>
+    </p:spTree>
+  </p:cSld>
+  <mc:AlternateContent>
+    <mc:Choice Requires="p14">
+      <p:transition spd="slow" p14:dur="2000"/>
+    </mc:Choice>
+    <mc:Fallback>
+      <p:transition spd="slow"/>
+    </mc:Fallback>
+  </mc:AlternateContent>
+</p:sld>
+</file>
+
+<file path=ppt/slides/slide7.xml><?xml version="1.0" encoding="utf-8"?>
+<p:sld xmlns:a="http://schemas.openxmlformats.org/drawingml/2006/main" xmlns:p="http://schemas.openxmlformats.org/presentationml/2006/main" xmlns:r="http://schemas.openxmlformats.org/officeDocument/2006/relationships" xmlns:p14="http://schemas.microsoft.com/office/powerpoint/2010/main" xmlns:p15="http://schemas.microsoft.com/office/powerpoint/2012/main" xmlns:mc="http://schemas.openxmlformats.org/markup-compatibility/2006">
+  <p:cSld>
+    <p:spTree>
+      <p:nvGrpSpPr>
+        <p:cNvPr id="1" name=""/>
+        <p:cNvGrpSpPr/>
+        <p:nvPr/>
+      </p:nvGrpSpPr>
+      <p:grpSpPr>
+        <a:xfrm>
+          <a:off x="0" y="0"/>
+          <a:ext cx="0" cy="0"/>
+          <a:chOff x="0" y="0"/>
+          <a:chExt cx="0" cy="0"/>
+        </a:xfrm>
+      </p:grpSpPr>
+      <p:sp>
+        <p:nvSpPr>
+          <p:cNvPr id="182" name="PlaceHolder 1"/>
+          <p:cNvSpPr>
+            <a:spLocks noGrp="1"/>
+          </p:cNvSpPr>
+          <p:nvPr>
+            <p:ph type="title"/>
+          </p:nvPr>
+        </p:nvSpPr>
+        <p:spPr>
+          <a:xfrm>
+            <a:off x="838080" y="180000"/>
+            <a:ext cx="10514880" cy="1324800"/>
+          </a:xfrm>
+          <a:prstGeom prst="rect">
+            <a:avLst/>
+          </a:prstGeom>
+          <a:noFill/>
+          <a:ln w="0">
+            <a:noFill/>
+          </a:ln>
+        </p:spPr>
+        <p:txBody>
+          <a:bodyPr lIns="90000" rIns="90000" tIns="45000" bIns="45000" anchor="ctr">
+            <a:noAutofit/>
+          </a:bodyPr>
+          <a:p>
+            <a:pPr>
+              <a:lnSpc>
+                <a:spcPct val="90000"/>
+              </a:lnSpc>
+              <a:buNone/>
+            </a:pPr>
+            <a:r>
+              <a:rPr b="0" lang="en-US" sz="4400" spc="-1" strike="noStrike">
+                <a:solidFill>
+                  <a:srgbClr val="000000"/>
+                </a:solidFill>
+                <a:latin typeface="Amasis MT Pro Black"/>
+              </a:rPr>
+              <a:t>Soldermask</a:t>
+            </a:r>
+            <a:endParaRPr b="0" lang="en-CA" sz="4400" spc="-1" strike="noStrike">
+              <a:latin typeface="Arial"/>
+            </a:endParaRPr>
+          </a:p>
+        </p:txBody>
+      </p:sp>
+      <p:sp>
+        <p:nvSpPr>
+          <p:cNvPr id="183" name="PlaceHolder 2"/>
+          <p:cNvSpPr>
+            <a:spLocks noGrp="1"/>
+          </p:cNvSpPr>
+          <p:nvPr>
+            <p:ph/>
+          </p:nvPr>
+        </p:nvSpPr>
+        <p:spPr>
+          <a:xfrm>
+            <a:off x="838080" y="1439640"/>
+            <a:ext cx="10514880" cy="4916160"/>
+          </a:xfrm>
+          <a:prstGeom prst="rect">
+            <a:avLst/>
+          </a:prstGeom>
+          <a:noFill/>
+          <a:ln w="0">
+            <a:noFill/>
+          </a:ln>
+        </p:spPr>
+        <p:txBody>
+          <a:bodyPr lIns="90000" rIns="90000" tIns="45000" bIns="45000" anchor="t">
+            <a:normAutofit/>
+          </a:bodyPr>
+          <a:p>
+            <a:pPr marL="228600" indent="-228600">
+              <a:lnSpc>
+                <a:spcPct val="90000"/>
+              </a:lnSpc>
+              <a:spcBef>
+                <a:spcPts val="1001"/>
+              </a:spcBef>
+              <a:buClr>
+                <a:srgbClr val="000000"/>
+              </a:buClr>
+              <a:buFont typeface="Arial"/>
+              <a:buChar char="•"/>
+            </a:pPr>
+            <a:r>
+              <a:rPr b="0" lang="en-US" sz="2800" spc="-1" strike="noStrike">
+                <a:solidFill>
+                  <a:srgbClr val="000000"/>
+                </a:solidFill>
+                <a:latin typeface="Amasis MT Pro Medium"/>
+              </a:rPr>
+              <a:t>Isole électriquement et thermiquement le cuivre</a:t>
+            </a:r>
+            <a:endParaRPr b="0" lang="en-CA" sz="2800" spc="-1" strike="noStrike">
+              <a:latin typeface="Arial"/>
+            </a:endParaRPr>
+          </a:p>
+          <a:p>
+            <a:pPr marL="228600" indent="-228600">
+              <a:lnSpc>
+                <a:spcPct val="90000"/>
+              </a:lnSpc>
+              <a:spcBef>
+                <a:spcPts val="1001"/>
+              </a:spcBef>
+              <a:buClr>
+                <a:srgbClr val="000000"/>
+              </a:buClr>
+              <a:buFont typeface="Arial"/>
+              <a:buChar char="•"/>
+            </a:pPr>
+            <a:r>
+              <a:rPr b="0" lang="en-US" sz="2800" spc="-1" strike="noStrike">
+                <a:solidFill>
+                  <a:srgbClr val="000000"/>
+                </a:solidFill>
+                <a:latin typeface="Amasis MT Pro Medium"/>
+              </a:rPr>
+              <a:t>Pour la soudure – Guide l’étain</a:t>
+            </a:r>
+            <a:endParaRPr b="0" lang="en-CA" sz="2800" spc="-1" strike="noStrike">
+              <a:latin typeface="Arial"/>
+            </a:endParaRPr>
+          </a:p>
+          <a:p>
+            <a:pPr marL="228600" indent="-228600">
+              <a:lnSpc>
+                <a:spcPct val="90000"/>
+              </a:lnSpc>
+              <a:spcBef>
+                <a:spcPts val="1001"/>
+              </a:spcBef>
+              <a:buClr>
+                <a:srgbClr val="000000"/>
+              </a:buClr>
+              <a:buFont typeface="Arial"/>
+              <a:buChar char="•"/>
+            </a:pPr>
+            <a:r>
+              <a:rPr b="0" lang="en-US" sz="2800" spc="-1" strike="noStrike">
+                <a:solidFill>
+                  <a:srgbClr val="000000"/>
+                </a:solidFill>
+                <a:latin typeface="Amasis MT Pro Medium"/>
+              </a:rPr>
+              <a:t>LPI vs Dry Film</a:t>
+            </a:r>
+            <a:endParaRPr b="0" lang="en-CA" sz="2800" spc="-1" strike="noStrike">
+              <a:latin typeface="Arial"/>
+            </a:endParaRPr>
+          </a:p>
+        </p:txBody>
+      </p:sp>
+      <p:pic>
+        <p:nvPicPr>
+          <p:cNvPr id="184" name="" descr="">
+            <a:hlinkClick r:id="rId1"/>
+          </p:cNvPr>
+          <p:cNvPicPr/>
+          <p:nvPr/>
+        </p:nvPicPr>
+        <p:blipFill>
+          <a:blip r:embed="rId2"/>
+          <a:stretch/>
+        </p:blipFill>
+        <p:spPr>
+          <a:xfrm>
+            <a:off x="11880360" y="6546240"/>
+            <a:ext cx="312120" cy="312120"/>
+          </a:xfrm>
+          <a:prstGeom prst="rect">
+            <a:avLst/>
+          </a:prstGeom>
+          <a:ln w="0">
+            <a:noFill/>
+          </a:ln>
+        </p:spPr>
+      </p:pic>
+      <p:sp>
+        <p:nvSpPr>
+          <p:cNvPr id="185" name=""/>
+          <p:cNvSpPr/>
+          <p:nvPr/>
+        </p:nvSpPr>
+        <p:spPr>
+          <a:xfrm>
+            <a:off x="828000" y="1188000"/>
+            <a:ext cx="10080000" cy="0"/>
+          </a:xfrm>
+          <a:prstGeom prst="line">
+            <a:avLst/>
+          </a:prstGeom>
+          <a:ln w="36000">
+            <a:solidFill>
+              <a:srgbClr val="158466"/>
+            </a:solidFill>
+            <a:round/>
+          </a:ln>
+        </p:spPr>
+        <p:style>
+          <a:lnRef idx="0"/>
+          <a:fillRef idx="0"/>
+          <a:effectRef idx="0"/>
+          <a:fontRef idx="minor"/>
+        </p:style>
+      </p:sp>
+      <p:pic>
+        <p:nvPicPr>
+          <p:cNvPr id="186" name="" descr=""/>
+          <p:cNvPicPr/>
+          <p:nvPr/>
+        </p:nvPicPr>
+        <p:blipFill>
+          <a:blip r:embed="rId3"/>
+          <a:stretch/>
+        </p:blipFill>
+        <p:spPr>
+          <a:xfrm>
+            <a:off x="1620000" y="3600000"/>
+            <a:ext cx="2172600" cy="1980000"/>
+          </a:xfrm>
+          <a:prstGeom prst="rect">
+            <a:avLst/>
+          </a:prstGeom>
+          <a:ln w="0">
+            <a:noFill/>
+          </a:ln>
+        </p:spPr>
+      </p:pic>
+      <p:sp>
+        <p:nvSpPr>
+          <p:cNvPr id="187" name=""/>
+          <p:cNvSpPr txBox="1"/>
+          <p:nvPr/>
+        </p:nvSpPr>
+        <p:spPr>
+          <a:xfrm>
+            <a:off x="1620000" y="5580000"/>
+            <a:ext cx="2160000" cy="603000"/>
+          </a:xfrm>
+          <a:prstGeom prst="rect">
+            <a:avLst/>
+          </a:prstGeom>
+          <a:noFill/>
+          <a:ln w="0">
+            <a:noFill/>
+          </a:ln>
+        </p:spPr>
+        <p:txBody>
+          <a:bodyPr lIns="90000" rIns="90000" tIns="45000" bIns="45000" anchor="t">
+            <a:noAutofit/>
+          </a:bodyPr>
+          <a:p>
+            <a:r>
+              <a:rPr b="0" lang="en-CA" sz="900" spc="-1" strike="noStrike">
+                <a:latin typeface="Arial"/>
+              </a:rPr>
+              <a:t>https://www.allaboutcircuits.com/technical-articles/a-solder-bridge-to-nowhere-what-is-a-solder-bridge-how-to-prevent/</a:t>
+            </a:r>
+            <a:endParaRPr b="0" lang="en-CA" sz="900" spc="-1" strike="noStrike">
+              <a:latin typeface="Arial"/>
+            </a:endParaRPr>
+          </a:p>
+        </p:txBody>
+      </p:sp>
+      <p:pic>
+        <p:nvPicPr>
+          <p:cNvPr id="188" name="" descr=""/>
+          <p:cNvPicPr/>
+          <p:nvPr/>
+        </p:nvPicPr>
+        <p:blipFill>
+          <a:blip r:embed="rId4"/>
+          <a:stretch/>
+        </p:blipFill>
+        <p:spPr>
+          <a:xfrm>
+            <a:off x="4411440" y="3600000"/>
+            <a:ext cx="2428560" cy="1980000"/>
+          </a:xfrm>
+          <a:prstGeom prst="rect">
+            <a:avLst/>
+          </a:prstGeom>
+          <a:ln w="0">
+            <a:noFill/>
+          </a:ln>
+        </p:spPr>
+      </p:pic>
+      <p:sp>
+        <p:nvSpPr>
+          <p:cNvPr id="189" name=""/>
+          <p:cNvSpPr txBox="1"/>
+          <p:nvPr/>
+        </p:nvSpPr>
+        <p:spPr>
+          <a:xfrm>
+            <a:off x="1980000" y="3240000"/>
+            <a:ext cx="1561320" cy="346320"/>
+          </a:xfrm>
+          <a:prstGeom prst="rect">
+            <a:avLst/>
+          </a:prstGeom>
+          <a:noFill/>
+          <a:ln w="0">
+            <a:noFill/>
+          </a:ln>
+        </p:spPr>
+        <p:txBody>
+          <a:bodyPr lIns="90000" rIns="90000" tIns="45000" bIns="45000" anchor="t">
+            <a:noAutofit/>
+          </a:bodyPr>
+          <a:p>
+            <a:r>
+              <a:rPr b="0" lang="en-CA" sz="1800" spc="-1" strike="noStrike">
+                <a:latin typeface="Arial"/>
+              </a:rPr>
+              <a:t>Solder Bridge</a:t>
+            </a:r>
+            <a:endParaRPr b="0" lang="en-CA" sz="1800" spc="-1" strike="noStrike">
+              <a:latin typeface="Arial"/>
+            </a:endParaRPr>
+          </a:p>
+        </p:txBody>
+      </p:sp>
+      <p:sp>
+        <p:nvSpPr>
+          <p:cNvPr id="190" name=""/>
+          <p:cNvSpPr txBox="1"/>
+          <p:nvPr/>
+        </p:nvSpPr>
+        <p:spPr>
+          <a:xfrm>
+            <a:off x="4500000" y="5580000"/>
+            <a:ext cx="2160000" cy="474840"/>
+          </a:xfrm>
+          <a:prstGeom prst="rect">
+            <a:avLst/>
+          </a:prstGeom>
+          <a:noFill/>
+          <a:ln w="0">
+            <a:noFill/>
+          </a:ln>
+        </p:spPr>
+        <p:txBody>
+          <a:bodyPr lIns="90000" rIns="90000" tIns="45000" bIns="45000" anchor="t">
+            <a:noAutofit/>
+          </a:bodyPr>
+          <a:p>
+            <a:r>
+              <a:rPr b="0" lang="en-CA" sz="900" spc="-1" strike="noStrike">
+                <a:latin typeface="Arial"/>
+              </a:rPr>
+              <a:t>https://www.allpcb.com/soldermask/soldermask_registration.html</a:t>
+            </a:r>
+            <a:endParaRPr b="0" lang="en-CA" sz="900" spc="-1" strike="noStrike">
+              <a:latin typeface="Arial"/>
+            </a:endParaRPr>
+          </a:p>
+        </p:txBody>
+      </p:sp>
+      <p:sp>
+        <p:nvSpPr>
+          <p:cNvPr id="191" name=""/>
+          <p:cNvSpPr txBox="1"/>
+          <p:nvPr/>
+        </p:nvSpPr>
+        <p:spPr>
+          <a:xfrm>
+            <a:off x="4816440" y="3240000"/>
+            <a:ext cx="1663560" cy="346320"/>
+          </a:xfrm>
+          <a:prstGeom prst="rect">
+            <a:avLst/>
+          </a:prstGeom>
+          <a:noFill/>
+          <a:ln w="0">
+            <a:noFill/>
+          </a:ln>
+        </p:spPr>
+        <p:txBody>
+          <a:bodyPr lIns="90000" rIns="90000" tIns="45000" bIns="45000" anchor="t">
+            <a:noAutofit/>
+          </a:bodyPr>
+          <a:p>
+            <a:r>
+              <a:rPr b="0" lang="en-CA" sz="1800" spc="-1" strike="noStrike">
+                <a:latin typeface="Arial"/>
+              </a:rPr>
+              <a:t>Misregistration</a:t>
+            </a:r>
+            <a:endParaRPr b="0" lang="en-CA" sz="1800" spc="-1" strike="noStrike">
+              <a:latin typeface="Arial"/>
+            </a:endParaRPr>
+          </a:p>
+        </p:txBody>
+      </p:sp>
+      <p:pic>
+        <p:nvPicPr>
+          <p:cNvPr id="192" name="" descr=""/>
+          <p:cNvPicPr/>
+          <p:nvPr/>
+        </p:nvPicPr>
+        <p:blipFill>
+          <a:blip r:embed="rId5"/>
+          <a:stretch/>
+        </p:blipFill>
+        <p:spPr>
+          <a:xfrm>
+            <a:off x="7380000" y="3600000"/>
+            <a:ext cx="4366080" cy="1980000"/>
+          </a:xfrm>
+          <a:prstGeom prst="rect">
+            <a:avLst/>
+          </a:prstGeom>
+          <a:ln w="0">
+            <a:noFill/>
+          </a:ln>
+        </p:spPr>
+      </p:pic>
+      <p:sp>
+        <p:nvSpPr>
+          <p:cNvPr id="193" name=""/>
+          <p:cNvSpPr txBox="1"/>
+          <p:nvPr/>
+        </p:nvSpPr>
+        <p:spPr>
+          <a:xfrm>
+            <a:off x="8596440" y="3240000"/>
+            <a:ext cx="1663560" cy="346320"/>
+          </a:xfrm>
+          <a:prstGeom prst="rect">
+            <a:avLst/>
+          </a:prstGeom>
+          <a:noFill/>
+          <a:ln w="0">
+            <a:noFill/>
+          </a:ln>
+        </p:spPr>
+        <p:txBody>
+          <a:bodyPr lIns="90000" rIns="90000" tIns="45000" bIns="45000" anchor="t">
+            <a:noAutofit/>
+          </a:bodyPr>
+          <a:p>
+            <a:r>
+              <a:rPr b="0" lang="en-CA" sz="1800" spc="-1" strike="noStrike">
+                <a:latin typeface="Arial"/>
+              </a:rPr>
+              <a:t>Solder Escape</a:t>
+            </a:r>
+            <a:endParaRPr b="0" lang="en-CA" sz="1800" spc="-1" strike="noStrike">
+              <a:latin typeface="Arial"/>
+            </a:endParaRPr>
+          </a:p>
+        </p:txBody>
+      </p:sp>
+      <p:sp>
+        <p:nvSpPr>
+          <p:cNvPr id="194" name=""/>
+          <p:cNvSpPr txBox="1"/>
+          <p:nvPr/>
+        </p:nvSpPr>
+        <p:spPr>
+          <a:xfrm>
+            <a:off x="7380000" y="5580000"/>
+            <a:ext cx="4320000" cy="474840"/>
+          </a:xfrm>
+          <a:prstGeom prst="rect">
+            <a:avLst/>
+          </a:prstGeom>
+          <a:noFill/>
+          <a:ln w="0">
+            <a:noFill/>
+          </a:ln>
+        </p:spPr>
+        <p:txBody>
+          <a:bodyPr lIns="90000" rIns="90000" tIns="45000" bIns="45000" anchor="t">
+            <a:noAutofit/>
+          </a:bodyPr>
+          <a:p>
+            <a:r>
+              <a:rPr b="0" lang="en-CA" sz="900" spc="-1" strike="noStrike">
+                <a:latin typeface="Arial"/>
+              </a:rPr>
+              <a:t>https://www.eurocircuits.com/pcb-assembly-guidelines/solder-escape-wick/</a:t>
+            </a:r>
+            <a:endParaRPr b="0" lang="en-CA" sz="900" spc="-1" strike="noStrike">
+              <a:latin typeface="Arial"/>
+            </a:endParaRPr>
+          </a:p>
+        </p:txBody>
+      </p:sp>
+      <p:sp>
+        <p:nvSpPr>
+          <p:cNvPr id="4" name="PlaceHolder 3"/>
+          <p:cNvSpPr>
+            <a:spLocks noGrp="1"/>
+          </p:cNvSpPr>
+          <p:nvPr>
+            <p:ph type="ftr" idx="4"/>
+          </p:nvPr>
+        </p:nvSpPr>
+        <p:spPr/>
+        <p:txBody>
+          <a:bodyPr/>
+          <a:p>
+            <a:r>
+              <a:t>C3I - Pascal-Emmanuel Lachance</a:t>
+            </a:r>
+          </a:p>
+        </p:txBody>
+      </p:sp>
+      <p:sp>
+        <p:nvSpPr>
+          <p:cNvPr id="5" name="PlaceHolder 4"/>
+          <p:cNvSpPr>
+            <a:spLocks noGrp="1"/>
+          </p:cNvSpPr>
+          <p:nvPr>
+            <p:ph type="sldNum" idx="5"/>
+          </p:nvPr>
+        </p:nvSpPr>
+        <p:spPr/>
+        <p:txBody>
+          <a:bodyPr/>
+          <a:p>
+            <a:fld id="{420106EF-B82D-49A6-AF82-1143A68C3724}" type="slidenum">
+              <a:t>7</a:t>
+            </a:fld>
+          </a:p>
+        </p:txBody>
+      </p:sp>
+      <p:sp>
+        <p:nvSpPr>
+          <p:cNvPr id="6" name="PlaceHolder 5"/>
+          <p:cNvSpPr>
+            <a:spLocks noGrp="1"/>
+          </p:cNvSpPr>
+          <p:nvPr>
+            <p:ph type="dt" idx="6"/>
+          </p:nvPr>
+        </p:nvSpPr>
+        <p:spPr/>
+        <p:txBody>
+          <a:bodyPr/>
+          <a:p>
+            <a:fld id="{A03AEE4F-E4B9-471D-A57F-A60FC134C0AB}" type="datetime1">
+              <a:rPr lang="en-CA"/>
+              <a:t>2025-02-21</a:t>
+            </a:fld>
+          </a:p>
+        </p:txBody>
+      </p:sp>
+    </p:spTree>
+  </p:cSld>
+  <mc:AlternateContent>
+    <mc:Choice Requires="p14">
+      <p:transition spd="slow" p14:dur="2000"/>
+    </mc:Choice>
+    <mc:Fallback>
+      <p:transition spd="slow"/>
+    </mc:Fallback>
+  </mc:AlternateContent>
+</p:sld>
+</file>
+
+<file path=ppt/slides/slide8.xml><?xml version="1.0" encoding="utf-8"?>
+<p:sld xmlns:a="http://schemas.openxmlformats.org/drawingml/2006/main" xmlns:p="http://schemas.openxmlformats.org/presentationml/2006/main" xmlns:r="http://schemas.openxmlformats.org/officeDocument/2006/relationships" xmlns:p14="http://schemas.microsoft.com/office/powerpoint/2010/main" xmlns:p15="http://schemas.microsoft.com/office/powerpoint/2012/main" xmlns:mc="http://schemas.openxmlformats.org/markup-compatibility/2006">
+  <p:cSld>
+    <p:spTree>
+      <p:nvGrpSpPr>
+        <p:cNvPr id="1" name=""/>
+        <p:cNvGrpSpPr/>
+        <p:nvPr/>
+      </p:nvGrpSpPr>
+      <p:grpSpPr>
+        <a:xfrm>
+          <a:off x="0" y="0"/>
+          <a:ext cx="0" cy="0"/>
+          <a:chOff x="0" y="0"/>
+          <a:chExt cx="0" cy="0"/>
+        </a:xfrm>
+      </p:grpSpPr>
+      <p:sp>
+        <p:nvSpPr>
+          <p:cNvPr id="195" name="PlaceHolder 1"/>
+          <p:cNvSpPr>
+            <a:spLocks noGrp="1"/>
+          </p:cNvSpPr>
+          <p:nvPr>
+            <p:ph type="title"/>
+          </p:nvPr>
+        </p:nvSpPr>
+        <p:spPr>
+          <a:xfrm>
+            <a:off x="838080" y="180000"/>
+            <a:ext cx="10514880" cy="1324800"/>
+          </a:xfrm>
+          <a:prstGeom prst="rect">
+            <a:avLst/>
+          </a:prstGeom>
+          <a:noFill/>
+          <a:ln w="0">
+            <a:noFill/>
+          </a:ln>
+        </p:spPr>
+        <p:txBody>
+          <a:bodyPr lIns="90000" rIns="90000" tIns="45000" bIns="45000" anchor="ctr">
+            <a:noAutofit/>
+          </a:bodyPr>
+          <a:p>
+            <a:pPr>
+              <a:lnSpc>
+                <a:spcPct val="90000"/>
+              </a:lnSpc>
+              <a:buNone/>
+            </a:pPr>
+            <a:r>
+              <a:rPr b="0" lang="en-US" sz="4400" spc="-1" strike="noStrike">
+                <a:solidFill>
+                  <a:srgbClr val="000000"/>
+                </a:solidFill>
+                <a:latin typeface="Amasis MT Pro Black"/>
+              </a:rPr>
+              <a:t>Solder Escape</a:t>
+            </a:r>
+            <a:endParaRPr b="0" lang="en-CA" sz="4400" spc="-1" strike="noStrike">
+              <a:latin typeface="Arial"/>
+            </a:endParaRPr>
+          </a:p>
+        </p:txBody>
+      </p:sp>
+      <p:sp>
+        <p:nvSpPr>
+          <p:cNvPr id="196" name="PlaceHolder 2"/>
+          <p:cNvSpPr>
+            <a:spLocks noGrp="1"/>
+          </p:cNvSpPr>
+          <p:nvPr>
+            <p:ph/>
+          </p:nvPr>
+        </p:nvSpPr>
+        <p:spPr>
+          <a:xfrm>
+            <a:off x="838080" y="1439640"/>
+            <a:ext cx="10514880" cy="4916160"/>
+          </a:xfrm>
+          <a:prstGeom prst="rect">
+            <a:avLst/>
+          </a:prstGeom>
+          <a:noFill/>
+          <a:ln w="0">
+            <a:noFill/>
+          </a:ln>
+        </p:spPr>
+        <p:txBody>
+          <a:bodyPr lIns="90000" rIns="90000" tIns="45000" bIns="45000" anchor="t">
+            <a:normAutofit/>
+          </a:bodyPr>
+          <a:p>
+            <a:pPr marL="228600" indent="-228600">
+              <a:lnSpc>
+                <a:spcPct val="90000"/>
+              </a:lnSpc>
+              <a:spcBef>
+                <a:spcPts val="1001"/>
+              </a:spcBef>
+              <a:buClr>
+                <a:srgbClr val="000000"/>
+              </a:buClr>
+              <a:buFont typeface="Arial"/>
+              <a:buChar char="•"/>
+            </a:pPr>
+            <a:r>
+              <a:rPr b="0" lang="en-US" sz="2800" spc="-1" strike="noStrike">
+                <a:solidFill>
+                  <a:srgbClr val="000000"/>
+                </a:solidFill>
+                <a:latin typeface="Amasis MT Pro Medium"/>
+              </a:rPr>
+              <a:t>L’étain du pad coule dans le via</a:t>
+            </a:r>
+            <a:endParaRPr b="0" lang="en-CA" sz="2800" spc="-1" strike="noStrike">
+              <a:latin typeface="Arial"/>
+            </a:endParaRPr>
+          </a:p>
+          <a:p>
+            <a:pPr marL="228600" indent="-228600">
+              <a:lnSpc>
+                <a:spcPct val="90000"/>
+              </a:lnSpc>
+              <a:spcBef>
+                <a:spcPts val="1001"/>
+              </a:spcBef>
+              <a:buClr>
+                <a:srgbClr val="000000"/>
+              </a:buClr>
+              <a:buFont typeface="Arial"/>
+              <a:buChar char="•"/>
+            </a:pPr>
+            <a:r>
+              <a:rPr b="0" lang="en-US" sz="2800" spc="-1" strike="noStrike">
+                <a:solidFill>
+                  <a:srgbClr val="000000"/>
+                </a:solidFill>
+                <a:latin typeface="Amasis MT Pro Medium"/>
+              </a:rPr>
+              <a:t>Peut mener à du Tombstoning ou du Skewing</a:t>
+            </a:r>
+            <a:endParaRPr b="0" lang="en-CA" sz="2800" spc="-1" strike="noStrike">
+              <a:latin typeface="Arial"/>
+            </a:endParaRPr>
+          </a:p>
+        </p:txBody>
+      </p:sp>
+      <p:pic>
+        <p:nvPicPr>
+          <p:cNvPr id="197" name="" descr="">
+            <a:hlinkClick r:id="rId1"/>
+          </p:cNvPr>
+          <p:cNvPicPr/>
+          <p:nvPr/>
+        </p:nvPicPr>
+        <p:blipFill>
+          <a:blip r:embed="rId2"/>
+          <a:stretch/>
+        </p:blipFill>
+        <p:spPr>
+          <a:xfrm>
+            <a:off x="11880360" y="6546240"/>
+            <a:ext cx="312120" cy="312120"/>
+          </a:xfrm>
+          <a:prstGeom prst="rect">
+            <a:avLst/>
+          </a:prstGeom>
+          <a:ln w="0">
+            <a:noFill/>
+          </a:ln>
+        </p:spPr>
+      </p:pic>
+      <p:sp>
+        <p:nvSpPr>
+          <p:cNvPr id="198" name=""/>
+          <p:cNvSpPr/>
+          <p:nvPr/>
+        </p:nvSpPr>
+        <p:spPr>
+          <a:xfrm>
+            <a:off x="828000" y="1188000"/>
+            <a:ext cx="10080000" cy="0"/>
+          </a:xfrm>
+          <a:prstGeom prst="line">
+            <a:avLst/>
+          </a:prstGeom>
+          <a:ln w="36000">
+            <a:solidFill>
+              <a:srgbClr val="158466"/>
+            </a:solidFill>
+            <a:round/>
+          </a:ln>
+        </p:spPr>
+        <p:style>
+          <a:lnRef idx="0"/>
+          <a:fillRef idx="0"/>
+          <a:effectRef idx="0"/>
+          <a:fontRef idx="minor"/>
+        </p:style>
+      </p:sp>
+      <p:sp>
+        <p:nvSpPr>
+          <p:cNvPr id="199" name=""/>
+          <p:cNvSpPr txBox="1"/>
+          <p:nvPr/>
+        </p:nvSpPr>
+        <p:spPr>
+          <a:xfrm>
+            <a:off x="1260000" y="5465160"/>
+            <a:ext cx="5580000" cy="474840"/>
+          </a:xfrm>
+          <a:prstGeom prst="rect">
+            <a:avLst/>
+          </a:prstGeom>
+          <a:noFill/>
+          <a:ln w="0">
+            <a:noFill/>
+          </a:ln>
+        </p:spPr>
+        <p:txBody>
+          <a:bodyPr lIns="90000" rIns="90000" tIns="45000" bIns="45000" anchor="t">
+            <a:noAutofit/>
+          </a:bodyPr>
+          <a:p>
+            <a:r>
+              <a:rPr b="0" lang="en-CA" sz="900" spc="-1" strike="noStrike">
+                <a:latin typeface="Arial"/>
+              </a:rPr>
+              <a:t>https://www.elektormagazine.com/news/tips-tricks-avoiding-solder-escape-wick-during-reflow</a:t>
+            </a:r>
+            <a:endParaRPr b="0" lang="en-CA" sz="900" spc="-1" strike="noStrike">
+              <a:latin typeface="Arial"/>
+            </a:endParaRPr>
+          </a:p>
+        </p:txBody>
+      </p:sp>
+      <p:pic>
+        <p:nvPicPr>
+          <p:cNvPr id="200" name="" descr=""/>
+          <p:cNvPicPr/>
+          <p:nvPr/>
+        </p:nvPicPr>
+        <p:blipFill>
+          <a:blip r:embed="rId3"/>
+          <a:stretch/>
+        </p:blipFill>
+        <p:spPr>
+          <a:xfrm>
+            <a:off x="780480" y="2470320"/>
+            <a:ext cx="8939520" cy="3358080"/>
+          </a:xfrm>
+          <a:prstGeom prst="rect">
+            <a:avLst/>
+          </a:prstGeom>
+          <a:ln w="0">
+            <a:noFill/>
+          </a:ln>
+        </p:spPr>
+      </p:pic>
+      <p:sp>
+        <p:nvSpPr>
+          <p:cNvPr id="4" name="PlaceHolder 3"/>
+          <p:cNvSpPr>
+            <a:spLocks noGrp="1"/>
+          </p:cNvSpPr>
+          <p:nvPr>
+            <p:ph type="ftr" idx="4"/>
+          </p:nvPr>
+        </p:nvSpPr>
+        <p:spPr/>
+        <p:txBody>
+          <a:bodyPr/>
+          <a:p>
+            <a:r>
+              <a:t>C3I - Pascal-Emmanuel Lachance</a:t>
+            </a:r>
+          </a:p>
+        </p:txBody>
+      </p:sp>
+      <p:sp>
+        <p:nvSpPr>
+          <p:cNvPr id="5" name="PlaceHolder 4"/>
+          <p:cNvSpPr>
+            <a:spLocks noGrp="1"/>
+          </p:cNvSpPr>
+          <p:nvPr>
+            <p:ph type="sldNum" idx="5"/>
+          </p:nvPr>
+        </p:nvSpPr>
+        <p:spPr/>
+        <p:txBody>
+          <a:bodyPr/>
+          <a:p>
+            <a:fld id="{37A5E055-3DA3-4EEA-B004-BCCED6C4101F}" type="slidenum">
+              <a:t>8</a:t>
+            </a:fld>
+          </a:p>
+        </p:txBody>
+      </p:sp>
+      <p:sp>
+        <p:nvSpPr>
+          <p:cNvPr id="6" name="PlaceHolder 5"/>
+          <p:cNvSpPr>
+            <a:spLocks noGrp="1"/>
+          </p:cNvSpPr>
+          <p:nvPr>
+            <p:ph type="dt" idx="6"/>
+          </p:nvPr>
+        </p:nvSpPr>
+        <p:spPr/>
+        <p:txBody>
+          <a:bodyPr/>
+          <a:p>
+            <a:fld id="{D3E7A411-22EA-40C6-9BED-FAB9099898B2}" type="datetime1">
+              <a:rPr lang="en-CA"/>
+              <a:t>2025-02-21</a:t>
+            </a:fld>
+          </a:p>
+        </p:txBody>
+      </p:sp>
+    </p:spTree>
+  </p:cSld>
+  <mc:AlternateContent>
+    <mc:Choice Requires="p14">
+      <p:transition spd="slow" p14:dur="2000"/>
+    </mc:Choice>
+    <mc:Fallback>
+      <p:transition spd="slow"/>
+    </mc:Fallback>
+  </mc:AlternateContent>
+</p:sld>
+</file>
+
+<file path=ppt/slides/slide9.xml><?xml version="1.0" encoding="utf-8"?>
+<p:sld xmlns:a="http://schemas.openxmlformats.org/drawingml/2006/main" xmlns:p="http://schemas.openxmlformats.org/presentationml/2006/main" xmlns:r="http://schemas.openxmlformats.org/officeDocument/2006/relationships" xmlns:p14="http://schemas.microsoft.com/office/powerpoint/2010/main" xmlns:p15="http://schemas.microsoft.com/office/powerpoint/2012/main" xmlns:mc="http://schemas.openxmlformats.org/markup-compatibility/2006">
+  <p:cSld>
+    <p:spTree>
+      <p:nvGrpSpPr>
+        <p:cNvPr id="1" name=""/>
+        <p:cNvGrpSpPr/>
+        <p:nvPr/>
+      </p:nvGrpSpPr>
+      <p:grpSpPr>
+        <a:xfrm>
+          <a:off x="0" y="0"/>
+          <a:ext cx="0" cy="0"/>
+          <a:chOff x="0" y="0"/>
+          <a:chExt cx="0" cy="0"/>
+        </a:xfrm>
+      </p:grpSpPr>
+      <p:sp>
+        <p:nvSpPr>
+          <p:cNvPr id="201" name="PlaceHolder 1"/>
+          <p:cNvSpPr>
+            <a:spLocks noGrp="1"/>
+          </p:cNvSpPr>
+          <p:nvPr>
+            <p:ph type="title"/>
+          </p:nvPr>
+        </p:nvSpPr>
+        <p:spPr>
+          <a:xfrm>
+            <a:off x="838080" y="180000"/>
+            <a:ext cx="10514880" cy="1324800"/>
+          </a:xfrm>
+          <a:prstGeom prst="rect">
+            <a:avLst/>
+          </a:prstGeom>
+          <a:noFill/>
+          <a:ln w="0">
+            <a:noFill/>
+          </a:ln>
+        </p:spPr>
+        <p:txBody>
+          <a:bodyPr lIns="90000" rIns="90000" tIns="45000" bIns="45000" anchor="ctr">
+            <a:noAutofit/>
+          </a:bodyPr>
+          <a:p>
+            <a:pPr>
+              <a:lnSpc>
+                <a:spcPct val="90000"/>
+              </a:lnSpc>
+              <a:buNone/>
+            </a:pPr>
+            <a:r>
+              <a:rPr b="0" lang="en-US" sz="4400" spc="-1" strike="noStrike">
+                <a:solidFill>
+                  <a:srgbClr val="000000"/>
+                </a:solidFill>
+                <a:latin typeface="Amasis MT Pro Black"/>
+              </a:rPr>
+              <a:t>Section 1</a:t>
+            </a:r>
+            <a:endParaRPr b="0" lang="en-CA" sz="4400" spc="-1" strike="noStrike">
+              <a:latin typeface="Arial"/>
+            </a:endParaRPr>
+          </a:p>
+        </p:txBody>
+      </p:sp>
+      <p:sp>
+        <p:nvSpPr>
+          <p:cNvPr id="202" name="PlaceHolder 2"/>
+          <p:cNvSpPr>
+            <a:spLocks noGrp="1"/>
+          </p:cNvSpPr>
+          <p:nvPr>
+            <p:ph/>
+          </p:nvPr>
+        </p:nvSpPr>
+        <p:spPr>
+          <a:xfrm>
+            <a:off x="838080" y="1439640"/>
+            <a:ext cx="10514880" cy="4916160"/>
+          </a:xfrm>
+          <a:prstGeom prst="rect">
+            <a:avLst/>
+          </a:prstGeom>
+          <a:noFill/>
+          <a:ln w="0">
+            <a:noFill/>
+          </a:ln>
+        </p:spPr>
+        <p:txBody>
+          <a:bodyPr lIns="90000" rIns="90000" tIns="45000" bIns="45000" anchor="t">
+            <a:normAutofit/>
+          </a:bodyPr>
+          <a:p>
+            <a:pPr marL="228600" indent="-228600">
+              <a:lnSpc>
+                <a:spcPct val="90000"/>
+              </a:lnSpc>
+              <a:spcBef>
+                <a:spcPts val="1001"/>
+              </a:spcBef>
+              <a:buClr>
+                <a:srgbClr val="000000"/>
+              </a:buClr>
+              <a:buFont typeface="Arial"/>
+              <a:buChar char="•"/>
+            </a:pPr>
+            <a:r>
+              <a:rPr b="0" lang="en-US" sz="2800" spc="-1" strike="noStrike">
+                <a:solidFill>
+                  <a:srgbClr val="000000"/>
+                </a:solidFill>
+                <a:latin typeface="Amasis MT Pro Medium"/>
+              </a:rPr>
+              <a:t>Texte</a:t>
+            </a:r>
+            <a:endParaRPr b="0" lang="en-CA" sz="2800" spc="-1" strike="noStrike">
+              <a:latin typeface="Arial"/>
+            </a:endParaRPr>
+          </a:p>
+          <a:p>
+            <a:pPr marL="228600" indent="-228600">
+              <a:lnSpc>
+                <a:spcPct val="90000"/>
+              </a:lnSpc>
+              <a:spcBef>
+                <a:spcPts val="1001"/>
+              </a:spcBef>
+              <a:buClr>
+                <a:srgbClr val="000000"/>
+              </a:buClr>
+              <a:buFont typeface="Arial"/>
+              <a:buChar char="•"/>
+            </a:pPr>
+            <a:r>
+              <a:rPr b="0" lang="en-US" sz="2800" spc="-1" strike="noStrike">
+                <a:solidFill>
+                  <a:srgbClr val="000000"/>
+                </a:solidFill>
+                <a:latin typeface="Amasis MT Pro Medium"/>
+              </a:rPr>
+              <a:t>Texte</a:t>
+            </a:r>
+            <a:endParaRPr b="0" lang="en-CA" sz="2800" spc="-1" strike="noStrike">
+              <a:latin typeface="Arial"/>
+            </a:endParaRPr>
+          </a:p>
+          <a:p>
+            <a:pPr>
+              <a:lnSpc>
+                <a:spcPct val="90000"/>
+              </a:lnSpc>
+              <a:spcBef>
+                <a:spcPts val="1001"/>
+              </a:spcBef>
+              <a:buNone/>
+            </a:pPr>
+            <a:endParaRPr b="0" lang="en-CA" sz="2800" spc="-1" strike="noStrike">
+              <a:latin typeface="Arial"/>
+            </a:endParaRPr>
+          </a:p>
+        </p:txBody>
+      </p:sp>
+      <p:pic>
+        <p:nvPicPr>
+          <p:cNvPr id="203" name="" descr="">
+            <a:hlinkClick r:id="rId1"/>
+          </p:cNvPr>
+          <p:cNvPicPr/>
+          <p:nvPr/>
+        </p:nvPicPr>
+        <p:blipFill>
+          <a:blip r:embed="rId2"/>
+          <a:stretch/>
+        </p:blipFill>
+        <p:spPr>
+          <a:xfrm>
+            <a:off x="11880360" y="6546240"/>
+            <a:ext cx="312120" cy="312120"/>
+          </a:xfrm>
+          <a:prstGeom prst="rect">
+            <a:avLst/>
+          </a:prstGeom>
+          <a:ln w="0">
+            <a:noFill/>
+          </a:ln>
+        </p:spPr>
+      </p:pic>
+      <p:sp>
+        <p:nvSpPr>
+          <p:cNvPr id="204" name=""/>
+          <p:cNvSpPr/>
+          <p:nvPr/>
+        </p:nvSpPr>
+        <p:spPr>
+          <a:xfrm>
+            <a:off x="828000" y="1188000"/>
+            <a:ext cx="10080000" cy="0"/>
+          </a:xfrm>
+          <a:prstGeom prst="line">
+            <a:avLst/>
+          </a:prstGeom>
+          <a:ln w="36000">
+            <a:solidFill>
+              <a:srgbClr val="158466"/>
+            </a:solidFill>
+            <a:round/>
+          </a:ln>
+        </p:spPr>
+        <p:style>
+          <a:lnRef idx="0"/>
+          <a:fillRef idx="0"/>
+          <a:effectRef idx="0"/>
+          <a:fontRef idx="minor"/>
+        </p:style>
+      </p:sp>
+      <p:sp>
+        <p:nvSpPr>
+          <p:cNvPr id="4" name="PlaceHolder 3"/>
+          <p:cNvSpPr>
+            <a:spLocks noGrp="1"/>
+          </p:cNvSpPr>
+          <p:nvPr>
+            <p:ph type="ftr" idx="4"/>
+          </p:nvPr>
+        </p:nvSpPr>
+        <p:spPr/>
+        <p:txBody>
+          <a:bodyPr/>
+          <a:p>
+            <a:r>
+              <a:t>C3I - Pascal-Emmanuel Lachance</a:t>
+            </a:r>
+          </a:p>
+        </p:txBody>
+      </p:sp>
+      <p:sp>
+        <p:nvSpPr>
+          <p:cNvPr id="5" name="PlaceHolder 4"/>
+          <p:cNvSpPr>
+            <a:spLocks noGrp="1"/>
+          </p:cNvSpPr>
+          <p:nvPr>
+            <p:ph type="sldNum" idx="5"/>
+          </p:nvPr>
+        </p:nvSpPr>
+        <p:spPr/>
+        <p:txBody>
+          <a:bodyPr/>
+          <a:p>
+            <a:fld id="{40C4692C-534A-4BF6-B1FA-545F7312624C}" type="slidenum">
+              <a:t>9</a:t>
+            </a:fld>
+          </a:p>
+        </p:txBody>
+      </p:sp>
+      <p:sp>
+        <p:nvSpPr>
+          <p:cNvPr id="6" name="PlaceHolder 5"/>
+          <p:cNvSpPr>
+            <a:spLocks noGrp="1"/>
+          </p:cNvSpPr>
+          <p:nvPr>
+            <p:ph type="dt" idx="6"/>
+          </p:nvPr>
+        </p:nvSpPr>
+        <p:spPr/>
+        <p:txBody>
+          <a:bodyPr/>
+          <a:p>
+            <a:fld id="{B57AA6AD-963B-4305-B142-FB7FF1801B7F}" type="datetime1">
               <a:rPr lang="en-CA"/>
               <a:t>2025-02-21</a:t>
             </a:fld>

--- a/01 - Comment est fabriqué un PCB/PPPPP 01 - Comment est fabriqué un PCB.pptx
+++ b/01 - Comment est fabriqué un PCB/PPPPP 01 - Comment est fabriqué un PCB.pptx
@@ -22,6 +22,9 @@
     <p:sldId id="266" r:id="rId16"/>
     <p:sldId id="267" r:id="rId17"/>
     <p:sldId id="268" r:id="rId18"/>
+    <p:sldId id="269" r:id="rId19"/>
+    <p:sldId id="270" r:id="rId20"/>
+    <p:sldId id="271" r:id="rId21"/>
   </p:sldIdLst>
   <p:sldSz cy="6858000" cx="12192000"/>
   <p:notesSz cx="7772400" cy="10058400"/>
@@ -1084,7 +1087,7 @@
   <p:cSld>
     <p:spTree>
       <p:nvGrpSpPr>
-        <p:cNvPr id="313" name="Shape 313"/>
+        <p:cNvPr id="317" name="Shape 317"/>
         <p:cNvGrpSpPr/>
         <p:nvPr/>
       </p:nvGrpSpPr>
@@ -1098,7 +1101,7 @@
       </p:grpSpPr>
       <p:sp>
         <p:nvSpPr>
-          <p:cNvPr id="314" name="Google Shape;314;g338fc2e9605_0_21:notes"/>
+          <p:cNvPr id="318" name="Google Shape;318;g338fc2e9605_0_21:notes"/>
           <p:cNvSpPr txBox="1"/>
           <p:nvPr>
             <p:ph idx="1" type="body"/>
@@ -1137,7 +1140,304 @@
       </p:sp>
       <p:sp>
         <p:nvSpPr>
-          <p:cNvPr id="315" name="Google Shape;315;g338fc2e9605_0_21:notes"/>
+          <p:cNvPr id="319" name="Google Shape;319;g338fc2e9605_0_21:notes"/>
+          <p:cNvSpPr/>
+          <p:nvPr>
+            <p:ph idx="2" type="sldImg"/>
+          </p:nvPr>
+        </p:nvSpPr>
+        <p:spPr>
+          <a:xfrm>
+            <a:off x="1295650" y="754375"/>
+            <a:ext cx="5181900" cy="3771900"/>
+          </a:xfrm>
+          <a:custGeom>
+            <a:rect b="b" l="l" r="r" t="t"/>
+            <a:pathLst>
+              <a:path extrusionOk="0" h="120000" w="120000">
+                <a:moveTo>
+                  <a:pt x="0" y="0"/>
+                </a:moveTo>
+                <a:lnTo>
+                  <a:pt x="120000" y="0"/>
+                </a:lnTo>
+                <a:lnTo>
+                  <a:pt x="120000" y="120000"/>
+                </a:lnTo>
+                <a:lnTo>
+                  <a:pt x="0" y="120000"/>
+                </a:lnTo>
+                <a:close/>
+              </a:path>
+            </a:pathLst>
+          </a:custGeom>
+        </p:spPr>
+      </p:sp>
+    </p:spTree>
+  </p:cSld>
+  <p:clrMapOvr>
+    <a:masterClrMapping/>
+  </p:clrMapOvr>
+</p:notes>
+</file>
+
+<file path=ppt/notesSlides/notesSlide14.xml><?xml version="1.0" encoding="utf-8"?>
+<p:notes xmlns:a="http://schemas.openxmlformats.org/drawingml/2006/main" xmlns:r="http://schemas.openxmlformats.org/officeDocument/2006/relationships" xmlns:mc="http://schemas.openxmlformats.org/markup-compatibility/2006" xmlns:mv="urn:schemas-microsoft-com:mac:vml" xmlns:p="http://schemas.openxmlformats.org/presentationml/2006/main" xmlns:c="http://schemas.openxmlformats.org/drawingml/2006/chart" xmlns:dgm="http://schemas.openxmlformats.org/drawingml/2006/diagram" xmlns:o="urn:schemas-microsoft-com:office:office" xmlns:v="urn:schemas-microsoft-com:vml" xmlns:pvml="urn:schemas-microsoft-com:office:powerpoint" xmlns:com="http://schemas.openxmlformats.org/drawingml/2006/compatibility" xmlns:p14="http://schemas.microsoft.com/office/powerpoint/2010/main" xmlns:p15="http://schemas.microsoft.com/office/powerpoint/2012/main" xmlns:ahyp="http://schemas.microsoft.com/office/drawing/2018/hyperlinkcolor" showMasterPhAnim="0" showMasterSp="0">
+  <p:cSld>
+    <p:spTree>
+      <p:nvGrpSpPr>
+        <p:cNvPr id="334" name="Shape 334"/>
+        <p:cNvGrpSpPr/>
+        <p:nvPr/>
+      </p:nvGrpSpPr>
+      <p:grpSpPr>
+        <a:xfrm>
+          <a:off x="0" y="0"/>
+          <a:ext cx="0" cy="0"/>
+          <a:chOff x="0" y="0"/>
+          <a:chExt cx="0" cy="0"/>
+        </a:xfrm>
+      </p:grpSpPr>
+      <p:sp>
+        <p:nvSpPr>
+          <p:cNvPr id="335" name="Google Shape;335;g3391b26a6ea_0_6:notes"/>
+          <p:cNvSpPr txBox="1"/>
+          <p:nvPr>
+            <p:ph idx="1" type="body"/>
+          </p:nvPr>
+        </p:nvSpPr>
+        <p:spPr>
+          <a:xfrm>
+            <a:off x="777225" y="4777725"/>
+            <a:ext cx="6217800" cy="4526400"/>
+          </a:xfrm>
+          <a:prstGeom prst="rect">
+            <a:avLst/>
+          </a:prstGeom>
+        </p:spPr>
+        <p:txBody>
+          <a:bodyPr anchorCtr="0" anchor="t" bIns="91425" lIns="91425" spcFirstLastPara="1" rIns="91425" wrap="square" tIns="91425">
+            <a:noAutofit/>
+          </a:bodyPr>
+          <a:lstStyle/>
+          <a:p>
+            <a:pPr indent="0" lvl="0" marL="0" rtl="0" algn="l">
+              <a:spcBef>
+                <a:spcPts val="0"/>
+              </a:spcBef>
+              <a:spcAft>
+                <a:spcPts val="0"/>
+              </a:spcAft>
+              <a:buNone/>
+            </a:pPr>
+            <a:r>
+              <a:t/>
+            </a:r>
+            <a:endParaRPr/>
+          </a:p>
+        </p:txBody>
+      </p:sp>
+      <p:sp>
+        <p:nvSpPr>
+          <p:cNvPr id="336" name="Google Shape;336;g3391b26a6ea_0_6:notes"/>
+          <p:cNvSpPr/>
+          <p:nvPr>
+            <p:ph idx="2" type="sldImg"/>
+          </p:nvPr>
+        </p:nvSpPr>
+        <p:spPr>
+          <a:xfrm>
+            <a:off x="1295650" y="754375"/>
+            <a:ext cx="5181900" cy="3771900"/>
+          </a:xfrm>
+          <a:custGeom>
+            <a:rect b="b" l="l" r="r" t="t"/>
+            <a:pathLst>
+              <a:path extrusionOk="0" h="120000" w="120000">
+                <a:moveTo>
+                  <a:pt x="0" y="0"/>
+                </a:moveTo>
+                <a:lnTo>
+                  <a:pt x="120000" y="0"/>
+                </a:lnTo>
+                <a:lnTo>
+                  <a:pt x="120000" y="120000"/>
+                </a:lnTo>
+                <a:lnTo>
+                  <a:pt x="0" y="120000"/>
+                </a:lnTo>
+                <a:close/>
+              </a:path>
+            </a:pathLst>
+          </a:custGeom>
+        </p:spPr>
+      </p:sp>
+    </p:spTree>
+  </p:cSld>
+  <p:clrMapOvr>
+    <a:masterClrMapping/>
+  </p:clrMapOvr>
+</p:notes>
+</file>
+
+<file path=ppt/notesSlides/notesSlide15.xml><?xml version="1.0" encoding="utf-8"?>
+<p:notes xmlns:a="http://schemas.openxmlformats.org/drawingml/2006/main" xmlns:r="http://schemas.openxmlformats.org/officeDocument/2006/relationships" xmlns:mc="http://schemas.openxmlformats.org/markup-compatibility/2006" xmlns:mv="urn:schemas-microsoft-com:mac:vml" xmlns:p="http://schemas.openxmlformats.org/presentationml/2006/main" xmlns:c="http://schemas.openxmlformats.org/drawingml/2006/chart" xmlns:dgm="http://schemas.openxmlformats.org/drawingml/2006/diagram" xmlns:o="urn:schemas-microsoft-com:office:office" xmlns:v="urn:schemas-microsoft-com:vml" xmlns:pvml="urn:schemas-microsoft-com:office:powerpoint" xmlns:com="http://schemas.openxmlformats.org/drawingml/2006/compatibility" xmlns:p14="http://schemas.microsoft.com/office/powerpoint/2010/main" xmlns:p15="http://schemas.microsoft.com/office/powerpoint/2012/main" xmlns:ahyp="http://schemas.microsoft.com/office/drawing/2018/hyperlinkcolor" showMasterPhAnim="0" showMasterSp="0">
+  <p:cSld>
+    <p:spTree>
+      <p:nvGrpSpPr>
+        <p:cNvPr id="347" name="Shape 347"/>
+        <p:cNvGrpSpPr/>
+        <p:nvPr/>
+      </p:nvGrpSpPr>
+      <p:grpSpPr>
+        <a:xfrm>
+          <a:off x="0" y="0"/>
+          <a:ext cx="0" cy="0"/>
+          <a:chOff x="0" y="0"/>
+          <a:chExt cx="0" cy="0"/>
+        </a:xfrm>
+      </p:grpSpPr>
+      <p:sp>
+        <p:nvSpPr>
+          <p:cNvPr id="348" name="Google Shape;348;g3391b26a6ea_0_28:notes"/>
+          <p:cNvSpPr txBox="1"/>
+          <p:nvPr>
+            <p:ph idx="1" type="body"/>
+          </p:nvPr>
+        </p:nvSpPr>
+        <p:spPr>
+          <a:xfrm>
+            <a:off x="777225" y="4777725"/>
+            <a:ext cx="6217800" cy="4526400"/>
+          </a:xfrm>
+          <a:prstGeom prst="rect">
+            <a:avLst/>
+          </a:prstGeom>
+        </p:spPr>
+        <p:txBody>
+          <a:bodyPr anchorCtr="0" anchor="t" bIns="91425" lIns="91425" spcFirstLastPara="1" rIns="91425" wrap="square" tIns="91425">
+            <a:noAutofit/>
+          </a:bodyPr>
+          <a:lstStyle/>
+          <a:p>
+            <a:pPr indent="0" lvl="0" marL="0" rtl="0" algn="l">
+              <a:spcBef>
+                <a:spcPts val="0"/>
+              </a:spcBef>
+              <a:spcAft>
+                <a:spcPts val="0"/>
+              </a:spcAft>
+              <a:buNone/>
+            </a:pPr>
+            <a:r>
+              <a:t/>
+            </a:r>
+            <a:endParaRPr/>
+          </a:p>
+        </p:txBody>
+      </p:sp>
+      <p:sp>
+        <p:nvSpPr>
+          <p:cNvPr id="349" name="Google Shape;349;g3391b26a6ea_0_28:notes"/>
+          <p:cNvSpPr/>
+          <p:nvPr>
+            <p:ph idx="2" type="sldImg"/>
+          </p:nvPr>
+        </p:nvSpPr>
+        <p:spPr>
+          <a:xfrm>
+            <a:off x="1295650" y="754375"/>
+            <a:ext cx="5181900" cy="3771900"/>
+          </a:xfrm>
+          <a:custGeom>
+            <a:rect b="b" l="l" r="r" t="t"/>
+            <a:pathLst>
+              <a:path extrusionOk="0" h="120000" w="120000">
+                <a:moveTo>
+                  <a:pt x="0" y="0"/>
+                </a:moveTo>
+                <a:lnTo>
+                  <a:pt x="120000" y="0"/>
+                </a:lnTo>
+                <a:lnTo>
+                  <a:pt x="120000" y="120000"/>
+                </a:lnTo>
+                <a:lnTo>
+                  <a:pt x="0" y="120000"/>
+                </a:lnTo>
+                <a:close/>
+              </a:path>
+            </a:pathLst>
+          </a:custGeom>
+        </p:spPr>
+      </p:sp>
+    </p:spTree>
+  </p:cSld>
+  <p:clrMapOvr>
+    <a:masterClrMapping/>
+  </p:clrMapOvr>
+</p:notes>
+</file>
+
+<file path=ppt/notesSlides/notesSlide16.xml><?xml version="1.0" encoding="utf-8"?>
+<p:notes xmlns:a="http://schemas.openxmlformats.org/drawingml/2006/main" xmlns:r="http://schemas.openxmlformats.org/officeDocument/2006/relationships" xmlns:mc="http://schemas.openxmlformats.org/markup-compatibility/2006" xmlns:mv="urn:schemas-microsoft-com:mac:vml" xmlns:p="http://schemas.openxmlformats.org/presentationml/2006/main" xmlns:c="http://schemas.openxmlformats.org/drawingml/2006/chart" xmlns:dgm="http://schemas.openxmlformats.org/drawingml/2006/diagram" xmlns:o="urn:schemas-microsoft-com:office:office" xmlns:v="urn:schemas-microsoft-com:vml" xmlns:pvml="urn:schemas-microsoft-com:office:powerpoint" xmlns:com="http://schemas.openxmlformats.org/drawingml/2006/compatibility" xmlns:p14="http://schemas.microsoft.com/office/powerpoint/2010/main" xmlns:p15="http://schemas.microsoft.com/office/powerpoint/2012/main" xmlns:ahyp="http://schemas.microsoft.com/office/drawing/2018/hyperlinkcolor" showMasterPhAnim="0" showMasterSp="0">
+  <p:cSld>
+    <p:spTree>
+      <p:nvGrpSpPr>
+        <p:cNvPr id="358" name="Shape 358"/>
+        <p:cNvGrpSpPr/>
+        <p:nvPr/>
+      </p:nvGrpSpPr>
+      <p:grpSpPr>
+        <a:xfrm>
+          <a:off x="0" y="0"/>
+          <a:ext cx="0" cy="0"/>
+          <a:chOff x="0" y="0"/>
+          <a:chExt cx="0" cy="0"/>
+        </a:xfrm>
+      </p:grpSpPr>
+      <p:sp>
+        <p:nvSpPr>
+          <p:cNvPr id="359" name="Google Shape;359;g2d9a72d51d5_0_0:notes"/>
+          <p:cNvSpPr txBox="1"/>
+          <p:nvPr>
+            <p:ph idx="1" type="body"/>
+          </p:nvPr>
+        </p:nvSpPr>
+        <p:spPr>
+          <a:xfrm>
+            <a:off x="777225" y="4777725"/>
+            <a:ext cx="6217800" cy="4526400"/>
+          </a:xfrm>
+          <a:prstGeom prst="rect">
+            <a:avLst/>
+          </a:prstGeom>
+        </p:spPr>
+        <p:txBody>
+          <a:bodyPr anchorCtr="0" anchor="t" bIns="91425" lIns="91425" spcFirstLastPara="1" rIns="91425" wrap="square" tIns="91425">
+            <a:noAutofit/>
+          </a:bodyPr>
+          <a:lstStyle/>
+          <a:p>
+            <a:pPr indent="0" lvl="0" marL="0" rtl="0" algn="l">
+              <a:spcBef>
+                <a:spcPts val="0"/>
+              </a:spcBef>
+              <a:spcAft>
+                <a:spcPts val="0"/>
+              </a:spcAft>
+              <a:buNone/>
+            </a:pPr>
+            <a:r>
+              <a:t/>
+            </a:r>
+            <a:endParaRPr/>
+          </a:p>
+        </p:txBody>
+      </p:sp>
+      <p:sp>
+        <p:nvSpPr>
+          <p:cNvPr id="360" name="Google Shape;360;g2d9a72d51d5_0_0:notes"/>
           <p:cNvSpPr/>
           <p:nvPr>
             <p:ph idx="2" type="sldImg"/>
@@ -16372,6 +16672,44 @@
               <a:spcAft>
                 <a:spcPts val="0"/>
               </a:spcAft>
+              <a:buNone/>
+            </a:pPr>
+            <a:r>
+              <a:t/>
+            </a:r>
+            <a:endParaRPr sz="2800"/>
+          </a:p>
+          <a:p>
+            <a:pPr indent="-406400" lvl="0" marL="457200" marR="0" rtl="0" algn="l">
+              <a:lnSpc>
+                <a:spcPct val="90000"/>
+              </a:lnSpc>
+              <a:spcBef>
+                <a:spcPts val="1001"/>
+              </a:spcBef>
+              <a:spcAft>
+                <a:spcPts val="0"/>
+              </a:spcAft>
+              <a:buSzPts val="2800"/>
+              <a:buChar char="●"/>
+            </a:pPr>
+            <a:r>
+              <a:rPr lang="en-US" sz="2800"/>
+              <a:t>Solution facile pour le solder escape</a:t>
+            </a:r>
+            <a:endParaRPr sz="2800"/>
+          </a:p>
+          <a:p>
+            <a:pPr indent="0" lvl="0" marL="0" marR="0" rtl="0" algn="l">
+              <a:lnSpc>
+                <a:spcPct val="90000"/>
+              </a:lnSpc>
+              <a:spcBef>
+                <a:spcPts val="1001"/>
+              </a:spcBef>
+              <a:spcAft>
+                <a:spcPts val="0"/>
+              </a:spcAft>
               <a:buSzPts val="2800"/>
               <a:buFont typeface="Arial"/>
               <a:buNone/>
@@ -16695,6 +17033,167 @@
           </a:p>
         </p:txBody>
       </p:sp>
+      <p:pic>
+        <p:nvPicPr>
+          <p:cNvPr id="313" name="Google Shape;313;p24"/>
+          <p:cNvPicPr preferRelativeResize="0"/>
+          <p:nvPr/>
+        </p:nvPicPr>
+        <p:blipFill>
+          <a:blip r:embed="rId6">
+            <a:alphaModFix/>
+          </a:blip>
+          <a:stretch>
+            <a:fillRect/>
+          </a:stretch>
+        </p:blipFill>
+        <p:spPr>
+          <a:xfrm>
+            <a:off x="1602700" y="3775820"/>
+            <a:ext cx="4857343" cy="2203025"/>
+          </a:xfrm>
+          <a:prstGeom prst="rect">
+            <a:avLst/>
+          </a:prstGeom>
+          <a:noFill/>
+          <a:ln>
+            <a:noFill/>
+          </a:ln>
+        </p:spPr>
+      </p:pic>
+      <p:sp>
+        <p:nvSpPr>
+          <p:cNvPr id="314" name="Google Shape;314;p24"/>
+          <p:cNvSpPr/>
+          <p:nvPr/>
+        </p:nvSpPr>
+        <p:spPr>
+          <a:xfrm>
+            <a:off x="1602675" y="5940250"/>
+            <a:ext cx="4857300" cy="249600"/>
+          </a:xfrm>
+          <a:prstGeom prst="rect">
+            <a:avLst/>
+          </a:prstGeom>
+          <a:noFill/>
+          <a:ln>
+            <a:noFill/>
+          </a:ln>
+        </p:spPr>
+        <p:txBody>
+          <a:bodyPr anchorCtr="0" anchor="t" bIns="45000" lIns="90000" spcFirstLastPara="1" rIns="90000" wrap="square" tIns="45000">
+            <a:noAutofit/>
+          </a:bodyPr>
+          <a:lstStyle/>
+          <a:p>
+            <a:pPr indent="0" lvl="0" marL="0" marR="0" rtl="0" algn="l">
+              <a:lnSpc>
+                <a:spcPct val="100000"/>
+              </a:lnSpc>
+              <a:spcBef>
+                <a:spcPts val="0"/>
+              </a:spcBef>
+              <a:spcAft>
+                <a:spcPts val="0"/>
+              </a:spcAft>
+              <a:buNone/>
+            </a:pPr>
+            <a:r>
+              <a:rPr lang="en-US" sz="900"/>
+              <a:t>https://www.eurocircuits.com/pcb-assembly-guidelines/solder-escape-wick/</a:t>
+            </a:r>
+            <a:endParaRPr b="0" i="0" sz="900" u="none" cap="none" strike="noStrike">
+              <a:solidFill>
+                <a:srgbClr val="000000"/>
+              </a:solidFill>
+              <a:latin typeface="Arial"/>
+              <a:ea typeface="Arial"/>
+              <a:cs typeface="Arial"/>
+              <a:sym typeface="Arial"/>
+            </a:endParaRPr>
+          </a:p>
+        </p:txBody>
+      </p:sp>
+      <p:pic>
+        <p:nvPicPr>
+          <p:cNvPr id="315" name="Google Shape;315;p24"/>
+          <p:cNvPicPr preferRelativeResize="0"/>
+          <p:nvPr/>
+        </p:nvPicPr>
+        <p:blipFill rotWithShape="1">
+          <a:blip r:embed="rId7">
+            <a:alphaModFix/>
+          </a:blip>
+          <a:srcRect b="19138" l="8214" r="8214" t="8695"/>
+          <a:stretch/>
+        </p:blipFill>
+        <p:spPr>
+          <a:xfrm>
+            <a:off x="8635288" y="4234150"/>
+            <a:ext cx="2166225" cy="1496375"/>
+          </a:xfrm>
+          <a:prstGeom prst="rect">
+            <a:avLst/>
+          </a:prstGeom>
+          <a:noFill/>
+          <a:ln>
+            <a:noFill/>
+          </a:ln>
+        </p:spPr>
+      </p:pic>
+      <p:sp>
+        <p:nvSpPr>
+          <p:cNvPr id="316" name="Google Shape;316;p24"/>
+          <p:cNvSpPr/>
+          <p:nvPr/>
+        </p:nvSpPr>
+        <p:spPr>
+          <a:xfrm>
+            <a:off x="8318300" y="5730525"/>
+            <a:ext cx="2800200" cy="474000"/>
+          </a:xfrm>
+          <a:prstGeom prst="rect">
+            <a:avLst/>
+          </a:prstGeom>
+          <a:noFill/>
+          <a:ln>
+            <a:noFill/>
+          </a:ln>
+        </p:spPr>
+        <p:txBody>
+          <a:bodyPr anchorCtr="0" anchor="t" bIns="45000" lIns="90000" spcFirstLastPara="1" rIns="90000" wrap="square" tIns="45000">
+            <a:noAutofit/>
+          </a:bodyPr>
+          <a:lstStyle/>
+          <a:p>
+            <a:pPr indent="0" lvl="0" marL="0" marR="0" rtl="0" algn="l">
+              <a:lnSpc>
+                <a:spcPct val="100000"/>
+              </a:lnSpc>
+              <a:spcBef>
+                <a:spcPts val="0"/>
+              </a:spcBef>
+              <a:spcAft>
+                <a:spcPts val="0"/>
+              </a:spcAft>
+              <a:buNone/>
+            </a:pPr>
+            <a:r>
+              <a:rPr lang="en-US" sz="900"/>
+              <a:t>https://www.pcbway.com/pcb_prototype/PCB_Via_Covering.html</a:t>
+            </a:r>
+            <a:endParaRPr b="0" i="0" sz="900" u="none" cap="none" strike="noStrike">
+              <a:solidFill>
+                <a:srgbClr val="000000"/>
+              </a:solidFill>
+              <a:latin typeface="Arial"/>
+              <a:ea typeface="Arial"/>
+              <a:cs typeface="Arial"/>
+              <a:sym typeface="Arial"/>
+            </a:endParaRPr>
+          </a:p>
+        </p:txBody>
+      </p:sp>
     </p:spTree>
   </p:cSld>
   <p:clrMapOvr>
@@ -16708,7 +17207,7 @@
   <p:cSld>
     <p:spTree>
       <p:nvGrpSpPr>
-        <p:cNvPr id="316" name="Shape 316"/>
+        <p:cNvPr id="320" name="Shape 320"/>
         <p:cNvGrpSpPr/>
         <p:nvPr/>
       </p:nvGrpSpPr>
@@ -16720,9 +17219,37 @@
           <a:chExt cx="0" cy="0"/>
         </a:xfrm>
       </p:grpSpPr>
+      <p:pic>
+        <p:nvPicPr>
+          <p:cNvPr id="321" name="Google Shape;321;p25"/>
+          <p:cNvPicPr preferRelativeResize="0"/>
+          <p:nvPr/>
+        </p:nvPicPr>
+        <p:blipFill>
+          <a:blip r:embed="rId3">
+            <a:alphaModFix/>
+          </a:blip>
+          <a:stretch>
+            <a:fillRect/>
+          </a:stretch>
+        </p:blipFill>
+        <p:spPr>
+          <a:xfrm>
+            <a:off x="6510138" y="1292538"/>
+            <a:ext cx="4810125" cy="3438525"/>
+          </a:xfrm>
+          <a:prstGeom prst="rect">
+            <a:avLst/>
+          </a:prstGeom>
+          <a:noFill/>
+          <a:ln>
+            <a:noFill/>
+          </a:ln>
+        </p:spPr>
+      </p:pic>
       <p:sp>
         <p:nvSpPr>
-          <p:cNvPr id="317" name="Google Shape;317;p25"/>
+          <p:cNvPr id="322" name="Google Shape;322;p25"/>
           <p:cNvSpPr txBox="1"/>
           <p:nvPr>
             <p:ph idx="4294967295" type="title"/>
@@ -16765,16 +17292,8 @@
               <a:buNone/>
             </a:pPr>
             <a:r>
-              <a:rPr b="0" i="0" lang="en-US" sz="4400" u="none" cap="none" strike="noStrike">
-                <a:solidFill>
-                  <a:srgbClr val="000000"/>
-                </a:solidFill>
-                <a:latin typeface="Arial"/>
-                <a:ea typeface="Arial"/>
-                <a:cs typeface="Arial"/>
-                <a:sym typeface="Arial"/>
-              </a:rPr>
-              <a:t>Section 1</a:t>
+              <a:rPr lang="en-US" sz="4400"/>
+              <a:t>Blind, Buried and µVias</a:t>
             </a:r>
             <a:endParaRPr b="0" i="0" sz="4400" u="none" cap="none" strike="noStrike">
               <a:solidFill>
@@ -16790,7 +17309,939 @@
       </p:sp>
       <p:sp>
         <p:nvSpPr>
-          <p:cNvPr id="318" name="Google Shape;318;p25"/>
+          <p:cNvPr id="323" name="Google Shape;323;p25"/>
+          <p:cNvSpPr txBox="1"/>
+          <p:nvPr>
+            <p:ph idx="4294967295" type="body"/>
+          </p:nvPr>
+        </p:nvSpPr>
+        <p:spPr>
+          <a:xfrm>
+            <a:off x="838075" y="1439643"/>
+            <a:ext cx="10514100" cy="1560000"/>
+          </a:xfrm>
+          <a:prstGeom prst="rect">
+            <a:avLst/>
+          </a:prstGeom>
+          <a:noFill/>
+          <a:ln>
+            <a:noFill/>
+          </a:ln>
+        </p:spPr>
+        <p:txBody>
+          <a:bodyPr anchorCtr="0" anchor="t" bIns="45000" lIns="90000" spcFirstLastPara="1" rIns="90000" wrap="square" tIns="45000">
+            <a:normAutofit/>
+          </a:bodyPr>
+          <a:lstStyle/>
+          <a:p>
+            <a:pPr indent="-406400" lvl="0" marL="457200" marR="0" rtl="0" algn="l">
+              <a:lnSpc>
+                <a:spcPct val="90000"/>
+              </a:lnSpc>
+              <a:spcBef>
+                <a:spcPts val="0"/>
+              </a:spcBef>
+              <a:spcAft>
+                <a:spcPts val="0"/>
+              </a:spcAft>
+              <a:buSzPts val="2800"/>
+              <a:buChar char="●"/>
+            </a:pPr>
+            <a:r>
+              <a:rPr lang="en-US" sz="2800"/>
+              <a:t>Processus HDI</a:t>
+            </a:r>
+            <a:endParaRPr b="0" i="0" sz="2800" u="none" cap="none" strike="noStrike">
+              <a:solidFill>
+                <a:srgbClr val="000000"/>
+              </a:solidFill>
+              <a:latin typeface="Arial"/>
+              <a:ea typeface="Arial"/>
+              <a:cs typeface="Arial"/>
+              <a:sym typeface="Arial"/>
+            </a:endParaRPr>
+          </a:p>
+          <a:p>
+            <a:pPr indent="-406400" lvl="0" marL="457200" marR="0" rtl="0" algn="l">
+              <a:lnSpc>
+                <a:spcPct val="90000"/>
+              </a:lnSpc>
+              <a:spcBef>
+                <a:spcPts val="0"/>
+              </a:spcBef>
+              <a:spcAft>
+                <a:spcPts val="0"/>
+              </a:spcAft>
+              <a:buSzPts val="2800"/>
+              <a:buChar char="●"/>
+            </a:pPr>
+            <a:r>
+              <a:rPr lang="en-US" sz="2800"/>
+              <a:t>Vias partiels</a:t>
+            </a:r>
+            <a:endParaRPr sz="2800"/>
+          </a:p>
+          <a:p>
+            <a:pPr indent="-406400" lvl="0" marL="457200" marR="0" rtl="0" algn="l">
+              <a:lnSpc>
+                <a:spcPct val="90000"/>
+              </a:lnSpc>
+              <a:spcBef>
+                <a:spcPts val="0"/>
+              </a:spcBef>
+              <a:spcAft>
+                <a:spcPts val="0"/>
+              </a:spcAft>
+              <a:buSzPts val="2800"/>
+              <a:buChar char="●"/>
+            </a:pPr>
+            <a:r>
+              <a:rPr lang="en-US" sz="2800"/>
+              <a:t>Stackup doit être symmétrique!</a:t>
+            </a:r>
+            <a:endParaRPr sz="2800"/>
+          </a:p>
+        </p:txBody>
+      </p:sp>
+      <p:pic>
+        <p:nvPicPr>
+          <p:cNvPr id="324" name="Google Shape;324;p25">
+            <a:hlinkClick r:id="rId4"/>
+          </p:cNvPr>
+          <p:cNvPicPr preferRelativeResize="0"/>
+          <p:nvPr/>
+        </p:nvPicPr>
+        <p:blipFill rotWithShape="1">
+          <a:blip r:embed="rId5">
+            <a:alphaModFix/>
+          </a:blip>
+          <a:srcRect b="0" l="0" r="0" t="0"/>
+          <a:stretch/>
+        </p:blipFill>
+        <p:spPr>
+          <a:xfrm>
+            <a:off x="11880360" y="6546240"/>
+            <a:ext cx="311400" cy="311400"/>
+          </a:xfrm>
+          <a:prstGeom prst="rect">
+            <a:avLst/>
+          </a:prstGeom>
+          <a:noFill/>
+          <a:ln>
+            <a:noFill/>
+          </a:ln>
+        </p:spPr>
+      </p:pic>
+      <p:cxnSp>
+        <p:nvCxnSpPr>
+          <p:cNvPr id="325" name="Google Shape;325;p25"/>
+          <p:cNvCxnSpPr/>
+          <p:nvPr/>
+        </p:nvCxnSpPr>
+        <p:spPr>
+          <a:xfrm>
+            <a:off x="828000" y="1188000"/>
+            <a:ext cx="10080000" cy="300"/>
+          </a:xfrm>
+          <a:prstGeom prst="straightConnector1">
+            <a:avLst/>
+          </a:prstGeom>
+          <a:noFill/>
+          <a:ln cap="flat" cmpd="sng" w="36000">
+            <a:solidFill>
+              <a:srgbClr val="158466"/>
+            </a:solidFill>
+            <a:prstDash val="solid"/>
+            <a:round/>
+            <a:headEnd len="sm" w="sm" type="none"/>
+            <a:tailEnd len="sm" w="sm" type="none"/>
+          </a:ln>
+        </p:spPr>
+      </p:cxnSp>
+      <p:sp>
+        <p:nvSpPr>
+          <p:cNvPr id="326" name="Google Shape;326;p25"/>
+          <p:cNvSpPr txBox="1"/>
+          <p:nvPr>
+            <p:ph idx="11" type="ftr"/>
+          </p:nvPr>
+        </p:nvSpPr>
+        <p:spPr>
+          <a:xfrm>
+            <a:off x="4038480" y="6356520"/>
+            <a:ext cx="4113300" cy="363600"/>
+          </a:xfrm>
+          <a:prstGeom prst="rect">
+            <a:avLst/>
+          </a:prstGeom>
+          <a:noFill/>
+          <a:ln>
+            <a:noFill/>
+          </a:ln>
+        </p:spPr>
+        <p:txBody>
+          <a:bodyPr anchorCtr="0" anchor="ctr" bIns="45000" lIns="90000" spcFirstLastPara="1" rIns="90000" wrap="square" tIns="45000">
+            <a:noAutofit/>
+          </a:bodyPr>
+          <a:lstStyle/>
+          <a:p>
+            <a:pPr indent="0" lvl="0" marL="0" rtl="0" algn="ctr">
+              <a:lnSpc>
+                <a:spcPct val="100000"/>
+              </a:lnSpc>
+              <a:spcBef>
+                <a:spcPts val="0"/>
+              </a:spcBef>
+              <a:spcAft>
+                <a:spcPts val="0"/>
+              </a:spcAft>
+              <a:buClr>
+                <a:srgbClr val="787878"/>
+              </a:buClr>
+              <a:buSzPts val="1200"/>
+              <a:buFont typeface="Arial"/>
+              <a:buNone/>
+            </a:pPr>
+            <a:r>
+              <a:rPr b="0" lang="en-US" sz="1200" u="none" strike="noStrike">
+                <a:solidFill>
+                  <a:srgbClr val="787878"/>
+                </a:solidFill>
+                <a:latin typeface="Arial"/>
+                <a:ea typeface="Arial"/>
+                <a:cs typeface="Arial"/>
+                <a:sym typeface="Arial"/>
+              </a:rPr>
+              <a:t>C3I - Pascal-Emmanuel Lachance</a:t>
+            </a:r>
+            <a:endParaRPr/>
+          </a:p>
+        </p:txBody>
+      </p:sp>
+      <p:sp>
+        <p:nvSpPr>
+          <p:cNvPr id="327" name="Google Shape;327;p25"/>
+          <p:cNvSpPr txBox="1"/>
+          <p:nvPr>
+            <p:ph idx="12" type="sldNum"/>
+          </p:nvPr>
+        </p:nvSpPr>
+        <p:spPr>
+          <a:xfrm>
+            <a:off x="8610480" y="6356520"/>
+            <a:ext cx="2741700" cy="363600"/>
+          </a:xfrm>
+          <a:prstGeom prst="rect">
+            <a:avLst/>
+          </a:prstGeom>
+          <a:noFill/>
+          <a:ln>
+            <a:noFill/>
+          </a:ln>
+        </p:spPr>
+        <p:txBody>
+          <a:bodyPr anchorCtr="0" anchor="ctr" bIns="45000" lIns="90000" spcFirstLastPara="1" rIns="90000" wrap="square" tIns="45000">
+            <a:noAutofit/>
+          </a:bodyPr>
+          <a:lstStyle/>
+          <a:p>
+            <a:pPr indent="0" lvl="0" marL="0" rtl="0" algn="r">
+              <a:lnSpc>
+                <a:spcPct val="100000"/>
+              </a:lnSpc>
+              <a:spcBef>
+                <a:spcPts val="0"/>
+              </a:spcBef>
+              <a:spcAft>
+                <a:spcPts val="0"/>
+              </a:spcAft>
+              <a:buClr>
+                <a:srgbClr val="787878"/>
+              </a:buClr>
+              <a:buSzPts val="1200"/>
+              <a:buFont typeface="Arial"/>
+              <a:buNone/>
+            </a:pPr>
+            <a:fld id="{00000000-1234-1234-1234-123412341234}" type="slidenum">
+              <a:rPr b="0" lang="en-US" sz="1200" u="none" strike="noStrike">
+                <a:solidFill>
+                  <a:srgbClr val="787878"/>
+                </a:solidFill>
+                <a:latin typeface="Arial"/>
+                <a:ea typeface="Arial"/>
+                <a:cs typeface="Arial"/>
+                <a:sym typeface="Arial"/>
+              </a:rPr>
+              <a:t>‹#›</a:t>
+            </a:fld>
+            <a:endParaRPr/>
+          </a:p>
+        </p:txBody>
+      </p:sp>
+      <p:sp>
+        <p:nvSpPr>
+          <p:cNvPr id="328" name="Google Shape;328;p25"/>
+          <p:cNvSpPr txBox="1"/>
+          <p:nvPr>
+            <p:ph idx="10" type="dt"/>
+          </p:nvPr>
+        </p:nvSpPr>
+        <p:spPr>
+          <a:xfrm>
+            <a:off x="838080" y="6356520"/>
+            <a:ext cx="2741700" cy="363600"/>
+          </a:xfrm>
+          <a:prstGeom prst="rect">
+            <a:avLst/>
+          </a:prstGeom>
+          <a:noFill/>
+          <a:ln>
+            <a:noFill/>
+          </a:ln>
+        </p:spPr>
+        <p:txBody>
+          <a:bodyPr anchorCtr="0" anchor="ctr" bIns="45000" lIns="90000" spcFirstLastPara="1" rIns="90000" wrap="square" tIns="45000">
+            <a:noAutofit/>
+          </a:bodyPr>
+          <a:lstStyle/>
+          <a:p>
+            <a:pPr indent="0" lvl="0" marL="0" rtl="0" algn="l">
+              <a:spcBef>
+                <a:spcPts val="0"/>
+              </a:spcBef>
+              <a:spcAft>
+                <a:spcPts val="0"/>
+              </a:spcAft>
+              <a:buClr>
+                <a:srgbClr val="000000"/>
+              </a:buClr>
+              <a:buSzPts val="1400"/>
+              <a:buFont typeface="Times New Roman"/>
+              <a:buNone/>
+            </a:pPr>
+            <a:r>
+              <a:rPr lang="en-US"/>
+              <a:t>02/21/2025</a:t>
+            </a:r>
+            <a:endParaRPr/>
+          </a:p>
+        </p:txBody>
+      </p:sp>
+      <p:sp>
+        <p:nvSpPr>
+          <p:cNvPr id="329" name="Google Shape;329;p25"/>
+          <p:cNvSpPr/>
+          <p:nvPr/>
+        </p:nvSpPr>
+        <p:spPr>
+          <a:xfrm>
+            <a:off x="7023050" y="4731075"/>
+            <a:ext cx="3885000" cy="249600"/>
+          </a:xfrm>
+          <a:prstGeom prst="rect">
+            <a:avLst/>
+          </a:prstGeom>
+          <a:noFill/>
+          <a:ln>
+            <a:noFill/>
+          </a:ln>
+        </p:spPr>
+        <p:txBody>
+          <a:bodyPr anchorCtr="0" anchor="t" bIns="45000" lIns="90000" spcFirstLastPara="1" rIns="90000" wrap="square" tIns="45000">
+            <a:noAutofit/>
+          </a:bodyPr>
+          <a:lstStyle/>
+          <a:p>
+            <a:pPr indent="0" lvl="0" marL="0" marR="0" rtl="0" algn="l">
+              <a:lnSpc>
+                <a:spcPct val="100000"/>
+              </a:lnSpc>
+              <a:spcBef>
+                <a:spcPts val="0"/>
+              </a:spcBef>
+              <a:spcAft>
+                <a:spcPts val="0"/>
+              </a:spcAft>
+              <a:buNone/>
+            </a:pPr>
+            <a:r>
+              <a:rPr lang="en-US" sz="900"/>
+              <a:t>https://www.protoexpress.com/blog/via-the-tiny-conductive-tunnel-that-interconnects-the-pcb-layers/</a:t>
+            </a:r>
+            <a:endParaRPr b="0" i="0" sz="900" u="none" cap="none" strike="noStrike">
+              <a:solidFill>
+                <a:srgbClr val="000000"/>
+              </a:solidFill>
+              <a:latin typeface="Arial"/>
+              <a:ea typeface="Arial"/>
+              <a:cs typeface="Arial"/>
+              <a:sym typeface="Arial"/>
+            </a:endParaRPr>
+          </a:p>
+        </p:txBody>
+      </p:sp>
+      <p:sp>
+        <p:nvSpPr>
+          <p:cNvPr id="330" name="Google Shape;330;p25"/>
+          <p:cNvSpPr/>
+          <p:nvPr/>
+        </p:nvSpPr>
+        <p:spPr>
+          <a:xfrm>
+            <a:off x="7923225" y="1571563"/>
+            <a:ext cx="3116700" cy="3081300"/>
+          </a:xfrm>
+          <a:prstGeom prst="rect">
+            <a:avLst/>
+          </a:prstGeom>
+          <a:solidFill>
+            <a:schemeClr val="lt1"/>
+          </a:solidFill>
+          <a:ln>
+            <a:noFill/>
+          </a:ln>
+        </p:spPr>
+        <p:txBody>
+          <a:bodyPr anchorCtr="0" anchor="ctr" bIns="91425" lIns="91425" spcFirstLastPara="1" rIns="91425" wrap="square" tIns="91425">
+            <a:noAutofit/>
+          </a:bodyPr>
+          <a:lstStyle/>
+          <a:p>
+            <a:pPr indent="0" lvl="0" marL="0" rtl="0" algn="ctr">
+              <a:spcBef>
+                <a:spcPts val="0"/>
+              </a:spcBef>
+              <a:spcAft>
+                <a:spcPts val="0"/>
+              </a:spcAft>
+              <a:buNone/>
+            </a:pPr>
+            <a:r>
+              <a:t/>
+            </a:r>
+            <a:endParaRPr/>
+          </a:p>
+        </p:txBody>
+      </p:sp>
+      <p:sp>
+        <p:nvSpPr>
+          <p:cNvPr id="331" name="Google Shape;331;p25"/>
+          <p:cNvSpPr/>
+          <p:nvPr/>
+        </p:nvSpPr>
+        <p:spPr>
+          <a:xfrm>
+            <a:off x="8828775" y="1576988"/>
+            <a:ext cx="3116700" cy="3081300"/>
+          </a:xfrm>
+          <a:prstGeom prst="rect">
+            <a:avLst/>
+          </a:prstGeom>
+          <a:solidFill>
+            <a:schemeClr val="lt1"/>
+          </a:solidFill>
+          <a:ln>
+            <a:noFill/>
+          </a:ln>
+        </p:spPr>
+        <p:txBody>
+          <a:bodyPr anchorCtr="0" anchor="ctr" bIns="91425" lIns="91425" spcFirstLastPara="1" rIns="91425" wrap="square" tIns="91425">
+            <a:noAutofit/>
+          </a:bodyPr>
+          <a:lstStyle/>
+          <a:p>
+            <a:pPr indent="0" lvl="0" marL="0" rtl="0" algn="ctr">
+              <a:spcBef>
+                <a:spcPts val="0"/>
+              </a:spcBef>
+              <a:spcAft>
+                <a:spcPts val="0"/>
+              </a:spcAft>
+              <a:buNone/>
+            </a:pPr>
+            <a:r>
+              <a:t/>
+            </a:r>
+            <a:endParaRPr/>
+          </a:p>
+        </p:txBody>
+      </p:sp>
+      <p:sp>
+        <p:nvSpPr>
+          <p:cNvPr id="332" name="Google Shape;332;p25"/>
+          <p:cNvSpPr/>
+          <p:nvPr/>
+        </p:nvSpPr>
+        <p:spPr>
+          <a:xfrm>
+            <a:off x="9777200" y="1576975"/>
+            <a:ext cx="3116700" cy="3081300"/>
+          </a:xfrm>
+          <a:prstGeom prst="rect">
+            <a:avLst/>
+          </a:prstGeom>
+          <a:solidFill>
+            <a:schemeClr val="lt1"/>
+          </a:solidFill>
+          <a:ln>
+            <a:noFill/>
+          </a:ln>
+        </p:spPr>
+        <p:txBody>
+          <a:bodyPr anchorCtr="0" anchor="ctr" bIns="91425" lIns="91425" spcFirstLastPara="1" rIns="91425" wrap="square" tIns="91425">
+            <a:noAutofit/>
+          </a:bodyPr>
+          <a:lstStyle/>
+          <a:p>
+            <a:pPr indent="0" lvl="0" marL="0" rtl="0" algn="ctr">
+              <a:spcBef>
+                <a:spcPts val="0"/>
+              </a:spcBef>
+              <a:spcAft>
+                <a:spcPts val="0"/>
+              </a:spcAft>
+              <a:buNone/>
+            </a:pPr>
+            <a:r>
+              <a:t/>
+            </a:r>
+            <a:endParaRPr/>
+          </a:p>
+        </p:txBody>
+      </p:sp>
+      <p:sp>
+        <p:nvSpPr>
+          <p:cNvPr id="333" name="Google Shape;333;p25"/>
+          <p:cNvSpPr txBox="1"/>
+          <p:nvPr>
+            <p:ph idx="4294967295" type="body"/>
+          </p:nvPr>
+        </p:nvSpPr>
+        <p:spPr>
+          <a:xfrm>
+            <a:off x="838950" y="3150347"/>
+            <a:ext cx="10514100" cy="2255700"/>
+          </a:xfrm>
+          <a:prstGeom prst="rect">
+            <a:avLst/>
+          </a:prstGeom>
+          <a:noFill/>
+          <a:ln>
+            <a:noFill/>
+          </a:ln>
+        </p:spPr>
+        <p:txBody>
+          <a:bodyPr anchorCtr="0" anchor="t" bIns="45000" lIns="90000" spcFirstLastPara="1" rIns="90000" wrap="square" tIns="45000">
+            <a:normAutofit lnSpcReduction="10000"/>
+          </a:bodyPr>
+          <a:lstStyle/>
+          <a:p>
+            <a:pPr indent="-406400" lvl="0" marL="457200" marR="0" rtl="0" algn="l">
+              <a:lnSpc>
+                <a:spcPct val="90000"/>
+              </a:lnSpc>
+              <a:spcBef>
+                <a:spcPts val="1001"/>
+              </a:spcBef>
+              <a:spcAft>
+                <a:spcPts val="0"/>
+              </a:spcAft>
+              <a:buSzPts val="2800"/>
+              <a:buChar char="●"/>
+            </a:pPr>
+            <a:r>
+              <a:rPr lang="en-US" sz="2800"/>
+              <a:t>µVia faits au laser</a:t>
+            </a:r>
+            <a:endParaRPr sz="2800"/>
+          </a:p>
+          <a:p>
+            <a:pPr indent="-406400" lvl="1" marL="914400" marR="0" rtl="0" algn="l">
+              <a:lnSpc>
+                <a:spcPct val="90000"/>
+              </a:lnSpc>
+              <a:spcBef>
+                <a:spcPts val="0"/>
+              </a:spcBef>
+              <a:spcAft>
+                <a:spcPts val="0"/>
+              </a:spcAft>
+              <a:buSzPts val="2800"/>
+              <a:buChar char="○"/>
+            </a:pPr>
+            <a:r>
+              <a:rPr lang="en-US" sz="2800"/>
+              <a:t>Beaucoup plus petits</a:t>
+            </a:r>
+            <a:endParaRPr sz="2800"/>
+          </a:p>
+          <a:p>
+            <a:pPr indent="-406400" lvl="1" marL="914400" marR="0" rtl="0" algn="l">
+              <a:lnSpc>
+                <a:spcPct val="90000"/>
+              </a:lnSpc>
+              <a:spcBef>
+                <a:spcPts val="0"/>
+              </a:spcBef>
+              <a:spcAft>
+                <a:spcPts val="0"/>
+              </a:spcAft>
+              <a:buSzPts val="2800"/>
+              <a:buChar char="○"/>
+            </a:pPr>
+            <a:r>
+              <a:rPr lang="en-US" sz="2800"/>
+              <a:t>Doivent êtres staggered</a:t>
+            </a:r>
+            <a:endParaRPr sz="2800"/>
+          </a:p>
+          <a:p>
+            <a:pPr indent="0" lvl="0" marL="457200" marR="0" rtl="0" algn="l">
+              <a:lnSpc>
+                <a:spcPct val="90000"/>
+              </a:lnSpc>
+              <a:spcBef>
+                <a:spcPts val="1001"/>
+              </a:spcBef>
+              <a:spcAft>
+                <a:spcPts val="0"/>
+              </a:spcAft>
+              <a:buNone/>
+            </a:pPr>
+            <a:r>
+              <a:t/>
+            </a:r>
+            <a:endParaRPr sz="2800"/>
+          </a:p>
+          <a:p>
+            <a:pPr indent="-406400" lvl="0" marL="457200" marR="0" rtl="0" algn="l">
+              <a:lnSpc>
+                <a:spcPct val="90000"/>
+              </a:lnSpc>
+              <a:spcBef>
+                <a:spcPts val="1001"/>
+              </a:spcBef>
+              <a:spcAft>
+                <a:spcPts val="0"/>
+              </a:spcAft>
+              <a:buSzPts val="2800"/>
+              <a:buChar char="●"/>
+            </a:pPr>
+            <a:r>
+              <a:rPr lang="en-US" sz="2800"/>
+              <a:t>$$$</a:t>
+            </a:r>
+            <a:endParaRPr sz="2800"/>
+          </a:p>
+        </p:txBody>
+      </p:sp>
+    </p:spTree>
+  </p:cSld>
+  <p:clrMapOvr>
+    <a:masterClrMapping/>
+  </p:clrMapOvr>
+  <p:timing>
+    <p:tnLst>
+      <p:par>
+        <p:cTn dur="indefinite" nodeType="tmRoot" restart="never">
+          <p:childTnLst>
+            <p:seq concurrent="1" nextAc="seek">
+              <p:cTn dur="indefinite" id="2" nodeType="mainSeq">
+                <p:childTnLst>
+                  <p:par>
+                    <p:cTn fill="hold">
+                      <p:stCondLst>
+                        <p:cond delay="indefinite"/>
+                      </p:stCondLst>
+                      <p:childTnLst>
+                        <p:par>
+                          <p:cTn fill="hold">
+                            <p:stCondLst>
+                              <p:cond delay="0"/>
+                            </p:stCondLst>
+                            <p:childTnLst>
+                              <p:par>
+                                <p:cTn fill="hold" nodeType="clickEffect" presetClass="exit" presetID="1" presetSubtype="0">
+                                  <p:stCondLst>
+                                    <p:cond delay="0"/>
+                                  </p:stCondLst>
+                                  <p:childTnLst>
+                                    <p:set>
+                                      <p:cBhvr>
+                                        <p:cTn dur="1" fill="hold">
+                                          <p:stCondLst>
+                                            <p:cond delay="0"/>
+                                          </p:stCondLst>
+                                        </p:cTn>
+                                        <p:tgtEl>
+                                          <p:spTgt spid="330"/>
+                                        </p:tgtEl>
+                                        <p:attrNameLst>
+                                          <p:attrName>style.visibility</p:attrName>
+                                        </p:attrNameLst>
+                                      </p:cBhvr>
+                                      <p:to>
+                                        <p:strVal val="hidden"/>
+                                      </p:to>
+                                    </p:set>
+                                  </p:childTnLst>
+                                </p:cTn>
+                              </p:par>
+                              <p:par>
+                                <p:cTn fill="hold" nodeType="withEffect" presetClass="entr" presetID="1" presetSubtype="0">
+                                  <p:stCondLst>
+                                    <p:cond delay="0"/>
+                                  </p:stCondLst>
+                                  <p:childTnLst>
+                                    <p:set>
+                                      <p:cBhvr>
+                                        <p:cTn dur="1" fill="hold">
+                                          <p:stCondLst>
+                                            <p:cond delay="0"/>
+                                          </p:stCondLst>
+                                        </p:cTn>
+                                        <p:tgtEl>
+                                          <p:spTgt spid="331"/>
+                                        </p:tgtEl>
+                                        <p:attrNameLst>
+                                          <p:attrName>style.visibility</p:attrName>
+                                        </p:attrNameLst>
+                                      </p:cBhvr>
+                                      <p:to>
+                                        <p:strVal val="visible"/>
+                                      </p:to>
+                                    </p:set>
+                                  </p:childTnLst>
+                                </p:cTn>
+                              </p:par>
+                            </p:childTnLst>
+                          </p:cTn>
+                        </p:par>
+                      </p:childTnLst>
+                    </p:cTn>
+                  </p:par>
+                  <p:par>
+                    <p:cTn fill="hold">
+                      <p:stCondLst>
+                        <p:cond delay="indefinite"/>
+                      </p:stCondLst>
+                      <p:childTnLst>
+                        <p:par>
+                          <p:cTn fill="hold">
+                            <p:stCondLst>
+                              <p:cond delay="0"/>
+                            </p:stCondLst>
+                            <p:childTnLst>
+                              <p:par>
+                                <p:cTn fill="hold" nodeType="clickEffect" presetClass="entr" presetID="1" presetSubtype="0">
+                                  <p:stCondLst>
+                                    <p:cond delay="0"/>
+                                  </p:stCondLst>
+                                  <p:childTnLst>
+                                    <p:set>
+                                      <p:cBhvr>
+                                        <p:cTn dur="1" fill="hold">
+                                          <p:stCondLst>
+                                            <p:cond delay="0"/>
+                                          </p:stCondLst>
+                                        </p:cTn>
+                                        <p:tgtEl>
+                                          <p:spTgt spid="332"/>
+                                        </p:tgtEl>
+                                        <p:attrNameLst>
+                                          <p:attrName>style.visibility</p:attrName>
+                                        </p:attrNameLst>
+                                      </p:cBhvr>
+                                      <p:to>
+                                        <p:strVal val="visible"/>
+                                      </p:to>
+                                    </p:set>
+                                  </p:childTnLst>
+                                </p:cTn>
+                              </p:par>
+                              <p:par>
+                                <p:cTn fill="hold" nodeType="withEffect" presetClass="exit" presetID="1" presetSubtype="0">
+                                  <p:stCondLst>
+                                    <p:cond delay="0"/>
+                                  </p:stCondLst>
+                                  <p:childTnLst>
+                                    <p:set>
+                                      <p:cBhvr>
+                                        <p:cTn dur="1" fill="hold">
+                                          <p:stCondLst>
+                                            <p:cond delay="0"/>
+                                          </p:stCondLst>
+                                        </p:cTn>
+                                        <p:tgtEl>
+                                          <p:spTgt spid="331"/>
+                                        </p:tgtEl>
+                                        <p:attrNameLst>
+                                          <p:attrName>style.visibility</p:attrName>
+                                        </p:attrNameLst>
+                                      </p:cBhvr>
+                                      <p:to>
+                                        <p:strVal val="hidden"/>
+                                      </p:to>
+                                    </p:set>
+                                  </p:childTnLst>
+                                </p:cTn>
+                              </p:par>
+                            </p:childTnLst>
+                          </p:cTn>
+                        </p:par>
+                      </p:childTnLst>
+                    </p:cTn>
+                  </p:par>
+                  <p:par>
+                    <p:cTn fill="hold">
+                      <p:stCondLst>
+                        <p:cond delay="indefinite"/>
+                      </p:stCondLst>
+                      <p:childTnLst>
+                        <p:par>
+                          <p:cTn fill="hold">
+                            <p:stCondLst>
+                              <p:cond delay="0"/>
+                            </p:stCondLst>
+                            <p:childTnLst>
+                              <p:par>
+                                <p:cTn fill="hold" nodeType="clickEffect" presetClass="exit" presetID="1" presetSubtype="0">
+                                  <p:stCondLst>
+                                    <p:cond delay="0"/>
+                                  </p:stCondLst>
+                                  <p:childTnLst>
+                                    <p:set>
+                                      <p:cBhvr>
+                                        <p:cTn dur="1" fill="hold">
+                                          <p:stCondLst>
+                                            <p:cond delay="0"/>
+                                          </p:stCondLst>
+                                        </p:cTn>
+                                        <p:tgtEl>
+                                          <p:spTgt spid="332"/>
+                                        </p:tgtEl>
+                                        <p:attrNameLst>
+                                          <p:attrName>style.visibility</p:attrName>
+                                        </p:attrNameLst>
+                                      </p:cBhvr>
+                                      <p:to>
+                                        <p:strVal val="hidden"/>
+                                      </p:to>
+                                    </p:set>
+                                  </p:childTnLst>
+                                </p:cTn>
+                              </p:par>
+                            </p:childTnLst>
+                          </p:cTn>
+                        </p:par>
+                      </p:childTnLst>
+                    </p:cTn>
+                  </p:par>
+                </p:childTnLst>
+              </p:cTn>
+              <p:prevCondLst>
+                <p:cond evt="onPrev">
+                  <p:tgtEl>
+                    <p:sldTgt/>
+                  </p:tgtEl>
+                </p:cond>
+              </p:prevCondLst>
+              <p:nextCondLst>
+                <p:cond evt="onNext">
+                  <p:tgtEl>
+                    <p:sldTgt/>
+                  </p:tgtEl>
+                </p:cond>
+              </p:nextCondLst>
+            </p:seq>
+          </p:childTnLst>
+        </p:cTn>
+      </p:par>
+    </p:tnLst>
+  </p:timing>
+</p:sld>
+</file>
+
+<file path=ppt/slides/slide14.xml><?xml version="1.0" encoding="utf-8"?>
+<p:sld xmlns:a="http://schemas.openxmlformats.org/drawingml/2006/main" xmlns:r="http://schemas.openxmlformats.org/officeDocument/2006/relationships" xmlns:mc="http://schemas.openxmlformats.org/markup-compatibility/2006" xmlns:mv="urn:schemas-microsoft-com:mac:vml" xmlns:p="http://schemas.openxmlformats.org/presentationml/2006/main" xmlns:c="http://schemas.openxmlformats.org/drawingml/2006/chart" xmlns:dgm="http://schemas.openxmlformats.org/drawingml/2006/diagram" xmlns:o="urn:schemas-microsoft-com:office:office" xmlns:v="urn:schemas-microsoft-com:vml" xmlns:pvml="urn:schemas-microsoft-com:office:powerpoint" xmlns:com="http://schemas.openxmlformats.org/drawingml/2006/compatibility" xmlns:p14="http://schemas.microsoft.com/office/powerpoint/2010/main" xmlns:p15="http://schemas.microsoft.com/office/powerpoint/2012/main" xmlns:ahyp="http://schemas.microsoft.com/office/drawing/2018/hyperlinkcolor">
+  <p:cSld>
+    <p:spTree>
+      <p:nvGrpSpPr>
+        <p:cNvPr id="337" name="Shape 337"/>
+        <p:cNvGrpSpPr/>
+        <p:nvPr/>
+      </p:nvGrpSpPr>
+      <p:grpSpPr>
+        <a:xfrm>
+          <a:off x="0" y="0"/>
+          <a:ext cx="0" cy="0"/>
+          <a:chOff x="0" y="0"/>
+          <a:chExt cx="0" cy="0"/>
+        </a:xfrm>
+      </p:grpSpPr>
+      <p:sp>
+        <p:nvSpPr>
+          <p:cNvPr id="338" name="Google Shape;338;p26"/>
+          <p:cNvSpPr txBox="1"/>
+          <p:nvPr>
+            <p:ph idx="4294967295" type="title"/>
+          </p:nvPr>
+        </p:nvSpPr>
+        <p:spPr>
+          <a:xfrm>
+            <a:off x="838080" y="180000"/>
+            <a:ext cx="10514100" cy="1324200"/>
+          </a:xfrm>
+          <a:prstGeom prst="rect">
+            <a:avLst/>
+          </a:prstGeom>
+          <a:noFill/>
+          <a:ln>
+            <a:noFill/>
+          </a:ln>
+        </p:spPr>
+        <p:txBody>
+          <a:bodyPr anchorCtr="0" anchor="ctr" bIns="45000" lIns="90000" spcFirstLastPara="1" rIns="90000" wrap="square" tIns="45000">
+            <a:noAutofit/>
+          </a:bodyPr>
+          <a:lstStyle/>
+          <a:p>
+            <a:pPr indent="0" lvl="0" marL="0" marR="0" rtl="0" algn="l">
+              <a:lnSpc>
+                <a:spcPct val="90000"/>
+              </a:lnSpc>
+              <a:spcBef>
+                <a:spcPts val="0"/>
+              </a:spcBef>
+              <a:spcAft>
+                <a:spcPts val="0"/>
+              </a:spcAft>
+              <a:buClr>
+                <a:srgbClr val="000000"/>
+              </a:buClr>
+              <a:buSzPts val="4400"/>
+              <a:buFont typeface="Arial"/>
+              <a:buNone/>
+            </a:pPr>
+            <a:r>
+              <a:rPr lang="en-US" sz="4400"/>
+              <a:t>Vias-in-pad</a:t>
+            </a:r>
+            <a:endParaRPr b="0" i="0" sz="4400" u="none" cap="none" strike="noStrike">
+              <a:solidFill>
+                <a:srgbClr val="000000"/>
+              </a:solidFill>
+              <a:latin typeface="Arial"/>
+              <a:ea typeface="Arial"/>
+              <a:cs typeface="Arial"/>
+              <a:sym typeface="Arial"/>
+            </a:endParaRPr>
+          </a:p>
+        </p:txBody>
+      </p:sp>
+      <p:sp>
+        <p:nvSpPr>
+          <p:cNvPr id="339" name="Google Shape;339;p26"/>
           <p:cNvSpPr txBox="1"/>
           <p:nvPr>
             <p:ph idx="4294967295" type="body"/>
@@ -16815,12 +18266,12 @@
           </a:bodyPr>
           <a:lstStyle/>
           <a:p>
-            <a:pPr indent="-228600" lvl="0" marL="228600" marR="0" rtl="0" algn="l">
+            <a:pPr indent="-406400" lvl="0" marL="457200" marR="0" rtl="0" algn="l">
               <a:lnSpc>
                 <a:spcPct val="90000"/>
               </a:lnSpc>
               <a:spcBef>
-                <a:spcPts val="0"/>
+                <a:spcPts val="1001"/>
               </a:spcBef>
               <a:spcAft>
                 <a:spcPts val="0"/>
@@ -16830,69 +18281,53 @@
               </a:buClr>
               <a:buSzPts val="2800"/>
               <a:buFont typeface="Arial"/>
-              <a:buChar char="•"/>
+              <a:buChar char="●"/>
             </a:pPr>
             <a:r>
-              <a:rPr b="0" i="0" lang="en-US" sz="2800" u="none" cap="none" strike="noStrike">
-                <a:solidFill>
-                  <a:srgbClr val="000000"/>
-                </a:solidFill>
-                <a:latin typeface="Arial"/>
-                <a:ea typeface="Arial"/>
-                <a:cs typeface="Arial"/>
-                <a:sym typeface="Arial"/>
-              </a:rPr>
-              <a:t>Texte</a:t>
+              <a:rPr lang="en-US" sz="2800"/>
+              <a:t>Via plus proche = mieux</a:t>
             </a:r>
-            <a:endParaRPr b="0" i="0" sz="2800" u="none" cap="none" strike="noStrike">
-              <a:solidFill>
-                <a:srgbClr val="000000"/>
-              </a:solidFill>
-              <a:latin typeface="Arial"/>
-              <a:ea typeface="Arial"/>
-              <a:cs typeface="Arial"/>
-              <a:sym typeface="Arial"/>
-            </a:endParaRPr>
+            <a:endParaRPr sz="2800"/>
           </a:p>
           <a:p>
-            <a:pPr indent="-228600" lvl="0" marL="228600" marR="0" rtl="0" algn="l">
+            <a:pPr indent="-406400" lvl="0" marL="457200" marR="0" rtl="0" algn="l">
               <a:lnSpc>
                 <a:spcPct val="90000"/>
               </a:lnSpc>
               <a:spcBef>
-                <a:spcPts val="1001"/>
-              </a:spcBef>
-              <a:spcAft>
-                <a:spcPts val="0"/>
-              </a:spcAft>
-              <a:buClr>
-                <a:srgbClr val="000000"/>
-              </a:buClr>
+                <a:spcPts val="0"/>
+              </a:spcBef>
+              <a:spcAft>
+                <a:spcPts val="0"/>
+              </a:spcAft>
               <a:buSzPts val="2800"/>
-              <a:buFont typeface="Arial"/>
-              <a:buChar char="•"/>
+              <a:buChar char="●"/>
             </a:pPr>
             <a:r>
-              <a:rPr b="0" i="0" lang="en-US" sz="2800" u="none" cap="none" strike="noStrike">
-                <a:solidFill>
-                  <a:srgbClr val="000000"/>
-                </a:solidFill>
-                <a:latin typeface="Arial"/>
-                <a:ea typeface="Arial"/>
-                <a:cs typeface="Arial"/>
-                <a:sym typeface="Arial"/>
-              </a:rPr>
-              <a:t>Texte</a:t>
+              <a:rPr lang="en-US" sz="2800"/>
+              <a:t>Via directement dans le pad</a:t>
             </a:r>
-            <a:endParaRPr b="0" i="0" sz="2800" u="none" cap="none" strike="noStrike">
-              <a:solidFill>
-                <a:srgbClr val="000000"/>
-              </a:solidFill>
-              <a:latin typeface="Arial"/>
-              <a:ea typeface="Arial"/>
-              <a:cs typeface="Arial"/>
-              <a:sym typeface="Arial"/>
-            </a:endParaRPr>
+            <a:endParaRPr sz="2800"/>
+          </a:p>
+          <a:p>
+            <a:pPr indent="-406400" lvl="0" marL="457200" marR="0" rtl="0" algn="l">
+              <a:lnSpc>
+                <a:spcPct val="90000"/>
+              </a:lnSpc>
+              <a:spcBef>
+                <a:spcPts val="0"/>
+              </a:spcBef>
+              <a:spcAft>
+                <a:spcPts val="0"/>
+              </a:spcAft>
+              <a:buSzPts val="2800"/>
+              <a:buChar char="●"/>
+            </a:pPr>
+            <a:r>
+              <a:rPr lang="en-US" sz="2800"/>
+              <a:t>Rempli d’epoxy, couvert de cuivre</a:t>
+            </a:r>
+            <a:endParaRPr sz="2800"/>
           </a:p>
           <a:p>
             <a:pPr indent="0" lvl="0" marL="0" marR="0" rtl="0" algn="l">
@@ -16905,28 +18340,62 @@
               <a:spcAft>
                 <a:spcPts val="0"/>
               </a:spcAft>
-              <a:buSzPts val="2800"/>
-              <a:buFont typeface="Arial"/>
               <a:buNone/>
             </a:pPr>
             <a:r>
               <a:t/>
             </a:r>
-            <a:endParaRPr b="0" i="0" sz="2800" u="none" cap="none" strike="noStrike">
-              <a:solidFill>
+            <a:endParaRPr sz="2800"/>
+          </a:p>
+          <a:p>
+            <a:pPr indent="-406400" lvl="0" marL="457200" marR="0" rtl="0" algn="l">
+              <a:lnSpc>
+                <a:spcPct val="90000"/>
+              </a:lnSpc>
+              <a:spcBef>
+                <a:spcPts val="1001"/>
+              </a:spcBef>
+              <a:spcAft>
+                <a:spcPts val="0"/>
+              </a:spcAft>
+              <a:buClr>
                 <a:srgbClr val="000000"/>
-              </a:solidFill>
-              <a:latin typeface="Arial"/>
-              <a:ea typeface="Arial"/>
-              <a:cs typeface="Arial"/>
-              <a:sym typeface="Arial"/>
-            </a:endParaRPr>
+              </a:buClr>
+              <a:buSzPts val="2800"/>
+              <a:buFont typeface="Arial"/>
+              <a:buChar char="●"/>
+            </a:pPr>
+            <a:r>
+              <a:rPr lang="en-US" sz="2800"/>
+              <a:t>Surface pas parfaitement plate</a:t>
+            </a:r>
+            <a:endParaRPr sz="2800"/>
+          </a:p>
+          <a:p>
+            <a:pPr indent="-406400" lvl="0" marL="457200" marR="0" rtl="0" algn="l">
+              <a:lnSpc>
+                <a:spcPct val="90000"/>
+              </a:lnSpc>
+              <a:spcBef>
+                <a:spcPts val="0"/>
+              </a:spcBef>
+              <a:spcAft>
+                <a:spcPts val="0"/>
+              </a:spcAft>
+              <a:buSzPts val="2800"/>
+              <a:buChar char="●"/>
+            </a:pPr>
+            <a:r>
+              <a:rPr lang="en-US" sz="2800"/>
+              <a:t>$$$</a:t>
+            </a:r>
+            <a:endParaRPr sz="2800"/>
           </a:p>
         </p:txBody>
       </p:sp>
       <p:pic>
         <p:nvPicPr>
-          <p:cNvPr id="319" name="Google Shape;319;p25">
+          <p:cNvPr id="340" name="Google Shape;340;p26">
             <a:hlinkClick r:id="rId3"/>
           </p:cNvPr>
           <p:cNvPicPr preferRelativeResize="0"/>
@@ -16955,7 +18424,7 @@
       </p:pic>
       <p:cxnSp>
         <p:nvCxnSpPr>
-          <p:cNvPr id="320" name="Google Shape;320;p25"/>
+          <p:cNvPr id="341" name="Google Shape;341;p26"/>
           <p:cNvCxnSpPr/>
           <p:nvPr/>
         </p:nvCxnSpPr>
@@ -16981,7 +18450,7 @@
       </p:cxnSp>
       <p:sp>
         <p:nvSpPr>
-          <p:cNvPr id="321" name="Google Shape;321;p25"/>
+          <p:cNvPr id="342" name="Google Shape;342;p26"/>
           <p:cNvSpPr txBox="1"/>
           <p:nvPr>
             <p:ph idx="11" type="ftr"/>
@@ -17041,7 +18510,7 @@
       </p:sp>
       <p:sp>
         <p:nvSpPr>
-          <p:cNvPr id="322" name="Google Shape;322;p25"/>
+          <p:cNvPr id="343" name="Google Shape;343;p26"/>
           <p:cNvSpPr txBox="1"/>
           <p:nvPr>
             <p:ph idx="12" type="sldNum"/>
@@ -17101,7 +18570,984 @@
       </p:sp>
       <p:sp>
         <p:nvSpPr>
-          <p:cNvPr id="323" name="Google Shape;323;p25"/>
+          <p:cNvPr id="344" name="Google Shape;344;p26"/>
+          <p:cNvSpPr txBox="1"/>
+          <p:nvPr>
+            <p:ph idx="10" type="dt"/>
+          </p:nvPr>
+        </p:nvSpPr>
+        <p:spPr>
+          <a:xfrm>
+            <a:off x="838080" y="6356520"/>
+            <a:ext cx="2741700" cy="363600"/>
+          </a:xfrm>
+          <a:prstGeom prst="rect">
+            <a:avLst/>
+          </a:prstGeom>
+          <a:noFill/>
+          <a:ln>
+            <a:noFill/>
+          </a:ln>
+        </p:spPr>
+        <p:txBody>
+          <a:bodyPr anchorCtr="0" anchor="ctr" bIns="45000" lIns="90000" spcFirstLastPara="1" rIns="90000" wrap="square" tIns="45000">
+            <a:noAutofit/>
+          </a:bodyPr>
+          <a:lstStyle/>
+          <a:p>
+            <a:pPr indent="0" lvl="0" marL="0" rtl="0" algn="l">
+              <a:spcBef>
+                <a:spcPts val="0"/>
+              </a:spcBef>
+              <a:spcAft>
+                <a:spcPts val="0"/>
+              </a:spcAft>
+              <a:buClr>
+                <a:srgbClr val="000000"/>
+              </a:buClr>
+              <a:buSzPts val="1400"/>
+              <a:buFont typeface="Times New Roman"/>
+              <a:buNone/>
+            </a:pPr>
+            <a:r>
+              <a:rPr lang="en-US"/>
+              <a:t>02/21/2025</a:t>
+            </a:r>
+            <a:endParaRPr/>
+          </a:p>
+        </p:txBody>
+      </p:sp>
+      <p:pic>
+        <p:nvPicPr>
+          <p:cNvPr id="345" name="Google Shape;345;p26"/>
+          <p:cNvPicPr preferRelativeResize="0"/>
+          <p:nvPr/>
+        </p:nvPicPr>
+        <p:blipFill>
+          <a:blip r:embed="rId5">
+            <a:alphaModFix/>
+          </a:blip>
+          <a:stretch>
+            <a:fillRect/>
+          </a:stretch>
+        </p:blipFill>
+        <p:spPr>
+          <a:xfrm>
+            <a:off x="4947348" y="1050100"/>
+            <a:ext cx="7637674" cy="4389800"/>
+          </a:xfrm>
+          <a:prstGeom prst="rect">
+            <a:avLst/>
+          </a:prstGeom>
+          <a:noFill/>
+          <a:ln>
+            <a:noFill/>
+          </a:ln>
+        </p:spPr>
+      </p:pic>
+      <p:sp>
+        <p:nvSpPr>
+          <p:cNvPr id="346" name="Google Shape;346;p26"/>
+          <p:cNvSpPr/>
+          <p:nvPr/>
+        </p:nvSpPr>
+        <p:spPr>
+          <a:xfrm>
+            <a:off x="5388150" y="5190300"/>
+            <a:ext cx="3885000" cy="249600"/>
+          </a:xfrm>
+          <a:prstGeom prst="rect">
+            <a:avLst/>
+          </a:prstGeom>
+          <a:noFill/>
+          <a:ln>
+            <a:noFill/>
+          </a:ln>
+        </p:spPr>
+        <p:txBody>
+          <a:bodyPr anchorCtr="0" anchor="t" bIns="45000" lIns="90000" spcFirstLastPara="1" rIns="90000" wrap="square" tIns="45000">
+            <a:noAutofit/>
+          </a:bodyPr>
+          <a:lstStyle/>
+          <a:p>
+            <a:pPr indent="0" lvl="0" marL="0" marR="0" rtl="0" algn="l">
+              <a:lnSpc>
+                <a:spcPct val="100000"/>
+              </a:lnSpc>
+              <a:spcBef>
+                <a:spcPts val="0"/>
+              </a:spcBef>
+              <a:spcAft>
+                <a:spcPts val="0"/>
+              </a:spcAft>
+              <a:buNone/>
+            </a:pPr>
+            <a:r>
+              <a:rPr lang="en-US" sz="900"/>
+              <a:t>https://www.macrofab.com/blog/via-in-pad-pcb-design/</a:t>
+            </a:r>
+            <a:endParaRPr b="0" i="0" sz="900" u="none" cap="none" strike="noStrike">
+              <a:solidFill>
+                <a:srgbClr val="000000"/>
+              </a:solidFill>
+              <a:latin typeface="Arial"/>
+              <a:ea typeface="Arial"/>
+              <a:cs typeface="Arial"/>
+              <a:sym typeface="Arial"/>
+            </a:endParaRPr>
+          </a:p>
+        </p:txBody>
+      </p:sp>
+    </p:spTree>
+  </p:cSld>
+  <p:clrMapOvr>
+    <a:masterClrMapping/>
+  </p:clrMapOvr>
+</p:sld>
+</file>
+
+<file path=ppt/slides/slide15.xml><?xml version="1.0" encoding="utf-8"?>
+<p:sld xmlns:a="http://schemas.openxmlformats.org/drawingml/2006/main" xmlns:r="http://schemas.openxmlformats.org/officeDocument/2006/relationships" xmlns:mc="http://schemas.openxmlformats.org/markup-compatibility/2006" xmlns:mv="urn:schemas-microsoft-com:mac:vml" xmlns:p="http://schemas.openxmlformats.org/presentationml/2006/main" xmlns:c="http://schemas.openxmlformats.org/drawingml/2006/chart" xmlns:dgm="http://schemas.openxmlformats.org/drawingml/2006/diagram" xmlns:o="urn:schemas-microsoft-com:office:office" xmlns:v="urn:schemas-microsoft-com:vml" xmlns:pvml="urn:schemas-microsoft-com:office:powerpoint" xmlns:com="http://schemas.openxmlformats.org/drawingml/2006/compatibility" xmlns:p14="http://schemas.microsoft.com/office/powerpoint/2010/main" xmlns:p15="http://schemas.microsoft.com/office/powerpoint/2012/main" xmlns:ahyp="http://schemas.microsoft.com/office/drawing/2018/hyperlinkcolor">
+  <p:cSld>
+    <p:spTree>
+      <p:nvGrpSpPr>
+        <p:cNvPr id="350" name="Shape 350"/>
+        <p:cNvGrpSpPr/>
+        <p:nvPr/>
+      </p:nvGrpSpPr>
+      <p:grpSpPr>
+        <a:xfrm>
+          <a:off x="0" y="0"/>
+          <a:ext cx="0" cy="0"/>
+          <a:chOff x="0" y="0"/>
+          <a:chExt cx="0" cy="0"/>
+        </a:xfrm>
+      </p:grpSpPr>
+      <p:sp>
+        <p:nvSpPr>
+          <p:cNvPr id="351" name="Google Shape;351;p27"/>
+          <p:cNvSpPr txBox="1"/>
+          <p:nvPr>
+            <p:ph idx="4294967295" type="title"/>
+          </p:nvPr>
+        </p:nvSpPr>
+        <p:spPr>
+          <a:xfrm>
+            <a:off x="838080" y="180000"/>
+            <a:ext cx="10514100" cy="1324200"/>
+          </a:xfrm>
+          <a:prstGeom prst="rect">
+            <a:avLst/>
+          </a:prstGeom>
+          <a:noFill/>
+          <a:ln>
+            <a:noFill/>
+          </a:ln>
+        </p:spPr>
+        <p:txBody>
+          <a:bodyPr anchorCtr="0" anchor="ctr" bIns="45000" lIns="90000" spcFirstLastPara="1" rIns="90000" wrap="square" tIns="45000">
+            <a:noAutofit/>
+          </a:bodyPr>
+          <a:lstStyle/>
+          <a:p>
+            <a:pPr indent="0" lvl="0" marL="0" marR="0" rtl="0" algn="l">
+              <a:lnSpc>
+                <a:spcPct val="90000"/>
+              </a:lnSpc>
+              <a:spcBef>
+                <a:spcPts val="0"/>
+              </a:spcBef>
+              <a:spcAft>
+                <a:spcPts val="0"/>
+              </a:spcAft>
+              <a:buClr>
+                <a:srgbClr val="000000"/>
+              </a:buClr>
+              <a:buSzPts val="4400"/>
+              <a:buFont typeface="Arial"/>
+              <a:buNone/>
+            </a:pPr>
+            <a:r>
+              <a:rPr lang="en-US" sz="4400"/>
+              <a:t>Panneau</a:t>
+            </a:r>
+            <a:endParaRPr b="0" i="0" sz="4400" u="none" cap="none" strike="noStrike">
+              <a:solidFill>
+                <a:srgbClr val="000000"/>
+              </a:solidFill>
+              <a:latin typeface="Arial"/>
+              <a:ea typeface="Arial"/>
+              <a:cs typeface="Arial"/>
+              <a:sym typeface="Arial"/>
+            </a:endParaRPr>
+          </a:p>
+        </p:txBody>
+      </p:sp>
+      <p:sp>
+        <p:nvSpPr>
+          <p:cNvPr id="352" name="Google Shape;352;p27"/>
+          <p:cNvSpPr txBox="1"/>
+          <p:nvPr>
+            <p:ph idx="4294967295" type="body"/>
+          </p:nvPr>
+        </p:nvSpPr>
+        <p:spPr>
+          <a:xfrm>
+            <a:off x="838080" y="1439640"/>
+            <a:ext cx="10514100" cy="4915500"/>
+          </a:xfrm>
+          <a:prstGeom prst="rect">
+            <a:avLst/>
+          </a:prstGeom>
+          <a:noFill/>
+          <a:ln>
+            <a:noFill/>
+          </a:ln>
+        </p:spPr>
+        <p:txBody>
+          <a:bodyPr anchorCtr="0" anchor="t" bIns="45000" lIns="90000" spcFirstLastPara="1" rIns="90000" wrap="square" tIns="45000">
+            <a:normAutofit/>
+          </a:bodyPr>
+          <a:lstStyle/>
+          <a:p>
+            <a:pPr indent="-406400" lvl="0" marL="457200" marR="0" rtl="0" algn="l">
+              <a:lnSpc>
+                <a:spcPct val="90000"/>
+              </a:lnSpc>
+              <a:spcBef>
+                <a:spcPts val="0"/>
+              </a:spcBef>
+              <a:spcAft>
+                <a:spcPts val="0"/>
+              </a:spcAft>
+              <a:buClr>
+                <a:srgbClr val="000000"/>
+              </a:buClr>
+              <a:buSzPts val="2800"/>
+              <a:buFont typeface="Arial"/>
+              <a:buChar char="●"/>
+            </a:pPr>
+            <a:r>
+              <a:rPr lang="en-US" sz="2800"/>
+              <a:t>Les PCBs sont fabriqués en panneaux</a:t>
+            </a:r>
+            <a:endParaRPr b="0" i="0" sz="2800" u="none" cap="none" strike="noStrike">
+              <a:solidFill>
+                <a:srgbClr val="000000"/>
+              </a:solidFill>
+              <a:latin typeface="Arial"/>
+              <a:ea typeface="Arial"/>
+              <a:cs typeface="Arial"/>
+              <a:sym typeface="Arial"/>
+            </a:endParaRPr>
+          </a:p>
+          <a:p>
+            <a:pPr indent="-406400" lvl="0" marL="457200" marR="0" rtl="0" algn="l">
+              <a:lnSpc>
+                <a:spcPct val="90000"/>
+              </a:lnSpc>
+              <a:spcBef>
+                <a:spcPts val="0"/>
+              </a:spcBef>
+              <a:spcAft>
+                <a:spcPts val="0"/>
+              </a:spcAft>
+              <a:buClr>
+                <a:srgbClr val="000000"/>
+              </a:buClr>
+              <a:buSzPts val="2800"/>
+              <a:buFont typeface="Arial"/>
+              <a:buChar char="●"/>
+            </a:pPr>
+            <a:r>
+              <a:rPr b="0" i="0" lang="en-US" sz="2800" u="none" cap="none" strike="noStrike">
+                <a:solidFill>
+                  <a:srgbClr val="000000"/>
+                </a:solidFill>
+                <a:latin typeface="Arial"/>
+                <a:ea typeface="Arial"/>
+                <a:cs typeface="Arial"/>
+                <a:sym typeface="Arial"/>
+              </a:rPr>
+              <a:t>Texte</a:t>
+            </a:r>
+            <a:endParaRPr b="0" i="0" sz="2800" u="none" cap="none" strike="noStrike">
+              <a:solidFill>
+                <a:srgbClr val="000000"/>
+              </a:solidFill>
+              <a:latin typeface="Arial"/>
+              <a:ea typeface="Arial"/>
+              <a:cs typeface="Arial"/>
+              <a:sym typeface="Arial"/>
+            </a:endParaRPr>
+          </a:p>
+          <a:p>
+            <a:pPr indent="-406400" lvl="0" marL="457200" marR="0" rtl="0" algn="l">
+              <a:lnSpc>
+                <a:spcPct val="90000"/>
+              </a:lnSpc>
+              <a:spcBef>
+                <a:spcPts val="0"/>
+              </a:spcBef>
+              <a:spcAft>
+                <a:spcPts val="0"/>
+              </a:spcAft>
+              <a:buClr>
+                <a:srgbClr val="000000"/>
+              </a:buClr>
+              <a:buSzPts val="2800"/>
+              <a:buFont typeface="Arial"/>
+              <a:buChar char="●"/>
+            </a:pPr>
+            <a:r>
+              <a:t/>
+            </a:r>
+            <a:endParaRPr b="0" i="0" sz="2800" u="none" cap="none" strike="noStrike">
+              <a:solidFill>
+                <a:srgbClr val="000000"/>
+              </a:solidFill>
+              <a:latin typeface="Arial"/>
+              <a:ea typeface="Arial"/>
+              <a:cs typeface="Arial"/>
+              <a:sym typeface="Arial"/>
+            </a:endParaRPr>
+          </a:p>
+        </p:txBody>
+      </p:sp>
+      <p:pic>
+        <p:nvPicPr>
+          <p:cNvPr id="353" name="Google Shape;353;p27">
+            <a:hlinkClick r:id="rId3"/>
+          </p:cNvPr>
+          <p:cNvPicPr preferRelativeResize="0"/>
+          <p:nvPr/>
+        </p:nvPicPr>
+        <p:blipFill rotWithShape="1">
+          <a:blip r:embed="rId4">
+            <a:alphaModFix/>
+          </a:blip>
+          <a:srcRect b="0" l="0" r="0" t="0"/>
+          <a:stretch/>
+        </p:blipFill>
+        <p:spPr>
+          <a:xfrm>
+            <a:off x="11880360" y="6546240"/>
+            <a:ext cx="311400" cy="311400"/>
+          </a:xfrm>
+          <a:prstGeom prst="rect">
+            <a:avLst/>
+          </a:prstGeom>
+          <a:noFill/>
+          <a:ln>
+            <a:noFill/>
+          </a:ln>
+        </p:spPr>
+      </p:pic>
+      <p:cxnSp>
+        <p:nvCxnSpPr>
+          <p:cNvPr id="354" name="Google Shape;354;p27"/>
+          <p:cNvCxnSpPr/>
+          <p:nvPr/>
+        </p:nvCxnSpPr>
+        <p:spPr>
+          <a:xfrm>
+            <a:off x="828000" y="1188000"/>
+            <a:ext cx="10080000" cy="300"/>
+          </a:xfrm>
+          <a:prstGeom prst="straightConnector1">
+            <a:avLst/>
+          </a:prstGeom>
+          <a:noFill/>
+          <a:ln cap="flat" cmpd="sng" w="36000">
+            <a:solidFill>
+              <a:srgbClr val="158466"/>
+            </a:solidFill>
+            <a:prstDash val="solid"/>
+            <a:round/>
+            <a:headEnd len="sm" w="sm" type="none"/>
+            <a:tailEnd len="sm" w="sm" type="none"/>
+          </a:ln>
+        </p:spPr>
+      </p:cxnSp>
+      <p:sp>
+        <p:nvSpPr>
+          <p:cNvPr id="355" name="Google Shape;355;p27"/>
+          <p:cNvSpPr txBox="1"/>
+          <p:nvPr>
+            <p:ph idx="11" type="ftr"/>
+          </p:nvPr>
+        </p:nvSpPr>
+        <p:spPr>
+          <a:xfrm>
+            <a:off x="4038480" y="6356520"/>
+            <a:ext cx="4113300" cy="363600"/>
+          </a:xfrm>
+          <a:prstGeom prst="rect">
+            <a:avLst/>
+          </a:prstGeom>
+          <a:noFill/>
+          <a:ln>
+            <a:noFill/>
+          </a:ln>
+        </p:spPr>
+        <p:txBody>
+          <a:bodyPr anchorCtr="0" anchor="ctr" bIns="45000" lIns="90000" spcFirstLastPara="1" rIns="90000" wrap="square" tIns="45000">
+            <a:noAutofit/>
+          </a:bodyPr>
+          <a:lstStyle/>
+          <a:p>
+            <a:pPr indent="0" lvl="0" marL="0" rtl="0" algn="ctr">
+              <a:lnSpc>
+                <a:spcPct val="100000"/>
+              </a:lnSpc>
+              <a:spcBef>
+                <a:spcPts val="0"/>
+              </a:spcBef>
+              <a:spcAft>
+                <a:spcPts val="0"/>
+              </a:spcAft>
+              <a:buClr>
+                <a:srgbClr val="787878"/>
+              </a:buClr>
+              <a:buSzPts val="1200"/>
+              <a:buFont typeface="Arial"/>
+              <a:buNone/>
+            </a:pPr>
+            <a:r>
+              <a:rPr b="0" lang="en-US" sz="1200" u="none" strike="noStrike">
+                <a:solidFill>
+                  <a:srgbClr val="787878"/>
+                </a:solidFill>
+                <a:latin typeface="Arial"/>
+                <a:ea typeface="Arial"/>
+                <a:cs typeface="Arial"/>
+                <a:sym typeface="Arial"/>
+              </a:rPr>
+              <a:t>C3I - Pascal-Emmanuel Lachance</a:t>
+            </a:r>
+            <a:endParaRPr/>
+          </a:p>
+        </p:txBody>
+      </p:sp>
+      <p:sp>
+        <p:nvSpPr>
+          <p:cNvPr id="356" name="Google Shape;356;p27"/>
+          <p:cNvSpPr txBox="1"/>
+          <p:nvPr>
+            <p:ph idx="12" type="sldNum"/>
+          </p:nvPr>
+        </p:nvSpPr>
+        <p:spPr>
+          <a:xfrm>
+            <a:off x="8610480" y="6356520"/>
+            <a:ext cx="2741700" cy="363600"/>
+          </a:xfrm>
+          <a:prstGeom prst="rect">
+            <a:avLst/>
+          </a:prstGeom>
+          <a:noFill/>
+          <a:ln>
+            <a:noFill/>
+          </a:ln>
+        </p:spPr>
+        <p:txBody>
+          <a:bodyPr anchorCtr="0" anchor="ctr" bIns="45000" lIns="90000" spcFirstLastPara="1" rIns="90000" wrap="square" tIns="45000">
+            <a:noAutofit/>
+          </a:bodyPr>
+          <a:lstStyle/>
+          <a:p>
+            <a:pPr indent="0" lvl="0" marL="0" rtl="0" algn="r">
+              <a:lnSpc>
+                <a:spcPct val="100000"/>
+              </a:lnSpc>
+              <a:spcBef>
+                <a:spcPts val="0"/>
+              </a:spcBef>
+              <a:spcAft>
+                <a:spcPts val="0"/>
+              </a:spcAft>
+              <a:buClr>
+                <a:srgbClr val="787878"/>
+              </a:buClr>
+              <a:buSzPts val="1200"/>
+              <a:buFont typeface="Arial"/>
+              <a:buNone/>
+            </a:pPr>
+            <a:fld id="{00000000-1234-1234-1234-123412341234}" type="slidenum">
+              <a:rPr b="0" lang="en-US" sz="1200" u="none" strike="noStrike">
+                <a:solidFill>
+                  <a:srgbClr val="787878"/>
+                </a:solidFill>
+                <a:latin typeface="Arial"/>
+                <a:ea typeface="Arial"/>
+                <a:cs typeface="Arial"/>
+                <a:sym typeface="Arial"/>
+              </a:rPr>
+              <a:t>‹#›</a:t>
+            </a:fld>
+            <a:endParaRPr/>
+          </a:p>
+        </p:txBody>
+      </p:sp>
+      <p:sp>
+        <p:nvSpPr>
+          <p:cNvPr id="357" name="Google Shape;357;p27"/>
+          <p:cNvSpPr txBox="1"/>
+          <p:nvPr>
+            <p:ph idx="10" type="dt"/>
+          </p:nvPr>
+        </p:nvSpPr>
+        <p:spPr>
+          <a:xfrm>
+            <a:off x="838080" y="6356520"/>
+            <a:ext cx="2741700" cy="363600"/>
+          </a:xfrm>
+          <a:prstGeom prst="rect">
+            <a:avLst/>
+          </a:prstGeom>
+          <a:noFill/>
+          <a:ln>
+            <a:noFill/>
+          </a:ln>
+        </p:spPr>
+        <p:txBody>
+          <a:bodyPr anchorCtr="0" anchor="ctr" bIns="45000" lIns="90000" spcFirstLastPara="1" rIns="90000" wrap="square" tIns="45000">
+            <a:noAutofit/>
+          </a:bodyPr>
+          <a:lstStyle/>
+          <a:p>
+            <a:pPr indent="0" lvl="0" marL="0" rtl="0" algn="l">
+              <a:spcBef>
+                <a:spcPts val="0"/>
+              </a:spcBef>
+              <a:spcAft>
+                <a:spcPts val="0"/>
+              </a:spcAft>
+              <a:buClr>
+                <a:srgbClr val="000000"/>
+              </a:buClr>
+              <a:buSzPts val="1400"/>
+              <a:buFont typeface="Times New Roman"/>
+              <a:buNone/>
+            </a:pPr>
+            <a:r>
+              <a:rPr lang="en-US"/>
+              <a:t>02/21/2025</a:t>
+            </a:r>
+            <a:endParaRPr/>
+          </a:p>
+        </p:txBody>
+      </p:sp>
+    </p:spTree>
+  </p:cSld>
+  <p:clrMapOvr>
+    <a:masterClrMapping/>
+  </p:clrMapOvr>
+</p:sld>
+</file>
+
+<file path=ppt/slides/slide16.xml><?xml version="1.0" encoding="utf-8"?>
+<p:sld xmlns:a="http://schemas.openxmlformats.org/drawingml/2006/main" xmlns:r="http://schemas.openxmlformats.org/officeDocument/2006/relationships" xmlns:mc="http://schemas.openxmlformats.org/markup-compatibility/2006" xmlns:mv="urn:schemas-microsoft-com:mac:vml" xmlns:p="http://schemas.openxmlformats.org/presentationml/2006/main" xmlns:c="http://schemas.openxmlformats.org/drawingml/2006/chart" xmlns:dgm="http://schemas.openxmlformats.org/drawingml/2006/diagram" xmlns:o="urn:schemas-microsoft-com:office:office" xmlns:v="urn:schemas-microsoft-com:vml" xmlns:pvml="urn:schemas-microsoft-com:office:powerpoint" xmlns:com="http://schemas.openxmlformats.org/drawingml/2006/compatibility" xmlns:p14="http://schemas.microsoft.com/office/powerpoint/2010/main" xmlns:p15="http://schemas.microsoft.com/office/powerpoint/2012/main" xmlns:ahyp="http://schemas.microsoft.com/office/drawing/2018/hyperlinkcolor">
+  <p:cSld>
+    <p:spTree>
+      <p:nvGrpSpPr>
+        <p:cNvPr id="361" name="Shape 361"/>
+        <p:cNvGrpSpPr/>
+        <p:nvPr/>
+      </p:nvGrpSpPr>
+      <p:grpSpPr>
+        <a:xfrm>
+          <a:off x="0" y="0"/>
+          <a:ext cx="0" cy="0"/>
+          <a:chOff x="0" y="0"/>
+          <a:chExt cx="0" cy="0"/>
+        </a:xfrm>
+      </p:grpSpPr>
+      <p:sp>
+        <p:nvSpPr>
+          <p:cNvPr id="362" name="Google Shape;362;p28"/>
+          <p:cNvSpPr txBox="1"/>
+          <p:nvPr>
+            <p:ph idx="4294967295" type="title"/>
+          </p:nvPr>
+        </p:nvSpPr>
+        <p:spPr>
+          <a:xfrm>
+            <a:off x="838080" y="180000"/>
+            <a:ext cx="10514100" cy="1324200"/>
+          </a:xfrm>
+          <a:prstGeom prst="rect">
+            <a:avLst/>
+          </a:prstGeom>
+          <a:noFill/>
+          <a:ln>
+            <a:noFill/>
+          </a:ln>
+        </p:spPr>
+        <p:txBody>
+          <a:bodyPr anchorCtr="0" anchor="ctr" bIns="45000" lIns="90000" spcFirstLastPara="1" rIns="90000" wrap="square" tIns="45000">
+            <a:noAutofit/>
+          </a:bodyPr>
+          <a:lstStyle/>
+          <a:p>
+            <a:pPr indent="0" lvl="0" marL="0" marR="0" rtl="0" algn="l">
+              <a:lnSpc>
+                <a:spcPct val="90000"/>
+              </a:lnSpc>
+              <a:spcBef>
+                <a:spcPts val="0"/>
+              </a:spcBef>
+              <a:spcAft>
+                <a:spcPts val="0"/>
+              </a:spcAft>
+              <a:buClr>
+                <a:srgbClr val="000000"/>
+              </a:buClr>
+              <a:buSzPts val="4400"/>
+              <a:buFont typeface="Arial"/>
+              <a:buNone/>
+            </a:pPr>
+            <a:r>
+              <a:rPr b="0" i="0" lang="en-US" sz="4400" u="none" cap="none" strike="noStrike">
+                <a:solidFill>
+                  <a:srgbClr val="000000"/>
+                </a:solidFill>
+                <a:latin typeface="Arial"/>
+                <a:ea typeface="Arial"/>
+                <a:cs typeface="Arial"/>
+                <a:sym typeface="Arial"/>
+              </a:rPr>
+              <a:t>Section 1</a:t>
+            </a:r>
+            <a:endParaRPr b="0" i="0" sz="4400" u="none" cap="none" strike="noStrike">
+              <a:solidFill>
+                <a:srgbClr val="000000"/>
+              </a:solidFill>
+              <a:latin typeface="Arial"/>
+              <a:ea typeface="Arial"/>
+              <a:cs typeface="Arial"/>
+              <a:sym typeface="Arial"/>
+            </a:endParaRPr>
+          </a:p>
+        </p:txBody>
+      </p:sp>
+      <p:sp>
+        <p:nvSpPr>
+          <p:cNvPr id="363" name="Google Shape;363;p28"/>
+          <p:cNvSpPr txBox="1"/>
+          <p:nvPr>
+            <p:ph idx="4294967295" type="body"/>
+          </p:nvPr>
+        </p:nvSpPr>
+        <p:spPr>
+          <a:xfrm>
+            <a:off x="838080" y="1439640"/>
+            <a:ext cx="10514100" cy="4915500"/>
+          </a:xfrm>
+          <a:prstGeom prst="rect">
+            <a:avLst/>
+          </a:prstGeom>
+          <a:noFill/>
+          <a:ln>
+            <a:noFill/>
+          </a:ln>
+        </p:spPr>
+        <p:txBody>
+          <a:bodyPr anchorCtr="0" anchor="t" bIns="45000" lIns="90000" spcFirstLastPara="1" rIns="90000" wrap="square" tIns="45000">
+            <a:normAutofit/>
+          </a:bodyPr>
+          <a:lstStyle/>
+          <a:p>
+            <a:pPr indent="-406400" lvl="0" marL="457200" marR="0" rtl="0" algn="l">
+              <a:lnSpc>
+                <a:spcPct val="90000"/>
+              </a:lnSpc>
+              <a:spcBef>
+                <a:spcPts val="0"/>
+              </a:spcBef>
+              <a:spcAft>
+                <a:spcPts val="0"/>
+              </a:spcAft>
+              <a:buClr>
+                <a:srgbClr val="000000"/>
+              </a:buClr>
+              <a:buSzPts val="2800"/>
+              <a:buFont typeface="Arial"/>
+              <a:buChar char="●"/>
+            </a:pPr>
+            <a:r>
+              <a:rPr b="0" i="0" lang="en-US" sz="2800" u="none" cap="none" strike="noStrike">
+                <a:solidFill>
+                  <a:srgbClr val="000000"/>
+                </a:solidFill>
+                <a:latin typeface="Arial"/>
+                <a:ea typeface="Arial"/>
+                <a:cs typeface="Arial"/>
+                <a:sym typeface="Arial"/>
+              </a:rPr>
+              <a:t>Texte</a:t>
+            </a:r>
+            <a:endParaRPr b="0" i="0" sz="2800" u="none" cap="none" strike="noStrike">
+              <a:solidFill>
+                <a:srgbClr val="000000"/>
+              </a:solidFill>
+              <a:latin typeface="Arial"/>
+              <a:ea typeface="Arial"/>
+              <a:cs typeface="Arial"/>
+              <a:sym typeface="Arial"/>
+            </a:endParaRPr>
+          </a:p>
+          <a:p>
+            <a:pPr indent="-406400" lvl="0" marL="457200" marR="0" rtl="0" algn="l">
+              <a:lnSpc>
+                <a:spcPct val="90000"/>
+              </a:lnSpc>
+              <a:spcBef>
+                <a:spcPts val="0"/>
+              </a:spcBef>
+              <a:spcAft>
+                <a:spcPts val="0"/>
+              </a:spcAft>
+              <a:buClr>
+                <a:srgbClr val="000000"/>
+              </a:buClr>
+              <a:buSzPts val="2800"/>
+              <a:buFont typeface="Arial"/>
+              <a:buChar char="●"/>
+            </a:pPr>
+            <a:r>
+              <a:rPr b="0" i="0" lang="en-US" sz="2800" u="none" cap="none" strike="noStrike">
+                <a:solidFill>
+                  <a:srgbClr val="000000"/>
+                </a:solidFill>
+                <a:latin typeface="Arial"/>
+                <a:ea typeface="Arial"/>
+                <a:cs typeface="Arial"/>
+                <a:sym typeface="Arial"/>
+              </a:rPr>
+              <a:t>Texte</a:t>
+            </a:r>
+            <a:endParaRPr b="0" i="0" sz="2800" u="none" cap="none" strike="noStrike">
+              <a:solidFill>
+                <a:srgbClr val="000000"/>
+              </a:solidFill>
+              <a:latin typeface="Arial"/>
+              <a:ea typeface="Arial"/>
+              <a:cs typeface="Arial"/>
+              <a:sym typeface="Arial"/>
+            </a:endParaRPr>
+          </a:p>
+          <a:p>
+            <a:pPr indent="-406400" lvl="0" marL="457200" marR="0" rtl="0" algn="l">
+              <a:lnSpc>
+                <a:spcPct val="90000"/>
+              </a:lnSpc>
+              <a:spcBef>
+                <a:spcPts val="0"/>
+              </a:spcBef>
+              <a:spcAft>
+                <a:spcPts val="0"/>
+              </a:spcAft>
+              <a:buClr>
+                <a:srgbClr val="000000"/>
+              </a:buClr>
+              <a:buSzPts val="2800"/>
+              <a:buFont typeface="Arial"/>
+              <a:buChar char="●"/>
+            </a:pPr>
+            <a:r>
+              <a:t/>
+            </a:r>
+            <a:endParaRPr b="0" i="0" sz="2800" u="none" cap="none" strike="noStrike">
+              <a:solidFill>
+                <a:srgbClr val="000000"/>
+              </a:solidFill>
+              <a:latin typeface="Arial"/>
+              <a:ea typeface="Arial"/>
+              <a:cs typeface="Arial"/>
+              <a:sym typeface="Arial"/>
+            </a:endParaRPr>
+          </a:p>
+        </p:txBody>
+      </p:sp>
+      <p:pic>
+        <p:nvPicPr>
+          <p:cNvPr id="364" name="Google Shape;364;p28">
+            <a:hlinkClick r:id="rId3"/>
+          </p:cNvPr>
+          <p:cNvPicPr preferRelativeResize="0"/>
+          <p:nvPr/>
+        </p:nvPicPr>
+        <p:blipFill rotWithShape="1">
+          <a:blip r:embed="rId4">
+            <a:alphaModFix/>
+          </a:blip>
+          <a:srcRect b="0" l="0" r="0" t="0"/>
+          <a:stretch/>
+        </p:blipFill>
+        <p:spPr>
+          <a:xfrm>
+            <a:off x="11880360" y="6546240"/>
+            <a:ext cx="311400" cy="311400"/>
+          </a:xfrm>
+          <a:prstGeom prst="rect">
+            <a:avLst/>
+          </a:prstGeom>
+          <a:noFill/>
+          <a:ln>
+            <a:noFill/>
+          </a:ln>
+        </p:spPr>
+      </p:pic>
+      <p:cxnSp>
+        <p:nvCxnSpPr>
+          <p:cNvPr id="365" name="Google Shape;365;p28"/>
+          <p:cNvCxnSpPr/>
+          <p:nvPr/>
+        </p:nvCxnSpPr>
+        <p:spPr>
+          <a:xfrm>
+            <a:off x="828000" y="1188000"/>
+            <a:ext cx="10080000" cy="300"/>
+          </a:xfrm>
+          <a:prstGeom prst="straightConnector1">
+            <a:avLst/>
+          </a:prstGeom>
+          <a:noFill/>
+          <a:ln cap="flat" cmpd="sng" w="36000">
+            <a:solidFill>
+              <a:srgbClr val="158466"/>
+            </a:solidFill>
+            <a:prstDash val="solid"/>
+            <a:round/>
+            <a:headEnd len="sm" w="sm" type="none"/>
+            <a:tailEnd len="sm" w="sm" type="none"/>
+          </a:ln>
+        </p:spPr>
+      </p:cxnSp>
+      <p:sp>
+        <p:nvSpPr>
+          <p:cNvPr id="366" name="Google Shape;366;p28"/>
+          <p:cNvSpPr txBox="1"/>
+          <p:nvPr>
+            <p:ph idx="11" type="ftr"/>
+          </p:nvPr>
+        </p:nvSpPr>
+        <p:spPr>
+          <a:xfrm>
+            <a:off x="4038480" y="6356520"/>
+            <a:ext cx="4113300" cy="363600"/>
+          </a:xfrm>
+          <a:prstGeom prst="rect">
+            <a:avLst/>
+          </a:prstGeom>
+          <a:noFill/>
+          <a:ln>
+            <a:noFill/>
+          </a:ln>
+        </p:spPr>
+        <p:txBody>
+          <a:bodyPr anchorCtr="0" anchor="ctr" bIns="45000" lIns="90000" spcFirstLastPara="1" rIns="90000" wrap="square" tIns="45000">
+            <a:noAutofit/>
+          </a:bodyPr>
+          <a:lstStyle/>
+          <a:p>
+            <a:pPr indent="0" lvl="0" marL="0" rtl="0" algn="ctr">
+              <a:lnSpc>
+                <a:spcPct val="100000"/>
+              </a:lnSpc>
+              <a:spcBef>
+                <a:spcPts val="0"/>
+              </a:spcBef>
+              <a:spcAft>
+                <a:spcPts val="0"/>
+              </a:spcAft>
+              <a:buClr>
+                <a:srgbClr val="787878"/>
+              </a:buClr>
+              <a:buSzPts val="1200"/>
+              <a:buFont typeface="Arial"/>
+              <a:buNone/>
+            </a:pPr>
+            <a:r>
+              <a:rPr b="0" lang="en-US" sz="1200" u="none" strike="noStrike">
+                <a:solidFill>
+                  <a:srgbClr val="787878"/>
+                </a:solidFill>
+                <a:latin typeface="Arial"/>
+                <a:ea typeface="Arial"/>
+                <a:cs typeface="Arial"/>
+                <a:sym typeface="Arial"/>
+              </a:rPr>
+              <a:t>C3I - Pascal-Emmanuel Lachance</a:t>
+            </a:r>
+            <a:endParaRPr/>
+          </a:p>
+        </p:txBody>
+      </p:sp>
+      <p:sp>
+        <p:nvSpPr>
+          <p:cNvPr id="367" name="Google Shape;367;p28"/>
+          <p:cNvSpPr txBox="1"/>
+          <p:nvPr>
+            <p:ph idx="12" type="sldNum"/>
+          </p:nvPr>
+        </p:nvSpPr>
+        <p:spPr>
+          <a:xfrm>
+            <a:off x="8610480" y="6356520"/>
+            <a:ext cx="2741700" cy="363600"/>
+          </a:xfrm>
+          <a:prstGeom prst="rect">
+            <a:avLst/>
+          </a:prstGeom>
+          <a:noFill/>
+          <a:ln>
+            <a:noFill/>
+          </a:ln>
+        </p:spPr>
+        <p:txBody>
+          <a:bodyPr anchorCtr="0" anchor="ctr" bIns="45000" lIns="90000" spcFirstLastPara="1" rIns="90000" wrap="square" tIns="45000">
+            <a:noAutofit/>
+          </a:bodyPr>
+          <a:lstStyle/>
+          <a:p>
+            <a:pPr indent="0" lvl="0" marL="0" rtl="0" algn="r">
+              <a:lnSpc>
+                <a:spcPct val="100000"/>
+              </a:lnSpc>
+              <a:spcBef>
+                <a:spcPts val="0"/>
+              </a:spcBef>
+              <a:spcAft>
+                <a:spcPts val="0"/>
+              </a:spcAft>
+              <a:buClr>
+                <a:srgbClr val="787878"/>
+              </a:buClr>
+              <a:buSzPts val="1200"/>
+              <a:buFont typeface="Arial"/>
+              <a:buNone/>
+            </a:pPr>
+            <a:fld id="{00000000-1234-1234-1234-123412341234}" type="slidenum">
+              <a:rPr b="0" lang="en-US" sz="1200" u="none" strike="noStrike">
+                <a:solidFill>
+                  <a:srgbClr val="787878"/>
+                </a:solidFill>
+                <a:latin typeface="Arial"/>
+                <a:ea typeface="Arial"/>
+                <a:cs typeface="Arial"/>
+                <a:sym typeface="Arial"/>
+              </a:rPr>
+              <a:t>‹#›</a:t>
+            </a:fld>
+            <a:endParaRPr/>
+          </a:p>
+        </p:txBody>
+      </p:sp>
+      <p:sp>
+        <p:nvSpPr>
+          <p:cNvPr id="368" name="Google Shape;368;p28"/>
           <p:cNvSpPr txBox="1"/>
           <p:nvPr>
             <p:ph idx="10" type="dt"/>
@@ -23468,11 +25914,11 @@
         </p:spPr>
         <p:txBody>
           <a:bodyPr anchorCtr="0" anchor="t" bIns="45000" lIns="90000" spcFirstLastPara="1" rIns="90000" wrap="square" tIns="45000">
-            <a:normAutofit fontScale="62500" lnSpcReduction="19999"/>
+            <a:normAutofit lnSpcReduction="20000"/>
           </a:bodyPr>
           <a:lstStyle/>
           <a:p>
-            <a:pPr indent="-228600" lvl="0" marL="228600" marR="0" rtl="0" algn="l">
+            <a:pPr indent="-406400" lvl="0" marL="457200" marR="0" rtl="0" algn="l">
               <a:lnSpc>
                 <a:spcPct val="90000"/>
               </a:lnSpc>
@@ -23485,9 +25931,9 @@
               <a:buClr>
                 <a:srgbClr val="000000"/>
               </a:buClr>
-              <a:buSzPct val="100000"/>
+              <a:buSzPts val="2800"/>
               <a:buFont typeface="Arial"/>
-              <a:buChar char="•"/>
+              <a:buChar char="●"/>
             </a:pPr>
             <a:r>
               <a:rPr b="0" i="0" lang="en-US" sz="2800" u="none" cap="none" strike="noStrike">
@@ -23512,12 +25958,12 @@
             </a:endParaRPr>
           </a:p>
           <a:p>
-            <a:pPr indent="-228600" lvl="0" marL="228600" marR="0" rtl="0" algn="l">
+            <a:pPr indent="-406400" lvl="0" marL="457200" marR="0" rtl="0" algn="l">
               <a:lnSpc>
                 <a:spcPct val="90000"/>
               </a:lnSpc>
               <a:spcBef>
-                <a:spcPts val="1001"/>
+                <a:spcPts val="0"/>
               </a:spcBef>
               <a:spcAft>
                 <a:spcPts val="0"/>
@@ -23525,9 +25971,9 @@
               <a:buClr>
                 <a:srgbClr val="000000"/>
               </a:buClr>
-              <a:buSzPct val="100000"/>
+              <a:buSzPts val="2800"/>
               <a:buFont typeface="Arial"/>
-              <a:buChar char="•"/>
+              <a:buChar char="●"/>
             </a:pPr>
             <a:r>
               <a:rPr b="0" i="0" lang="en-US" sz="2800" u="none" cap="none" strike="noStrike">
@@ -23552,19 +25998,22 @@
             </a:endParaRPr>
           </a:p>
           <a:p>
-            <a:pPr indent="0" lvl="0" marL="0" marR="0" rtl="0" algn="l">
+            <a:pPr indent="-406400" lvl="0" marL="457200" marR="0" rtl="0" algn="l">
               <a:lnSpc>
                 <a:spcPct val="90000"/>
               </a:lnSpc>
               <a:spcBef>
-                <a:spcPts val="1001"/>
-              </a:spcBef>
-              <a:spcAft>
-                <a:spcPts val="0"/>
-              </a:spcAft>
-              <a:buSzPct val="100000"/>
+                <a:spcPts val="0"/>
+              </a:spcBef>
+              <a:spcAft>
+                <a:spcPts val="0"/>
+              </a:spcAft>
+              <a:buClr>
+                <a:srgbClr val="000000"/>
+              </a:buClr>
+              <a:buSzPts val="2800"/>
               <a:buFont typeface="Arial"/>
-              <a:buNone/>
+              <a:buChar char="●"/>
             </a:pPr>
             <a:r>
               <a:t/>
@@ -23580,12 +26029,12 @@
             </a:endParaRPr>
           </a:p>
           <a:p>
-            <a:pPr indent="-228600" lvl="0" marL="228600" marR="0" rtl="0" algn="l">
+            <a:pPr indent="-406400" lvl="0" marL="457200" marR="0" rtl="0" algn="l">
               <a:lnSpc>
                 <a:spcPct val="90000"/>
               </a:lnSpc>
               <a:spcBef>
-                <a:spcPts val="1001"/>
+                <a:spcPts val="0"/>
               </a:spcBef>
               <a:spcAft>
                 <a:spcPts val="0"/>
@@ -23593,9 +26042,9 @@
               <a:buClr>
                 <a:srgbClr val="000000"/>
               </a:buClr>
-              <a:buSzPct val="100000"/>
+              <a:buSzPts val="2800"/>
               <a:buFont typeface="Arial"/>
-              <a:buChar char="•"/>
+              <a:buChar char="●"/>
             </a:pPr>
             <a:r>
               <a:rPr b="0" i="0" lang="en-US" sz="2800" u="none" cap="none" strike="noStrike">
@@ -23620,12 +26069,12 @@
             </a:endParaRPr>
           </a:p>
           <a:p>
-            <a:pPr indent="-324000" lvl="1" marL="864000" marR="0" rtl="0" algn="l">
+            <a:pPr indent="-406400" lvl="1" marL="914400" marR="0" rtl="0" algn="l">
               <a:lnSpc>
                 <a:spcPct val="90000"/>
               </a:lnSpc>
               <a:spcBef>
-                <a:spcPts val="1134"/>
+                <a:spcPts val="0"/>
               </a:spcBef>
               <a:spcAft>
                 <a:spcPts val="0"/>
@@ -23633,9 +26082,9 @@
               <a:buClr>
                 <a:srgbClr val="000000"/>
               </a:buClr>
-              <a:buSzPct val="75000"/>
-              <a:buFont typeface="Noto Sans Symbols"/>
-              <a:buChar char="−"/>
+              <a:buSzPts val="2800"/>
+              <a:buFont typeface="Arial"/>
+              <a:buChar char="○"/>
             </a:pPr>
             <a:r>
               <a:rPr b="0" i="0" lang="en-US" sz="2800" u="none" cap="none" strike="noStrike">
@@ -23660,12 +26109,12 @@
             </a:endParaRPr>
           </a:p>
           <a:p>
-            <a:pPr indent="-324000" lvl="1" marL="864000" marR="0" rtl="0" algn="l">
+            <a:pPr indent="-406400" lvl="1" marL="914400" marR="0" rtl="0" algn="l">
               <a:lnSpc>
                 <a:spcPct val="90000"/>
               </a:lnSpc>
               <a:spcBef>
-                <a:spcPts val="1134"/>
+                <a:spcPts val="0"/>
               </a:spcBef>
               <a:spcAft>
                 <a:spcPts val="0"/>
@@ -23673,9 +26122,9 @@
               <a:buClr>
                 <a:srgbClr val="000000"/>
               </a:buClr>
-              <a:buSzPct val="75000"/>
-              <a:buFont typeface="Noto Sans Symbols"/>
-              <a:buChar char="−"/>
+              <a:buSzPts val="2800"/>
+              <a:buFont typeface="Arial"/>
+              <a:buChar char="○"/>
             </a:pPr>
             <a:r>
               <a:rPr b="0" i="0" lang="en-US" sz="2800" u="none" cap="none" strike="noStrike">
@@ -23700,12 +26149,12 @@
             </a:endParaRPr>
           </a:p>
           <a:p>
-            <a:pPr indent="-324000" lvl="1" marL="864000" marR="0" rtl="0" algn="l">
+            <a:pPr indent="-406400" lvl="1" marL="914400" marR="0" rtl="0" algn="l">
               <a:lnSpc>
                 <a:spcPct val="90000"/>
               </a:lnSpc>
               <a:spcBef>
-                <a:spcPts val="1134"/>
+                <a:spcPts val="0"/>
               </a:spcBef>
               <a:spcAft>
                 <a:spcPts val="0"/>
@@ -23713,9 +26162,9 @@
               <a:buClr>
                 <a:srgbClr val="000000"/>
               </a:buClr>
-              <a:buSzPct val="75000"/>
-              <a:buFont typeface="Noto Sans Symbols"/>
-              <a:buChar char="−"/>
+              <a:buSzPts val="2800"/>
+              <a:buFont typeface="Arial"/>
+              <a:buChar char="○"/>
             </a:pPr>
             <a:r>
               <a:rPr b="0" i="0" lang="en-US" sz="2800" u="none" cap="none" strike="noStrike">
@@ -23740,12 +26189,12 @@
             </a:endParaRPr>
           </a:p>
           <a:p>
-            <a:pPr indent="-228600" lvl="0" marL="228600" marR="0" rtl="0" algn="l">
+            <a:pPr indent="-406400" lvl="0" marL="457200" marR="0" rtl="0" algn="l">
               <a:lnSpc>
                 <a:spcPct val="90000"/>
               </a:lnSpc>
               <a:spcBef>
-                <a:spcPts val="1417"/>
+                <a:spcPts val="0"/>
               </a:spcBef>
               <a:spcAft>
                 <a:spcPts val="0"/>
@@ -23753,9 +26202,9 @@
               <a:buClr>
                 <a:srgbClr val="000000"/>
               </a:buClr>
-              <a:buSzPct val="100000"/>
+              <a:buSzPts val="2800"/>
               <a:buFont typeface="Arial"/>
-              <a:buChar char="•"/>
+              <a:buChar char="●"/>
             </a:pPr>
             <a:r>
               <a:rPr b="0" i="0" lang="en-US" sz="2800" u="none" cap="none" strike="noStrike">
@@ -23780,12 +26229,12 @@
             </a:endParaRPr>
           </a:p>
           <a:p>
-            <a:pPr indent="-324000" lvl="1" marL="864000" marR="0" rtl="0" algn="l">
+            <a:pPr indent="-406400" lvl="1" marL="914400" marR="0" rtl="0" algn="l">
               <a:lnSpc>
                 <a:spcPct val="90000"/>
               </a:lnSpc>
               <a:spcBef>
-                <a:spcPts val="1134"/>
+                <a:spcPts val="0"/>
               </a:spcBef>
               <a:spcAft>
                 <a:spcPts val="0"/>
@@ -23793,9 +26242,9 @@
               <a:buClr>
                 <a:srgbClr val="000000"/>
               </a:buClr>
-              <a:buSzPct val="75000"/>
-              <a:buFont typeface="Noto Sans Symbols"/>
-              <a:buChar char="−"/>
+              <a:buSzPts val="2800"/>
+              <a:buFont typeface="Arial"/>
+              <a:buChar char="○"/>
             </a:pPr>
             <a:r>
               <a:rPr b="0" i="0" lang="en-US" sz="2800" u="none" cap="none" strike="noStrike">
@@ -23820,12 +26269,12 @@
             </a:endParaRPr>
           </a:p>
           <a:p>
-            <a:pPr indent="-324000" lvl="1" marL="864000" marR="0" rtl="0" algn="l">
+            <a:pPr indent="-406400" lvl="1" marL="914400" marR="0" rtl="0" algn="l">
               <a:lnSpc>
                 <a:spcPct val="90000"/>
               </a:lnSpc>
               <a:spcBef>
-                <a:spcPts val="1134"/>
+                <a:spcPts val="0"/>
               </a:spcBef>
               <a:spcAft>
                 <a:spcPts val="0"/>
@@ -23833,9 +26282,9 @@
               <a:buClr>
                 <a:srgbClr val="000000"/>
               </a:buClr>
-              <a:buSzPct val="75000"/>
-              <a:buFont typeface="Noto Sans Symbols"/>
-              <a:buChar char="−"/>
+              <a:buSzPts val="2800"/>
+              <a:buFont typeface="Arial"/>
+              <a:buChar char="○"/>
             </a:pPr>
             <a:r>
               <a:rPr b="0" i="0" lang="en-US" sz="2800" u="none" cap="none" strike="noStrike">
@@ -23860,12 +26309,12 @@
             </a:endParaRPr>
           </a:p>
           <a:p>
-            <a:pPr indent="-324000" lvl="1" marL="864000" marR="0" rtl="0" algn="l">
+            <a:pPr indent="-406400" lvl="1" marL="914400" marR="0" rtl="0" algn="l">
               <a:lnSpc>
                 <a:spcPct val="90000"/>
               </a:lnSpc>
               <a:spcBef>
-                <a:spcPts val="1134"/>
+                <a:spcPts val="0"/>
               </a:spcBef>
               <a:spcAft>
                 <a:spcPts val="0"/>
@@ -23873,9 +26322,9 @@
               <a:buClr>
                 <a:srgbClr val="000000"/>
               </a:buClr>
-              <a:buSzPct val="75000"/>
-              <a:buFont typeface="Noto Sans Symbols"/>
-              <a:buChar char="−"/>
+              <a:buSzPts val="2800"/>
+              <a:buFont typeface="Arial"/>
+              <a:buChar char="○"/>
             </a:pPr>
             <a:r>
               <a:rPr b="0" i="0" lang="en-US" sz="2800" u="none" cap="none" strike="noStrike">
@@ -23900,12 +26349,12 @@
             </a:endParaRPr>
           </a:p>
           <a:p>
-            <a:pPr indent="-228600" lvl="0" marL="228600" marR="0" rtl="0" algn="l">
+            <a:pPr indent="-406400" lvl="0" marL="457200" marR="0" rtl="0" algn="l">
               <a:lnSpc>
                 <a:spcPct val="90000"/>
               </a:lnSpc>
               <a:spcBef>
-                <a:spcPts val="1417"/>
+                <a:spcPts val="0"/>
               </a:spcBef>
               <a:spcAft>
                 <a:spcPts val="0"/>
@@ -23913,9 +26362,9 @@
               <a:buClr>
                 <a:srgbClr val="000000"/>
               </a:buClr>
-              <a:buSzPct val="100000"/>
+              <a:buSzPts val="2800"/>
               <a:buFont typeface="Arial"/>
-              <a:buChar char="•"/>
+              <a:buChar char="●"/>
             </a:pPr>
             <a:r>
               <a:rPr b="0" i="0" lang="en-US" sz="2800" u="none" cap="none" strike="noStrike">
@@ -23940,12 +26389,12 @@
             </a:endParaRPr>
           </a:p>
           <a:p>
-            <a:pPr indent="-324000" lvl="1" marL="864000" marR="0" rtl="0" algn="l">
+            <a:pPr indent="-406400" lvl="1" marL="914400" marR="0" rtl="0" algn="l">
               <a:lnSpc>
                 <a:spcPct val="90000"/>
               </a:lnSpc>
               <a:spcBef>
-                <a:spcPts val="1134"/>
+                <a:spcPts val="0"/>
               </a:spcBef>
               <a:spcAft>
                 <a:spcPts val="0"/>
@@ -23953,9 +26402,9 @@
               <a:buClr>
                 <a:srgbClr val="000000"/>
               </a:buClr>
-              <a:buSzPct val="75000"/>
-              <a:buFont typeface="Noto Sans Symbols"/>
-              <a:buChar char="−"/>
+              <a:buSzPts val="2800"/>
+              <a:buFont typeface="Arial"/>
+              <a:buChar char="○"/>
             </a:pPr>
             <a:r>
               <a:rPr b="0" i="0" lang="en-US" sz="2800" u="none" cap="none" strike="noStrike">
@@ -23980,12 +26429,12 @@
             </a:endParaRPr>
           </a:p>
           <a:p>
-            <a:pPr indent="-324000" lvl="1" marL="864000" marR="0" rtl="0" algn="l">
+            <a:pPr indent="-406400" lvl="1" marL="914400" marR="0" rtl="0" algn="l">
               <a:lnSpc>
                 <a:spcPct val="90000"/>
               </a:lnSpc>
               <a:spcBef>
-                <a:spcPts val="1134"/>
+                <a:spcPts val="0"/>
               </a:spcBef>
               <a:spcAft>
                 <a:spcPts val="0"/>
@@ -23993,9 +26442,9 @@
               <a:buClr>
                 <a:srgbClr val="000000"/>
               </a:buClr>
-              <a:buSzPct val="75000"/>
-              <a:buFont typeface="Noto Sans Symbols"/>
-              <a:buChar char="−"/>
+              <a:buSzPts val="2800"/>
+              <a:buFont typeface="Arial"/>
+              <a:buChar char="○"/>
             </a:pPr>
             <a:r>
               <a:rPr b="0" i="0" lang="en-US" sz="2800" u="none" cap="none" strike="noStrike">
@@ -24020,12 +26469,12 @@
             </a:endParaRPr>
           </a:p>
           <a:p>
-            <a:pPr indent="-324000" lvl="1" marL="864000" marR="0" rtl="0" algn="l">
+            <a:pPr indent="-406400" lvl="1" marL="914400" marR="0" rtl="0" algn="l">
               <a:lnSpc>
                 <a:spcPct val="90000"/>
               </a:lnSpc>
               <a:spcBef>
-                <a:spcPts val="1134"/>
+                <a:spcPts val="0"/>
               </a:spcBef>
               <a:spcAft>
                 <a:spcPts val="0"/>
@@ -24033,9 +26482,9 @@
               <a:buClr>
                 <a:srgbClr val="000000"/>
               </a:buClr>
-              <a:buSzPct val="75000"/>
-              <a:buFont typeface="Noto Sans Symbols"/>
-              <a:buChar char="−"/>
+              <a:buSzPts val="2800"/>
+              <a:buFont typeface="Arial"/>
+              <a:buChar char="○"/>
             </a:pPr>
             <a:r>
               <a:rPr b="0" i="0" lang="en-US" sz="2800" u="none" cap="none" strike="noStrike">
@@ -24048,34 +26497,6 @@
                 <a:sym typeface="Arial"/>
               </a:rPr>
               <a:t>$$</a:t>
-            </a:r>
-            <a:endParaRPr b="0" i="0" sz="2800" u="none" cap="none" strike="noStrike">
-              <a:solidFill>
-                <a:srgbClr val="000000"/>
-              </a:solidFill>
-              <a:latin typeface="Times New Roman"/>
-              <a:ea typeface="Times New Roman"/>
-              <a:cs typeface="Times New Roman"/>
-              <a:sym typeface="Times New Roman"/>
-            </a:endParaRPr>
-          </a:p>
-          <a:p>
-            <a:pPr indent="0" lvl="0" marL="0" marR="0" rtl="0" algn="l">
-              <a:lnSpc>
-                <a:spcPct val="90000"/>
-              </a:lnSpc>
-              <a:spcBef>
-                <a:spcPts val="1001"/>
-              </a:spcBef>
-              <a:spcAft>
-                <a:spcPts val="0"/>
-              </a:spcAft>
-              <a:buSzPct val="100000"/>
-              <a:buFont typeface="Arial"/>
-              <a:buNone/>
-            </a:pPr>
-            <a:r>
-              <a:t/>
             </a:r>
             <a:endParaRPr b="0" i="0" sz="2800" u="none" cap="none" strike="noStrike">
               <a:solidFill>
@@ -24453,7 +26874,7 @@
           </a:bodyPr>
           <a:lstStyle/>
           <a:p>
-            <a:pPr indent="-228600" lvl="0" marL="228600" marR="0" rtl="0" algn="l">
+            <a:pPr indent="-406400" lvl="0" marL="457200" marR="0" rtl="0" algn="l">
               <a:lnSpc>
                 <a:spcPct val="90000"/>
               </a:lnSpc>
@@ -24468,7 +26889,7 @@
               </a:buClr>
               <a:buSzPts val="2800"/>
               <a:buFont typeface="Arial"/>
-              <a:buChar char="•"/>
+              <a:buChar char="●"/>
             </a:pPr>
             <a:r>
               <a:rPr b="0" i="0" lang="en-US" sz="2800" u="none" cap="none" strike="noStrike">
@@ -24493,12 +26914,12 @@
             </a:endParaRPr>
           </a:p>
           <a:p>
-            <a:pPr indent="-228600" lvl="0" marL="228600" marR="0" rtl="0" algn="l">
+            <a:pPr indent="-406400" lvl="0" marL="457200" marR="0" rtl="0" algn="l">
               <a:lnSpc>
                 <a:spcPct val="90000"/>
               </a:lnSpc>
               <a:spcBef>
-                <a:spcPts val="1001"/>
+                <a:spcPts val="0"/>
               </a:spcBef>
               <a:spcAft>
                 <a:spcPts val="0"/>
@@ -24508,7 +26929,7 @@
               </a:buClr>
               <a:buSzPts val="2800"/>
               <a:buFont typeface="Arial"/>
-              <a:buChar char="•"/>
+              <a:buChar char="●"/>
             </a:pPr>
             <a:r>
               <a:rPr b="0" i="0" lang="en-US" sz="2800" u="none" cap="none" strike="noStrike">
@@ -24533,12 +26954,12 @@
             </a:endParaRPr>
           </a:p>
           <a:p>
-            <a:pPr indent="-228600" lvl="0" marL="228600" marR="0" rtl="0" algn="l">
+            <a:pPr indent="-406400" lvl="0" marL="457200" marR="0" rtl="0" algn="l">
               <a:lnSpc>
                 <a:spcPct val="90000"/>
               </a:lnSpc>
               <a:spcBef>
-                <a:spcPts val="1001"/>
+                <a:spcPts val="0"/>
               </a:spcBef>
               <a:spcAft>
                 <a:spcPts val="0"/>
@@ -24548,7 +26969,7 @@
               </a:buClr>
               <a:buSzPts val="2800"/>
               <a:buFont typeface="Arial"/>
-              <a:buChar char="•"/>
+              <a:buChar char="●"/>
             </a:pPr>
             <a:r>
               <a:rPr b="0" i="0" lang="en-US" sz="2800" u="none" cap="none" strike="noStrike">
@@ -25365,7 +27786,7 @@
           </a:bodyPr>
           <a:lstStyle/>
           <a:p>
-            <a:pPr indent="-228600" lvl="0" marL="228600" marR="0" rtl="0" algn="l">
+            <a:pPr indent="-406400" lvl="0" marL="457200" marR="0" rtl="0" algn="l">
               <a:lnSpc>
                 <a:spcPct val="90000"/>
               </a:lnSpc>
@@ -25380,7 +27801,7 @@
               </a:buClr>
               <a:buSzPts val="2800"/>
               <a:buFont typeface="Arial"/>
-              <a:buChar char="•"/>
+              <a:buChar char="●"/>
             </a:pPr>
             <a:r>
               <a:rPr b="0" i="0" lang="en-US" sz="2800" u="none" cap="none" strike="noStrike">
@@ -25405,12 +27826,12 @@
             </a:endParaRPr>
           </a:p>
           <a:p>
-            <a:pPr indent="-228600" lvl="0" marL="228600" marR="0" rtl="0" algn="l">
+            <a:pPr indent="-406400" lvl="0" marL="457200" marR="0" rtl="0" algn="l">
               <a:lnSpc>
                 <a:spcPct val="90000"/>
               </a:lnSpc>
               <a:spcBef>
-                <a:spcPts val="1001"/>
+                <a:spcPts val="0"/>
               </a:spcBef>
               <a:spcAft>
                 <a:spcPts val="0"/>
@@ -25420,7 +27841,7 @@
               </a:buClr>
               <a:buSzPts val="2800"/>
               <a:buFont typeface="Arial"/>
-              <a:buChar char="•"/>
+              <a:buChar char="●"/>
             </a:pPr>
             <a:r>
               <a:rPr b="0" i="0" lang="en-US" sz="2800" u="none" cap="none" strike="noStrike">
@@ -26202,6 +28623,285 @@
 </file>
 
 <file path=ppt/theme/theme2.xml><?xml version="1.0" encoding="utf-8"?>
+<a:theme xmlns:a="http://schemas.openxmlformats.org/drawingml/2006/main" xmlns:r="http://schemas.openxmlformats.org/officeDocument/2006/relationships">
+  <a:themeElements>
+    <a:clrScheme name="Default">
+      <a:dk1>
+        <a:srgbClr val="000000"/>
+      </a:dk1>
+      <a:lt1>
+        <a:srgbClr val="FFFFFF"/>
+      </a:lt1>
+      <a:dk2>
+        <a:srgbClr val="158158"/>
+      </a:dk2>
+      <a:lt2>
+        <a:srgbClr val="F3F3F3"/>
+      </a:lt2>
+      <a:accent1>
+        <a:srgbClr val="058DC7"/>
+      </a:accent1>
+      <a:accent2>
+        <a:srgbClr val="50B432"/>
+      </a:accent2>
+      <a:accent3>
+        <a:srgbClr val="ED561B"/>
+      </a:accent3>
+      <a:accent4>
+        <a:srgbClr val="EDEF00"/>
+      </a:accent4>
+      <a:accent5>
+        <a:srgbClr val="24CBE5"/>
+      </a:accent5>
+      <a:accent6>
+        <a:srgbClr val="64E572"/>
+      </a:accent6>
+      <a:hlink>
+        <a:srgbClr val="2200CC"/>
+      </a:hlink>
+      <a:folHlink>
+        <a:srgbClr val="551A8B"/>
+      </a:folHlink>
+    </a:clrScheme>
+    <a:fontScheme name="Office">
+      <a:majorFont>
+        <a:latin typeface="Arial"/>
+        <a:ea typeface=""/>
+        <a:cs typeface=""/>
+        <a:font script="Jpan" typeface="ＭＳ Ｐゴシック"/>
+        <a:font script="Hang" typeface="맑은 고딕"/>
+        <a:font script="Hans" typeface="宋体"/>
+        <a:font script="Hant" typeface="新細明體"/>
+        <a:font script="Arab" typeface="Times New Roman"/>
+        <a:font script="Hebr" typeface="Times New Roman"/>
+        <a:font script="Thai" typeface="Angsana New"/>
+        <a:font script="Ethi" typeface="Nyala"/>
+        <a:font script="Beng" typeface="Vrinda"/>
+        <a:font script="Gujr" typeface="Shruti"/>
+        <a:font script="Khmr" typeface="MoolBoran"/>
+        <a:font script="Knda" typeface="Tunga"/>
+        <a:font script="Guru" typeface="Raavi"/>
+        <a:font script="Cans" typeface="Euphemia"/>
+        <a:font script="Cher" typeface="Plantagenet Cherokee"/>
+        <a:font script="Yiii" typeface="Microsoft Yi Baiti"/>
+        <a:font script="Tibt" typeface="Microsoft Himalaya"/>
+        <a:font script="Thaa" typeface="MV Boli"/>
+        <a:font script="Deva" typeface="Mangal"/>
+        <a:font script="Telu" typeface="Gautami"/>
+        <a:font script="Taml" typeface="Latha"/>
+        <a:font script="Syrc" typeface="Estrangelo Edessa"/>
+        <a:font script="Orya" typeface="Kalinga"/>
+        <a:font script="Mlym" typeface="Kartika"/>
+        <a:font script="Laoo" typeface="DokChampa"/>
+        <a:font script="Sinh" typeface="Iskoola Pota"/>
+        <a:font script="Mong" typeface="Mongolian Baiti"/>
+        <a:font script="Viet" typeface="Times New Roman"/>
+        <a:font script="Uigh" typeface="Microsoft Uighur"/>
+        <a:font script="Geor" typeface="Sylfaen"/>
+      </a:majorFont>
+      <a:minorFont>
+        <a:latin typeface="Arial"/>
+        <a:ea typeface=""/>
+        <a:cs typeface=""/>
+        <a:font script="Jpan" typeface="ＭＳ Ｐゴシック"/>
+        <a:font script="Hang" typeface="맑은 고딕"/>
+        <a:font script="Hans" typeface="宋体"/>
+        <a:font script="Hant" typeface="新細明體"/>
+        <a:font script="Arab" typeface="Arial"/>
+        <a:font script="Hebr" typeface="Arial"/>
+        <a:font script="Thai" typeface="Cordia New"/>
+        <a:font script="Ethi" typeface="Nyala"/>
+        <a:font script="Beng" typeface="Vrinda"/>
+        <a:font script="Gujr" typeface="Shruti"/>
+        <a:font script="Khmr" typeface="DaunPenh"/>
+        <a:font script="Knda" typeface="Tunga"/>
+        <a:font script="Guru" typeface="Raavi"/>
+        <a:font script="Cans" typeface="Euphemia"/>
+        <a:font script="Cher" typeface="Plantagenet Cherokee"/>
+        <a:font script="Yiii" typeface="Microsoft Yi Baiti"/>
+        <a:font script="Tibt" typeface="Microsoft Himalaya"/>
+        <a:font script="Thaa" typeface="MV Boli"/>
+        <a:font script="Deva" typeface="Mangal"/>
+        <a:font script="Telu" typeface="Gautami"/>
+        <a:font script="Taml" typeface="Latha"/>
+        <a:font script="Syrc" typeface="Estrangelo Edessa"/>
+        <a:font script="Orya" typeface="Kalinga"/>
+        <a:font script="Mlym" typeface="Kartika"/>
+        <a:font script="Laoo" typeface="DokChampa"/>
+        <a:font script="Sinh" typeface="Iskoola Pota"/>
+        <a:font script="Mong" typeface="Mongolian Baiti"/>
+        <a:font script="Viet" typeface="Arial"/>
+        <a:font script="Uigh" typeface="Microsoft Uighur"/>
+        <a:font script="Geor" typeface="Sylfaen"/>
+      </a:minorFont>
+    </a:fontScheme>
+    <a:fmtScheme name="Office">
+      <a:fillStyleLst>
+        <a:solidFill>
+          <a:schemeClr val="phClr"/>
+        </a:solidFill>
+        <a:gradFill rotWithShape="1">
+          <a:gsLst>
+            <a:gs pos="0">
+              <a:schemeClr val="phClr">
+                <a:tint val="50000"/>
+                <a:satMod val="300000"/>
+              </a:schemeClr>
+            </a:gs>
+            <a:gs pos="35000">
+              <a:schemeClr val="phClr">
+                <a:tint val="37000"/>
+                <a:satMod val="300000"/>
+              </a:schemeClr>
+            </a:gs>
+            <a:gs pos="100000">
+              <a:schemeClr val="phClr">
+                <a:tint val="15000"/>
+                <a:satMod val="350000"/>
+              </a:schemeClr>
+            </a:gs>
+          </a:gsLst>
+          <a:lin ang="16200000" scaled="1"/>
+        </a:gradFill>
+        <a:gradFill rotWithShape="1">
+          <a:gsLst>
+            <a:gs pos="0">
+              <a:schemeClr val="phClr">
+                <a:tint val="100000"/>
+                <a:shade val="100000"/>
+                <a:satMod val="130000"/>
+              </a:schemeClr>
+            </a:gs>
+            <a:gs pos="100000">
+              <a:schemeClr val="phClr">
+                <a:tint val="50000"/>
+                <a:shade val="100000"/>
+                <a:satMod val="350000"/>
+              </a:schemeClr>
+            </a:gs>
+          </a:gsLst>
+          <a:lin ang="16200000" scaled="0"/>
+        </a:gradFill>
+      </a:fillStyleLst>
+      <a:lnStyleLst>
+        <a:ln w="9525" cap="flat" cmpd="sng" algn="ctr">
+          <a:solidFill>
+            <a:schemeClr val="phClr">
+              <a:shade val="95000"/>
+              <a:satMod val="105000"/>
+            </a:schemeClr>
+          </a:solidFill>
+          <a:prstDash val="solid"/>
+        </a:ln>
+        <a:ln w="25400" cap="flat" cmpd="sng" algn="ctr">
+          <a:solidFill>
+            <a:schemeClr val="phClr"/>
+          </a:solidFill>
+          <a:prstDash val="solid"/>
+        </a:ln>
+        <a:ln w="38100" cap="flat" cmpd="sng" algn="ctr">
+          <a:solidFill>
+            <a:schemeClr val="phClr"/>
+          </a:solidFill>
+          <a:prstDash val="solid"/>
+        </a:ln>
+      </a:lnStyleLst>
+      <a:effectStyleLst>
+        <a:effectStyle>
+          <a:effectLst>
+            <a:outerShdw blurRad="40000" dist="20000" dir="5400000" rotWithShape="0">
+              <a:srgbClr val="000000">
+                <a:alpha val="38000"/>
+              </a:srgbClr>
+            </a:outerShdw>
+          </a:effectLst>
+        </a:effectStyle>
+        <a:effectStyle>
+          <a:effectLst>
+            <a:outerShdw blurRad="40000" dist="23000" dir="5400000" rotWithShape="0">
+              <a:srgbClr val="000000">
+                <a:alpha val="35000"/>
+              </a:srgbClr>
+            </a:outerShdw>
+          </a:effectLst>
+        </a:effectStyle>
+        <a:effectStyle>
+          <a:effectLst>
+            <a:outerShdw blurRad="40000" dist="23000" dir="5400000" rotWithShape="0">
+              <a:srgbClr val="000000">
+                <a:alpha val="35000"/>
+              </a:srgbClr>
+            </a:outerShdw>
+          </a:effectLst>
+          <a:scene3d>
+            <a:camera prst="orthographicFront">
+              <a:rot lat="0" lon="0" rev="0"/>
+            </a:camera>
+            <a:lightRig rig="threePt" dir="t">
+              <a:rot lat="0" lon="0" rev="1200000"/>
+            </a:lightRig>
+          </a:scene3d>
+          <a:sp3d>
+            <a:bevelT w="63500" h="25400"/>
+          </a:sp3d>
+        </a:effectStyle>
+      </a:effectStyleLst>
+      <a:bgFillStyleLst>
+        <a:solidFill>
+          <a:schemeClr val="phClr"/>
+        </a:solidFill>
+        <a:gradFill rotWithShape="1">
+          <a:gsLst>
+            <a:gs pos="0">
+              <a:schemeClr val="phClr">
+                <a:tint val="40000"/>
+                <a:satMod val="350000"/>
+              </a:schemeClr>
+            </a:gs>
+            <a:gs pos="40000">
+              <a:schemeClr val="phClr">
+                <a:tint val="45000"/>
+                <a:shade val="99000"/>
+                <a:satMod val="350000"/>
+              </a:schemeClr>
+            </a:gs>
+            <a:gs pos="100000">
+              <a:schemeClr val="phClr">
+                <a:shade val="20000"/>
+                <a:satMod val="255000"/>
+              </a:schemeClr>
+            </a:gs>
+          </a:gsLst>
+          <a:path path="circle">
+            <a:fillToRect l="50000" t="-80000" r="50000" b="180000"/>
+          </a:path>
+        </a:gradFill>
+        <a:gradFill rotWithShape="1">
+          <a:gsLst>
+            <a:gs pos="0">
+              <a:schemeClr val="phClr">
+                <a:tint val="80000"/>
+                <a:satMod val="300000"/>
+              </a:schemeClr>
+            </a:gs>
+            <a:gs pos="100000">
+              <a:schemeClr val="phClr">
+                <a:shade val="30000"/>
+                <a:satMod val="200000"/>
+              </a:schemeClr>
+            </a:gs>
+          </a:gsLst>
+          <a:path path="circle">
+            <a:fillToRect l="50000" t="50000" r="50000" b="50000"/>
+          </a:path>
+        </a:gradFill>
+      </a:bgFillStyleLst>
+    </a:fmtScheme>
+  </a:themeElements>
+</a:theme>
+</file>
+
+<file path=ppt/theme/theme3.xml><?xml version="1.0" encoding="utf-8"?>
 <a:theme xmlns:a="http://schemas.openxmlformats.org/drawingml/2006/main" xmlns:r="http://schemas.openxmlformats.org/officeDocument/2006/relationships" name="Office Theme">
   <a:themeElements>
     <a:clrScheme name="Office">
@@ -26478,283 +29178,4 @@
     </a:fmtScheme>
   </a:themeElements>
 </a:theme>
-</file>
-
-<file path=ppt/theme/theme3.xml><?xml version="1.0" encoding="utf-8"?>
-<a:theme xmlns:a="http://schemas.openxmlformats.org/drawingml/2006/main" xmlns:r="http://schemas.openxmlformats.org/officeDocument/2006/relationships">
-  <a:themeElements>
-    <a:clrScheme name="Default">
-      <a:dk1>
-        <a:srgbClr val="000000"/>
-      </a:dk1>
-      <a:lt1>
-        <a:srgbClr val="FFFFFF"/>
-      </a:lt1>
-      <a:dk2>
-        <a:srgbClr val="158158"/>
-      </a:dk2>
-      <a:lt2>
-        <a:srgbClr val="F3F3F3"/>
-      </a:lt2>
-      <a:accent1>
-        <a:srgbClr val="058DC7"/>
-      </a:accent1>
-      <a:accent2>
-        <a:srgbClr val="50B432"/>
-      </a:accent2>
-      <a:accent3>
-        <a:srgbClr val="ED561B"/>
-      </a:accent3>
-      <a:accent4>
-        <a:srgbClr val="EDEF00"/>
-      </a:accent4>
-      <a:accent5>
-        <a:srgbClr val="24CBE5"/>
-      </a:accent5>
-      <a:accent6>
-        <a:srgbClr val="64E572"/>
-      </a:accent6>
-      <a:hlink>
-        <a:srgbClr val="2200CC"/>
-      </a:hlink>
-      <a:folHlink>
-        <a:srgbClr val="551A8B"/>
-      </a:folHlink>
-    </a:clrScheme>
-    <a:fontScheme name="Office">
-      <a:majorFont>
-        <a:latin typeface="Arial"/>
-        <a:ea typeface=""/>
-        <a:cs typeface=""/>
-        <a:font script="Jpan" typeface="ＭＳ Ｐゴシック"/>
-        <a:font script="Hang" typeface="맑은 고딕"/>
-        <a:font script="Hans" typeface="宋体"/>
-        <a:font script="Hant" typeface="新細明體"/>
-        <a:font script="Arab" typeface="Times New Roman"/>
-        <a:font script="Hebr" typeface="Times New Roman"/>
-        <a:font script="Thai" typeface="Angsana New"/>
-        <a:font script="Ethi" typeface="Nyala"/>
-        <a:font script="Beng" typeface="Vrinda"/>
-        <a:font script="Gujr" typeface="Shruti"/>
-        <a:font script="Khmr" typeface="MoolBoran"/>
-        <a:font script="Knda" typeface="Tunga"/>
-        <a:font script="Guru" typeface="Raavi"/>
-        <a:font script="Cans" typeface="Euphemia"/>
-        <a:font script="Cher" typeface="Plantagenet Cherokee"/>
-        <a:font script="Yiii" typeface="Microsoft Yi Baiti"/>
-        <a:font script="Tibt" typeface="Microsoft Himalaya"/>
-        <a:font script="Thaa" typeface="MV Boli"/>
-        <a:font script="Deva" typeface="Mangal"/>
-        <a:font script="Telu" typeface="Gautami"/>
-        <a:font script="Taml" typeface="Latha"/>
-        <a:font script="Syrc" typeface="Estrangelo Edessa"/>
-        <a:font script="Orya" typeface="Kalinga"/>
-        <a:font script="Mlym" typeface="Kartika"/>
-        <a:font script="Laoo" typeface="DokChampa"/>
-        <a:font script="Sinh" typeface="Iskoola Pota"/>
-        <a:font script="Mong" typeface="Mongolian Baiti"/>
-        <a:font script="Viet" typeface="Times New Roman"/>
-        <a:font script="Uigh" typeface="Microsoft Uighur"/>
-        <a:font script="Geor" typeface="Sylfaen"/>
-      </a:majorFont>
-      <a:minorFont>
-        <a:latin typeface="Arial"/>
-        <a:ea typeface=""/>
-        <a:cs typeface=""/>
-        <a:font script="Jpan" typeface="ＭＳ Ｐゴシック"/>
-        <a:font script="Hang" typeface="맑은 고딕"/>
-        <a:font script="Hans" typeface="宋体"/>
-        <a:font script="Hant" typeface="新細明體"/>
-        <a:font script="Arab" typeface="Arial"/>
-        <a:font script="Hebr" typeface="Arial"/>
-        <a:font script="Thai" typeface="Cordia New"/>
-        <a:font script="Ethi" typeface="Nyala"/>
-        <a:font script="Beng" typeface="Vrinda"/>
-        <a:font script="Gujr" typeface="Shruti"/>
-        <a:font script="Khmr" typeface="DaunPenh"/>
-        <a:font script="Knda" typeface="Tunga"/>
-        <a:font script="Guru" typeface="Raavi"/>
-        <a:font script="Cans" typeface="Euphemia"/>
-        <a:font script="Cher" typeface="Plantagenet Cherokee"/>
-        <a:font script="Yiii" typeface="Microsoft Yi Baiti"/>
-        <a:font script="Tibt" typeface="Microsoft Himalaya"/>
-        <a:font script="Thaa" typeface="MV Boli"/>
-        <a:font script="Deva" typeface="Mangal"/>
-        <a:font script="Telu" typeface="Gautami"/>
-        <a:font script="Taml" typeface="Latha"/>
-        <a:font script="Syrc" typeface="Estrangelo Edessa"/>
-        <a:font script="Orya" typeface="Kalinga"/>
-        <a:font script="Mlym" typeface="Kartika"/>
-        <a:font script="Laoo" typeface="DokChampa"/>
-        <a:font script="Sinh" typeface="Iskoola Pota"/>
-        <a:font script="Mong" typeface="Mongolian Baiti"/>
-        <a:font script="Viet" typeface="Arial"/>
-        <a:font script="Uigh" typeface="Microsoft Uighur"/>
-        <a:font script="Geor" typeface="Sylfaen"/>
-      </a:minorFont>
-    </a:fontScheme>
-    <a:fmtScheme name="Office">
-      <a:fillStyleLst>
-        <a:solidFill>
-          <a:schemeClr val="phClr"/>
-        </a:solidFill>
-        <a:gradFill rotWithShape="1">
-          <a:gsLst>
-            <a:gs pos="0">
-              <a:schemeClr val="phClr">
-                <a:tint val="50000"/>
-                <a:satMod val="300000"/>
-              </a:schemeClr>
-            </a:gs>
-            <a:gs pos="35000">
-              <a:schemeClr val="phClr">
-                <a:tint val="37000"/>
-                <a:satMod val="300000"/>
-              </a:schemeClr>
-            </a:gs>
-            <a:gs pos="100000">
-              <a:schemeClr val="phClr">
-                <a:tint val="15000"/>
-                <a:satMod val="350000"/>
-              </a:schemeClr>
-            </a:gs>
-          </a:gsLst>
-          <a:lin ang="16200000" scaled="1"/>
-        </a:gradFill>
-        <a:gradFill rotWithShape="1">
-          <a:gsLst>
-            <a:gs pos="0">
-              <a:schemeClr val="phClr">
-                <a:tint val="100000"/>
-                <a:shade val="100000"/>
-                <a:satMod val="130000"/>
-              </a:schemeClr>
-            </a:gs>
-            <a:gs pos="100000">
-              <a:schemeClr val="phClr">
-                <a:tint val="50000"/>
-                <a:shade val="100000"/>
-                <a:satMod val="350000"/>
-              </a:schemeClr>
-            </a:gs>
-          </a:gsLst>
-          <a:lin ang="16200000" scaled="0"/>
-        </a:gradFill>
-      </a:fillStyleLst>
-      <a:lnStyleLst>
-        <a:ln w="9525" cap="flat" cmpd="sng" algn="ctr">
-          <a:solidFill>
-            <a:schemeClr val="phClr">
-              <a:shade val="95000"/>
-              <a:satMod val="105000"/>
-            </a:schemeClr>
-          </a:solidFill>
-          <a:prstDash val="solid"/>
-        </a:ln>
-        <a:ln w="25400" cap="flat" cmpd="sng" algn="ctr">
-          <a:solidFill>
-            <a:schemeClr val="phClr"/>
-          </a:solidFill>
-          <a:prstDash val="solid"/>
-        </a:ln>
-        <a:ln w="38100" cap="flat" cmpd="sng" algn="ctr">
-          <a:solidFill>
-            <a:schemeClr val="phClr"/>
-          </a:solidFill>
-          <a:prstDash val="solid"/>
-        </a:ln>
-      </a:lnStyleLst>
-      <a:effectStyleLst>
-        <a:effectStyle>
-          <a:effectLst>
-            <a:outerShdw blurRad="40000" dist="20000" dir="5400000" rotWithShape="0">
-              <a:srgbClr val="000000">
-                <a:alpha val="38000"/>
-              </a:srgbClr>
-            </a:outerShdw>
-          </a:effectLst>
-        </a:effectStyle>
-        <a:effectStyle>
-          <a:effectLst>
-            <a:outerShdw blurRad="40000" dist="23000" dir="5400000" rotWithShape="0">
-              <a:srgbClr val="000000">
-                <a:alpha val="35000"/>
-              </a:srgbClr>
-            </a:outerShdw>
-          </a:effectLst>
-        </a:effectStyle>
-        <a:effectStyle>
-          <a:effectLst>
-            <a:outerShdw blurRad="40000" dist="23000" dir="5400000" rotWithShape="0">
-              <a:srgbClr val="000000">
-                <a:alpha val="35000"/>
-              </a:srgbClr>
-            </a:outerShdw>
-          </a:effectLst>
-          <a:scene3d>
-            <a:camera prst="orthographicFront">
-              <a:rot lat="0" lon="0" rev="0"/>
-            </a:camera>
-            <a:lightRig rig="threePt" dir="t">
-              <a:rot lat="0" lon="0" rev="1200000"/>
-            </a:lightRig>
-          </a:scene3d>
-          <a:sp3d>
-            <a:bevelT w="63500" h="25400"/>
-          </a:sp3d>
-        </a:effectStyle>
-      </a:effectStyleLst>
-      <a:bgFillStyleLst>
-        <a:solidFill>
-          <a:schemeClr val="phClr"/>
-        </a:solidFill>
-        <a:gradFill rotWithShape="1">
-          <a:gsLst>
-            <a:gs pos="0">
-              <a:schemeClr val="phClr">
-                <a:tint val="40000"/>
-                <a:satMod val="350000"/>
-              </a:schemeClr>
-            </a:gs>
-            <a:gs pos="40000">
-              <a:schemeClr val="phClr">
-                <a:tint val="45000"/>
-                <a:shade val="99000"/>
-                <a:satMod val="350000"/>
-              </a:schemeClr>
-            </a:gs>
-            <a:gs pos="100000">
-              <a:schemeClr val="phClr">
-                <a:shade val="20000"/>
-                <a:satMod val="255000"/>
-              </a:schemeClr>
-            </a:gs>
-          </a:gsLst>
-          <a:path path="circle">
-            <a:fillToRect l="50000" t="-80000" r="50000" b="180000"/>
-          </a:path>
-        </a:gradFill>
-        <a:gradFill rotWithShape="1">
-          <a:gsLst>
-            <a:gs pos="0">
-              <a:schemeClr val="phClr">
-                <a:tint val="80000"/>
-                <a:satMod val="300000"/>
-              </a:schemeClr>
-            </a:gs>
-            <a:gs pos="100000">
-              <a:schemeClr val="phClr">
-                <a:shade val="30000"/>
-                <a:satMod val="200000"/>
-              </a:schemeClr>
-            </a:gs>
-          </a:gsLst>
-          <a:path path="circle">
-            <a:fillToRect l="50000" t="50000" r="50000" b="50000"/>
-          </a:path>
-        </a:gradFill>
-      </a:bgFillStyleLst>
-    </a:fmtScheme>
-  </a:themeElements>
-</a:theme>
 </file>